--- a/StoryBoard.pptx
+++ b/StoryBoard.pptx
@@ -9656,7 +9656,7 @@
         <p:spPr>
           <a:xfrm>
             <a:off x="8827477" y="808892"/>
-            <a:ext cx="3084499" cy="1477328"/>
+            <a:ext cx="3084499" cy="2031325"/>
           </a:xfrm>
           <a:prstGeom prst="rect">
             <a:avLst/>
@@ -9706,9 +9706,29 @@
             </a:pPr>
             <a:r>
               <a:rPr lang="ko-KR" altLang="en-US" dirty="0" smtClean="0"/>
-              <a:t>종료 누르면 종료</a:t>
-            </a:r>
-            <a:endParaRPr lang="ko-KR" altLang="en-US" dirty="0"/>
+              <a:t>종료 누르면 </a:t>
+            </a:r>
+            <a:r>
+              <a:rPr lang="ko-KR" altLang="en-US" dirty="0" smtClean="0"/>
+              <a:t>종료</a:t>
+            </a:r>
+            <a:endParaRPr lang="en-US" altLang="ko-KR" dirty="0"/>
+          </a:p>
+          <a:p>
+            <a:pPr marL="342900" indent="-342900">
+              <a:buAutoNum type="arabicPeriod"/>
+            </a:pPr>
+            <a:endParaRPr lang="en-US" altLang="ko-KR" dirty="0"/>
+          </a:p>
+          <a:p>
+            <a:pPr marL="342900" indent="-342900">
+              <a:buAutoNum type="arabicPeriod"/>
+            </a:pPr>
+            <a:r>
+              <a:rPr lang="ko-KR" altLang="en-US" dirty="0" smtClean="0"/>
+              <a:t>서버 정보</a:t>
+            </a:r>
+            <a:endParaRPr lang="en-US" altLang="ko-KR" dirty="0"/>
           </a:p>
         </p:txBody>
       </p:sp>
@@ -9797,6 +9817,59 @@
             <a:r>
               <a:rPr lang="ko-KR" altLang="en-US" dirty="0" smtClean="0"/>
               <a:t>종료</a:t>
+            </a:r>
+            <a:endParaRPr lang="ko-KR" altLang="en-US" dirty="0"/>
+          </a:p>
+        </p:txBody>
+      </p:sp>
+      <p:sp>
+        <p:nvSpPr>
+          <p:cNvPr id="2" name="TextBox 1"/>
+          <p:cNvSpPr txBox="1"/>
+          <p:nvPr/>
+        </p:nvSpPr>
+        <p:spPr>
+          <a:xfrm>
+            <a:off x="5950785" y="5758962"/>
+            <a:ext cx="1740876" cy="646331"/>
+          </a:xfrm>
+          <a:prstGeom prst="rect">
+            <a:avLst/>
+          </a:prstGeom>
+          <a:noFill/>
+        </p:spPr>
+        <p:txBody>
+          <a:bodyPr wrap="square" rtlCol="0">
+            <a:spAutoFit/>
+          </a:bodyPr>
+          <a:lstStyle/>
+          <a:p>
+            <a:r>
+              <a:rPr lang="ko-KR" altLang="en-US" dirty="0" smtClean="0"/>
+              <a:t>서버 </a:t>
+            </a:r>
+            <a:r>
+              <a:rPr lang="en-US" altLang="ko-KR" dirty="0" smtClean="0"/>
+              <a:t>: </a:t>
+            </a:r>
+            <a:r>
+              <a:rPr lang="en-US" altLang="ko-KR" dirty="0" err="1" smtClean="0"/>
+              <a:t>xxx.xxx</a:t>
+            </a:r>
+            <a:endParaRPr lang="en-US" altLang="ko-KR" dirty="0" smtClean="0"/>
+          </a:p>
+          <a:p>
+            <a:r>
+              <a:rPr lang="ko-KR" altLang="en-US" dirty="0" smtClean="0"/>
+              <a:t>상태 </a:t>
+            </a:r>
+            <a:r>
+              <a:rPr lang="en-US" altLang="ko-KR" dirty="0" smtClean="0"/>
+              <a:t>: </a:t>
+            </a:r>
+            <a:r>
+              <a:rPr lang="ko-KR" altLang="en-US" dirty="0" smtClean="0"/>
+              <a:t>온라인</a:t>
             </a:r>
             <a:endParaRPr lang="ko-KR" altLang="en-US" dirty="0"/>
           </a:p>
@@ -9947,7 +10020,7 @@
         <p:spPr>
           <a:xfrm>
             <a:off x="8827477" y="808892"/>
-            <a:ext cx="1535998" cy="3970318"/>
+            <a:ext cx="2451312" cy="3970318"/>
           </a:xfrm>
           <a:prstGeom prst="rect">
             <a:avLst/>
@@ -9983,6 +10056,22 @@
               <a:rPr lang="ko-KR" altLang="en-US" dirty="0" err="1" smtClean="0"/>
               <a:t>아군유닛</a:t>
             </a:r>
+            <a:r>
+              <a:rPr lang="ko-KR" altLang="en-US" dirty="0" smtClean="0"/>
+              <a:t> </a:t>
+            </a:r>
+            <a:r>
+              <a:rPr lang="en-US" altLang="ko-KR" dirty="0" smtClean="0"/>
+              <a:t>(</a:t>
+            </a:r>
+            <a:r>
+              <a:rPr lang="ko-KR" altLang="en-US" dirty="0" err="1" smtClean="0"/>
+              <a:t>쓰레드</a:t>
+            </a:r>
+            <a:r>
+              <a:rPr lang="en-US" altLang="ko-KR" dirty="0" smtClean="0"/>
+              <a:t>)</a:t>
+            </a:r>
             <a:endParaRPr lang="en-US" altLang="ko-KR" dirty="0" smtClean="0"/>
           </a:p>
           <a:p>
@@ -9991,7 +10080,23 @@
             </a:pPr>
             <a:r>
               <a:rPr lang="ko-KR" altLang="en-US" dirty="0" smtClean="0"/>
-              <a:t>적군 유닛</a:t>
+              <a:t>적군 </a:t>
+            </a:r>
+            <a:r>
+              <a:rPr lang="ko-KR" altLang="en-US" dirty="0" smtClean="0"/>
+              <a:t>유닛 </a:t>
+            </a:r>
+            <a:r>
+              <a:rPr lang="en-US" altLang="ko-KR" dirty="0" smtClean="0"/>
+              <a:t>(</a:t>
+            </a:r>
+            <a:r>
+              <a:rPr lang="ko-KR" altLang="en-US" dirty="0" err="1" smtClean="0"/>
+              <a:t>쓰레드</a:t>
+            </a:r>
+            <a:r>
+              <a:rPr lang="en-US" altLang="ko-KR" dirty="0" smtClean="0"/>
+              <a:t>)</a:t>
             </a:r>
             <a:endParaRPr lang="en-US" altLang="ko-KR" dirty="0" smtClean="0"/>
           </a:p>
@@ -10007,7 +10112,23 @@
             </a:pPr>
             <a:r>
               <a:rPr lang="ko-KR" altLang="en-US" dirty="0" smtClean="0"/>
-              <a:t>내 닉네임</a:t>
+              <a:t>내 </a:t>
+            </a:r>
+            <a:r>
+              <a:rPr lang="ko-KR" altLang="en-US" dirty="0" smtClean="0"/>
+              <a:t>닉네임 </a:t>
+            </a:r>
+            <a:r>
+              <a:rPr lang="en-US" altLang="ko-KR" dirty="0" smtClean="0"/>
+              <a:t>(</a:t>
+            </a:r>
+            <a:r>
+              <a:rPr lang="ko-KR" altLang="en-US" dirty="0" err="1" smtClean="0"/>
+              <a:t>쓰레드</a:t>
+            </a:r>
+            <a:r>
+              <a:rPr lang="en-US" altLang="ko-KR" dirty="0" smtClean="0"/>
+              <a:t>)</a:t>
             </a:r>
             <a:endParaRPr lang="en-US" altLang="ko-KR" dirty="0" smtClean="0"/>
           </a:p>
@@ -10017,9 +10138,24 @@
             </a:pPr>
             <a:r>
               <a:rPr lang="ko-KR" altLang="en-US" dirty="0" smtClean="0"/>
-              <a:t>내 체력</a:t>
-            </a:r>
-            <a:endParaRPr lang="en-US" altLang="ko-KR" dirty="0" smtClean="0"/>
+              <a:t>내 </a:t>
+            </a:r>
+            <a:r>
+              <a:rPr lang="ko-KR" altLang="en-US" dirty="0" smtClean="0"/>
+              <a:t>체력 </a:t>
+            </a:r>
+            <a:r>
+              <a:rPr lang="en-US" altLang="ko-KR" dirty="0" smtClean="0"/>
+              <a:t>(</a:t>
+            </a:r>
+            <a:r>
+              <a:rPr lang="ko-KR" altLang="en-US" dirty="0" err="1" smtClean="0"/>
+              <a:t>쓰레드</a:t>
+            </a:r>
+            <a:r>
+              <a:rPr lang="en-US" altLang="ko-KR" dirty="0" smtClean="0"/>
+              <a:t>)</a:t>
+            </a:r>
           </a:p>
           <a:p>
             <a:pPr marL="342900" indent="-342900">
@@ -10033,7 +10169,11 @@
             </a:pPr>
             <a:r>
               <a:rPr lang="ko-KR" altLang="en-US" dirty="0" smtClean="0"/>
-              <a:t>적 닉네임</a:t>
+              <a:t>적 </a:t>
+            </a:r>
+            <a:r>
+              <a:rPr lang="ko-KR" altLang="en-US" dirty="0" smtClean="0"/>
+              <a:t>닉네임</a:t>
             </a:r>
             <a:endParaRPr lang="en-US" altLang="ko-KR" dirty="0" smtClean="0"/>
           </a:p>
@@ -10043,7 +10183,23 @@
             </a:pPr>
             <a:r>
               <a:rPr lang="ko-KR" altLang="en-US" dirty="0" smtClean="0"/>
-              <a:t>적 체력</a:t>
+              <a:t>적 </a:t>
+            </a:r>
+            <a:r>
+              <a:rPr lang="ko-KR" altLang="en-US" dirty="0" smtClean="0"/>
+              <a:t>체력 </a:t>
+            </a:r>
+            <a:r>
+              <a:rPr lang="en-US" altLang="ko-KR" dirty="0" smtClean="0"/>
+              <a:t>(</a:t>
+            </a:r>
+            <a:r>
+              <a:rPr lang="ko-KR" altLang="en-US" dirty="0" err="1" smtClean="0"/>
+              <a:t>쓰레드</a:t>
+            </a:r>
+            <a:r>
+              <a:rPr lang="en-US" altLang="ko-KR" dirty="0" smtClean="0"/>
+              <a:t>)</a:t>
             </a:r>
             <a:endParaRPr lang="en-US" altLang="ko-KR" dirty="0" smtClean="0"/>
           </a:p>
@@ -10059,7 +10215,23 @@
             </a:pPr>
             <a:r>
               <a:rPr lang="ko-KR" altLang="en-US" dirty="0" smtClean="0"/>
-              <a:t>제한 시간</a:t>
+              <a:t>제한 </a:t>
+            </a:r>
+            <a:r>
+              <a:rPr lang="ko-KR" altLang="en-US" dirty="0" smtClean="0"/>
+              <a:t>시간 </a:t>
+            </a:r>
+            <a:r>
+              <a:rPr lang="en-US" altLang="ko-KR" dirty="0" smtClean="0"/>
+              <a:t>(</a:t>
+            </a:r>
+            <a:r>
+              <a:rPr lang="ko-KR" altLang="en-US" dirty="0" err="1" smtClean="0"/>
+              <a:t>쓰레드</a:t>
+            </a:r>
+            <a:r>
+              <a:rPr lang="en-US" altLang="ko-KR" dirty="0" smtClean="0"/>
+              <a:t>)</a:t>
             </a:r>
             <a:endParaRPr lang="en-US" altLang="ko-KR" dirty="0" smtClean="0"/>
           </a:p>
@@ -10075,7 +10247,19 @@
             </a:pPr>
             <a:r>
               <a:rPr lang="ko-KR" altLang="en-US" dirty="0" smtClean="0"/>
-              <a:t>총알</a:t>
+              <a:t>총알 </a:t>
+            </a:r>
+            <a:r>
+              <a:rPr lang="en-US" altLang="ko-KR" dirty="0" smtClean="0"/>
+              <a:t>(</a:t>
+            </a:r>
+            <a:r>
+              <a:rPr lang="ko-KR" altLang="en-US" dirty="0" err="1" smtClean="0"/>
+              <a:t>쓰레드</a:t>
+            </a:r>
+            <a:r>
+              <a:rPr lang="en-US" altLang="ko-KR" dirty="0" smtClean="0"/>
+              <a:t>)</a:t>
             </a:r>
             <a:endParaRPr lang="en-US" altLang="ko-KR" dirty="0" smtClean="0"/>
           </a:p>
@@ -10529,6 +10713,41 @@
           </a:fontRef>
         </p:style>
       </p:cxnSp>
+      <p:sp>
+        <p:nvSpPr>
+          <p:cNvPr id="13" name="TextBox 12"/>
+          <p:cNvSpPr txBox="1"/>
+          <p:nvPr/>
+        </p:nvSpPr>
+        <p:spPr>
+          <a:xfrm>
+            <a:off x="6268916" y="4207202"/>
+            <a:ext cx="735898" cy="369332"/>
+          </a:xfrm>
+          <a:prstGeom prst="rect">
+            <a:avLst/>
+          </a:prstGeom>
+          <a:noFill/>
+          <a:ln>
+            <a:solidFill>
+              <a:schemeClr val="tx1"/>
+            </a:solidFill>
+          </a:ln>
+        </p:spPr>
+        <p:txBody>
+          <a:bodyPr wrap="square" rtlCol="0">
+            <a:spAutoFit/>
+          </a:bodyPr>
+          <a:lstStyle/>
+          <a:p>
+            <a:r>
+              <a:rPr lang="ko-KR" altLang="en-US" dirty="0" smtClean="0"/>
+              <a:t>항복</a:t>
+            </a:r>
+            <a:endParaRPr lang="ko-KR" altLang="en-US" dirty="0"/>
+          </a:p>
+        </p:txBody>
+      </p:sp>
     </p:spTree>
     <p:extLst>
       <p:ext uri="{BB962C8B-B14F-4D97-AF65-F5344CB8AC3E}">
@@ -10980,7 +11199,7 @@
           <p:nvPr>
             <p:extLst>
               <p:ext uri="{D42A27DB-BD31-4B8C-83A1-F6EECF244321}">
-                <p14:modId xmlns:p14="http://schemas.microsoft.com/office/powerpoint/2010/main" val="3771914071"/>
+                <p14:modId xmlns:p14="http://schemas.microsoft.com/office/powerpoint/2010/main" val="43575448"/>
               </p:ext>
             </p:extLst>
           </p:nvPr>
@@ -11086,6 +11305,14 @@
                       <a:pPr latinLnBrk="1"/>
                       <a:r>
                         <a:rPr lang="ko-KR" altLang="en-US" dirty="0" smtClean="0"/>
+                        <a:t>승률  </a:t>
+                      </a:r>
+                      <a:r>
+                        <a:rPr lang="en-US" altLang="ko-KR" dirty="0" smtClean="0"/>
+                        <a:t>| </a:t>
+                      </a:r>
+                      <a:r>
+                        <a:rPr lang="ko-KR" altLang="en-US" dirty="0" smtClean="0"/>
                         <a:t>승</a:t>
                       </a:r>
                       <a:endParaRPr lang="ko-KR" altLang="en-US" dirty="0"/>
@@ -11121,7 +11348,7 @@
                     <a:lstStyle/>
                     <a:p>
                       <a:pPr latinLnBrk="1"/>
-                      <a:endParaRPr lang="ko-KR" altLang="en-US"/>
+                      <a:endParaRPr lang="ko-KR" altLang="en-US" dirty="0"/>
                     </a:p>
                   </a:txBody>
                   <a:tcPr/>
@@ -11216,7 +11443,7 @@
                     <a:lstStyle/>
                     <a:p>
                       <a:pPr latinLnBrk="1"/>
-                      <a:endParaRPr lang="ko-KR" altLang="en-US"/>
+                      <a:endParaRPr lang="ko-KR" altLang="en-US" dirty="0"/>
                     </a:p>
                   </a:txBody>
                   <a:tcPr/>
@@ -11227,7 +11454,7 @@
                     <a:lstStyle/>
                     <a:p>
                       <a:pPr latinLnBrk="1"/>
-                      <a:endParaRPr lang="ko-KR" altLang="en-US"/>
+                      <a:endParaRPr lang="ko-KR" altLang="en-US" dirty="0"/>
                     </a:p>
                   </a:txBody>
                   <a:tcPr/>

--- a/StoryBoard.pptx
+++ b/StoryBoard.pptx
@@ -8,22 +8,23 @@
     <p:sldMasterId id="2147483673" r:id="rId4"/>
   </p:sldMasterIdLst>
   <p:notesMasterIdLst>
-    <p:notesMasterId r:id="rId18"/>
+    <p:notesMasterId r:id="rId19"/>
   </p:notesMasterIdLst>
   <p:sldIdLst>
     <p:sldId id="256" r:id="rId5"/>
-    <p:sldId id="263" r:id="rId6"/>
-    <p:sldId id="257" r:id="rId7"/>
-    <p:sldId id="258" r:id="rId8"/>
-    <p:sldId id="259" r:id="rId9"/>
-    <p:sldId id="269" r:id="rId10"/>
-    <p:sldId id="260" r:id="rId11"/>
-    <p:sldId id="264" r:id="rId12"/>
-    <p:sldId id="262" r:id="rId13"/>
-    <p:sldId id="265" r:id="rId14"/>
-    <p:sldId id="266" r:id="rId15"/>
-    <p:sldId id="267" r:id="rId16"/>
-    <p:sldId id="268" r:id="rId17"/>
+    <p:sldId id="270" r:id="rId6"/>
+    <p:sldId id="272" r:id="rId7"/>
+    <p:sldId id="257" r:id="rId8"/>
+    <p:sldId id="258" r:id="rId9"/>
+    <p:sldId id="259" r:id="rId10"/>
+    <p:sldId id="269" r:id="rId11"/>
+    <p:sldId id="260" r:id="rId12"/>
+    <p:sldId id="264" r:id="rId13"/>
+    <p:sldId id="262" r:id="rId14"/>
+    <p:sldId id="265" r:id="rId15"/>
+    <p:sldId id="266" r:id="rId16"/>
+    <p:sldId id="267" r:id="rId17"/>
+    <p:sldId id="268" r:id="rId18"/>
   </p:sldIdLst>
   <p:sldSz cx="12192000" cy="6858000"/>
   <p:notesSz cx="6858000" cy="9144000"/>
@@ -212,7 +213,7 @@
           <a:p>
             <a:fld id="{999FBC8D-8B93-48A8-9187-254E7120C1FC}" type="datetimeFigureOut">
               <a:rPr lang="ko-KR" altLang="en-US" smtClean="0"/>
-              <a:t>2022-01-07</a:t>
+              <a:t>2022-01-10</a:t>
             </a:fld>
             <a:endParaRPr lang="ko-KR" altLang="en-US"/>
           </a:p>
@@ -1797,7 +1798,7 @@
           <a:p>
             <a:fld id="{E3E09D61-CBD3-44BB-AB1A-720CE31FB715}" type="datetimeFigureOut">
               <a:rPr lang="ko-KR" altLang="en-US" smtClean="0"/>
-              <a:t>2022-01-07</a:t>
+              <a:t>2022-01-10</a:t>
             </a:fld>
             <a:endParaRPr lang="ko-KR" altLang="en-US"/>
           </a:p>
@@ -1967,7 +1968,7 @@
           <a:p>
             <a:fld id="{E3E09D61-CBD3-44BB-AB1A-720CE31FB715}" type="datetimeFigureOut">
               <a:rPr lang="ko-KR" altLang="en-US" smtClean="0"/>
-              <a:t>2022-01-07</a:t>
+              <a:t>2022-01-10</a:t>
             </a:fld>
             <a:endParaRPr lang="ko-KR" altLang="en-US"/>
           </a:p>
@@ -2213,7 +2214,7 @@
           <a:p>
             <a:fld id="{FAA55EF3-80C8-453F-9536-51FAE18F3A51}" type="datetimeFigureOut">
               <a:rPr lang="ko-KR" altLang="en-US" smtClean="0"/>
-              <a:t>2022-01-07</a:t>
+              <a:t>2022-01-10</a:t>
             </a:fld>
             <a:endParaRPr lang="ko-KR" altLang="en-US"/>
           </a:p>
@@ -2445,7 +2446,7 @@
           <a:p>
             <a:fld id="{FAA55EF3-80C8-453F-9536-51FAE18F3A51}" type="datetimeFigureOut">
               <a:rPr lang="ko-KR" altLang="en-US" smtClean="0"/>
-              <a:t>2022-01-07</a:t>
+              <a:t>2022-01-10</a:t>
             </a:fld>
             <a:endParaRPr lang="ko-KR" altLang="en-US"/>
           </a:p>
@@ -2812,7 +2813,7 @@
           <a:p>
             <a:fld id="{FAA55EF3-80C8-453F-9536-51FAE18F3A51}" type="datetimeFigureOut">
               <a:rPr lang="ko-KR" altLang="en-US" smtClean="0"/>
-              <a:t>2022-01-07</a:t>
+              <a:t>2022-01-10</a:t>
             </a:fld>
             <a:endParaRPr lang="ko-KR" altLang="en-US"/>
           </a:p>
@@ -2930,7 +2931,7 @@
           <a:p>
             <a:fld id="{FAA55EF3-80C8-453F-9536-51FAE18F3A51}" type="datetimeFigureOut">
               <a:rPr lang="ko-KR" altLang="en-US" smtClean="0"/>
-              <a:t>2022-01-07</a:t>
+              <a:t>2022-01-10</a:t>
             </a:fld>
             <a:endParaRPr lang="ko-KR" altLang="en-US"/>
           </a:p>
@@ -3025,7 +3026,7 @@
           <a:p>
             <a:fld id="{FAA55EF3-80C8-453F-9536-51FAE18F3A51}" type="datetimeFigureOut">
               <a:rPr lang="ko-KR" altLang="en-US" smtClean="0"/>
-              <a:t>2022-01-07</a:t>
+              <a:t>2022-01-10</a:t>
             </a:fld>
             <a:endParaRPr lang="ko-KR" altLang="en-US"/>
           </a:p>
@@ -3302,7 +3303,7 @@
           <a:p>
             <a:fld id="{FAA55EF3-80C8-453F-9536-51FAE18F3A51}" type="datetimeFigureOut">
               <a:rPr lang="ko-KR" altLang="en-US" smtClean="0"/>
-              <a:t>2022-01-07</a:t>
+              <a:t>2022-01-10</a:t>
             </a:fld>
             <a:endParaRPr lang="ko-KR" altLang="en-US"/>
           </a:p>
@@ -3555,7 +3556,7 @@
           <a:p>
             <a:fld id="{FAA55EF3-80C8-453F-9536-51FAE18F3A51}" type="datetimeFigureOut">
               <a:rPr lang="ko-KR" altLang="en-US" smtClean="0"/>
-              <a:t>2022-01-07</a:t>
+              <a:t>2022-01-10</a:t>
             </a:fld>
             <a:endParaRPr lang="ko-KR" altLang="en-US"/>
           </a:p>
@@ -3725,7 +3726,7 @@
           <a:p>
             <a:fld id="{FAA55EF3-80C8-453F-9536-51FAE18F3A51}" type="datetimeFigureOut">
               <a:rPr lang="ko-KR" altLang="en-US" smtClean="0"/>
-              <a:t>2022-01-07</a:t>
+              <a:t>2022-01-10</a:t>
             </a:fld>
             <a:endParaRPr lang="ko-KR" altLang="en-US"/>
           </a:p>
@@ -3917,7 +3918,7 @@
           <a:p>
             <a:fld id="{E3E09D61-CBD3-44BB-AB1A-720CE31FB715}" type="datetimeFigureOut">
               <a:rPr lang="ko-KR" altLang="en-US" smtClean="0"/>
-              <a:t>2022-01-07</a:t>
+              <a:t>2022-01-10</a:t>
             </a:fld>
             <a:endParaRPr lang="ko-KR" altLang="en-US"/>
           </a:p>
@@ -4097,7 +4098,7 @@
           <a:p>
             <a:fld id="{FAA55EF3-80C8-453F-9536-51FAE18F3A51}" type="datetimeFigureOut">
               <a:rPr lang="ko-KR" altLang="en-US" smtClean="0"/>
-              <a:t>2022-01-07</a:t>
+              <a:t>2022-01-10</a:t>
             </a:fld>
             <a:endParaRPr lang="ko-KR" altLang="en-US"/>
           </a:p>
@@ -4554,7 +4555,7 @@
           <a:p>
             <a:fld id="{E3E09D61-CBD3-44BB-AB1A-720CE31FB715}" type="datetimeFigureOut">
               <a:rPr lang="ko-KR" altLang="en-US" smtClean="0"/>
-              <a:t>2022-01-07</a:t>
+              <a:t>2022-01-10</a:t>
             </a:fld>
             <a:endParaRPr lang="ko-KR" altLang="en-US"/>
           </a:p>
@@ -7964,7 +7965,7 @@
           <a:p>
             <a:fld id="{FAA55EF3-80C8-453F-9536-51FAE18F3A51}" type="datetimeFigureOut">
               <a:rPr lang="ko-KR" altLang="en-US" smtClean="0"/>
-              <a:t>2022-01-07</a:t>
+              <a:t>2022-01-10</a:t>
             </a:fld>
             <a:endParaRPr lang="ko-KR" altLang="en-US"/>
           </a:p>
@@ -8600,7 +8601,7 @@
     </p:spTree>
     <p:extLst>
       <p:ext uri="{BB962C8B-B14F-4D97-AF65-F5344CB8AC3E}">
-        <p14:creationId xmlns:p14="http://schemas.microsoft.com/office/powerpoint/2010/main" val="462413670"/>
+        <p14:creationId xmlns:p14="http://schemas.microsoft.com/office/powerpoint/2010/main" val="298312984"/>
       </p:ext>
     </p:extLst>
   </p:cSld>
@@ -8770,7 +8771,7 @@
     </p:spTree>
     <p:extLst>
       <p:ext uri="{BB962C8B-B14F-4D97-AF65-F5344CB8AC3E}">
-        <p14:creationId xmlns:p14="http://schemas.microsoft.com/office/powerpoint/2010/main" val="3724144060"/>
+        <p14:creationId xmlns:p14="http://schemas.microsoft.com/office/powerpoint/2010/main" val="462413670"/>
       </p:ext>
     </p:extLst>
   </p:cSld>
@@ -8940,6 +8941,176 @@
     </p:spTree>
     <p:extLst>
       <p:ext uri="{BB962C8B-B14F-4D97-AF65-F5344CB8AC3E}">
+        <p14:creationId xmlns:p14="http://schemas.microsoft.com/office/powerpoint/2010/main" val="3724144060"/>
+      </p:ext>
+    </p:extLst>
+  </p:cSld>
+  <p:clrMapOvr>
+    <a:masterClrMapping/>
+  </p:clrMapOvr>
+  <p:timing>
+    <p:tnLst>
+      <p:par>
+        <p:cTn id="1" dur="indefinite" restart="never" nodeType="tmRoot"/>
+      </p:par>
+    </p:tnLst>
+  </p:timing>
+</p:sld>
+</file>
+
+<file path=ppt/slides/slide13.xml><?xml version="1.0" encoding="utf-8"?>
+<p:sld xmlns:a="http://schemas.openxmlformats.org/drawingml/2006/main" xmlns:r="http://schemas.openxmlformats.org/officeDocument/2006/relationships" xmlns:p="http://schemas.openxmlformats.org/presentationml/2006/main">
+  <p:cSld>
+    <p:spTree>
+      <p:nvGrpSpPr>
+        <p:cNvPr id="1" name=""/>
+        <p:cNvGrpSpPr/>
+        <p:nvPr/>
+      </p:nvGrpSpPr>
+      <p:grpSpPr>
+        <a:xfrm>
+          <a:off x="0" y="0"/>
+          <a:ext cx="0" cy="0"/>
+          <a:chOff x="0" y="0"/>
+          <a:chExt cx="0" cy="0"/>
+        </a:xfrm>
+      </p:grpSpPr>
+      <p:sp>
+        <p:nvSpPr>
+          <p:cNvPr id="4" name="TextBox 3"/>
+          <p:cNvSpPr txBox="1"/>
+          <p:nvPr/>
+        </p:nvSpPr>
+        <p:spPr>
+          <a:xfrm>
+            <a:off x="8528538" y="395652"/>
+            <a:ext cx="3270739" cy="6120000"/>
+          </a:xfrm>
+          <a:prstGeom prst="rect">
+            <a:avLst/>
+          </a:prstGeom>
+          <a:noFill/>
+          <a:ln>
+            <a:solidFill>
+              <a:schemeClr val="tx1"/>
+            </a:solidFill>
+          </a:ln>
+        </p:spPr>
+        <p:txBody>
+          <a:bodyPr wrap="square" rtlCol="0">
+            <a:spAutoFit/>
+          </a:bodyPr>
+          <a:lstStyle/>
+          <a:p>
+            <a:endParaRPr lang="en-US" altLang="ko-KR" dirty="0" smtClean="0"/>
+          </a:p>
+          <a:p>
+            <a:endParaRPr lang="ko-KR" altLang="en-US" dirty="0"/>
+          </a:p>
+        </p:txBody>
+      </p:sp>
+      <p:sp>
+        <p:nvSpPr>
+          <p:cNvPr id="5" name="TextBox 4"/>
+          <p:cNvSpPr txBox="1">
+            <a:spLocks/>
+          </p:cNvSpPr>
+          <p:nvPr/>
+        </p:nvSpPr>
+        <p:spPr>
+          <a:xfrm>
+            <a:off x="1151791" y="1732085"/>
+            <a:ext cx="6471139" cy="4783568"/>
+          </a:xfrm>
+          <a:prstGeom prst="rect">
+            <a:avLst/>
+          </a:prstGeom>
+          <a:solidFill>
+            <a:schemeClr val="bg1"/>
+          </a:solidFill>
+          <a:ln>
+            <a:solidFill>
+              <a:schemeClr val="tx1"/>
+            </a:solidFill>
+          </a:ln>
+        </p:spPr>
+        <p:txBody>
+          <a:bodyPr wrap="square" rtlCol="0">
+            <a:spAutoFit/>
+          </a:bodyPr>
+          <a:lstStyle/>
+          <a:p>
+            <a:endParaRPr lang="ko-KR" altLang="en-US" dirty="0"/>
+          </a:p>
+        </p:txBody>
+      </p:sp>
+      <p:sp>
+        <p:nvSpPr>
+          <p:cNvPr id="11" name="TextBox 10"/>
+          <p:cNvSpPr txBox="1"/>
+          <p:nvPr/>
+        </p:nvSpPr>
+        <p:spPr>
+          <a:xfrm>
+            <a:off x="1301262" y="562708"/>
+            <a:ext cx="1189749" cy="369332"/>
+          </a:xfrm>
+          <a:prstGeom prst="rect">
+            <a:avLst/>
+          </a:prstGeom>
+          <a:noFill/>
+        </p:spPr>
+        <p:txBody>
+          <a:bodyPr wrap="none" rtlCol="0">
+            <a:spAutoFit/>
+          </a:bodyPr>
+          <a:lstStyle/>
+          <a:p>
+            <a:r>
+              <a:rPr lang="ko-KR" altLang="en-US" dirty="0" smtClean="0"/>
+              <a:t>화면 이름</a:t>
+            </a:r>
+            <a:endParaRPr lang="ko-KR" altLang="en-US" dirty="0"/>
+          </a:p>
+        </p:txBody>
+      </p:sp>
+      <p:sp>
+        <p:nvSpPr>
+          <p:cNvPr id="12" name="TextBox 11"/>
+          <p:cNvSpPr txBox="1"/>
+          <p:nvPr/>
+        </p:nvSpPr>
+        <p:spPr>
+          <a:xfrm>
+            <a:off x="8827477" y="808892"/>
+            <a:ext cx="906017" cy="369332"/>
+          </a:xfrm>
+          <a:prstGeom prst="rect">
+            <a:avLst/>
+          </a:prstGeom>
+          <a:noFill/>
+        </p:spPr>
+        <p:txBody>
+          <a:bodyPr wrap="none" rtlCol="0">
+            <a:spAutoFit/>
+          </a:bodyPr>
+          <a:lstStyle/>
+          <a:p>
+            <a:r>
+              <a:rPr lang="en-US" altLang="ko-KR" dirty="0" smtClean="0"/>
+              <a:t>1. </a:t>
+            </a:r>
+            <a:r>
+              <a:rPr lang="ko-KR" altLang="en-US" dirty="0" smtClean="0"/>
+              <a:t>설명</a:t>
+            </a:r>
+            <a:endParaRPr lang="ko-KR" altLang="en-US" dirty="0"/>
+          </a:p>
+        </p:txBody>
+      </p:sp>
+    </p:spTree>
+    <p:extLst>
+      <p:ext uri="{BB962C8B-B14F-4D97-AF65-F5344CB8AC3E}">
         <p14:creationId xmlns:p14="http://schemas.microsoft.com/office/powerpoint/2010/main" val="3198136139"/>
       </p:ext>
     </p:extLst>
@@ -8957,7 +9128,7 @@
 </p:sld>
 </file>
 
-<file path=ppt/slides/slide13.xml><?xml version="1.0" encoding="utf-8"?>
+<file path=ppt/slides/slide14.xml><?xml version="1.0" encoding="utf-8"?>
 <p:sld xmlns:a="http://schemas.openxmlformats.org/drawingml/2006/main" xmlns:r="http://schemas.openxmlformats.org/officeDocument/2006/relationships" xmlns:p="http://schemas.openxmlformats.org/presentationml/2006/main">
   <p:cSld>
     <p:spTree>
@@ -9146,7 +9317,7 @@
       </p:grpSpPr>
       <p:sp>
         <p:nvSpPr>
-          <p:cNvPr id="2" name="제목 1"/>
+          <p:cNvPr id="4" name="제목 3"/>
           <p:cNvSpPr>
             <a:spLocks noGrp="1"/>
           </p:cNvSpPr>
@@ -9154,55 +9325,609 @@
             <p:ph type="title"/>
           </p:nvPr>
         </p:nvSpPr>
-        <p:spPr/>
-        <p:txBody>
-          <a:bodyPr/>
-          <a:lstStyle/>
-          <a:p>
+        <p:spPr>
+          <a:xfrm>
+            <a:off x="838200" y="154111"/>
+            <a:ext cx="10515600" cy="355844"/>
+          </a:xfrm>
+        </p:spPr>
+        <p:txBody>
+          <a:bodyPr>
+            <a:noAutofit/>
+          </a:bodyPr>
+          <a:lstStyle/>
+          <a:p>
+            <a:r>
+              <a:rPr lang="ko-KR" altLang="en-US" sz="2000" dirty="0" smtClean="0"/>
+              <a:t>클라이언트 화면 구성</a:t>
+            </a:r>
+            <a:endParaRPr lang="ko-KR" altLang="en-US" sz="2000" dirty="0"/>
+          </a:p>
+        </p:txBody>
+      </p:sp>
+      <p:sp>
+        <p:nvSpPr>
+          <p:cNvPr id="5" name="TextBox 4"/>
+          <p:cNvSpPr txBox="1"/>
+          <p:nvPr/>
+        </p:nvSpPr>
+        <p:spPr>
+          <a:xfrm>
+            <a:off x="838201" y="694593"/>
+            <a:ext cx="5334000" cy="5078313"/>
+          </a:xfrm>
+          <a:prstGeom prst="rect">
+            <a:avLst/>
+          </a:prstGeom>
+          <a:noFill/>
+        </p:spPr>
+        <p:txBody>
+          <a:bodyPr wrap="square" numCol="2" rtlCol="0">
+            <a:spAutoFit/>
+          </a:bodyPr>
+          <a:lstStyle/>
+          <a:p>
+            <a:pPr marL="342900" indent="-342900">
+              <a:buAutoNum type="arabicPeriod"/>
+            </a:pPr>
             <a:r>
               <a:rPr lang="ko-KR" altLang="en-US" dirty="0" smtClean="0"/>
-              <a:t>클라이언트</a:t>
-            </a:r>
-            <a:endParaRPr lang="ko-KR" altLang="en-US" dirty="0"/>
-          </a:p>
-        </p:txBody>
-      </p:sp>
-      <p:sp>
-        <p:nvSpPr>
-          <p:cNvPr id="3" name="내용 개체 틀 2"/>
-          <p:cNvSpPr>
-            <a:spLocks noGrp="1"/>
+              <a:t>첫 화면</a:t>
+            </a:r>
+            <a:endParaRPr lang="en-US" altLang="ko-KR" dirty="0" smtClean="0"/>
+          </a:p>
+          <a:p>
+            <a:pPr marL="800100" lvl="1" indent="-342900">
+              <a:buAutoNum type="arabicPeriod"/>
+            </a:pPr>
+            <a:r>
+              <a:rPr lang="ko-KR" altLang="en-US" dirty="0" smtClean="0"/>
+              <a:t>게임 이름</a:t>
+            </a:r>
+            <a:endParaRPr lang="en-US" altLang="ko-KR" dirty="0" smtClean="0"/>
+          </a:p>
+          <a:p>
+            <a:pPr marL="800100" lvl="1" indent="-342900">
+              <a:buAutoNum type="arabicPeriod"/>
+            </a:pPr>
+            <a:r>
+              <a:rPr lang="ko-KR" altLang="en-US" dirty="0" smtClean="0"/>
+              <a:t>제작자</a:t>
+            </a:r>
+            <a:endParaRPr lang="en-US" altLang="ko-KR" dirty="0" smtClean="0"/>
+          </a:p>
+          <a:p>
+            <a:pPr marL="800100" lvl="1" indent="-342900">
+              <a:buAutoNum type="arabicPeriod"/>
+            </a:pPr>
+            <a:r>
+              <a:rPr lang="ko-KR" altLang="en-US" dirty="0" smtClean="0"/>
+              <a:t>다음 버튼</a:t>
+            </a:r>
+            <a:r>
+              <a:rPr lang="en-US" altLang="ko-KR" dirty="0" smtClean="0"/>
+              <a:t>	</a:t>
+            </a:r>
+          </a:p>
+          <a:p>
+            <a:pPr marL="342900" indent="-342900">
+              <a:buAutoNum type="arabicPeriod"/>
+            </a:pPr>
+            <a:r>
+              <a:rPr lang="ko-KR" altLang="en-US" dirty="0" smtClean="0"/>
+              <a:t>로그인 화면</a:t>
+            </a:r>
+            <a:endParaRPr lang="en-US" altLang="ko-KR" dirty="0" smtClean="0"/>
+          </a:p>
+          <a:p>
+            <a:pPr marL="800100" lvl="1" indent="-342900">
+              <a:buAutoNum type="arabicPeriod"/>
+            </a:pPr>
+            <a:r>
+              <a:rPr lang="en-US" altLang="ko-KR" dirty="0" smtClean="0"/>
+              <a:t>ID/PW</a:t>
+            </a:r>
+            <a:r>
+              <a:rPr lang="ko-KR" altLang="en-US" dirty="0" smtClean="0"/>
+              <a:t> 입력</a:t>
+            </a:r>
+            <a:endParaRPr lang="en-US" altLang="ko-KR" dirty="0" smtClean="0"/>
+          </a:p>
+          <a:p>
+            <a:pPr marL="800100" lvl="1" indent="-342900">
+              <a:buAutoNum type="arabicPeriod"/>
+            </a:pPr>
+            <a:r>
+              <a:rPr lang="ko-KR" altLang="en-US" dirty="0" smtClean="0"/>
+              <a:t>회원가입</a:t>
+            </a:r>
+            <a:endParaRPr lang="en-US" altLang="ko-KR" dirty="0" smtClean="0"/>
+          </a:p>
+          <a:p>
+            <a:pPr marL="800100" lvl="1" indent="-342900">
+              <a:buAutoNum type="arabicPeriod"/>
+            </a:pPr>
+            <a:r>
+              <a:rPr lang="ko-KR" altLang="en-US" dirty="0" smtClean="0"/>
+              <a:t>나가기</a:t>
+            </a:r>
+            <a:endParaRPr lang="en-US" altLang="ko-KR" dirty="0" smtClean="0"/>
+          </a:p>
+          <a:p>
+            <a:pPr marL="342900" indent="-342900">
+              <a:buAutoNum type="arabicPeriod"/>
+            </a:pPr>
+            <a:r>
+              <a:rPr lang="ko-KR" altLang="en-US" dirty="0" smtClean="0"/>
+              <a:t>게임 로비 화면</a:t>
+            </a:r>
+            <a:endParaRPr lang="en-US" altLang="ko-KR" dirty="0" smtClean="0"/>
+          </a:p>
+          <a:p>
+            <a:pPr marL="800100" lvl="1" indent="-342900">
+              <a:buAutoNum type="arabicPeriod"/>
+            </a:pPr>
+            <a:r>
+              <a:rPr lang="ko-KR" altLang="en-US" dirty="0" smtClean="0"/>
+              <a:t>플레이</a:t>
+            </a:r>
+            <a:endParaRPr lang="en-US" altLang="ko-KR" dirty="0" smtClean="0"/>
+          </a:p>
+          <a:p>
+            <a:pPr marL="800100" lvl="1" indent="-342900">
+              <a:buAutoNum type="arabicPeriod"/>
+            </a:pPr>
+            <a:r>
+              <a:rPr lang="ko-KR" altLang="en-US" dirty="0" smtClean="0"/>
+              <a:t>랭킹 보드</a:t>
+            </a:r>
+            <a:endParaRPr lang="en-US" altLang="ko-KR" dirty="0"/>
+          </a:p>
+          <a:p>
+            <a:pPr marL="800100" lvl="1" indent="-342900">
+              <a:buAutoNum type="arabicPeriod"/>
+            </a:pPr>
+            <a:r>
+              <a:rPr lang="ko-KR" altLang="en-US" dirty="0" smtClean="0"/>
+              <a:t>나가기</a:t>
+            </a:r>
+            <a:endParaRPr lang="en-US" altLang="ko-KR" dirty="0" smtClean="0"/>
+          </a:p>
+          <a:p>
+            <a:pPr marL="342900" indent="-342900">
+              <a:buAutoNum type="arabicPeriod"/>
+            </a:pPr>
+            <a:r>
+              <a:rPr lang="ko-KR" altLang="en-US" dirty="0" smtClean="0"/>
+              <a:t>게임 플레이 화면</a:t>
+            </a:r>
+            <a:endParaRPr lang="en-US" altLang="ko-KR" dirty="0" smtClean="0"/>
+          </a:p>
+          <a:p>
+            <a:pPr marL="800100" lvl="1" indent="-342900">
+              <a:buAutoNum type="arabicPeriod"/>
+            </a:pPr>
+            <a:r>
+              <a:rPr lang="ko-KR" altLang="en-US" dirty="0" smtClean="0"/>
+              <a:t>나</a:t>
+            </a:r>
+            <a:r>
+              <a:rPr lang="en-US" altLang="ko-KR" dirty="0" smtClean="0"/>
+              <a:t>, </a:t>
+            </a:r>
+            <a:r>
+              <a:rPr lang="ko-KR" altLang="en-US" dirty="0" smtClean="0"/>
+              <a:t>컴퓨터</a:t>
+            </a:r>
+            <a:endParaRPr lang="en-US" altLang="ko-KR" dirty="0" smtClean="0"/>
+          </a:p>
+          <a:p>
+            <a:pPr marL="800100" lvl="1" indent="-342900">
+              <a:buAutoNum type="arabicPeriod"/>
+            </a:pPr>
+            <a:r>
+              <a:rPr lang="ko-KR" altLang="en-US" dirty="0" smtClean="0"/>
+              <a:t>항복</a:t>
+            </a:r>
+            <a:endParaRPr lang="en-US" altLang="ko-KR" dirty="0" smtClean="0"/>
+          </a:p>
+          <a:p>
+            <a:pPr marL="800100" lvl="1" indent="-342900">
+              <a:buAutoNum type="arabicPeriod"/>
+            </a:pPr>
+            <a:r>
+              <a:rPr lang="ko-KR" altLang="en-US" dirty="0" smtClean="0"/>
+              <a:t>결과 창</a:t>
+            </a:r>
+            <a:endParaRPr lang="en-US" altLang="ko-KR" dirty="0"/>
+          </a:p>
+          <a:p>
+            <a:pPr marL="342900" indent="-342900">
+              <a:buAutoNum type="arabicPeriod"/>
+            </a:pPr>
+            <a:r>
+              <a:rPr lang="ko-KR" altLang="en-US" dirty="0" smtClean="0"/>
+              <a:t>랭킹 보드 화면</a:t>
+            </a:r>
+            <a:endParaRPr lang="en-US" altLang="ko-KR" dirty="0" smtClean="0"/>
+          </a:p>
+          <a:p>
+            <a:pPr marL="800100" lvl="1" indent="-342900">
+              <a:buAutoNum type="arabicPeriod"/>
+            </a:pPr>
+            <a:r>
+              <a:rPr lang="ko-KR" altLang="en-US" dirty="0" smtClean="0"/>
+              <a:t>표</a:t>
+            </a:r>
+            <a:endParaRPr lang="en-US" altLang="ko-KR" dirty="0" smtClean="0"/>
+          </a:p>
+          <a:p>
+            <a:pPr marL="800100" lvl="1" indent="-342900">
+              <a:buAutoNum type="arabicPeriod"/>
+            </a:pPr>
+            <a:r>
+              <a:rPr lang="ko-KR" altLang="en-US" dirty="0" smtClean="0"/>
+              <a:t>나가기</a:t>
+            </a:r>
+            <a:endParaRPr lang="en-US" altLang="ko-KR" dirty="0" smtClean="0"/>
+          </a:p>
+        </p:txBody>
+      </p:sp>
+      <p:sp>
+        <p:nvSpPr>
+          <p:cNvPr id="8" name="TextBox 7"/>
+          <p:cNvSpPr txBox="1"/>
+          <p:nvPr/>
+        </p:nvSpPr>
+        <p:spPr>
+          <a:xfrm>
+            <a:off x="6172201" y="694593"/>
+            <a:ext cx="5011614" cy="2308324"/>
+          </a:xfrm>
+          <a:prstGeom prst="rect">
+            <a:avLst/>
+          </a:prstGeom>
+          <a:noFill/>
+        </p:spPr>
+        <p:txBody>
+          <a:bodyPr wrap="square" numCol="2" rtlCol="0">
+            <a:spAutoFit/>
+          </a:bodyPr>
+          <a:lstStyle/>
+          <a:p>
+            <a:pPr marL="342900" marR="0" lvl="0" indent="-342900" algn="l" defTabSz="914400" rtl="0" eaLnBrk="1" fontAlgn="auto" latinLnBrk="1" hangingPunct="1">
+              <a:lnSpc>
+                <a:spcPct val="100000"/>
+              </a:lnSpc>
+              <a:spcBef>
+                <a:spcPts val="0"/>
+              </a:spcBef>
+              <a:spcAft>
+                <a:spcPts val="0"/>
+              </a:spcAft>
+              <a:buClrTx/>
+              <a:buSzTx/>
+              <a:buFontTx/>
+              <a:buAutoNum type="arabicPeriod"/>
+              <a:tabLst/>
+              <a:defRPr/>
+            </a:pPr>
+            <a:r>
+              <a:rPr lang="ko-KR" altLang="en-US" noProof="0" dirty="0" smtClean="0">
+                <a:solidFill>
+                  <a:prstClr val="black"/>
+                </a:solidFill>
+                <a:latin typeface="맑은 고딕" panose="020F0502020204030204"/>
+                <a:ea typeface="맑은 고딕" panose="020B0503020000020004" pitchFamily="50" charset="-127"/>
+              </a:rPr>
+              <a:t>소켓 통신 구현</a:t>
+            </a:r>
+            <a:endParaRPr lang="en-US" altLang="ko-KR" noProof="0" dirty="0" smtClean="0">
+              <a:solidFill>
+                <a:prstClr val="black"/>
+              </a:solidFill>
+              <a:latin typeface="맑은 고딕" panose="020F0502020204030204"/>
+              <a:ea typeface="맑은 고딕" panose="020B0503020000020004" pitchFamily="50" charset="-127"/>
+            </a:endParaRPr>
+          </a:p>
+          <a:p>
+            <a:pPr marL="342900" marR="0" lvl="0" indent="-342900" algn="l" defTabSz="914400" rtl="0" eaLnBrk="1" fontAlgn="auto" latinLnBrk="1" hangingPunct="1">
+              <a:lnSpc>
+                <a:spcPct val="100000"/>
+              </a:lnSpc>
+              <a:spcBef>
+                <a:spcPts val="0"/>
+              </a:spcBef>
+              <a:spcAft>
+                <a:spcPts val="0"/>
+              </a:spcAft>
+              <a:buClrTx/>
+              <a:buSzTx/>
+              <a:buFontTx/>
+              <a:buAutoNum type="arabicPeriod"/>
+              <a:tabLst/>
+              <a:defRPr/>
+            </a:pPr>
+            <a:r>
+              <a:rPr lang="ko-KR" altLang="en-US" noProof="0" dirty="0" smtClean="0">
+                <a:solidFill>
+                  <a:prstClr val="black"/>
+                </a:solidFill>
+                <a:latin typeface="맑은 고딕" panose="020F0502020204030204"/>
+                <a:ea typeface="맑은 고딕" panose="020B0503020000020004" pitchFamily="50" charset="-127"/>
+              </a:rPr>
+              <a:t>로그인 정보</a:t>
+            </a:r>
+            <a:endParaRPr lang="en-US" altLang="ko-KR" dirty="0">
+              <a:solidFill>
+                <a:prstClr val="black"/>
+              </a:solidFill>
+              <a:latin typeface="맑은 고딕" panose="020F0502020204030204"/>
+              <a:ea typeface="맑은 고딕" panose="020B0503020000020004" pitchFamily="50" charset="-127"/>
+            </a:endParaRPr>
+          </a:p>
+          <a:p>
+            <a:pPr marL="342900" marR="0" lvl="0" indent="-342900" algn="l" defTabSz="914400" rtl="0" eaLnBrk="1" fontAlgn="auto" latinLnBrk="1" hangingPunct="1">
+              <a:lnSpc>
+                <a:spcPct val="100000"/>
+              </a:lnSpc>
+              <a:spcBef>
+                <a:spcPts val="0"/>
+              </a:spcBef>
+              <a:spcAft>
+                <a:spcPts val="0"/>
+              </a:spcAft>
+              <a:buClrTx/>
+              <a:buSzTx/>
+              <a:buFontTx/>
+              <a:buAutoNum type="arabicPeriod"/>
+              <a:tabLst/>
+              <a:defRPr/>
+            </a:pPr>
+            <a:r>
+              <a:rPr lang="ko-KR" altLang="en-US" dirty="0" smtClean="0">
+                <a:solidFill>
+                  <a:prstClr val="black"/>
+                </a:solidFill>
+                <a:latin typeface="맑은 고딕" panose="020F0502020204030204"/>
+                <a:ea typeface="맑은 고딕" panose="020B0503020000020004" pitchFamily="50" charset="-127"/>
+              </a:rPr>
+              <a:t>방 만들어서 매칭</a:t>
+            </a:r>
+            <a:endParaRPr lang="en-US" altLang="ko-KR" dirty="0">
+              <a:solidFill>
+                <a:prstClr val="black"/>
+              </a:solidFill>
+              <a:latin typeface="맑은 고딕" panose="020F0502020204030204"/>
+              <a:ea typeface="맑은 고딕" panose="020B0503020000020004" pitchFamily="50" charset="-127"/>
+            </a:endParaRPr>
+          </a:p>
+          <a:p>
+            <a:pPr marL="342900" marR="0" lvl="0" indent="-342900" algn="l" defTabSz="914400" rtl="0" eaLnBrk="1" fontAlgn="auto" latinLnBrk="1" hangingPunct="1">
+              <a:lnSpc>
+                <a:spcPct val="100000"/>
+              </a:lnSpc>
+              <a:spcBef>
+                <a:spcPts val="0"/>
+              </a:spcBef>
+              <a:spcAft>
+                <a:spcPts val="0"/>
+              </a:spcAft>
+              <a:buClrTx/>
+              <a:buSzTx/>
+              <a:buFontTx/>
+              <a:buAutoNum type="arabicPeriod"/>
+              <a:tabLst/>
+              <a:defRPr/>
+            </a:pPr>
+            <a:r>
+              <a:rPr lang="ko-KR" altLang="en-US" dirty="0" smtClean="0">
+                <a:solidFill>
+                  <a:prstClr val="black"/>
+                </a:solidFill>
+                <a:latin typeface="맑은 고딕" panose="020F0502020204030204"/>
+                <a:ea typeface="맑은 고딕" panose="020B0503020000020004" pitchFamily="50" charset="-127"/>
+              </a:rPr>
+              <a:t>실시간 전송</a:t>
+            </a:r>
+            <a:endParaRPr lang="en-US" altLang="ko-KR" dirty="0" smtClean="0">
+              <a:solidFill>
+                <a:prstClr val="black"/>
+              </a:solidFill>
+              <a:latin typeface="맑은 고딕" panose="020F0502020204030204"/>
+              <a:ea typeface="맑은 고딕" panose="020B0503020000020004" pitchFamily="50" charset="-127"/>
+            </a:endParaRPr>
+          </a:p>
+          <a:p>
+            <a:pPr marL="342900" marR="0" lvl="0" indent="-342900" algn="l" defTabSz="914400" rtl="0" eaLnBrk="1" fontAlgn="auto" latinLnBrk="1" hangingPunct="1">
+              <a:lnSpc>
+                <a:spcPct val="100000"/>
+              </a:lnSpc>
+              <a:spcBef>
+                <a:spcPts val="0"/>
+              </a:spcBef>
+              <a:spcAft>
+                <a:spcPts val="0"/>
+              </a:spcAft>
+              <a:buClrTx/>
+              <a:buSzTx/>
+              <a:buFontTx/>
+              <a:buAutoNum type="arabicPeriod"/>
+              <a:tabLst/>
+              <a:defRPr/>
+            </a:pPr>
+            <a:r>
+              <a:rPr lang="ko-KR" altLang="en-US" noProof="0" dirty="0" smtClean="0">
+                <a:solidFill>
+                  <a:prstClr val="black"/>
+                </a:solidFill>
+                <a:latin typeface="맑은 고딕" panose="020F0502020204030204"/>
+                <a:ea typeface="맑은 고딕" panose="020B0503020000020004" pitchFamily="50" charset="-127"/>
+              </a:rPr>
+              <a:t>결과 업로드</a:t>
+            </a:r>
+            <a:endParaRPr lang="en-US" altLang="ko-KR" noProof="0" dirty="0" smtClean="0">
+              <a:solidFill>
+                <a:prstClr val="black"/>
+              </a:solidFill>
+              <a:latin typeface="맑은 고딕" panose="020F0502020204030204"/>
+              <a:ea typeface="맑은 고딕" panose="020B0503020000020004" pitchFamily="50" charset="-127"/>
+            </a:endParaRPr>
+          </a:p>
+          <a:p>
+            <a:pPr marL="342900" marR="0" lvl="0" indent="-342900" algn="l" defTabSz="914400" rtl="0" eaLnBrk="1" fontAlgn="auto" latinLnBrk="1" hangingPunct="1">
+              <a:lnSpc>
+                <a:spcPct val="100000"/>
+              </a:lnSpc>
+              <a:spcBef>
+                <a:spcPts val="0"/>
+              </a:spcBef>
+              <a:spcAft>
+                <a:spcPts val="0"/>
+              </a:spcAft>
+              <a:buClrTx/>
+              <a:buSzTx/>
+              <a:buFontTx/>
+              <a:buAutoNum type="arabicPeriod"/>
+              <a:tabLst/>
+              <a:defRPr/>
+            </a:pPr>
+            <a:r>
+              <a:rPr lang="ko-KR" altLang="en-US" dirty="0" smtClean="0">
+                <a:solidFill>
+                  <a:prstClr val="black"/>
+                </a:solidFill>
+                <a:latin typeface="맑은 고딕" panose="020F0502020204030204"/>
+                <a:ea typeface="맑은 고딕" panose="020B0503020000020004" pitchFamily="50" charset="-127"/>
+              </a:rPr>
+              <a:t>승 패 알림</a:t>
+            </a:r>
+            <a:endParaRPr lang="en-US" altLang="ko-KR" dirty="0">
+              <a:solidFill>
+                <a:prstClr val="black"/>
+              </a:solidFill>
+              <a:latin typeface="맑은 고딕" panose="020F0502020204030204"/>
+              <a:ea typeface="맑은 고딕" panose="020B0503020000020004" pitchFamily="50" charset="-127"/>
+            </a:endParaRPr>
+          </a:p>
+          <a:p>
+            <a:pPr marL="342900" marR="0" lvl="0" indent="-342900" algn="l" defTabSz="914400" rtl="0" eaLnBrk="1" fontAlgn="auto" latinLnBrk="1" hangingPunct="1">
+              <a:lnSpc>
+                <a:spcPct val="100000"/>
+              </a:lnSpc>
+              <a:spcBef>
+                <a:spcPts val="0"/>
+              </a:spcBef>
+              <a:spcAft>
+                <a:spcPts val="0"/>
+              </a:spcAft>
+              <a:buClrTx/>
+              <a:buSzTx/>
+              <a:buFontTx/>
+              <a:buAutoNum type="arabicPeriod"/>
+              <a:tabLst/>
+              <a:defRPr/>
+            </a:pPr>
+            <a:endParaRPr lang="en-US" altLang="ko-KR" noProof="0" dirty="0" smtClean="0">
+              <a:solidFill>
+                <a:prstClr val="black"/>
+              </a:solidFill>
+              <a:latin typeface="맑은 고딕" panose="020F0502020204030204"/>
+              <a:ea typeface="맑은 고딕" panose="020B0503020000020004" pitchFamily="50" charset="-127"/>
+            </a:endParaRPr>
+          </a:p>
+          <a:p>
+            <a:pPr marR="0" lvl="0" algn="l" defTabSz="914400" rtl="0" eaLnBrk="1" fontAlgn="auto" latinLnBrk="1" hangingPunct="1">
+              <a:lnSpc>
+                <a:spcPct val="100000"/>
+              </a:lnSpc>
+              <a:spcBef>
+                <a:spcPts val="0"/>
+              </a:spcBef>
+              <a:spcAft>
+                <a:spcPts val="0"/>
+              </a:spcAft>
+              <a:buClrTx/>
+              <a:buSzTx/>
+              <a:tabLst/>
+              <a:defRPr/>
+            </a:pPr>
+            <a:endParaRPr kumimoji="0" lang="en-US" altLang="ko-KR" sz="1800" b="0" i="0" u="none" strike="noStrike" kern="1200" cap="none" spc="0" normalizeH="0" baseline="0" noProof="0" dirty="0" smtClean="0">
+              <a:ln>
+                <a:noFill/>
+              </a:ln>
+              <a:solidFill>
+                <a:prstClr val="black"/>
+              </a:solidFill>
+              <a:effectLst/>
+              <a:uLnTx/>
+              <a:uFillTx/>
+              <a:latin typeface="맑은 고딕" panose="020F0502020204030204"/>
+              <a:ea typeface="맑은 고딕" panose="020B0503020000020004" pitchFamily="50" charset="-127"/>
+              <a:cs typeface="+mn-cs"/>
+            </a:endParaRPr>
+          </a:p>
+        </p:txBody>
+      </p:sp>
+      <p:sp>
+        <p:nvSpPr>
+          <p:cNvPr id="9" name="제목 3"/>
+          <p:cNvSpPr txBox="1">
+            <a:spLocks/>
           </p:cNvSpPr>
-          <p:nvPr>
-            <p:ph idx="1"/>
-          </p:nvPr>
-        </p:nvSpPr>
-        <p:spPr/>
-        <p:txBody>
-          <a:bodyPr/>
-          <a:lstStyle/>
-          <a:p>
-            <a:endParaRPr lang="ko-KR" altLang="en-US"/>
+          <p:nvPr/>
+        </p:nvSpPr>
+        <p:spPr>
+          <a:xfrm>
+            <a:off x="6172201" y="154111"/>
+            <a:ext cx="3994638" cy="355844"/>
+          </a:xfrm>
+          <a:prstGeom prst="rect">
+            <a:avLst/>
+          </a:prstGeom>
+        </p:spPr>
+        <p:txBody>
+          <a:bodyPr vert="horz" lIns="91440" tIns="45720" rIns="91440" bIns="45720" rtlCol="0" anchor="ctr">
+            <a:normAutofit fontScale="97500" lnSpcReduction="10000"/>
+          </a:bodyPr>
+          <a:lstStyle>
+            <a:lvl1pPr algn="l" defTabSz="914400" rtl="0" eaLnBrk="1" latinLnBrk="1" hangingPunct="1">
+              <a:lnSpc>
+                <a:spcPct val="90000"/>
+              </a:lnSpc>
+              <a:spcBef>
+                <a:spcPct val="0"/>
+              </a:spcBef>
+              <a:buNone/>
+              <a:defRPr sz="4400" kern="1200">
+                <a:solidFill>
+                  <a:schemeClr val="tx1"/>
+                </a:solidFill>
+                <a:latin typeface="+mj-lt"/>
+                <a:ea typeface="+mj-ea"/>
+                <a:cs typeface="+mj-cs"/>
+              </a:defRPr>
+            </a:lvl1pPr>
+          </a:lstStyle>
+          <a:p>
+            <a:r>
+              <a:rPr lang="ko-KR" altLang="en-US" sz="2000" dirty="0" smtClean="0"/>
+              <a:t>서버 구성</a:t>
+            </a:r>
+            <a:endParaRPr lang="ko-KR" altLang="en-US" sz="2000" dirty="0"/>
           </a:p>
         </p:txBody>
       </p:sp>
     </p:spTree>
     <p:extLst>
       <p:ext uri="{BB962C8B-B14F-4D97-AF65-F5344CB8AC3E}">
-        <p14:creationId xmlns:p14="http://schemas.microsoft.com/office/powerpoint/2010/main" val="3855708023"/>
+        <p14:creationId xmlns:p14="http://schemas.microsoft.com/office/powerpoint/2010/main" val="660184480"/>
       </p:ext>
     </p:extLst>
   </p:cSld>
   <p:clrMapOvr>
     <a:masterClrMapping/>
   </p:clrMapOvr>
-  <p:timing>
-    <p:tnLst>
-      <p:par>
-        <p:cTn id="1" dur="indefinite" restart="never" nodeType="tmRoot"/>
-      </p:par>
-    </p:tnLst>
-  </p:timing>
 </p:sld>
 </file>
 
@@ -9331,7 +10056,7 @@
         <p:spPr>
           <a:xfrm>
             <a:off x="8827477" y="808891"/>
-            <a:ext cx="2751992" cy="1477328"/>
+            <a:ext cx="2751992" cy="1754326"/>
           </a:xfrm>
           <a:prstGeom prst="rect">
             <a:avLst/>
@@ -9349,7 +10074,19 @@
             </a:pPr>
             <a:r>
               <a:rPr lang="ko-KR" altLang="en-US" dirty="0" smtClean="0"/>
-              <a:t>최종적으로 결정되는 게임 이름</a:t>
+              <a:t>라벨</a:t>
+            </a:r>
+            <a:r>
+              <a:rPr lang="en-US" altLang="ko-KR" dirty="0" smtClean="0"/>
+              <a:t>. </a:t>
+            </a:r>
+            <a:r>
+              <a:rPr lang="ko-KR" altLang="en-US" dirty="0" smtClean="0"/>
+              <a:t>게임 이름 </a:t>
+            </a:r>
+            <a:r>
+              <a:rPr lang="ko-KR" altLang="en-US" dirty="0" smtClean="0"/>
+              <a:t>표시</a:t>
             </a:r>
             <a:endParaRPr lang="en-US" altLang="ko-KR" dirty="0" smtClean="0"/>
           </a:p>
@@ -9365,7 +10102,35 @@
             </a:pPr>
             <a:r>
               <a:rPr lang="ko-KR" altLang="en-US" dirty="0" smtClean="0"/>
-              <a:t>누르면 게임 로비로 이동</a:t>
+              <a:t>라벨</a:t>
+            </a:r>
+            <a:r>
+              <a:rPr lang="en-US" altLang="ko-KR" dirty="0" smtClean="0"/>
+              <a:t>. </a:t>
+            </a:r>
+            <a:r>
+              <a:rPr lang="ko-KR" altLang="en-US" dirty="0" smtClean="0"/>
+              <a:t>제작자 이름 표시</a:t>
+            </a:r>
+            <a:endParaRPr lang="en-US" altLang="ko-KR" dirty="0" smtClean="0"/>
+          </a:p>
+          <a:p>
+            <a:pPr marL="342900" indent="-342900">
+              <a:buAutoNum type="arabicPeriod"/>
+            </a:pPr>
+            <a:endParaRPr lang="en-US" altLang="ko-KR" dirty="0"/>
+          </a:p>
+          <a:p>
+            <a:pPr marL="342900" indent="-342900">
+              <a:buAutoNum type="arabicPeriod"/>
+            </a:pPr>
+            <a:r>
+              <a:rPr lang="ko-KR" altLang="en-US" dirty="0" smtClean="0"/>
+              <a:t>버튼</a:t>
+            </a:r>
+            <a:r>
+              <a:rPr lang="en-US" altLang="ko-KR" dirty="0" smtClean="0"/>
+              <a:t>. </a:t>
             </a:r>
             <a:endParaRPr lang="en-US" altLang="ko-KR" dirty="0"/>
           </a:p>
@@ -9476,7 +10241,7 @@
         <p:spPr>
           <a:xfrm>
             <a:off x="3420207" y="2795954"/>
-            <a:ext cx="439616" cy="404446"/>
+            <a:ext cx="439616" cy="386861"/>
           </a:xfrm>
           <a:prstGeom prst="ellipse">
             <a:avLst/>
@@ -9514,7 +10279,7 @@
     </p:spTree>
     <p:extLst>
       <p:ext uri="{BB962C8B-B14F-4D97-AF65-F5344CB8AC3E}">
-        <p14:creationId xmlns:p14="http://schemas.microsoft.com/office/powerpoint/2010/main" val="2341520700"/>
+        <p14:creationId xmlns:p14="http://schemas.microsoft.com/office/powerpoint/2010/main" val="1168179965"/>
       </p:ext>
     </p:extLst>
   </p:cSld>
@@ -9626,7 +10391,7 @@
         <p:spPr>
           <a:xfrm>
             <a:off x="1301262" y="562708"/>
-            <a:ext cx="1189749" cy="369332"/>
+            <a:ext cx="1420582" cy="369332"/>
           </a:xfrm>
           <a:prstGeom prst="rect">
             <a:avLst/>
@@ -9641,7 +10406,7 @@
           <a:p>
             <a:r>
               <a:rPr lang="ko-KR" altLang="en-US" dirty="0" smtClean="0"/>
-              <a:t>게임 로비</a:t>
+              <a:t>로그인 화면</a:t>
             </a:r>
             <a:endParaRPr lang="ko-KR" altLang="en-US" dirty="0"/>
           </a:p>
@@ -9649,104 +10414,103 @@
       </p:sp>
       <p:sp>
         <p:nvSpPr>
-          <p:cNvPr id="12" name="TextBox 11"/>
+          <p:cNvPr id="16" name="타원 15"/>
+          <p:cNvSpPr/>
+          <p:nvPr/>
+        </p:nvSpPr>
+        <p:spPr>
+          <a:xfrm>
+            <a:off x="2040371" y="2708031"/>
+            <a:ext cx="439616" cy="386861"/>
+          </a:xfrm>
+          <a:prstGeom prst="ellipse">
+            <a:avLst/>
+          </a:prstGeom>
+        </p:spPr>
+        <p:style>
+          <a:lnRef idx="2">
+            <a:schemeClr val="accent1">
+              <a:shade val="50000"/>
+            </a:schemeClr>
+          </a:lnRef>
+          <a:fillRef idx="1">
+            <a:schemeClr val="accent1"/>
+          </a:fillRef>
+          <a:effectRef idx="0">
+            <a:schemeClr val="accent1"/>
+          </a:effectRef>
+          <a:fontRef idx="minor">
+            <a:schemeClr val="lt1"/>
+          </a:fontRef>
+        </p:style>
+        <p:txBody>
+          <a:bodyPr rtlCol="0" anchor="ctr"/>
+          <a:lstStyle/>
+          <a:p>
+            <a:pPr algn="ctr"/>
+            <a:r>
+              <a:rPr lang="en-US" altLang="ko-KR" dirty="0" smtClean="0"/>
+              <a:t>1</a:t>
+            </a:r>
+            <a:endParaRPr lang="ko-KR" altLang="en-US" dirty="0"/>
+          </a:p>
+        </p:txBody>
+      </p:sp>
+      <p:sp>
+        <p:nvSpPr>
+          <p:cNvPr id="6" name="TextBox 5"/>
           <p:cNvSpPr txBox="1"/>
           <p:nvPr/>
         </p:nvSpPr>
         <p:spPr>
           <a:xfrm>
-            <a:off x="8827477" y="808892"/>
-            <a:ext cx="3084499" cy="2031325"/>
+            <a:off x="3297115" y="3094892"/>
+            <a:ext cx="2013438" cy="369332"/>
           </a:xfrm>
           <a:prstGeom prst="rect">
             <a:avLst/>
           </a:prstGeom>
           <a:noFill/>
-        </p:spPr>
-        <p:txBody>
-          <a:bodyPr wrap="none" rtlCol="0">
+          <a:ln>
+            <a:solidFill>
+              <a:schemeClr val="tx1"/>
+            </a:solidFill>
+          </a:ln>
+        </p:spPr>
+        <p:txBody>
+          <a:bodyPr wrap="square" rtlCol="0">
             <a:spAutoFit/>
           </a:bodyPr>
           <a:lstStyle/>
           <a:p>
-            <a:pPr marL="342900" indent="-342900">
-              <a:buAutoNum type="arabicPeriod"/>
-            </a:pPr>
             <a:r>
               <a:rPr lang="ko-KR" altLang="en-US" dirty="0" smtClean="0"/>
-              <a:t>플레이 누르면 매칭 시작</a:t>
-            </a:r>
-            <a:endParaRPr lang="en-US" altLang="ko-KR" dirty="0" smtClean="0"/>
-          </a:p>
-          <a:p>
-            <a:pPr marL="342900" indent="-342900">
-              <a:buAutoNum type="arabicPeriod"/>
-            </a:pPr>
-            <a:endParaRPr lang="en-US" altLang="ko-KR" dirty="0"/>
-          </a:p>
-          <a:p>
-            <a:pPr marL="342900" indent="-342900">
-              <a:buAutoNum type="arabicPeriod"/>
-            </a:pPr>
-            <a:r>
-              <a:rPr lang="ko-KR" altLang="en-US" dirty="0" smtClean="0"/>
-              <a:t>랭킹 누르면 랭킹 화면</a:t>
-            </a:r>
-            <a:endParaRPr lang="en-US" altLang="ko-KR" dirty="0" smtClean="0"/>
-          </a:p>
-          <a:p>
-            <a:pPr marL="342900" indent="-342900">
-              <a:buAutoNum type="arabicPeriod"/>
-            </a:pPr>
-            <a:endParaRPr lang="en-US" altLang="ko-KR" dirty="0"/>
-          </a:p>
-          <a:p>
-            <a:pPr marL="342900" indent="-342900">
-              <a:buAutoNum type="arabicPeriod"/>
-            </a:pPr>
-            <a:r>
-              <a:rPr lang="ko-KR" altLang="en-US" dirty="0" smtClean="0"/>
-              <a:t>종료 누르면 </a:t>
-            </a:r>
-            <a:r>
-              <a:rPr lang="ko-KR" altLang="en-US" dirty="0" smtClean="0"/>
-              <a:t>종료</a:t>
-            </a:r>
-            <a:endParaRPr lang="en-US" altLang="ko-KR" dirty="0"/>
-          </a:p>
-          <a:p>
-            <a:pPr marL="342900" indent="-342900">
-              <a:buAutoNum type="arabicPeriod"/>
-            </a:pPr>
-            <a:endParaRPr lang="en-US" altLang="ko-KR" dirty="0"/>
-          </a:p>
-          <a:p>
-            <a:pPr marL="342900" indent="-342900">
-              <a:buAutoNum type="arabicPeriod"/>
-            </a:pPr>
-            <a:r>
-              <a:rPr lang="ko-KR" altLang="en-US" dirty="0" smtClean="0"/>
-              <a:t>서버 정보</a:t>
-            </a:r>
-            <a:endParaRPr lang="en-US" altLang="ko-KR" dirty="0"/>
-          </a:p>
-        </p:txBody>
-      </p:sp>
-      <p:sp>
-        <p:nvSpPr>
-          <p:cNvPr id="3" name="TextBox 2"/>
+              <a:t>닉네임</a:t>
+            </a:r>
+            <a:endParaRPr lang="ko-KR" altLang="en-US" dirty="0"/>
+          </a:p>
+        </p:txBody>
+      </p:sp>
+      <p:sp>
+        <p:nvSpPr>
+          <p:cNvPr id="17" name="TextBox 16"/>
           <p:cNvSpPr txBox="1"/>
           <p:nvPr/>
         </p:nvSpPr>
         <p:spPr>
           <a:xfrm>
-            <a:off x="2425069" y="3332312"/>
-            <a:ext cx="2373923" cy="369332"/>
+            <a:off x="3297114" y="3492868"/>
+            <a:ext cx="2013439" cy="369332"/>
           </a:xfrm>
           <a:prstGeom prst="rect">
             <a:avLst/>
           </a:prstGeom>
           <a:noFill/>
+          <a:ln>
+            <a:solidFill>
+              <a:schemeClr val="tx1"/>
+            </a:solidFill>
+          </a:ln>
         </p:spPr>
         <p:txBody>
           <a:bodyPr wrap="square" rtlCol="0">
@@ -9756,7 +10520,7 @@
           <a:p>
             <a:r>
               <a:rPr lang="ko-KR" altLang="en-US" dirty="0" smtClean="0"/>
-              <a:t>플레이</a:t>
+              <a:t>비밀번호</a:t>
             </a:r>
             <a:endParaRPr lang="ko-KR" altLang="en-US" dirty="0"/>
           </a:p>
@@ -9764,19 +10528,24 @@
       </p:sp>
       <p:sp>
         <p:nvSpPr>
-          <p:cNvPr id="6" name="TextBox 5"/>
+          <p:cNvPr id="18" name="TextBox 17"/>
           <p:cNvSpPr txBox="1"/>
           <p:nvPr/>
         </p:nvSpPr>
         <p:spPr>
           <a:xfrm>
-            <a:off x="4587977" y="3332312"/>
-            <a:ext cx="2233246" cy="369332"/>
+            <a:off x="3297114" y="4037964"/>
+            <a:ext cx="993533" cy="323165"/>
           </a:xfrm>
           <a:prstGeom prst="rect">
             <a:avLst/>
           </a:prstGeom>
           <a:noFill/>
+          <a:ln>
+            <a:solidFill>
+              <a:schemeClr val="tx1"/>
+            </a:solidFill>
+          </a:ln>
         </p:spPr>
         <p:txBody>
           <a:bodyPr wrap="square" rtlCol="0">
@@ -9785,28 +10554,33 @@
           <a:lstStyle/>
           <a:p>
             <a:r>
-              <a:rPr lang="ko-KR" altLang="en-US" dirty="0" smtClean="0"/>
-              <a:t>랭킹</a:t>
-            </a:r>
-            <a:endParaRPr lang="ko-KR" altLang="en-US" dirty="0"/>
-          </a:p>
-        </p:txBody>
-      </p:sp>
-      <p:sp>
-        <p:nvSpPr>
-          <p:cNvPr id="7" name="TextBox 6"/>
+              <a:rPr lang="ko-KR" altLang="en-US" sz="1500" dirty="0" smtClean="0"/>
+              <a:t>로그인</a:t>
+            </a:r>
+            <a:endParaRPr lang="ko-KR" altLang="en-US" sz="1500" dirty="0"/>
+          </a:p>
+        </p:txBody>
+      </p:sp>
+      <p:sp>
+        <p:nvSpPr>
+          <p:cNvPr id="19" name="TextBox 18"/>
           <p:cNvSpPr txBox="1"/>
           <p:nvPr/>
         </p:nvSpPr>
         <p:spPr>
           <a:xfrm>
-            <a:off x="3655993" y="4844561"/>
-            <a:ext cx="2048607" cy="369332"/>
+            <a:off x="5864468" y="5268888"/>
+            <a:ext cx="1138605" cy="369332"/>
           </a:xfrm>
           <a:prstGeom prst="rect">
             <a:avLst/>
           </a:prstGeom>
           <a:noFill/>
+          <a:ln>
+            <a:solidFill>
+              <a:schemeClr val="tx1"/>
+            </a:solidFill>
+          </a:ln>
         </p:spPr>
         <p:txBody>
           <a:bodyPr wrap="square" rtlCol="0">
@@ -9816,7 +10590,7 @@
           <a:p>
             <a:r>
               <a:rPr lang="ko-KR" altLang="en-US" dirty="0" smtClean="0"/>
-              <a:t>종료</a:t>
+              <a:t>나가기</a:t>
             </a:r>
             <a:endParaRPr lang="ko-KR" altLang="en-US" dirty="0"/>
           </a:p>
@@ -9824,19 +10598,24 @@
       </p:sp>
       <p:sp>
         <p:nvSpPr>
-          <p:cNvPr id="2" name="TextBox 1"/>
+          <p:cNvPr id="21" name="TextBox 20"/>
           <p:cNvSpPr txBox="1"/>
           <p:nvPr/>
         </p:nvSpPr>
         <p:spPr>
           <a:xfrm>
-            <a:off x="5950785" y="5758962"/>
-            <a:ext cx="1740876" cy="646331"/>
+            <a:off x="4290647" y="4033654"/>
+            <a:ext cx="1019906" cy="323165"/>
           </a:xfrm>
           <a:prstGeom prst="rect">
             <a:avLst/>
           </a:prstGeom>
           <a:noFill/>
+          <a:ln>
+            <a:solidFill>
+              <a:schemeClr val="tx1"/>
+            </a:solidFill>
+          </a:ln>
         </p:spPr>
         <p:txBody>
           <a:bodyPr wrap="square" rtlCol="0">
@@ -9845,31 +10624,55 @@
           <a:lstStyle/>
           <a:p>
             <a:r>
-              <a:rPr lang="ko-KR" altLang="en-US" dirty="0" smtClean="0"/>
+              <a:rPr lang="ko-KR" altLang="en-US" sz="1500" dirty="0" smtClean="0"/>
+              <a:t>회원가입</a:t>
+            </a:r>
+            <a:endParaRPr lang="ko-KR" altLang="en-US" sz="1500" dirty="0"/>
+          </a:p>
+        </p:txBody>
+      </p:sp>
+      <p:sp>
+        <p:nvSpPr>
+          <p:cNvPr id="7" name="TextBox 6"/>
+          <p:cNvSpPr txBox="1"/>
+          <p:nvPr/>
+        </p:nvSpPr>
+        <p:spPr>
+          <a:xfrm>
+            <a:off x="1301262" y="2057400"/>
+            <a:ext cx="1995852" cy="369332"/>
+          </a:xfrm>
+          <a:prstGeom prst="rect">
+            <a:avLst/>
+          </a:prstGeom>
+          <a:noFill/>
+          <a:ln>
+            <a:solidFill>
+              <a:schemeClr val="tx1"/>
+            </a:solidFill>
+          </a:ln>
+        </p:spPr>
+        <p:txBody>
+          <a:bodyPr wrap="square" rtlCol="0">
+            <a:spAutoFit/>
+          </a:bodyPr>
+          <a:lstStyle/>
+          <a:p>
+            <a:r>
+              <a:rPr lang="ko-KR" altLang="en-US" sz="1600" dirty="0" smtClean="0"/>
               <a:t>서버 </a:t>
             </a:r>
             <a:r>
+              <a:rPr lang="en-US" altLang="ko-KR" sz="1600" dirty="0" err="1" smtClean="0"/>
+              <a:t>ip</a:t>
+            </a:r>
+            <a:r>
+              <a:rPr lang="en-US" altLang="ko-KR" sz="1600" dirty="0" smtClean="0"/>
+              <a:t> 1.2.1.2</a:t>
+            </a:r>
+            <a:r>
               <a:rPr lang="en-US" altLang="ko-KR" dirty="0" smtClean="0"/>
-              <a:t>: </a:t>
-            </a:r>
-            <a:r>
-              <a:rPr lang="en-US" altLang="ko-KR" dirty="0" err="1" smtClean="0"/>
-              <a:t>xxx.xxx</a:t>
-            </a:r>
-            <a:endParaRPr lang="en-US" altLang="ko-KR" dirty="0" smtClean="0"/>
-          </a:p>
-          <a:p>
-            <a:r>
-              <a:rPr lang="ko-KR" altLang="en-US" dirty="0" smtClean="0"/>
-              <a:t>상태 </a:t>
-            </a:r>
-            <a:r>
-              <a:rPr lang="en-US" altLang="ko-KR" dirty="0" smtClean="0"/>
-              <a:t>: </a:t>
-            </a:r>
-            <a:r>
-              <a:rPr lang="ko-KR" altLang="en-US" dirty="0" smtClean="0"/>
-              <a:t>온라인</a:t>
+              <a:t>.</a:t>
             </a:r>
             <a:endParaRPr lang="ko-KR" altLang="en-US" dirty="0"/>
           </a:p>
@@ -9878,7 +10681,7 @@
     </p:spTree>
     <p:extLst>
       <p:ext uri="{BB962C8B-B14F-4D97-AF65-F5344CB8AC3E}">
-        <p14:creationId xmlns:p14="http://schemas.microsoft.com/office/powerpoint/2010/main" val="1432007771"/>
+        <p14:creationId xmlns:p14="http://schemas.microsoft.com/office/powerpoint/2010/main" val="2341520700"/>
       </p:ext>
     </p:extLst>
   </p:cSld>
@@ -9990,7 +10793,7 @@
         <p:spPr>
           <a:xfrm>
             <a:off x="1301262" y="562708"/>
-            <a:ext cx="1963999" cy="369332"/>
+            <a:ext cx="1189749" cy="369332"/>
           </a:xfrm>
           <a:prstGeom prst="rect">
             <a:avLst/>
@@ -10005,7 +10808,7 @@
           <a:p>
             <a:r>
               <a:rPr lang="ko-KR" altLang="en-US" dirty="0" smtClean="0"/>
-              <a:t>게임 플레이 화면</a:t>
+              <a:t>게임 로비</a:t>
             </a:r>
             <a:endParaRPr lang="ko-KR" altLang="en-US" dirty="0"/>
           </a:p>
@@ -10020,7 +10823,7 @@
         <p:spPr>
           <a:xfrm>
             <a:off x="8827477" y="808892"/>
-            <a:ext cx="2451312" cy="3970318"/>
+            <a:ext cx="3084499" cy="2031325"/>
           </a:xfrm>
           <a:prstGeom prst="rect">
             <a:avLst/>
@@ -10038,65 +10841,7 @@
             </a:pPr>
             <a:r>
               <a:rPr lang="ko-KR" altLang="en-US" dirty="0" smtClean="0"/>
-              <a:t>설명</a:t>
-            </a:r>
-            <a:endParaRPr lang="en-US" altLang="ko-KR" dirty="0" smtClean="0"/>
-          </a:p>
-          <a:p>
-            <a:pPr marL="342900" indent="-342900">
-              <a:buAutoNum type="arabicPeriod"/>
-            </a:pPr>
-            <a:endParaRPr lang="en-US" altLang="ko-KR" dirty="0" smtClean="0"/>
-          </a:p>
-          <a:p>
-            <a:pPr marL="342900" indent="-342900">
-              <a:buAutoNum type="arabicPeriod"/>
-            </a:pPr>
-            <a:r>
-              <a:rPr lang="ko-KR" altLang="en-US" dirty="0" err="1" smtClean="0"/>
-              <a:t>아군유닛</a:t>
-            </a:r>
-            <a:r>
-              <a:rPr lang="ko-KR" altLang="en-US" dirty="0" smtClean="0"/>
-              <a:t> </a:t>
-            </a:r>
-            <a:r>
-              <a:rPr lang="en-US" altLang="ko-KR" dirty="0" smtClean="0"/>
-              <a:t>(</a:t>
-            </a:r>
-            <a:r>
-              <a:rPr lang="ko-KR" altLang="en-US" dirty="0" err="1" smtClean="0"/>
-              <a:t>쓰레드</a:t>
-            </a:r>
-            <a:r>
-              <a:rPr lang="en-US" altLang="ko-KR" dirty="0" smtClean="0"/>
-              <a:t>)</a:t>
-            </a:r>
-            <a:endParaRPr lang="en-US" altLang="ko-KR" dirty="0" smtClean="0"/>
-          </a:p>
-          <a:p>
-            <a:pPr marL="342900" indent="-342900">
-              <a:buAutoNum type="arabicPeriod"/>
-            </a:pPr>
-            <a:r>
-              <a:rPr lang="ko-KR" altLang="en-US" dirty="0" smtClean="0"/>
-              <a:t>적군 </a:t>
-            </a:r>
-            <a:r>
-              <a:rPr lang="ko-KR" altLang="en-US" dirty="0" smtClean="0"/>
-              <a:t>유닛 </a:t>
-            </a:r>
-            <a:r>
-              <a:rPr lang="en-US" altLang="ko-KR" dirty="0" smtClean="0"/>
-              <a:t>(</a:t>
-            </a:r>
-            <a:r>
-              <a:rPr lang="ko-KR" altLang="en-US" dirty="0" err="1" smtClean="0"/>
-              <a:t>쓰레드</a:t>
-            </a:r>
-            <a:r>
-              <a:rPr lang="en-US" altLang="ko-KR" dirty="0" smtClean="0"/>
-              <a:t>)</a:t>
+              <a:t>플레이 누르면 매칭 시작</a:t>
             </a:r>
             <a:endParaRPr lang="en-US" altLang="ko-KR" dirty="0" smtClean="0"/>
           </a:p>
@@ -10112,50 +10857,9 @@
             </a:pPr>
             <a:r>
               <a:rPr lang="ko-KR" altLang="en-US" dirty="0" smtClean="0"/>
-              <a:t>내 </a:t>
-            </a:r>
-            <a:r>
-              <a:rPr lang="ko-KR" altLang="en-US" dirty="0" smtClean="0"/>
-              <a:t>닉네임 </a:t>
-            </a:r>
-            <a:r>
-              <a:rPr lang="en-US" altLang="ko-KR" dirty="0" smtClean="0"/>
-              <a:t>(</a:t>
-            </a:r>
-            <a:r>
-              <a:rPr lang="ko-KR" altLang="en-US" dirty="0" err="1" smtClean="0"/>
-              <a:t>쓰레드</a:t>
-            </a:r>
-            <a:r>
-              <a:rPr lang="en-US" altLang="ko-KR" dirty="0" smtClean="0"/>
-              <a:t>)</a:t>
+              <a:t>랭킹 누르면 랭킹 화면</a:t>
             </a:r>
             <a:endParaRPr lang="en-US" altLang="ko-KR" dirty="0" smtClean="0"/>
-          </a:p>
-          <a:p>
-            <a:pPr marL="342900" indent="-342900">
-              <a:buAutoNum type="arabicPeriod"/>
-            </a:pPr>
-            <a:r>
-              <a:rPr lang="ko-KR" altLang="en-US" dirty="0" smtClean="0"/>
-              <a:t>내 </a:t>
-            </a:r>
-            <a:r>
-              <a:rPr lang="ko-KR" altLang="en-US" dirty="0" smtClean="0"/>
-              <a:t>체력 </a:t>
-            </a:r>
-            <a:r>
-              <a:rPr lang="en-US" altLang="ko-KR" dirty="0" smtClean="0"/>
-              <a:t>(</a:t>
-            </a:r>
-            <a:r>
-              <a:rPr lang="ko-KR" altLang="en-US" dirty="0" err="1" smtClean="0"/>
-              <a:t>쓰레드</a:t>
-            </a:r>
-            <a:r>
-              <a:rPr lang="en-US" altLang="ko-KR" dirty="0" smtClean="0"/>
-              <a:t>)</a:t>
-            </a:r>
           </a:p>
           <a:p>
             <a:pPr marL="342900" indent="-342900">
@@ -10169,39 +10873,9 @@
             </a:pPr>
             <a:r>
               <a:rPr lang="ko-KR" altLang="en-US" dirty="0" smtClean="0"/>
-              <a:t>적 </a:t>
-            </a:r>
-            <a:r>
-              <a:rPr lang="ko-KR" altLang="en-US" dirty="0" smtClean="0"/>
-              <a:t>닉네임</a:t>
-            </a:r>
-            <a:endParaRPr lang="en-US" altLang="ko-KR" dirty="0" smtClean="0"/>
-          </a:p>
-          <a:p>
-            <a:pPr marL="342900" indent="-342900">
-              <a:buAutoNum type="arabicPeriod"/>
-            </a:pPr>
-            <a:r>
-              <a:rPr lang="ko-KR" altLang="en-US" dirty="0" smtClean="0"/>
-              <a:t>적 </a:t>
-            </a:r>
-            <a:r>
-              <a:rPr lang="ko-KR" altLang="en-US" dirty="0" smtClean="0"/>
-              <a:t>체력 </a:t>
-            </a:r>
-            <a:r>
-              <a:rPr lang="en-US" altLang="ko-KR" dirty="0" smtClean="0"/>
-              <a:t>(</a:t>
-            </a:r>
-            <a:r>
-              <a:rPr lang="ko-KR" altLang="en-US" dirty="0" err="1" smtClean="0"/>
-              <a:t>쓰레드</a:t>
-            </a:r>
-            <a:r>
-              <a:rPr lang="en-US" altLang="ko-KR" dirty="0" smtClean="0"/>
-              <a:t>)</a:t>
-            </a:r>
-            <a:endParaRPr lang="en-US" altLang="ko-KR" dirty="0" smtClean="0"/>
+              <a:t>종료 누르면 종료</a:t>
+            </a:r>
+            <a:endParaRPr lang="en-US" altLang="ko-KR" dirty="0"/>
           </a:p>
           <a:p>
             <a:pPr marL="342900" indent="-342900">
@@ -10215,66 +10889,22 @@
             </a:pPr>
             <a:r>
               <a:rPr lang="ko-KR" altLang="en-US" dirty="0" smtClean="0"/>
-              <a:t>제한 </a:t>
-            </a:r>
-            <a:r>
-              <a:rPr lang="ko-KR" altLang="en-US" dirty="0" smtClean="0"/>
-              <a:t>시간 </a:t>
-            </a:r>
-            <a:r>
-              <a:rPr lang="en-US" altLang="ko-KR" dirty="0" smtClean="0"/>
-              <a:t>(</a:t>
-            </a:r>
-            <a:r>
-              <a:rPr lang="ko-KR" altLang="en-US" dirty="0" err="1" smtClean="0"/>
-              <a:t>쓰레드</a:t>
-            </a:r>
-            <a:r>
-              <a:rPr lang="en-US" altLang="ko-KR" dirty="0" smtClean="0"/>
-              <a:t>)</a:t>
-            </a:r>
-            <a:endParaRPr lang="en-US" altLang="ko-KR" dirty="0" smtClean="0"/>
-          </a:p>
-          <a:p>
-            <a:pPr marL="342900" indent="-342900">
-              <a:buAutoNum type="arabicPeriod"/>
-            </a:pPr>
+              <a:t>서버 정보</a:t>
+            </a:r>
             <a:endParaRPr lang="en-US" altLang="ko-KR" dirty="0"/>
           </a:p>
-          <a:p>
-            <a:pPr marL="342900" indent="-342900">
-              <a:buAutoNum type="arabicPeriod"/>
-            </a:pPr>
-            <a:r>
-              <a:rPr lang="ko-KR" altLang="en-US" dirty="0" smtClean="0"/>
-              <a:t>총알 </a:t>
-            </a:r>
-            <a:r>
-              <a:rPr lang="en-US" altLang="ko-KR" dirty="0" smtClean="0"/>
-              <a:t>(</a:t>
-            </a:r>
-            <a:r>
-              <a:rPr lang="ko-KR" altLang="en-US" dirty="0" err="1" smtClean="0"/>
-              <a:t>쓰레드</a:t>
-            </a:r>
-            <a:r>
-              <a:rPr lang="en-US" altLang="ko-KR" dirty="0" smtClean="0"/>
-              <a:t>)</a:t>
-            </a:r>
-            <a:endParaRPr lang="en-US" altLang="ko-KR" dirty="0" smtClean="0"/>
-          </a:p>
-        </p:txBody>
-      </p:sp>
-      <p:sp>
-        <p:nvSpPr>
-          <p:cNvPr id="2" name="TextBox 1"/>
+        </p:txBody>
+      </p:sp>
+      <p:sp>
+        <p:nvSpPr>
+          <p:cNvPr id="3" name="TextBox 2"/>
           <p:cNvSpPr txBox="1"/>
           <p:nvPr/>
         </p:nvSpPr>
         <p:spPr>
           <a:xfrm>
-            <a:off x="6268916" y="3754537"/>
-            <a:ext cx="861646" cy="369332"/>
+            <a:off x="2425069" y="3332312"/>
+            <a:ext cx="2373923" cy="369332"/>
           </a:xfrm>
           <a:prstGeom prst="rect">
             <a:avLst/>
@@ -10288,12 +10918,8 @@
           <a:lstStyle/>
           <a:p>
             <a:r>
-              <a:rPr lang="en-US" altLang="ko-KR" dirty="0" smtClean="0"/>
-              <a:t>60</a:t>
-            </a:r>
-            <a:r>
               <a:rPr lang="ko-KR" altLang="en-US" dirty="0" smtClean="0"/>
-              <a:t>초</a:t>
+              <a:t>플레이</a:t>
             </a:r>
             <a:endParaRPr lang="ko-KR" altLang="en-US" dirty="0"/>
           </a:p>
@@ -10301,14 +10927,14 @@
       </p:sp>
       <p:sp>
         <p:nvSpPr>
-          <p:cNvPr id="3" name="TextBox 2"/>
+          <p:cNvPr id="6" name="TextBox 5"/>
           <p:cNvSpPr txBox="1"/>
           <p:nvPr/>
         </p:nvSpPr>
         <p:spPr>
           <a:xfrm>
-            <a:off x="6084277" y="2514600"/>
-            <a:ext cx="1134208" cy="646331"/>
+            <a:off x="4587977" y="3332312"/>
+            <a:ext cx="2233246" cy="369332"/>
           </a:xfrm>
           <a:prstGeom prst="rect">
             <a:avLst/>
@@ -10323,14 +10949,7 @@
           <a:p>
             <a:r>
               <a:rPr lang="ko-KR" altLang="en-US" dirty="0" smtClean="0"/>
-              <a:t>닉네임</a:t>
-            </a:r>
-            <a:endParaRPr lang="en-US" altLang="ko-KR" dirty="0" smtClean="0"/>
-          </a:p>
-          <a:p>
-            <a:r>
-              <a:rPr lang="en-US" altLang="ko-KR" dirty="0" smtClean="0"/>
-              <a:t>50</a:t>
+              <a:t>랭킹</a:t>
             </a:r>
             <a:endParaRPr lang="ko-KR" altLang="en-US" dirty="0"/>
           </a:p>
@@ -10338,14 +10957,14 @@
       </p:sp>
       <p:sp>
         <p:nvSpPr>
-          <p:cNvPr id="6" name="TextBox 5"/>
+          <p:cNvPr id="7" name="TextBox 6"/>
           <p:cNvSpPr txBox="1"/>
           <p:nvPr/>
         </p:nvSpPr>
         <p:spPr>
           <a:xfrm>
-            <a:off x="6145823" y="5029200"/>
-            <a:ext cx="984739" cy="646331"/>
+            <a:off x="3655993" y="4844561"/>
+            <a:ext cx="2048607" cy="369332"/>
           </a:xfrm>
           <a:prstGeom prst="rect">
             <a:avLst/>
@@ -10360,14 +10979,7 @@
           <a:p>
             <a:r>
               <a:rPr lang="ko-KR" altLang="en-US" dirty="0" smtClean="0"/>
-              <a:t>닉네임</a:t>
-            </a:r>
-            <a:endParaRPr lang="en-US" altLang="ko-KR" dirty="0" smtClean="0"/>
-          </a:p>
-          <a:p>
-            <a:r>
-              <a:rPr lang="en-US" altLang="ko-KR" dirty="0" smtClean="0"/>
-              <a:t>50</a:t>
+              <a:t>종료</a:t>
             </a:r>
             <a:endParaRPr lang="ko-KR" altLang="en-US" dirty="0"/>
           </a:p>
@@ -10375,364 +10987,19 @@
       </p:sp>
       <p:sp>
         <p:nvSpPr>
-          <p:cNvPr id="7" name="직사각형 6"/>
-          <p:cNvSpPr/>
-          <p:nvPr/>
-        </p:nvSpPr>
-        <p:spPr>
-          <a:xfrm>
-            <a:off x="3420208" y="5284177"/>
-            <a:ext cx="492369" cy="391354"/>
-          </a:xfrm>
-          <a:prstGeom prst="rect">
-            <a:avLst/>
-          </a:prstGeom>
-        </p:spPr>
-        <p:style>
-          <a:lnRef idx="2">
-            <a:schemeClr val="accent1">
-              <a:shade val="50000"/>
-            </a:schemeClr>
-          </a:lnRef>
-          <a:fillRef idx="1">
-            <a:schemeClr val="accent1"/>
-          </a:fillRef>
-          <a:effectRef idx="0">
-            <a:schemeClr val="accent1"/>
-          </a:effectRef>
-          <a:fontRef idx="minor">
-            <a:schemeClr val="lt1"/>
-          </a:fontRef>
-        </p:style>
-        <p:txBody>
-          <a:bodyPr rtlCol="0" anchor="ctr"/>
-          <a:lstStyle/>
-          <a:p>
-            <a:pPr algn="ctr"/>
-            <a:endParaRPr lang="ko-KR" altLang="en-US"/>
-          </a:p>
-        </p:txBody>
-      </p:sp>
-      <p:sp>
-        <p:nvSpPr>
-          <p:cNvPr id="8" name="직사각형 7"/>
-          <p:cNvSpPr/>
-          <p:nvPr/>
-        </p:nvSpPr>
-        <p:spPr>
-          <a:xfrm>
-            <a:off x="2101362" y="2514600"/>
-            <a:ext cx="545123" cy="492369"/>
-          </a:xfrm>
-          <a:prstGeom prst="rect">
-            <a:avLst/>
-          </a:prstGeom>
-        </p:spPr>
-        <p:style>
-          <a:lnRef idx="2">
-            <a:schemeClr val="accent1">
-              <a:shade val="50000"/>
-            </a:schemeClr>
-          </a:lnRef>
-          <a:fillRef idx="1">
-            <a:schemeClr val="accent1"/>
-          </a:fillRef>
-          <a:effectRef idx="0">
-            <a:schemeClr val="accent1"/>
-          </a:effectRef>
-          <a:fontRef idx="minor">
-            <a:schemeClr val="lt1"/>
-          </a:fontRef>
-        </p:style>
-        <p:txBody>
-          <a:bodyPr rtlCol="0" anchor="ctr"/>
-          <a:lstStyle/>
-          <a:p>
-            <a:pPr algn="ctr"/>
-            <a:endParaRPr lang="ko-KR" altLang="en-US"/>
-          </a:p>
-        </p:txBody>
-      </p:sp>
-      <p:sp>
-        <p:nvSpPr>
-          <p:cNvPr id="9" name="직사각형 8"/>
-          <p:cNvSpPr/>
-          <p:nvPr/>
-        </p:nvSpPr>
-        <p:spPr>
-          <a:xfrm>
-            <a:off x="2283261" y="3006969"/>
-            <a:ext cx="178585" cy="228600"/>
-          </a:xfrm>
-          <a:prstGeom prst="rect">
-            <a:avLst/>
-          </a:prstGeom>
-        </p:spPr>
-        <p:style>
-          <a:lnRef idx="2">
-            <a:schemeClr val="accent1">
-              <a:shade val="50000"/>
-            </a:schemeClr>
-          </a:lnRef>
-          <a:fillRef idx="1">
-            <a:schemeClr val="accent1"/>
-          </a:fillRef>
-          <a:effectRef idx="0">
-            <a:schemeClr val="accent1"/>
-          </a:effectRef>
-          <a:fontRef idx="minor">
-            <a:schemeClr val="lt1"/>
-          </a:fontRef>
-        </p:style>
-        <p:txBody>
-          <a:bodyPr rtlCol="0" anchor="ctr"/>
-          <a:lstStyle/>
-          <a:p>
-            <a:pPr algn="ctr"/>
-            <a:endParaRPr lang="ko-KR" altLang="en-US"/>
-          </a:p>
-        </p:txBody>
-      </p:sp>
-      <p:sp>
-        <p:nvSpPr>
-          <p:cNvPr id="10" name="직사각형 9"/>
-          <p:cNvSpPr/>
-          <p:nvPr/>
-        </p:nvSpPr>
-        <p:spPr>
-          <a:xfrm>
-            <a:off x="3587262" y="5117123"/>
-            <a:ext cx="149469" cy="167054"/>
-          </a:xfrm>
-          <a:prstGeom prst="rect">
-            <a:avLst/>
-          </a:prstGeom>
-        </p:spPr>
-        <p:style>
-          <a:lnRef idx="2">
-            <a:schemeClr val="accent1">
-              <a:shade val="50000"/>
-            </a:schemeClr>
-          </a:lnRef>
-          <a:fillRef idx="1">
-            <a:schemeClr val="accent1"/>
-          </a:fillRef>
-          <a:effectRef idx="0">
-            <a:schemeClr val="accent1"/>
-          </a:effectRef>
-          <a:fontRef idx="minor">
-            <a:schemeClr val="lt1"/>
-          </a:fontRef>
-        </p:style>
-        <p:txBody>
-          <a:bodyPr rtlCol="0" anchor="ctr"/>
-          <a:lstStyle/>
-          <a:p>
-            <a:pPr algn="ctr"/>
-            <a:endParaRPr lang="ko-KR" altLang="en-US"/>
-          </a:p>
-        </p:txBody>
-      </p:sp>
-      <p:cxnSp>
-        <p:nvCxnSpPr>
-          <p:cNvPr id="14" name="직선 연결선 13"/>
-          <p:cNvCxnSpPr/>
-          <p:nvPr/>
-        </p:nvCxnSpPr>
-        <p:spPr>
-          <a:xfrm>
-            <a:off x="3661996" y="4492869"/>
-            <a:ext cx="0" cy="351693"/>
-          </a:xfrm>
-          <a:prstGeom prst="line">
-            <a:avLst/>
-          </a:prstGeom>
-        </p:spPr>
-        <p:style>
-          <a:lnRef idx="1">
-            <a:schemeClr val="accent1"/>
-          </a:lnRef>
-          <a:fillRef idx="0">
-            <a:schemeClr val="accent1"/>
-          </a:fillRef>
-          <a:effectRef idx="0">
-            <a:schemeClr val="accent1"/>
-          </a:effectRef>
-          <a:fontRef idx="minor">
-            <a:schemeClr val="tx1"/>
-          </a:fontRef>
-        </p:style>
-      </p:cxnSp>
-      <p:cxnSp>
-        <p:nvCxnSpPr>
-          <p:cNvPr id="15" name="직선 연결선 14"/>
-          <p:cNvCxnSpPr/>
-          <p:nvPr/>
-        </p:nvCxnSpPr>
-        <p:spPr>
-          <a:xfrm>
-            <a:off x="3912577" y="3939203"/>
-            <a:ext cx="0" cy="351693"/>
-          </a:xfrm>
-          <a:prstGeom prst="line">
-            <a:avLst/>
-          </a:prstGeom>
-        </p:spPr>
-        <p:style>
-          <a:lnRef idx="1">
-            <a:schemeClr val="accent1"/>
-          </a:lnRef>
-          <a:fillRef idx="0">
-            <a:schemeClr val="accent1"/>
-          </a:fillRef>
-          <a:effectRef idx="0">
-            <a:schemeClr val="accent1"/>
-          </a:effectRef>
-          <a:fontRef idx="minor">
-            <a:schemeClr val="tx1"/>
-          </a:fontRef>
-        </p:style>
-      </p:cxnSp>
-      <p:cxnSp>
-        <p:nvCxnSpPr>
-          <p:cNvPr id="16" name="직선 연결선 15"/>
-          <p:cNvCxnSpPr/>
-          <p:nvPr/>
-        </p:nvCxnSpPr>
-        <p:spPr>
-          <a:xfrm>
-            <a:off x="4174881" y="3402844"/>
-            <a:ext cx="0" cy="351693"/>
-          </a:xfrm>
-          <a:prstGeom prst="line">
-            <a:avLst/>
-          </a:prstGeom>
-        </p:spPr>
-        <p:style>
-          <a:lnRef idx="1">
-            <a:schemeClr val="accent1"/>
-          </a:lnRef>
-          <a:fillRef idx="0">
-            <a:schemeClr val="accent1"/>
-          </a:fillRef>
-          <a:effectRef idx="0">
-            <a:schemeClr val="accent1"/>
-          </a:effectRef>
-          <a:fontRef idx="minor">
-            <a:schemeClr val="tx1"/>
-          </a:fontRef>
-        </p:style>
-      </p:cxnSp>
-      <p:cxnSp>
-        <p:nvCxnSpPr>
-          <p:cNvPr id="17" name="직선 연결선 16"/>
-          <p:cNvCxnSpPr/>
-          <p:nvPr/>
-        </p:nvCxnSpPr>
-        <p:spPr>
-          <a:xfrm>
-            <a:off x="4387360" y="2883876"/>
-            <a:ext cx="0" cy="351693"/>
-          </a:xfrm>
-          <a:prstGeom prst="line">
-            <a:avLst/>
-          </a:prstGeom>
-        </p:spPr>
-        <p:style>
-          <a:lnRef idx="1">
-            <a:schemeClr val="accent1"/>
-          </a:lnRef>
-          <a:fillRef idx="0">
-            <a:schemeClr val="accent1"/>
-          </a:fillRef>
-          <a:effectRef idx="0">
-            <a:schemeClr val="accent1"/>
-          </a:effectRef>
-          <a:fontRef idx="minor">
-            <a:schemeClr val="tx1"/>
-          </a:fontRef>
-        </p:style>
-      </p:cxnSp>
-      <p:cxnSp>
-        <p:nvCxnSpPr>
-          <p:cNvPr id="18" name="직선 연결선 17"/>
-          <p:cNvCxnSpPr/>
-          <p:nvPr/>
-        </p:nvCxnSpPr>
-        <p:spPr>
-          <a:xfrm>
-            <a:off x="2372553" y="3402843"/>
-            <a:ext cx="0" cy="351693"/>
-          </a:xfrm>
-          <a:prstGeom prst="line">
-            <a:avLst/>
-          </a:prstGeom>
-        </p:spPr>
-        <p:style>
-          <a:lnRef idx="1">
-            <a:schemeClr val="accent1"/>
-          </a:lnRef>
-          <a:fillRef idx="0">
-            <a:schemeClr val="accent1"/>
-          </a:fillRef>
-          <a:effectRef idx="0">
-            <a:schemeClr val="accent1"/>
-          </a:effectRef>
-          <a:fontRef idx="minor">
-            <a:schemeClr val="tx1"/>
-          </a:fontRef>
-        </p:style>
-      </p:cxnSp>
-      <p:cxnSp>
-        <p:nvCxnSpPr>
-          <p:cNvPr id="19" name="직선 연결선 18"/>
-          <p:cNvCxnSpPr/>
-          <p:nvPr/>
-        </p:nvCxnSpPr>
-        <p:spPr>
-          <a:xfrm>
-            <a:off x="2362295" y="3939202"/>
-            <a:ext cx="0" cy="351693"/>
-          </a:xfrm>
-          <a:prstGeom prst="line">
-            <a:avLst/>
-          </a:prstGeom>
-        </p:spPr>
-        <p:style>
-          <a:lnRef idx="1">
-            <a:schemeClr val="accent1"/>
-          </a:lnRef>
-          <a:fillRef idx="0">
-            <a:schemeClr val="accent1"/>
-          </a:fillRef>
-          <a:effectRef idx="0">
-            <a:schemeClr val="accent1"/>
-          </a:effectRef>
-          <a:fontRef idx="minor">
-            <a:schemeClr val="tx1"/>
-          </a:fontRef>
-        </p:style>
-      </p:cxnSp>
-      <p:sp>
-        <p:nvSpPr>
-          <p:cNvPr id="13" name="TextBox 12"/>
+          <p:cNvPr id="2" name="TextBox 1"/>
           <p:cNvSpPr txBox="1"/>
           <p:nvPr/>
         </p:nvSpPr>
         <p:spPr>
           <a:xfrm>
-            <a:off x="6268916" y="4207202"/>
-            <a:ext cx="735898" cy="369332"/>
+            <a:off x="5950785" y="5758962"/>
+            <a:ext cx="1740876" cy="646331"/>
           </a:xfrm>
           <a:prstGeom prst="rect">
             <a:avLst/>
           </a:prstGeom>
           <a:noFill/>
-          <a:ln>
-            <a:solidFill>
-              <a:schemeClr val="tx1"/>
-            </a:solidFill>
-          </a:ln>
         </p:spPr>
         <p:txBody>
           <a:bodyPr wrap="square" rtlCol="0">
@@ -10742,7 +11009,30 @@
           <a:p>
             <a:r>
               <a:rPr lang="ko-KR" altLang="en-US" dirty="0" smtClean="0"/>
-              <a:t>항복</a:t>
+              <a:t>서버 </a:t>
+            </a:r>
+            <a:r>
+              <a:rPr lang="en-US" altLang="ko-KR" dirty="0" smtClean="0"/>
+              <a:t>: </a:t>
+            </a:r>
+            <a:r>
+              <a:rPr lang="en-US" altLang="ko-KR" dirty="0" err="1" smtClean="0"/>
+              <a:t>xxx.xxx</a:t>
+            </a:r>
+            <a:endParaRPr lang="en-US" altLang="ko-KR" dirty="0" smtClean="0"/>
+          </a:p>
+          <a:p>
+            <a:r>
+              <a:rPr lang="ko-KR" altLang="en-US" dirty="0" smtClean="0"/>
+              <a:t>상태 </a:t>
+            </a:r>
+            <a:r>
+              <a:rPr lang="en-US" altLang="ko-KR" dirty="0" smtClean="0"/>
+              <a:t>: </a:t>
+            </a:r>
+            <a:r>
+              <a:rPr lang="ko-KR" altLang="en-US" dirty="0" smtClean="0"/>
+              <a:t>온라인</a:t>
             </a:r>
             <a:endParaRPr lang="ko-KR" altLang="en-US" dirty="0"/>
           </a:p>
@@ -10751,7 +11041,7 @@
     </p:spTree>
     <p:extLst>
       <p:ext uri="{BB962C8B-B14F-4D97-AF65-F5344CB8AC3E}">
-        <p14:creationId xmlns:p14="http://schemas.microsoft.com/office/powerpoint/2010/main" val="4284609772"/>
+        <p14:creationId xmlns:p14="http://schemas.microsoft.com/office/powerpoint/2010/main" val="1432007771"/>
       </p:ext>
     </p:extLst>
   </p:cSld>
@@ -10878,7 +11168,7 @@
           <a:p>
             <a:r>
               <a:rPr lang="ko-KR" altLang="en-US" dirty="0" smtClean="0"/>
-              <a:t>게임 플레이 종료</a:t>
+              <a:t>게임 플레이 화면</a:t>
             </a:r>
             <a:endParaRPr lang="ko-KR" altLang="en-US" dirty="0"/>
           </a:p>
@@ -10892,8 +11182,8 @@
         </p:nvSpPr>
         <p:spPr>
           <a:xfrm>
-            <a:off x="8827477" y="808892"/>
-            <a:ext cx="2620108" cy="2031325"/>
+            <a:off x="8748345" y="501190"/>
+            <a:ext cx="2831123" cy="3416320"/>
           </a:xfrm>
           <a:prstGeom prst="rect">
             <a:avLst/>
@@ -10911,15 +11201,76 @@
             </a:pPr>
             <a:r>
               <a:rPr lang="ko-KR" altLang="en-US" dirty="0" smtClean="0"/>
-              <a:t>게임 종료 시 </a:t>
-            </a:r>
-            <a:r>
-              <a:rPr lang="ko-KR" altLang="en-US" dirty="0" err="1" smtClean="0"/>
-              <a:t>새창</a:t>
-            </a:r>
+              <a:t>설명</a:t>
+            </a:r>
+            <a:endParaRPr lang="en-US" altLang="ko-KR" dirty="0" smtClean="0"/>
+          </a:p>
+          <a:p>
+            <a:endParaRPr lang="en-US" altLang="ko-KR" dirty="0" smtClean="0"/>
+          </a:p>
+          <a:p>
+            <a:pPr marL="342900" indent="-342900">
+              <a:buAutoNum type="arabicPeriod"/>
+            </a:pPr>
             <a:r>
               <a:rPr lang="ko-KR" altLang="en-US" dirty="0" smtClean="0"/>
-              <a:t> 뜨면서 결과 알려줌</a:t>
+              <a:t>상대 </a:t>
+            </a:r>
+            <a:r>
+              <a:rPr lang="en-US" altLang="ko-KR" dirty="0" smtClean="0"/>
+              <a:t>(</a:t>
+            </a:r>
+            <a:r>
+              <a:rPr lang="ko-KR" altLang="en-US" dirty="0" smtClean="0"/>
+              <a:t>컴퓨터</a:t>
+            </a:r>
+            <a:r>
+              <a:rPr lang="en-US" altLang="ko-KR" dirty="0" smtClean="0"/>
+              <a:t>). </a:t>
+            </a:r>
+            <a:r>
+              <a:rPr lang="ko-KR" altLang="en-US" dirty="0" smtClean="0"/>
+              <a:t>가위바위보 이미지 계속 변함</a:t>
+            </a:r>
+            <a:endParaRPr lang="en-US" altLang="ko-KR" dirty="0" smtClean="0"/>
+          </a:p>
+          <a:p>
+            <a:pPr marL="342900" indent="-342900">
+              <a:buAutoNum type="arabicPeriod"/>
+            </a:pPr>
+            <a:endParaRPr lang="en-US" altLang="ko-KR" dirty="0" smtClean="0"/>
+          </a:p>
+          <a:p>
+            <a:pPr marL="342900" indent="-342900">
+              <a:buAutoNum type="arabicPeriod"/>
+            </a:pPr>
+            <a:r>
+              <a:rPr lang="ko-KR" altLang="en-US" dirty="0" smtClean="0"/>
+              <a:t>클라이언트 자신</a:t>
+            </a:r>
+            <a:r>
+              <a:rPr lang="en-US" altLang="ko-KR" dirty="0" smtClean="0"/>
+              <a:t>. </a:t>
+            </a:r>
+            <a:r>
+              <a:rPr lang="ko-KR" altLang="en-US" dirty="0" smtClean="0"/>
+              <a:t>각각 가위</a:t>
+            </a:r>
+            <a:r>
+              <a:rPr lang="en-US" altLang="ko-KR" dirty="0" smtClean="0"/>
+              <a:t>, </a:t>
+            </a:r>
+            <a:r>
+              <a:rPr lang="ko-KR" altLang="en-US" dirty="0" smtClean="0"/>
+              <a:t>바위</a:t>
+            </a:r>
+            <a:r>
+              <a:rPr lang="en-US" altLang="ko-KR" dirty="0" smtClean="0"/>
+              <a:t>, </a:t>
+            </a:r>
+            <a:r>
+              <a:rPr lang="ko-KR" altLang="en-US" dirty="0" smtClean="0"/>
+              <a:t>보 이미지</a:t>
             </a:r>
             <a:endParaRPr lang="en-US" altLang="ko-KR" dirty="0" smtClean="0"/>
           </a:p>
@@ -10935,7 +11286,534 @@
             </a:pPr>
             <a:r>
               <a:rPr lang="ko-KR" altLang="en-US" dirty="0" smtClean="0"/>
-              <a:t>확인 누르면 로비로</a:t>
+              <a:t>비기면 다시</a:t>
+            </a:r>
+            <a:endParaRPr lang="en-US" altLang="ko-KR" dirty="0" smtClean="0"/>
+          </a:p>
+          <a:p>
+            <a:endParaRPr lang="en-US" altLang="ko-KR" dirty="0" smtClean="0"/>
+          </a:p>
+          <a:p>
+            <a:pPr marL="342900" indent="-342900">
+              <a:buAutoNum type="arabicPeriod"/>
+            </a:pPr>
+            <a:endParaRPr lang="en-US" altLang="ko-KR" dirty="0" smtClean="0"/>
+          </a:p>
+          <a:p>
+            <a:pPr marL="342900" indent="-342900">
+              <a:buAutoNum type="arabicPeriod"/>
+            </a:pPr>
+            <a:endParaRPr lang="en-US" altLang="ko-KR" dirty="0" smtClean="0"/>
+          </a:p>
+        </p:txBody>
+      </p:sp>
+      <p:sp>
+        <p:nvSpPr>
+          <p:cNvPr id="2" name="TextBox 1"/>
+          <p:cNvSpPr txBox="1"/>
+          <p:nvPr/>
+        </p:nvSpPr>
+        <p:spPr>
+          <a:xfrm>
+            <a:off x="6268916" y="3754537"/>
+            <a:ext cx="861646" cy="369332"/>
+          </a:xfrm>
+          <a:prstGeom prst="rect">
+            <a:avLst/>
+          </a:prstGeom>
+          <a:noFill/>
+        </p:spPr>
+        <p:txBody>
+          <a:bodyPr wrap="square" rtlCol="0">
+            <a:spAutoFit/>
+          </a:bodyPr>
+          <a:lstStyle/>
+          <a:p>
+            <a:r>
+              <a:rPr lang="en-US" altLang="ko-KR" dirty="0" smtClean="0"/>
+              <a:t>30</a:t>
+            </a:r>
+            <a:r>
+              <a:rPr lang="ko-KR" altLang="en-US" dirty="0" smtClean="0"/>
+              <a:t>초</a:t>
+            </a:r>
+            <a:endParaRPr lang="ko-KR" altLang="en-US" dirty="0"/>
+          </a:p>
+        </p:txBody>
+      </p:sp>
+      <p:sp>
+        <p:nvSpPr>
+          <p:cNvPr id="3" name="TextBox 2"/>
+          <p:cNvSpPr txBox="1"/>
+          <p:nvPr/>
+        </p:nvSpPr>
+        <p:spPr>
+          <a:xfrm>
+            <a:off x="6084277" y="2514600"/>
+            <a:ext cx="1134208" cy="369332"/>
+          </a:xfrm>
+          <a:prstGeom prst="rect">
+            <a:avLst/>
+          </a:prstGeom>
+          <a:noFill/>
+        </p:spPr>
+        <p:txBody>
+          <a:bodyPr wrap="square" rtlCol="0">
+            <a:spAutoFit/>
+          </a:bodyPr>
+          <a:lstStyle/>
+          <a:p>
+            <a:r>
+              <a:rPr lang="en-US" altLang="ko-KR" dirty="0" smtClean="0"/>
+              <a:t>com</a:t>
+            </a:r>
+            <a:endParaRPr lang="ko-KR" altLang="en-US" dirty="0"/>
+          </a:p>
+        </p:txBody>
+      </p:sp>
+      <p:sp>
+        <p:nvSpPr>
+          <p:cNvPr id="6" name="TextBox 5"/>
+          <p:cNvSpPr txBox="1"/>
+          <p:nvPr/>
+        </p:nvSpPr>
+        <p:spPr>
+          <a:xfrm>
+            <a:off x="6145823" y="5029200"/>
+            <a:ext cx="984739" cy="369332"/>
+          </a:xfrm>
+          <a:prstGeom prst="rect">
+            <a:avLst/>
+          </a:prstGeom>
+          <a:noFill/>
+        </p:spPr>
+        <p:txBody>
+          <a:bodyPr wrap="square" rtlCol="0">
+            <a:spAutoFit/>
+          </a:bodyPr>
+          <a:lstStyle/>
+          <a:p>
+            <a:r>
+              <a:rPr lang="ko-KR" altLang="en-US" dirty="0" smtClean="0"/>
+              <a:t>닉네임</a:t>
+            </a:r>
+            <a:endParaRPr lang="en-US" altLang="ko-KR" dirty="0" smtClean="0"/>
+          </a:p>
+        </p:txBody>
+      </p:sp>
+      <p:sp>
+        <p:nvSpPr>
+          <p:cNvPr id="20" name="직사각형 19"/>
+          <p:cNvSpPr/>
+          <p:nvPr/>
+        </p:nvSpPr>
+        <p:spPr>
+          <a:xfrm>
+            <a:off x="2522022" y="2417885"/>
+            <a:ext cx="1951892" cy="1037767"/>
+          </a:xfrm>
+          <a:prstGeom prst="rect">
+            <a:avLst/>
+          </a:prstGeom>
+        </p:spPr>
+        <p:style>
+          <a:lnRef idx="2">
+            <a:schemeClr val="accent1">
+              <a:shade val="50000"/>
+            </a:schemeClr>
+          </a:lnRef>
+          <a:fillRef idx="1">
+            <a:schemeClr val="accent1"/>
+          </a:fillRef>
+          <a:effectRef idx="0">
+            <a:schemeClr val="accent1"/>
+          </a:effectRef>
+          <a:fontRef idx="minor">
+            <a:schemeClr val="lt1"/>
+          </a:fontRef>
+        </p:style>
+        <p:txBody>
+          <a:bodyPr rtlCol="0" anchor="ctr"/>
+          <a:lstStyle/>
+          <a:p>
+            <a:pPr algn="ctr"/>
+            <a:r>
+              <a:rPr lang="ko-KR" altLang="en-US" dirty="0" smtClean="0"/>
+              <a:t>가위바위보</a:t>
+            </a:r>
+            <a:endParaRPr lang="ko-KR" altLang="en-US" dirty="0"/>
+          </a:p>
+        </p:txBody>
+      </p:sp>
+      <p:sp>
+        <p:nvSpPr>
+          <p:cNvPr id="21" name="직사각형 20"/>
+          <p:cNvSpPr/>
+          <p:nvPr/>
+        </p:nvSpPr>
+        <p:spPr>
+          <a:xfrm>
+            <a:off x="1626577" y="4396154"/>
+            <a:ext cx="1034753" cy="1002378"/>
+          </a:xfrm>
+          <a:prstGeom prst="rect">
+            <a:avLst/>
+          </a:prstGeom>
+        </p:spPr>
+        <p:style>
+          <a:lnRef idx="2">
+            <a:schemeClr val="accent1">
+              <a:shade val="50000"/>
+            </a:schemeClr>
+          </a:lnRef>
+          <a:fillRef idx="1">
+            <a:schemeClr val="accent1"/>
+          </a:fillRef>
+          <a:effectRef idx="0">
+            <a:schemeClr val="accent1"/>
+          </a:effectRef>
+          <a:fontRef idx="minor">
+            <a:schemeClr val="lt1"/>
+          </a:fontRef>
+        </p:style>
+        <p:txBody>
+          <a:bodyPr rtlCol="0" anchor="ctr"/>
+          <a:lstStyle/>
+          <a:p>
+            <a:pPr algn="ctr"/>
+            <a:r>
+              <a:rPr lang="ko-KR" altLang="en-US" dirty="0" smtClean="0"/>
+              <a:t>가위</a:t>
+            </a:r>
+            <a:endParaRPr lang="ko-KR" altLang="en-US" dirty="0"/>
+          </a:p>
+        </p:txBody>
+      </p:sp>
+      <p:sp>
+        <p:nvSpPr>
+          <p:cNvPr id="23" name="직사각형 22"/>
+          <p:cNvSpPr/>
+          <p:nvPr/>
+        </p:nvSpPr>
+        <p:spPr>
+          <a:xfrm>
+            <a:off x="2980592" y="4396154"/>
+            <a:ext cx="1034753" cy="1002378"/>
+          </a:xfrm>
+          <a:prstGeom prst="rect">
+            <a:avLst/>
+          </a:prstGeom>
+        </p:spPr>
+        <p:style>
+          <a:lnRef idx="2">
+            <a:schemeClr val="accent1">
+              <a:shade val="50000"/>
+            </a:schemeClr>
+          </a:lnRef>
+          <a:fillRef idx="1">
+            <a:schemeClr val="accent1"/>
+          </a:fillRef>
+          <a:effectRef idx="0">
+            <a:schemeClr val="accent1"/>
+          </a:effectRef>
+          <a:fontRef idx="minor">
+            <a:schemeClr val="lt1"/>
+          </a:fontRef>
+        </p:style>
+        <p:txBody>
+          <a:bodyPr rtlCol="0" anchor="ctr"/>
+          <a:lstStyle/>
+          <a:p>
+            <a:pPr algn="ctr"/>
+            <a:r>
+              <a:rPr lang="ko-KR" altLang="en-US" dirty="0" smtClean="0"/>
+              <a:t>바위</a:t>
+            </a:r>
+            <a:endParaRPr lang="ko-KR" altLang="en-US" dirty="0"/>
+          </a:p>
+        </p:txBody>
+      </p:sp>
+      <p:sp>
+        <p:nvSpPr>
+          <p:cNvPr id="24" name="직사각형 23"/>
+          <p:cNvSpPr/>
+          <p:nvPr/>
+        </p:nvSpPr>
+        <p:spPr>
+          <a:xfrm>
+            <a:off x="4274431" y="4396154"/>
+            <a:ext cx="1034753" cy="1002378"/>
+          </a:xfrm>
+          <a:prstGeom prst="rect">
+            <a:avLst/>
+          </a:prstGeom>
+        </p:spPr>
+        <p:style>
+          <a:lnRef idx="2">
+            <a:schemeClr val="accent1">
+              <a:shade val="50000"/>
+            </a:schemeClr>
+          </a:lnRef>
+          <a:fillRef idx="1">
+            <a:schemeClr val="accent1"/>
+          </a:fillRef>
+          <a:effectRef idx="0">
+            <a:schemeClr val="accent1"/>
+          </a:effectRef>
+          <a:fontRef idx="minor">
+            <a:schemeClr val="lt1"/>
+          </a:fontRef>
+        </p:style>
+        <p:txBody>
+          <a:bodyPr rtlCol="0" anchor="ctr"/>
+          <a:lstStyle/>
+          <a:p>
+            <a:pPr algn="ctr"/>
+            <a:r>
+              <a:rPr lang="ko-KR" altLang="en-US" dirty="0" smtClean="0"/>
+              <a:t>보</a:t>
+            </a:r>
+            <a:endParaRPr lang="ko-KR" altLang="en-US" dirty="0"/>
+          </a:p>
+        </p:txBody>
+      </p:sp>
+      <p:sp>
+        <p:nvSpPr>
+          <p:cNvPr id="25" name="TextBox 24"/>
+          <p:cNvSpPr txBox="1"/>
+          <p:nvPr/>
+        </p:nvSpPr>
+        <p:spPr>
+          <a:xfrm>
+            <a:off x="3353185" y="3719617"/>
+            <a:ext cx="568185" cy="369332"/>
+          </a:xfrm>
+          <a:prstGeom prst="rect">
+            <a:avLst/>
+          </a:prstGeom>
+          <a:noFill/>
+        </p:spPr>
+        <p:txBody>
+          <a:bodyPr wrap="square" rtlCol="0">
+            <a:spAutoFit/>
+          </a:bodyPr>
+          <a:lstStyle/>
+          <a:p>
+            <a:r>
+              <a:rPr lang="en-US" altLang="ko-KR" dirty="0" smtClean="0"/>
+              <a:t>vs</a:t>
+            </a:r>
+            <a:endParaRPr lang="ko-KR" altLang="en-US" dirty="0"/>
+          </a:p>
+        </p:txBody>
+      </p:sp>
+      <p:sp>
+        <p:nvSpPr>
+          <p:cNvPr id="26" name="TextBox 25"/>
+          <p:cNvSpPr txBox="1"/>
+          <p:nvPr/>
+        </p:nvSpPr>
+        <p:spPr>
+          <a:xfrm>
+            <a:off x="6901962" y="1840018"/>
+            <a:ext cx="646234" cy="369332"/>
+          </a:xfrm>
+          <a:prstGeom prst="rect">
+            <a:avLst/>
+          </a:prstGeom>
+          <a:noFill/>
+          <a:ln>
+            <a:solidFill>
+              <a:schemeClr val="tx1"/>
+            </a:solidFill>
+          </a:ln>
+        </p:spPr>
+        <p:txBody>
+          <a:bodyPr wrap="square" rtlCol="0">
+            <a:spAutoFit/>
+          </a:bodyPr>
+          <a:lstStyle/>
+          <a:p>
+            <a:r>
+              <a:rPr lang="ko-KR" altLang="en-US" dirty="0" smtClean="0"/>
+              <a:t>항복</a:t>
+            </a:r>
+            <a:endParaRPr lang="ko-KR" altLang="en-US" dirty="0"/>
+          </a:p>
+        </p:txBody>
+      </p:sp>
+    </p:spTree>
+    <p:extLst>
+      <p:ext uri="{BB962C8B-B14F-4D97-AF65-F5344CB8AC3E}">
+        <p14:creationId xmlns:p14="http://schemas.microsoft.com/office/powerpoint/2010/main" val="4284609772"/>
+      </p:ext>
+    </p:extLst>
+  </p:cSld>
+  <p:clrMapOvr>
+    <a:masterClrMapping/>
+  </p:clrMapOvr>
+  <p:timing>
+    <p:tnLst>
+      <p:par>
+        <p:cTn id="1" dur="indefinite" restart="never" nodeType="tmRoot"/>
+      </p:par>
+    </p:tnLst>
+  </p:timing>
+</p:sld>
+</file>
+
+<file path=ppt/slides/slide7.xml><?xml version="1.0" encoding="utf-8"?>
+<p:sld xmlns:a="http://schemas.openxmlformats.org/drawingml/2006/main" xmlns:r="http://schemas.openxmlformats.org/officeDocument/2006/relationships" xmlns:p="http://schemas.openxmlformats.org/presentationml/2006/main">
+  <p:cSld>
+    <p:spTree>
+      <p:nvGrpSpPr>
+        <p:cNvPr id="1" name=""/>
+        <p:cNvGrpSpPr/>
+        <p:nvPr/>
+      </p:nvGrpSpPr>
+      <p:grpSpPr>
+        <a:xfrm>
+          <a:off x="0" y="0"/>
+          <a:ext cx="0" cy="0"/>
+          <a:chOff x="0" y="0"/>
+          <a:chExt cx="0" cy="0"/>
+        </a:xfrm>
+      </p:grpSpPr>
+      <p:sp>
+        <p:nvSpPr>
+          <p:cNvPr id="4" name="TextBox 3"/>
+          <p:cNvSpPr txBox="1"/>
+          <p:nvPr/>
+        </p:nvSpPr>
+        <p:spPr>
+          <a:xfrm>
+            <a:off x="8528538" y="395652"/>
+            <a:ext cx="3270739" cy="6120000"/>
+          </a:xfrm>
+          <a:prstGeom prst="rect">
+            <a:avLst/>
+          </a:prstGeom>
+          <a:noFill/>
+          <a:ln>
+            <a:solidFill>
+              <a:schemeClr val="tx1"/>
+            </a:solidFill>
+          </a:ln>
+        </p:spPr>
+        <p:txBody>
+          <a:bodyPr wrap="square" rtlCol="0">
+            <a:spAutoFit/>
+          </a:bodyPr>
+          <a:lstStyle/>
+          <a:p>
+            <a:endParaRPr lang="en-US" altLang="ko-KR" dirty="0" smtClean="0"/>
+          </a:p>
+          <a:p>
+            <a:endParaRPr lang="ko-KR" altLang="en-US" dirty="0"/>
+          </a:p>
+        </p:txBody>
+      </p:sp>
+      <p:sp>
+        <p:nvSpPr>
+          <p:cNvPr id="5" name="TextBox 4"/>
+          <p:cNvSpPr txBox="1">
+            <a:spLocks/>
+          </p:cNvSpPr>
+          <p:nvPr/>
+        </p:nvSpPr>
+        <p:spPr>
+          <a:xfrm>
+            <a:off x="1151791" y="1732085"/>
+            <a:ext cx="6471139" cy="4783568"/>
+          </a:xfrm>
+          <a:prstGeom prst="rect">
+            <a:avLst/>
+          </a:prstGeom>
+          <a:solidFill>
+            <a:schemeClr val="bg1"/>
+          </a:solidFill>
+          <a:ln>
+            <a:solidFill>
+              <a:schemeClr val="tx1"/>
+            </a:solidFill>
+          </a:ln>
+        </p:spPr>
+        <p:txBody>
+          <a:bodyPr wrap="square" rtlCol="0">
+            <a:spAutoFit/>
+          </a:bodyPr>
+          <a:lstStyle/>
+          <a:p>
+            <a:endParaRPr lang="ko-KR" altLang="en-US" dirty="0"/>
+          </a:p>
+        </p:txBody>
+      </p:sp>
+      <p:sp>
+        <p:nvSpPr>
+          <p:cNvPr id="11" name="TextBox 10"/>
+          <p:cNvSpPr txBox="1"/>
+          <p:nvPr/>
+        </p:nvSpPr>
+        <p:spPr>
+          <a:xfrm>
+            <a:off x="1301262" y="562708"/>
+            <a:ext cx="1963999" cy="369332"/>
+          </a:xfrm>
+          <a:prstGeom prst="rect">
+            <a:avLst/>
+          </a:prstGeom>
+          <a:noFill/>
+        </p:spPr>
+        <p:txBody>
+          <a:bodyPr wrap="none" rtlCol="0">
+            <a:spAutoFit/>
+          </a:bodyPr>
+          <a:lstStyle/>
+          <a:p>
+            <a:r>
+              <a:rPr lang="ko-KR" altLang="en-US" dirty="0" smtClean="0"/>
+              <a:t>게임 플레이 종료</a:t>
+            </a:r>
+            <a:endParaRPr lang="ko-KR" altLang="en-US" dirty="0"/>
+          </a:p>
+        </p:txBody>
+      </p:sp>
+      <p:sp>
+        <p:nvSpPr>
+          <p:cNvPr id="12" name="TextBox 11"/>
+          <p:cNvSpPr txBox="1"/>
+          <p:nvPr/>
+        </p:nvSpPr>
+        <p:spPr>
+          <a:xfrm>
+            <a:off x="8827477" y="808892"/>
+            <a:ext cx="2620108" cy="2585323"/>
+          </a:xfrm>
+          <a:prstGeom prst="rect">
+            <a:avLst/>
+          </a:prstGeom>
+          <a:noFill/>
+        </p:spPr>
+        <p:txBody>
+          <a:bodyPr wrap="square" rtlCol="0">
+            <a:spAutoFit/>
+          </a:bodyPr>
+          <a:lstStyle/>
+          <a:p>
+            <a:pPr marL="342900" indent="-342900">
+              <a:buAutoNum type="arabicPeriod"/>
+            </a:pPr>
+            <a:r>
+              <a:rPr lang="ko-KR" altLang="en-US" dirty="0" smtClean="0"/>
+              <a:t>게임 종료 시 </a:t>
+            </a:r>
+            <a:r>
+              <a:rPr lang="ko-KR" altLang="en-US" dirty="0" err="1" smtClean="0"/>
+              <a:t>새창</a:t>
+            </a:r>
+            <a:r>
+              <a:rPr lang="ko-KR" altLang="en-US" dirty="0" smtClean="0"/>
+              <a:t> 뜨면서 결과 알려줌</a:t>
             </a:r>
             <a:endParaRPr lang="en-US" altLang="ko-KR" dirty="0" smtClean="0"/>
           </a:p>
@@ -10950,6 +11828,22 @@
               <a:buAutoNum type="arabicPeriod"/>
             </a:pPr>
             <a:r>
+              <a:rPr lang="ko-KR" altLang="en-US" dirty="0" smtClean="0"/>
+              <a:t>확인 누르면 로비로</a:t>
+            </a:r>
+            <a:endParaRPr lang="en-US" altLang="ko-KR" dirty="0" smtClean="0"/>
+          </a:p>
+          <a:p>
+            <a:pPr marL="342900" indent="-342900">
+              <a:buAutoNum type="arabicPeriod"/>
+            </a:pPr>
+            <a:endParaRPr lang="en-US" altLang="ko-KR" dirty="0"/>
+          </a:p>
+          <a:p>
+            <a:pPr marL="342900" indent="-342900">
+              <a:buAutoNum type="arabicPeriod"/>
+            </a:pPr>
+            <a:r>
               <a:rPr lang="en-US" altLang="ko-KR" dirty="0" smtClean="0"/>
               <a:t>(</a:t>
             </a:r>
@@ -10963,7 +11857,27 @@
             </a:r>
             <a:r>
               <a:rPr lang="ko-KR" altLang="en-US" dirty="0" smtClean="0"/>
-              <a:t>결과 창을 따로 만들 수도 있음</a:t>
+              <a:t>결과 창을 따로 만들 수도 </a:t>
+            </a:r>
+            <a:r>
+              <a:rPr lang="ko-KR" altLang="en-US" dirty="0" smtClean="0"/>
+              <a:t>있음</a:t>
+            </a:r>
+            <a:endParaRPr lang="en-US" altLang="ko-KR" dirty="0"/>
+          </a:p>
+          <a:p>
+            <a:pPr marL="342900" indent="-342900">
+              <a:buAutoNum type="arabicPeriod"/>
+            </a:pPr>
+            <a:endParaRPr lang="en-US" altLang="ko-KR" dirty="0" smtClean="0"/>
+          </a:p>
+          <a:p>
+            <a:pPr marL="342900" indent="-342900">
+              <a:buAutoNum type="arabicPeriod"/>
+            </a:pPr>
+            <a:r>
+              <a:rPr lang="ko-KR" altLang="en-US" dirty="0" smtClean="0"/>
+              <a:t>안 내면 부전 패</a:t>
             </a:r>
             <a:endParaRPr lang="en-US" altLang="ko-KR" dirty="0" smtClean="0"/>
           </a:p>
@@ -11040,7 +11954,7 @@
 </p:sld>
 </file>
 
-<file path=ppt/slides/slide7.xml><?xml version="1.0" encoding="utf-8"?>
+<file path=ppt/slides/slide8.xml><?xml version="1.0" encoding="utf-8"?>
 <p:sld xmlns:a="http://schemas.openxmlformats.org/drawingml/2006/main" xmlns:r="http://schemas.openxmlformats.org/officeDocument/2006/relationships" xmlns:p="http://schemas.openxmlformats.org/presentationml/2006/main">
   <p:cSld>
     <p:spTree>
@@ -11710,85 +12624,6 @@
 </p:sld>
 </file>
 
-<file path=ppt/slides/slide8.xml><?xml version="1.0" encoding="utf-8"?>
-<p:sld xmlns:a="http://schemas.openxmlformats.org/drawingml/2006/main" xmlns:r="http://schemas.openxmlformats.org/officeDocument/2006/relationships" xmlns:p="http://schemas.openxmlformats.org/presentationml/2006/main">
-  <p:cSld>
-    <p:spTree>
-      <p:nvGrpSpPr>
-        <p:cNvPr id="1" name=""/>
-        <p:cNvGrpSpPr/>
-        <p:nvPr/>
-      </p:nvGrpSpPr>
-      <p:grpSpPr>
-        <a:xfrm>
-          <a:off x="0" y="0"/>
-          <a:ext cx="0" cy="0"/>
-          <a:chOff x="0" y="0"/>
-          <a:chExt cx="0" cy="0"/>
-        </a:xfrm>
-      </p:grpSpPr>
-      <p:sp>
-        <p:nvSpPr>
-          <p:cNvPr id="2" name="제목 1"/>
-          <p:cNvSpPr>
-            <a:spLocks noGrp="1"/>
-          </p:cNvSpPr>
-          <p:nvPr>
-            <p:ph type="title"/>
-          </p:nvPr>
-        </p:nvSpPr>
-        <p:spPr/>
-        <p:txBody>
-          <a:bodyPr/>
-          <a:lstStyle/>
-          <a:p>
-            <a:r>
-              <a:rPr lang="ko-KR" altLang="en-US" dirty="0" smtClean="0"/>
-              <a:t>서버</a:t>
-            </a:r>
-            <a:endParaRPr lang="ko-KR" altLang="en-US" dirty="0"/>
-          </a:p>
-        </p:txBody>
-      </p:sp>
-      <p:sp>
-        <p:nvSpPr>
-          <p:cNvPr id="3" name="내용 개체 틀 2"/>
-          <p:cNvSpPr>
-            <a:spLocks noGrp="1"/>
-          </p:cNvSpPr>
-          <p:nvPr>
-            <p:ph idx="1"/>
-          </p:nvPr>
-        </p:nvSpPr>
-        <p:spPr/>
-        <p:txBody>
-          <a:bodyPr/>
-          <a:lstStyle/>
-          <a:p>
-            <a:endParaRPr lang="ko-KR" altLang="en-US"/>
-          </a:p>
-        </p:txBody>
-      </p:sp>
-    </p:spTree>
-    <p:extLst>
-      <p:ext uri="{BB962C8B-B14F-4D97-AF65-F5344CB8AC3E}">
-        <p14:creationId xmlns:p14="http://schemas.microsoft.com/office/powerpoint/2010/main" val="2104821101"/>
-      </p:ext>
-    </p:extLst>
-  </p:cSld>
-  <p:clrMapOvr>
-    <a:masterClrMapping/>
-  </p:clrMapOvr>
-  <p:timing>
-    <p:tnLst>
-      <p:par>
-        <p:cTn id="1" dur="indefinite" restart="never" nodeType="tmRoot"/>
-      </p:par>
-    </p:tnLst>
-  </p:timing>
-</p:sld>
-</file>
-
 <file path=ppt/slides/slide9.xml><?xml version="1.0" encoding="utf-8"?>
 <p:sld xmlns:a="http://schemas.openxmlformats.org/drawingml/2006/main" xmlns:r="http://schemas.openxmlformats.org/officeDocument/2006/relationships" xmlns:p="http://schemas.openxmlformats.org/presentationml/2006/main">
   <p:cSld>
@@ -11808,141 +12643,50 @@
       </p:grpSpPr>
       <p:sp>
         <p:nvSpPr>
-          <p:cNvPr id="4" name="TextBox 3"/>
-          <p:cNvSpPr txBox="1"/>
-          <p:nvPr/>
-        </p:nvSpPr>
-        <p:spPr>
-          <a:xfrm>
-            <a:off x="8528538" y="395652"/>
-            <a:ext cx="3270739" cy="6120000"/>
-          </a:xfrm>
-          <a:prstGeom prst="rect">
-            <a:avLst/>
-          </a:prstGeom>
-          <a:noFill/>
-          <a:ln>
-            <a:solidFill>
-              <a:schemeClr val="tx1"/>
-            </a:solidFill>
-          </a:ln>
-        </p:spPr>
-        <p:txBody>
-          <a:bodyPr wrap="square" rtlCol="0">
-            <a:spAutoFit/>
-          </a:bodyPr>
-          <a:lstStyle/>
-          <a:p>
-            <a:endParaRPr lang="en-US" altLang="ko-KR" dirty="0" smtClean="0"/>
-          </a:p>
-          <a:p>
+          <p:cNvPr id="2" name="제목 1"/>
+          <p:cNvSpPr>
+            <a:spLocks noGrp="1"/>
+          </p:cNvSpPr>
+          <p:nvPr>
+            <p:ph type="title"/>
+          </p:nvPr>
+        </p:nvSpPr>
+        <p:spPr/>
+        <p:txBody>
+          <a:bodyPr/>
+          <a:lstStyle/>
+          <a:p>
+            <a:r>
+              <a:rPr lang="ko-KR" altLang="en-US" dirty="0" smtClean="0"/>
+              <a:t>서버</a:t>
+            </a:r>
             <a:endParaRPr lang="ko-KR" altLang="en-US" dirty="0"/>
           </a:p>
         </p:txBody>
       </p:sp>
       <p:sp>
         <p:nvSpPr>
-          <p:cNvPr id="5" name="TextBox 4"/>
-          <p:cNvSpPr txBox="1">
-            <a:spLocks/>
+          <p:cNvPr id="3" name="내용 개체 틀 2"/>
+          <p:cNvSpPr>
+            <a:spLocks noGrp="1"/>
           </p:cNvSpPr>
-          <p:nvPr/>
-        </p:nvSpPr>
-        <p:spPr>
-          <a:xfrm>
-            <a:off x="1151791" y="1732085"/>
-            <a:ext cx="6471139" cy="4783568"/>
-          </a:xfrm>
-          <a:prstGeom prst="rect">
-            <a:avLst/>
-          </a:prstGeom>
-          <a:solidFill>
-            <a:schemeClr val="bg1"/>
-          </a:solidFill>
-          <a:ln>
-            <a:solidFill>
-              <a:schemeClr val="tx1"/>
-            </a:solidFill>
-          </a:ln>
-        </p:spPr>
-        <p:txBody>
-          <a:bodyPr wrap="square" rtlCol="0">
-            <a:spAutoFit/>
-          </a:bodyPr>
-          <a:lstStyle/>
-          <a:p>
-            <a:endParaRPr lang="ko-KR" altLang="en-US" dirty="0"/>
-          </a:p>
-        </p:txBody>
-      </p:sp>
-      <p:sp>
-        <p:nvSpPr>
-          <p:cNvPr id="11" name="TextBox 10"/>
-          <p:cNvSpPr txBox="1"/>
-          <p:nvPr/>
-        </p:nvSpPr>
-        <p:spPr>
-          <a:xfrm>
-            <a:off x="1301262" y="562708"/>
-            <a:ext cx="1189749" cy="369332"/>
-          </a:xfrm>
-          <a:prstGeom prst="rect">
-            <a:avLst/>
-          </a:prstGeom>
-          <a:noFill/>
-        </p:spPr>
-        <p:txBody>
-          <a:bodyPr wrap="none" rtlCol="0">
-            <a:spAutoFit/>
-          </a:bodyPr>
-          <a:lstStyle/>
-          <a:p>
-            <a:r>
-              <a:rPr lang="ko-KR" altLang="en-US" dirty="0" smtClean="0"/>
-              <a:t>화면 이름</a:t>
-            </a:r>
-            <a:endParaRPr lang="ko-KR" altLang="en-US" dirty="0"/>
-          </a:p>
-        </p:txBody>
-      </p:sp>
-      <p:sp>
-        <p:nvSpPr>
-          <p:cNvPr id="12" name="TextBox 11"/>
-          <p:cNvSpPr txBox="1"/>
-          <p:nvPr/>
-        </p:nvSpPr>
-        <p:spPr>
-          <a:xfrm>
-            <a:off x="8827477" y="808892"/>
-            <a:ext cx="906017" cy="369332"/>
-          </a:xfrm>
-          <a:prstGeom prst="rect">
-            <a:avLst/>
-          </a:prstGeom>
-          <a:noFill/>
-        </p:spPr>
-        <p:txBody>
-          <a:bodyPr wrap="none" rtlCol="0">
-            <a:spAutoFit/>
-          </a:bodyPr>
-          <a:lstStyle/>
-          <a:p>
-            <a:r>
-              <a:rPr lang="en-US" altLang="ko-KR" dirty="0" smtClean="0"/>
-              <a:t>1. </a:t>
-            </a:r>
-            <a:r>
-              <a:rPr lang="ko-KR" altLang="en-US" dirty="0" smtClean="0"/>
-              <a:t>설명</a:t>
-            </a:r>
-            <a:endParaRPr lang="ko-KR" altLang="en-US" dirty="0"/>
+          <p:nvPr>
+            <p:ph idx="1"/>
+          </p:nvPr>
+        </p:nvSpPr>
+        <p:spPr/>
+        <p:txBody>
+          <a:bodyPr/>
+          <a:lstStyle/>
+          <a:p>
+            <a:endParaRPr lang="ko-KR" altLang="en-US"/>
           </a:p>
         </p:txBody>
       </p:sp>
     </p:spTree>
     <p:extLst>
       <p:ext uri="{BB962C8B-B14F-4D97-AF65-F5344CB8AC3E}">
-        <p14:creationId xmlns:p14="http://schemas.microsoft.com/office/powerpoint/2010/main" val="298312984"/>
+        <p14:creationId xmlns:p14="http://schemas.microsoft.com/office/powerpoint/2010/main" val="2104821101"/>
       </p:ext>
     </p:extLst>
   </p:cSld>

--- a/StoryBoard.pptx
+++ b/StoryBoard.pptx
@@ -8,23 +8,20 @@
     <p:sldMasterId id="2147483673" r:id="rId4"/>
   </p:sldMasterIdLst>
   <p:notesMasterIdLst>
-    <p:notesMasterId r:id="rId19"/>
+    <p:notesMasterId r:id="rId16"/>
   </p:notesMasterIdLst>
   <p:sldIdLst>
     <p:sldId id="256" r:id="rId5"/>
     <p:sldId id="270" r:id="rId6"/>
-    <p:sldId id="272" r:id="rId7"/>
-    <p:sldId id="257" r:id="rId8"/>
-    <p:sldId id="258" r:id="rId9"/>
-    <p:sldId id="259" r:id="rId10"/>
-    <p:sldId id="269" r:id="rId11"/>
-    <p:sldId id="260" r:id="rId12"/>
-    <p:sldId id="264" r:id="rId13"/>
-    <p:sldId id="262" r:id="rId14"/>
-    <p:sldId id="265" r:id="rId15"/>
-    <p:sldId id="266" r:id="rId16"/>
-    <p:sldId id="267" r:id="rId17"/>
-    <p:sldId id="268" r:id="rId18"/>
+    <p:sldId id="275" r:id="rId7"/>
+    <p:sldId id="278" r:id="rId8"/>
+    <p:sldId id="280" r:id="rId9"/>
+    <p:sldId id="282" r:id="rId10"/>
+    <p:sldId id="283" r:id="rId11"/>
+    <p:sldId id="258" r:id="rId12"/>
+    <p:sldId id="259" r:id="rId13"/>
+    <p:sldId id="281" r:id="rId14"/>
+    <p:sldId id="260" r:id="rId15"/>
   </p:sldIdLst>
   <p:sldSz cx="12192000" cy="6858000"/>
   <p:notesSz cx="6858000" cy="9144000"/>
@@ -213,7 +210,7 @@
           <a:p>
             <a:fld id="{999FBC8D-8B93-48A8-9187-254E7120C1FC}" type="datetimeFigureOut">
               <a:rPr lang="ko-KR" altLang="en-US" smtClean="0"/>
-              <a:t>2022-01-10</a:t>
+              <a:t>2022-01-11</a:t>
             </a:fld>
             <a:endParaRPr lang="ko-KR" altLang="en-US"/>
           </a:p>
@@ -1798,7 +1795,7 @@
           <a:p>
             <a:fld id="{E3E09D61-CBD3-44BB-AB1A-720CE31FB715}" type="datetimeFigureOut">
               <a:rPr lang="ko-KR" altLang="en-US" smtClean="0"/>
-              <a:t>2022-01-10</a:t>
+              <a:t>2022-01-11</a:t>
             </a:fld>
             <a:endParaRPr lang="ko-KR" altLang="en-US"/>
           </a:p>
@@ -1968,7 +1965,7 @@
           <a:p>
             <a:fld id="{E3E09D61-CBD3-44BB-AB1A-720CE31FB715}" type="datetimeFigureOut">
               <a:rPr lang="ko-KR" altLang="en-US" smtClean="0"/>
-              <a:t>2022-01-10</a:t>
+              <a:t>2022-01-11</a:t>
             </a:fld>
             <a:endParaRPr lang="ko-KR" altLang="en-US"/>
           </a:p>
@@ -2214,7 +2211,7 @@
           <a:p>
             <a:fld id="{FAA55EF3-80C8-453F-9536-51FAE18F3A51}" type="datetimeFigureOut">
               <a:rPr lang="ko-KR" altLang="en-US" smtClean="0"/>
-              <a:t>2022-01-10</a:t>
+              <a:t>2022-01-11</a:t>
             </a:fld>
             <a:endParaRPr lang="ko-KR" altLang="en-US"/>
           </a:p>
@@ -2446,7 +2443,7 @@
           <a:p>
             <a:fld id="{FAA55EF3-80C8-453F-9536-51FAE18F3A51}" type="datetimeFigureOut">
               <a:rPr lang="ko-KR" altLang="en-US" smtClean="0"/>
-              <a:t>2022-01-10</a:t>
+              <a:t>2022-01-11</a:t>
             </a:fld>
             <a:endParaRPr lang="ko-KR" altLang="en-US"/>
           </a:p>
@@ -2813,7 +2810,7 @@
           <a:p>
             <a:fld id="{FAA55EF3-80C8-453F-9536-51FAE18F3A51}" type="datetimeFigureOut">
               <a:rPr lang="ko-KR" altLang="en-US" smtClean="0"/>
-              <a:t>2022-01-10</a:t>
+              <a:t>2022-01-11</a:t>
             </a:fld>
             <a:endParaRPr lang="ko-KR" altLang="en-US"/>
           </a:p>
@@ -2931,7 +2928,7 @@
           <a:p>
             <a:fld id="{FAA55EF3-80C8-453F-9536-51FAE18F3A51}" type="datetimeFigureOut">
               <a:rPr lang="ko-KR" altLang="en-US" smtClean="0"/>
-              <a:t>2022-01-10</a:t>
+              <a:t>2022-01-11</a:t>
             </a:fld>
             <a:endParaRPr lang="ko-KR" altLang="en-US"/>
           </a:p>
@@ -3026,7 +3023,7 @@
           <a:p>
             <a:fld id="{FAA55EF3-80C8-453F-9536-51FAE18F3A51}" type="datetimeFigureOut">
               <a:rPr lang="ko-KR" altLang="en-US" smtClean="0"/>
-              <a:t>2022-01-10</a:t>
+              <a:t>2022-01-11</a:t>
             </a:fld>
             <a:endParaRPr lang="ko-KR" altLang="en-US"/>
           </a:p>
@@ -3303,7 +3300,7 @@
           <a:p>
             <a:fld id="{FAA55EF3-80C8-453F-9536-51FAE18F3A51}" type="datetimeFigureOut">
               <a:rPr lang="ko-KR" altLang="en-US" smtClean="0"/>
-              <a:t>2022-01-10</a:t>
+              <a:t>2022-01-11</a:t>
             </a:fld>
             <a:endParaRPr lang="ko-KR" altLang="en-US"/>
           </a:p>
@@ -3556,7 +3553,7 @@
           <a:p>
             <a:fld id="{FAA55EF3-80C8-453F-9536-51FAE18F3A51}" type="datetimeFigureOut">
               <a:rPr lang="ko-KR" altLang="en-US" smtClean="0"/>
-              <a:t>2022-01-10</a:t>
+              <a:t>2022-01-11</a:t>
             </a:fld>
             <a:endParaRPr lang="ko-KR" altLang="en-US"/>
           </a:p>
@@ -3726,7 +3723,7 @@
           <a:p>
             <a:fld id="{FAA55EF3-80C8-453F-9536-51FAE18F3A51}" type="datetimeFigureOut">
               <a:rPr lang="ko-KR" altLang="en-US" smtClean="0"/>
-              <a:t>2022-01-10</a:t>
+              <a:t>2022-01-11</a:t>
             </a:fld>
             <a:endParaRPr lang="ko-KR" altLang="en-US"/>
           </a:p>
@@ -3918,7 +3915,7 @@
           <a:p>
             <a:fld id="{E3E09D61-CBD3-44BB-AB1A-720CE31FB715}" type="datetimeFigureOut">
               <a:rPr lang="ko-KR" altLang="en-US" smtClean="0"/>
-              <a:t>2022-01-10</a:t>
+              <a:t>2022-01-11</a:t>
             </a:fld>
             <a:endParaRPr lang="ko-KR" altLang="en-US"/>
           </a:p>
@@ -4098,7 +4095,7 @@
           <a:p>
             <a:fld id="{FAA55EF3-80C8-453F-9536-51FAE18F3A51}" type="datetimeFigureOut">
               <a:rPr lang="ko-KR" altLang="en-US" smtClean="0"/>
-              <a:t>2022-01-10</a:t>
+              <a:t>2022-01-11</a:t>
             </a:fld>
             <a:endParaRPr lang="ko-KR" altLang="en-US"/>
           </a:p>
@@ -4555,7 +4552,7 @@
           <a:p>
             <a:fld id="{E3E09D61-CBD3-44BB-AB1A-720CE31FB715}" type="datetimeFigureOut">
               <a:rPr lang="ko-KR" altLang="en-US" smtClean="0"/>
-              <a:t>2022-01-10</a:t>
+              <a:t>2022-01-11</a:t>
             </a:fld>
             <a:endParaRPr lang="ko-KR" altLang="en-US"/>
           </a:p>
@@ -7965,7 +7962,7 @@
           <a:p>
             <a:fld id="{FAA55EF3-80C8-453F-9536-51FAE18F3A51}" type="datetimeFigureOut">
               <a:rPr lang="ko-KR" altLang="en-US" smtClean="0"/>
-              <a:t>2022-01-10</a:t>
+              <a:t>2022-01-11</a:t>
             </a:fld>
             <a:endParaRPr lang="ko-KR" altLang="en-US"/>
           </a:p>
@@ -8381,25 +8378,25 @@
             <p:ph type="ctrTitle"/>
           </p:nvPr>
         </p:nvSpPr>
-        <p:spPr/>
-        <p:txBody>
-          <a:bodyPr/>
-          <a:lstStyle/>
-          <a:p>
+        <p:spPr>
+          <a:xfrm>
+            <a:off x="1524000" y="1239716"/>
+            <a:ext cx="9144000" cy="1259132"/>
+          </a:xfrm>
+        </p:spPr>
+        <p:txBody>
+          <a:bodyPr>
+            <a:normAutofit/>
+          </a:bodyPr>
+          <a:lstStyle/>
+          <a:p>
+            <a:r>
+              <a:rPr lang="ko-KR" altLang="en-US" dirty="0" err="1" smtClean="0"/>
+              <a:t>소켓통신</a:t>
+            </a:r>
             <a:r>
               <a:rPr lang="ko-KR" altLang="en-US" dirty="0" smtClean="0"/>
-              <a:t>소켓 통신을 이용한</a:t>
-            </a:r>
-            <a:r>
-              <a:rPr lang="en-US" altLang="ko-KR" dirty="0" smtClean="0"/>
-              <a:t/>
-            </a:r>
-            <a:br>
-              <a:rPr lang="en-US" altLang="ko-KR" dirty="0" smtClean="0"/>
-            </a:br>
-            <a:r>
-              <a:rPr lang="ko-KR" altLang="en-US" dirty="0" smtClean="0"/>
-              <a:t>프로젝트</a:t>
+              <a:t> 프로젝트</a:t>
             </a:r>
             <a:endParaRPr lang="ko-KR" altLang="en-US" dirty="0"/>
           </a:p>
@@ -8415,16 +8412,100 @@
             <p:ph type="subTitle" idx="1"/>
           </p:nvPr>
         </p:nvSpPr>
-        <p:spPr/>
+        <p:spPr>
+          <a:xfrm>
+            <a:off x="1524000" y="4155953"/>
+            <a:ext cx="9144000" cy="1655762"/>
+          </a:xfrm>
+        </p:spPr>
         <p:txBody>
           <a:bodyPr/>
           <a:lstStyle/>
           <a:p>
+            <a:endParaRPr lang="en-US" altLang="ko-KR" dirty="0" smtClean="0"/>
+          </a:p>
+          <a:p>
+            <a:r>
+              <a:rPr lang="ko-KR" altLang="en-US" dirty="0" smtClean="0"/>
+              <a:t>소속 </a:t>
+            </a:r>
+            <a:r>
+              <a:rPr lang="en-US" altLang="ko-KR" dirty="0" smtClean="0"/>
+              <a:t>: </a:t>
+            </a:r>
+            <a:r>
+              <a:rPr lang="ko-KR" altLang="en-US" dirty="0" err="1" smtClean="0"/>
+              <a:t>하이미디어</a:t>
+            </a:r>
+            <a:r>
+              <a:rPr lang="ko-KR" altLang="en-US" dirty="0"/>
+              <a:t> </a:t>
+            </a:r>
+            <a:r>
+              <a:rPr lang="ko-KR" altLang="en-US" dirty="0" err="1" smtClean="0"/>
+              <a:t>풀스택</a:t>
+            </a:r>
+            <a:r>
+              <a:rPr lang="ko-KR" altLang="en-US" dirty="0" smtClean="0"/>
+              <a:t> 과정</a:t>
+            </a:r>
+            <a:endParaRPr lang="en-US" altLang="ko-KR" dirty="0" smtClean="0"/>
+          </a:p>
+          <a:p>
+            <a:r>
+              <a:rPr lang="ko-KR" altLang="en-US" dirty="0" smtClean="0"/>
+              <a:t>제출자 </a:t>
+            </a:r>
+            <a:r>
+              <a:rPr lang="en-US" altLang="ko-KR" dirty="0" smtClean="0"/>
+              <a:t>: </a:t>
+            </a:r>
             <a:r>
               <a:rPr lang="ko-KR" altLang="en-US" dirty="0" smtClean="0"/>
               <a:t>민성호</a:t>
             </a:r>
             <a:endParaRPr lang="ko-KR" altLang="en-US" dirty="0"/>
+          </a:p>
+        </p:txBody>
+      </p:sp>
+      <p:sp>
+        <p:nvSpPr>
+          <p:cNvPr id="2" name="TextBox 1"/>
+          <p:cNvSpPr txBox="1"/>
+          <p:nvPr/>
+        </p:nvSpPr>
+        <p:spPr>
+          <a:xfrm>
+            <a:off x="6884377" y="2875085"/>
+            <a:ext cx="3516923" cy="707886"/>
+          </a:xfrm>
+          <a:prstGeom prst="rect">
+            <a:avLst/>
+          </a:prstGeom>
+          <a:noFill/>
+        </p:spPr>
+        <p:txBody>
+          <a:bodyPr wrap="square" rtlCol="0">
+            <a:spAutoFit/>
+          </a:bodyPr>
+          <a:lstStyle/>
+          <a:p>
+            <a:r>
+              <a:rPr lang="ko-KR" altLang="en-US" sz="2000" dirty="0" err="1" smtClean="0"/>
+              <a:t>소켓통신을</a:t>
+            </a:r>
+            <a:r>
+              <a:rPr lang="ko-KR" altLang="en-US" sz="2000" dirty="0" smtClean="0"/>
+              <a:t> 활용하여</a:t>
+            </a:r>
+            <a:endParaRPr lang="en-US" altLang="ko-KR" sz="2000" dirty="0" smtClean="0"/>
+          </a:p>
+          <a:p>
+            <a:r>
+              <a:rPr lang="ko-KR" altLang="en-US" sz="2000" dirty="0" smtClean="0"/>
+              <a:t>가위바위보 게임 서버 운영</a:t>
+            </a:r>
+            <a:endParaRPr lang="ko-KR" altLang="en-US" sz="2000" dirty="0"/>
           </a:p>
         </p:txBody>
       </p:sp>
@@ -8543,7 +8624,7 @@
         <p:spPr>
           <a:xfrm>
             <a:off x="1301262" y="562708"/>
-            <a:ext cx="1189749" cy="369332"/>
+            <a:ext cx="2319866" cy="369332"/>
           </a:xfrm>
           <a:prstGeom prst="rect">
             <a:avLst/>
@@ -8557,8 +8638,20 @@
           <a:lstStyle/>
           <a:p>
             <a:r>
+              <a:rPr lang="en-US" altLang="ko-KR" dirty="0" smtClean="0"/>
+              <a:t>4.1.</a:t>
+            </a:r>
+            <a:r>
               <a:rPr lang="ko-KR" altLang="en-US" dirty="0" smtClean="0"/>
-              <a:t>화면 이름</a:t>
+              <a:t>게임 </a:t>
+            </a:r>
+            <a:r>
+              <a:rPr lang="ko-KR" altLang="en-US" dirty="0" smtClean="0"/>
+              <a:t>플레이 </a:t>
+            </a:r>
+            <a:r>
+              <a:rPr lang="ko-KR" altLang="en-US" dirty="0" smtClean="0"/>
+              <a:t>결과</a:t>
             </a:r>
             <a:endParaRPr lang="ko-KR" altLang="en-US" dirty="0"/>
           </a:p>
@@ -8566,14 +8659,14 @@
       </p:sp>
       <p:sp>
         <p:nvSpPr>
-          <p:cNvPr id="12" name="TextBox 11"/>
+          <p:cNvPr id="3" name="TextBox 2"/>
           <p:cNvSpPr txBox="1"/>
           <p:nvPr/>
         </p:nvSpPr>
         <p:spPr>
           <a:xfrm>
-            <a:off x="8827477" y="808892"/>
-            <a:ext cx="906017" cy="369332"/>
+            <a:off x="6145823" y="3065277"/>
+            <a:ext cx="1134208" cy="369332"/>
           </a:xfrm>
           <a:prstGeom prst="rect">
             <a:avLst/>
@@ -8581,27 +8674,529 @@
           <a:noFill/>
         </p:spPr>
         <p:txBody>
-          <a:bodyPr wrap="none" rtlCol="0">
+          <a:bodyPr wrap="square" rtlCol="0">
             <a:spAutoFit/>
           </a:bodyPr>
           <a:lstStyle/>
           <a:p>
             <a:r>
               <a:rPr lang="en-US" altLang="ko-KR" dirty="0" smtClean="0"/>
-              <a:t>1. </a:t>
-            </a:r>
+              <a:t>com</a:t>
+            </a:r>
+            <a:endParaRPr lang="ko-KR" altLang="en-US" dirty="0"/>
+          </a:p>
+        </p:txBody>
+      </p:sp>
+      <p:sp>
+        <p:nvSpPr>
+          <p:cNvPr id="6" name="TextBox 5"/>
+          <p:cNvSpPr txBox="1"/>
+          <p:nvPr/>
+        </p:nvSpPr>
+        <p:spPr>
+          <a:xfrm>
+            <a:off x="6145823" y="4767801"/>
+            <a:ext cx="984739" cy="369332"/>
+          </a:xfrm>
+          <a:prstGeom prst="rect">
+            <a:avLst/>
+          </a:prstGeom>
+          <a:noFill/>
+        </p:spPr>
+        <p:txBody>
+          <a:bodyPr wrap="square" rtlCol="0">
+            <a:spAutoFit/>
+          </a:bodyPr>
+          <a:lstStyle/>
+          <a:p>
             <a:r>
               <a:rPr lang="ko-KR" altLang="en-US" dirty="0" smtClean="0"/>
-              <a:t>설명</a:t>
+              <a:t>닉네임</a:t>
+            </a:r>
+            <a:endParaRPr lang="en-US" altLang="ko-KR" dirty="0" smtClean="0"/>
+          </a:p>
+        </p:txBody>
+      </p:sp>
+      <p:sp>
+        <p:nvSpPr>
+          <p:cNvPr id="20" name="직사각형 19"/>
+          <p:cNvSpPr/>
+          <p:nvPr/>
+        </p:nvSpPr>
+        <p:spPr>
+          <a:xfrm>
+            <a:off x="2522022" y="2417885"/>
+            <a:ext cx="1951892" cy="1037767"/>
+          </a:xfrm>
+          <a:prstGeom prst="rect">
+            <a:avLst/>
+          </a:prstGeom>
+        </p:spPr>
+        <p:style>
+          <a:lnRef idx="2">
+            <a:schemeClr val="accent1">
+              <a:shade val="50000"/>
+            </a:schemeClr>
+          </a:lnRef>
+          <a:fillRef idx="1">
+            <a:schemeClr val="accent1"/>
+          </a:fillRef>
+          <a:effectRef idx="0">
+            <a:schemeClr val="accent1"/>
+          </a:effectRef>
+          <a:fontRef idx="minor">
+            <a:schemeClr val="lt1"/>
+          </a:fontRef>
+        </p:style>
+        <p:txBody>
+          <a:bodyPr rtlCol="0" anchor="ctr"/>
+          <a:lstStyle/>
+          <a:p>
+            <a:pPr algn="ctr"/>
+            <a:r>
+              <a:rPr lang="ko-KR" altLang="en-US" dirty="0" smtClean="0"/>
+              <a:t>가위바위보</a:t>
             </a:r>
             <a:endParaRPr lang="ko-KR" altLang="en-US" dirty="0"/>
+          </a:p>
+        </p:txBody>
+      </p:sp>
+      <p:sp>
+        <p:nvSpPr>
+          <p:cNvPr id="21" name="직사각형 20"/>
+          <p:cNvSpPr/>
+          <p:nvPr/>
+        </p:nvSpPr>
+        <p:spPr>
+          <a:xfrm>
+            <a:off x="1626577" y="4396154"/>
+            <a:ext cx="1034753" cy="1002378"/>
+          </a:xfrm>
+          <a:prstGeom prst="rect">
+            <a:avLst/>
+          </a:prstGeom>
+        </p:spPr>
+        <p:style>
+          <a:lnRef idx="2">
+            <a:schemeClr val="accent1">
+              <a:shade val="50000"/>
+            </a:schemeClr>
+          </a:lnRef>
+          <a:fillRef idx="1">
+            <a:schemeClr val="accent1"/>
+          </a:fillRef>
+          <a:effectRef idx="0">
+            <a:schemeClr val="accent1"/>
+          </a:effectRef>
+          <a:fontRef idx="minor">
+            <a:schemeClr val="lt1"/>
+          </a:fontRef>
+        </p:style>
+        <p:txBody>
+          <a:bodyPr rtlCol="0" anchor="ctr"/>
+          <a:lstStyle/>
+          <a:p>
+            <a:pPr algn="ctr"/>
+            <a:r>
+              <a:rPr lang="ko-KR" altLang="en-US" dirty="0" smtClean="0"/>
+              <a:t>가위</a:t>
+            </a:r>
+            <a:endParaRPr lang="ko-KR" altLang="en-US" dirty="0"/>
+          </a:p>
+        </p:txBody>
+      </p:sp>
+      <p:sp>
+        <p:nvSpPr>
+          <p:cNvPr id="23" name="직사각형 22"/>
+          <p:cNvSpPr/>
+          <p:nvPr/>
+        </p:nvSpPr>
+        <p:spPr>
+          <a:xfrm>
+            <a:off x="2980592" y="4396154"/>
+            <a:ext cx="1034753" cy="1002378"/>
+          </a:xfrm>
+          <a:prstGeom prst="rect">
+            <a:avLst/>
+          </a:prstGeom>
+        </p:spPr>
+        <p:style>
+          <a:lnRef idx="2">
+            <a:schemeClr val="accent1">
+              <a:shade val="50000"/>
+            </a:schemeClr>
+          </a:lnRef>
+          <a:fillRef idx="1">
+            <a:schemeClr val="accent1"/>
+          </a:fillRef>
+          <a:effectRef idx="0">
+            <a:schemeClr val="accent1"/>
+          </a:effectRef>
+          <a:fontRef idx="minor">
+            <a:schemeClr val="lt1"/>
+          </a:fontRef>
+        </p:style>
+        <p:txBody>
+          <a:bodyPr rtlCol="0" anchor="ctr"/>
+          <a:lstStyle/>
+          <a:p>
+            <a:pPr algn="ctr"/>
+            <a:r>
+              <a:rPr lang="ko-KR" altLang="en-US" dirty="0" smtClean="0"/>
+              <a:t>바위</a:t>
+            </a:r>
+            <a:endParaRPr lang="ko-KR" altLang="en-US" dirty="0"/>
+          </a:p>
+        </p:txBody>
+      </p:sp>
+      <p:sp>
+        <p:nvSpPr>
+          <p:cNvPr id="24" name="직사각형 23"/>
+          <p:cNvSpPr/>
+          <p:nvPr/>
+        </p:nvSpPr>
+        <p:spPr>
+          <a:xfrm>
+            <a:off x="4274431" y="4396154"/>
+            <a:ext cx="1034753" cy="1002378"/>
+          </a:xfrm>
+          <a:prstGeom prst="rect">
+            <a:avLst/>
+          </a:prstGeom>
+        </p:spPr>
+        <p:style>
+          <a:lnRef idx="2">
+            <a:schemeClr val="accent1">
+              <a:shade val="50000"/>
+            </a:schemeClr>
+          </a:lnRef>
+          <a:fillRef idx="1">
+            <a:schemeClr val="accent1"/>
+          </a:fillRef>
+          <a:effectRef idx="0">
+            <a:schemeClr val="accent1"/>
+          </a:effectRef>
+          <a:fontRef idx="minor">
+            <a:schemeClr val="lt1"/>
+          </a:fontRef>
+        </p:style>
+        <p:txBody>
+          <a:bodyPr rtlCol="0" anchor="ctr"/>
+          <a:lstStyle/>
+          <a:p>
+            <a:pPr algn="ctr"/>
+            <a:r>
+              <a:rPr lang="ko-KR" altLang="en-US" dirty="0" smtClean="0"/>
+              <a:t>보</a:t>
+            </a:r>
+            <a:endParaRPr lang="ko-KR" altLang="en-US" dirty="0"/>
+          </a:p>
+        </p:txBody>
+      </p:sp>
+      <p:sp>
+        <p:nvSpPr>
+          <p:cNvPr id="25" name="TextBox 24"/>
+          <p:cNvSpPr txBox="1"/>
+          <p:nvPr/>
+        </p:nvSpPr>
+        <p:spPr>
+          <a:xfrm>
+            <a:off x="3353185" y="3719617"/>
+            <a:ext cx="568185" cy="369332"/>
+          </a:xfrm>
+          <a:prstGeom prst="rect">
+            <a:avLst/>
+          </a:prstGeom>
+          <a:noFill/>
+        </p:spPr>
+        <p:txBody>
+          <a:bodyPr wrap="square" rtlCol="0">
+            <a:spAutoFit/>
+          </a:bodyPr>
+          <a:lstStyle/>
+          <a:p>
+            <a:r>
+              <a:rPr lang="en-US" altLang="ko-KR" dirty="0" smtClean="0"/>
+              <a:t>vs</a:t>
+            </a:r>
+            <a:endParaRPr lang="ko-KR" altLang="en-US" dirty="0"/>
+          </a:p>
+        </p:txBody>
+      </p:sp>
+      <p:sp>
+        <p:nvSpPr>
+          <p:cNvPr id="26" name="TextBox 25"/>
+          <p:cNvSpPr txBox="1"/>
+          <p:nvPr/>
+        </p:nvSpPr>
+        <p:spPr>
+          <a:xfrm>
+            <a:off x="6603023" y="1840018"/>
+            <a:ext cx="945173" cy="369332"/>
+          </a:xfrm>
+          <a:prstGeom prst="rect">
+            <a:avLst/>
+          </a:prstGeom>
+          <a:noFill/>
+          <a:ln>
+            <a:solidFill>
+              <a:schemeClr val="tx1"/>
+            </a:solidFill>
+          </a:ln>
+        </p:spPr>
+        <p:txBody>
+          <a:bodyPr wrap="square" rtlCol="0">
+            <a:spAutoFit/>
+          </a:bodyPr>
+          <a:lstStyle/>
+          <a:p>
+            <a:r>
+              <a:rPr lang="ko-KR" altLang="en-US" dirty="0" smtClean="0"/>
+              <a:t>나가기</a:t>
+            </a:r>
+            <a:endParaRPr lang="ko-KR" altLang="en-US" dirty="0"/>
+          </a:p>
+        </p:txBody>
+      </p:sp>
+      <p:sp>
+        <p:nvSpPr>
+          <p:cNvPr id="14" name="직사각형 13"/>
+          <p:cNvSpPr/>
+          <p:nvPr/>
+        </p:nvSpPr>
+        <p:spPr>
+          <a:xfrm>
+            <a:off x="2831409" y="2849410"/>
+            <a:ext cx="3636701" cy="2145268"/>
+          </a:xfrm>
+          <a:prstGeom prst="rect">
+            <a:avLst/>
+          </a:prstGeom>
+          <a:solidFill>
+            <a:schemeClr val="tx1">
+              <a:lumMod val="50000"/>
+              <a:lumOff val="50000"/>
+            </a:schemeClr>
+          </a:solidFill>
+          <a:ln>
+            <a:solidFill>
+              <a:schemeClr val="tx1">
+                <a:lumMod val="50000"/>
+                <a:lumOff val="50000"/>
+              </a:schemeClr>
+            </a:solidFill>
+          </a:ln>
+        </p:spPr>
+        <p:style>
+          <a:lnRef idx="2">
+            <a:schemeClr val="accent1">
+              <a:shade val="50000"/>
+            </a:schemeClr>
+          </a:lnRef>
+          <a:fillRef idx="1">
+            <a:schemeClr val="accent1"/>
+          </a:fillRef>
+          <a:effectRef idx="0">
+            <a:schemeClr val="accent1"/>
+          </a:effectRef>
+          <a:fontRef idx="minor">
+            <a:schemeClr val="lt1"/>
+          </a:fontRef>
+        </p:style>
+        <p:txBody>
+          <a:bodyPr rtlCol="0" anchor="ctr"/>
+          <a:lstStyle/>
+          <a:p>
+            <a:pPr algn="ctr"/>
+            <a:r>
+              <a:rPr lang="ko-KR" altLang="en-US" dirty="0" smtClean="0"/>
+              <a:t>승</a:t>
+            </a:r>
+            <a:endParaRPr lang="en-US" altLang="ko-KR" dirty="0" smtClean="0"/>
+          </a:p>
+          <a:p>
+            <a:pPr algn="ctr"/>
+            <a:endParaRPr lang="en-US" altLang="ko-KR" dirty="0"/>
+          </a:p>
+          <a:p>
+            <a:pPr algn="ctr"/>
+            <a:endParaRPr lang="ko-KR" altLang="en-US" dirty="0"/>
+          </a:p>
+        </p:txBody>
+      </p:sp>
+      <p:sp>
+        <p:nvSpPr>
+          <p:cNvPr id="15" name="타원 14"/>
+          <p:cNvSpPr/>
+          <p:nvPr/>
+        </p:nvSpPr>
+        <p:spPr>
+          <a:xfrm>
+            <a:off x="6028494" y="2570482"/>
+            <a:ext cx="439616" cy="386861"/>
+          </a:xfrm>
+          <a:prstGeom prst="ellipse">
+            <a:avLst/>
+          </a:prstGeom>
+        </p:spPr>
+        <p:style>
+          <a:lnRef idx="2">
+            <a:schemeClr val="accent1">
+              <a:shade val="50000"/>
+            </a:schemeClr>
+          </a:lnRef>
+          <a:fillRef idx="1">
+            <a:schemeClr val="accent1"/>
+          </a:fillRef>
+          <a:effectRef idx="0">
+            <a:schemeClr val="accent1"/>
+          </a:effectRef>
+          <a:fontRef idx="minor">
+            <a:schemeClr val="lt1"/>
+          </a:fontRef>
+        </p:style>
+        <p:txBody>
+          <a:bodyPr rtlCol="0" anchor="ctr"/>
+          <a:lstStyle/>
+          <a:p>
+            <a:pPr algn="ctr"/>
+            <a:r>
+              <a:rPr lang="en-US" altLang="ko-KR" dirty="0" smtClean="0"/>
+              <a:t>1</a:t>
+            </a:r>
+            <a:endParaRPr lang="ko-KR" altLang="en-US" dirty="0"/>
+          </a:p>
+        </p:txBody>
+      </p:sp>
+      <p:sp>
+        <p:nvSpPr>
+          <p:cNvPr id="7" name="TextBox 6"/>
+          <p:cNvSpPr txBox="1"/>
+          <p:nvPr/>
+        </p:nvSpPr>
+        <p:spPr>
+          <a:xfrm>
+            <a:off x="4387360" y="4396154"/>
+            <a:ext cx="844063" cy="371647"/>
+          </a:xfrm>
+          <a:prstGeom prst="rect">
+            <a:avLst/>
+          </a:prstGeom>
+          <a:solidFill>
+            <a:schemeClr val="bg2"/>
+          </a:solidFill>
+        </p:spPr>
+        <p:txBody>
+          <a:bodyPr wrap="square" rtlCol="0">
+            <a:spAutoFit/>
+          </a:bodyPr>
+          <a:lstStyle/>
+          <a:p>
+            <a:r>
+              <a:rPr lang="ko-KR" altLang="en-US" smtClean="0"/>
+              <a:t>확인</a:t>
+            </a:r>
+            <a:endParaRPr lang="ko-KR" altLang="en-US"/>
+          </a:p>
+        </p:txBody>
+      </p:sp>
+      <p:sp>
+        <p:nvSpPr>
+          <p:cNvPr id="16" name="타원 15"/>
+          <p:cNvSpPr/>
+          <p:nvPr/>
+        </p:nvSpPr>
+        <p:spPr>
+          <a:xfrm>
+            <a:off x="5035250" y="4169277"/>
+            <a:ext cx="439616" cy="386861"/>
+          </a:xfrm>
+          <a:prstGeom prst="ellipse">
+            <a:avLst/>
+          </a:prstGeom>
+        </p:spPr>
+        <p:style>
+          <a:lnRef idx="2">
+            <a:schemeClr val="accent1">
+              <a:shade val="50000"/>
+            </a:schemeClr>
+          </a:lnRef>
+          <a:fillRef idx="1">
+            <a:schemeClr val="accent1"/>
+          </a:fillRef>
+          <a:effectRef idx="0">
+            <a:schemeClr val="accent1"/>
+          </a:effectRef>
+          <a:fontRef idx="minor">
+            <a:schemeClr val="lt1"/>
+          </a:fontRef>
+        </p:style>
+        <p:txBody>
+          <a:bodyPr rtlCol="0" anchor="ctr"/>
+          <a:lstStyle/>
+          <a:p>
+            <a:pPr algn="ctr"/>
+            <a:r>
+              <a:rPr lang="en-US" altLang="ko-KR" dirty="0" smtClean="0"/>
+              <a:t>2</a:t>
+            </a:r>
+            <a:endParaRPr lang="ko-KR" altLang="en-US" dirty="0"/>
+          </a:p>
+        </p:txBody>
+      </p:sp>
+      <p:sp>
+        <p:nvSpPr>
+          <p:cNvPr id="8" name="TextBox 7"/>
+          <p:cNvSpPr txBox="1"/>
+          <p:nvPr/>
+        </p:nvSpPr>
+        <p:spPr>
+          <a:xfrm>
+            <a:off x="8686800" y="659423"/>
+            <a:ext cx="2866292" cy="923330"/>
+          </a:xfrm>
+          <a:prstGeom prst="rect">
+            <a:avLst/>
+          </a:prstGeom>
+          <a:noFill/>
+        </p:spPr>
+        <p:txBody>
+          <a:bodyPr wrap="square" rtlCol="0">
+            <a:spAutoFit/>
+          </a:bodyPr>
+          <a:lstStyle/>
+          <a:p>
+            <a:pPr marL="342900" indent="-342900">
+              <a:buAutoNum type="arabicPeriod"/>
+            </a:pPr>
+            <a:r>
+              <a:rPr lang="ko-KR" altLang="en-US" dirty="0" smtClean="0"/>
+              <a:t>새 결과 창</a:t>
+            </a:r>
+            <a:endParaRPr lang="en-US" altLang="ko-KR" dirty="0" smtClean="0"/>
+          </a:p>
+          <a:p>
+            <a:pPr marL="342900" indent="-342900">
+              <a:buAutoNum type="arabicPeriod"/>
+            </a:pPr>
+            <a:endParaRPr lang="en-US" altLang="ko-KR" dirty="0"/>
+          </a:p>
+          <a:p>
+            <a:pPr marL="342900" indent="-342900">
+              <a:buAutoNum type="arabicPeriod"/>
+            </a:pPr>
+            <a:r>
+              <a:rPr lang="ko-KR" altLang="en-US" dirty="0" smtClean="0"/>
+              <a:t>확인 버튼</a:t>
+            </a:r>
+            <a:endParaRPr lang="en-US" altLang="ko-KR" dirty="0" smtClean="0"/>
           </a:p>
         </p:txBody>
       </p:sp>
     </p:spTree>
     <p:extLst>
       <p:ext uri="{BB962C8B-B14F-4D97-AF65-F5344CB8AC3E}">
-        <p14:creationId xmlns:p14="http://schemas.microsoft.com/office/powerpoint/2010/main" val="298312984"/>
+        <p14:creationId xmlns:p14="http://schemas.microsoft.com/office/powerpoint/2010/main" val="3070258551"/>
       </p:ext>
     </p:extLst>
   </p:cSld>
@@ -8713,7 +9308,7 @@
         <p:spPr>
           <a:xfrm>
             <a:off x="1301262" y="562708"/>
-            <a:ext cx="1189749" cy="369332"/>
+            <a:ext cx="1449436" cy="369332"/>
           </a:xfrm>
           <a:prstGeom prst="rect">
             <a:avLst/>
@@ -8727,8 +9322,16 @@
           <a:lstStyle/>
           <a:p>
             <a:r>
+              <a:rPr lang="en-US" altLang="ko-KR" dirty="0" smtClean="0"/>
+              <a:t>5. </a:t>
+            </a:r>
+            <a:r>
               <a:rPr lang="ko-KR" altLang="en-US" dirty="0" smtClean="0"/>
-              <a:t>화면 이름</a:t>
+              <a:t>랭킹 </a:t>
+            </a:r>
+            <a:r>
+              <a:rPr lang="ko-KR" altLang="en-US" dirty="0" smtClean="0"/>
+              <a:t>보드</a:t>
             </a:r>
             <a:endParaRPr lang="ko-KR" altLang="en-US" dirty="0"/>
           </a:p>
@@ -8743,7 +9346,7 @@
         <p:spPr>
           <a:xfrm>
             <a:off x="8827477" y="808892"/>
-            <a:ext cx="906017" cy="369332"/>
+            <a:ext cx="2803973" cy="369332"/>
           </a:xfrm>
           <a:prstGeom prst="rect">
             <a:avLst/>
@@ -8758,63 +9361,42 @@
           <a:p>
             <a:r>
               <a:rPr lang="en-US" altLang="ko-KR" dirty="0" smtClean="0"/>
-              <a:t>1. </a:t>
+              <a:t>1</a:t>
+            </a:r>
+            <a:r>
+              <a:rPr lang="en-US" altLang="ko-KR" dirty="0" smtClean="0"/>
+              <a:t>. </a:t>
             </a:r>
             <a:r>
               <a:rPr lang="ko-KR" altLang="en-US" dirty="0" smtClean="0"/>
-              <a:t>설명</a:t>
+              <a:t>나가기 버튼 </a:t>
+            </a:r>
+            <a:r>
+              <a:rPr lang="en-US" altLang="ko-KR" dirty="0" smtClean="0"/>
+              <a:t>(3</a:t>
+            </a:r>
+            <a:r>
+              <a:rPr lang="ko-KR" altLang="en-US" dirty="0" smtClean="0"/>
+              <a:t>번 화면</a:t>
+            </a:r>
+            <a:r>
+              <a:rPr lang="en-US" altLang="ko-KR" dirty="0" smtClean="0"/>
+              <a:t>)</a:t>
             </a:r>
             <a:endParaRPr lang="ko-KR" altLang="en-US" dirty="0"/>
           </a:p>
         </p:txBody>
       </p:sp>
-    </p:spTree>
-    <p:extLst>
-      <p:ext uri="{BB962C8B-B14F-4D97-AF65-F5344CB8AC3E}">
-        <p14:creationId xmlns:p14="http://schemas.microsoft.com/office/powerpoint/2010/main" val="462413670"/>
-      </p:ext>
-    </p:extLst>
-  </p:cSld>
-  <p:clrMapOvr>
-    <a:masterClrMapping/>
-  </p:clrMapOvr>
-  <p:timing>
-    <p:tnLst>
-      <p:par>
-        <p:cTn id="1" dur="indefinite" restart="never" nodeType="tmRoot"/>
-      </p:par>
-    </p:tnLst>
-  </p:timing>
-</p:sld>
-</file>
-
-<file path=ppt/slides/slide12.xml><?xml version="1.0" encoding="utf-8"?>
-<p:sld xmlns:a="http://schemas.openxmlformats.org/drawingml/2006/main" xmlns:r="http://schemas.openxmlformats.org/officeDocument/2006/relationships" xmlns:p="http://schemas.openxmlformats.org/presentationml/2006/main">
-  <p:cSld>
-    <p:spTree>
-      <p:nvGrpSpPr>
-        <p:cNvPr id="1" name=""/>
-        <p:cNvGrpSpPr/>
-        <p:nvPr/>
-      </p:nvGrpSpPr>
-      <p:grpSpPr>
-        <a:xfrm>
-          <a:off x="0" y="0"/>
-          <a:ext cx="0" cy="0"/>
-          <a:chOff x="0" y="0"/>
-          <a:chExt cx="0" cy="0"/>
-        </a:xfrm>
-      </p:grpSpPr>
-      <p:sp>
-        <p:nvSpPr>
-          <p:cNvPr id="4" name="TextBox 3"/>
+      <p:sp>
+        <p:nvSpPr>
+          <p:cNvPr id="3" name="TextBox 2"/>
           <p:cNvSpPr txBox="1"/>
           <p:nvPr/>
         </p:nvSpPr>
         <p:spPr>
           <a:xfrm>
-            <a:off x="8528538" y="395652"/>
-            <a:ext cx="3270739" cy="6120000"/>
+            <a:off x="4844562" y="5978769"/>
+            <a:ext cx="975946" cy="369332"/>
           </a:xfrm>
           <a:prstGeom prst="rect">
             <a:avLst/>
@@ -8832,107 +9414,1005 @@
           </a:bodyPr>
           <a:lstStyle/>
           <a:p>
-            <a:endParaRPr lang="en-US" altLang="ko-KR" dirty="0" smtClean="0"/>
-          </a:p>
-          <a:p>
+            <a:r>
+              <a:rPr lang="ko-KR" altLang="en-US" dirty="0" smtClean="0"/>
+              <a:t>나가기</a:t>
+            </a:r>
             <a:endParaRPr lang="ko-KR" altLang="en-US" dirty="0"/>
           </a:p>
         </p:txBody>
       </p:sp>
-      <p:sp>
-        <p:nvSpPr>
-          <p:cNvPr id="5" name="TextBox 4"/>
-          <p:cNvSpPr txBox="1">
-            <a:spLocks/>
-          </p:cNvSpPr>
+      <p:graphicFrame>
+        <p:nvGraphicFramePr>
+          <p:cNvPr id="7" name="표 6"/>
+          <p:cNvGraphicFramePr>
+            <a:graphicFrameLocks noGrp="1"/>
+          </p:cNvGraphicFramePr>
+          <p:nvPr>
+            <p:extLst>
+              <p:ext uri="{D42A27DB-BD31-4B8C-83A1-F6EECF244321}">
+                <p14:modId xmlns:p14="http://schemas.microsoft.com/office/powerpoint/2010/main" val="69596894"/>
+              </p:ext>
+            </p:extLst>
+          </p:nvPr>
+        </p:nvGraphicFramePr>
+        <p:xfrm>
+          <a:off x="1301262" y="1871461"/>
+          <a:ext cx="6180990" cy="4001800"/>
+        </p:xfrm>
+        <a:graphic>
+          <a:graphicData uri="http://schemas.openxmlformats.org/drawingml/2006/table">
+            <a:tbl>
+              <a:tblPr firstRow="1" bandRow="1">
+                <a:tableStyleId>{5C22544A-7EE6-4342-B048-85BDC9FD1C3A}</a:tableStyleId>
+              </a:tblPr>
+              <a:tblGrid>
+                <a:gridCol w="1030165">
+                  <a:extLst>
+                    <a:ext uri="{9D8B030D-6E8A-4147-A177-3AD203B41FA5}">
+                      <a16:colId xmlns:a16="http://schemas.microsoft.com/office/drawing/2014/main" val="2471881121"/>
+                    </a:ext>
+                  </a:extLst>
+                </a:gridCol>
+                <a:gridCol w="1030165">
+                  <a:extLst>
+                    <a:ext uri="{9D8B030D-6E8A-4147-A177-3AD203B41FA5}">
+                      <a16:colId xmlns:a16="http://schemas.microsoft.com/office/drawing/2014/main" val="2592147207"/>
+                    </a:ext>
+                  </a:extLst>
+                </a:gridCol>
+                <a:gridCol w="1030165">
+                  <a:extLst>
+                    <a:ext uri="{9D8B030D-6E8A-4147-A177-3AD203B41FA5}">
+                      <a16:colId xmlns:a16="http://schemas.microsoft.com/office/drawing/2014/main" val="1120588118"/>
+                    </a:ext>
+                  </a:extLst>
+                </a:gridCol>
+                <a:gridCol w="1030165">
+                  <a:extLst>
+                    <a:ext uri="{9D8B030D-6E8A-4147-A177-3AD203B41FA5}">
+                      <a16:colId xmlns:a16="http://schemas.microsoft.com/office/drawing/2014/main" val="3402889956"/>
+                    </a:ext>
+                  </a:extLst>
+                </a:gridCol>
+                <a:gridCol w="1030165">
+                  <a:extLst>
+                    <a:ext uri="{9D8B030D-6E8A-4147-A177-3AD203B41FA5}">
+                      <a16:colId xmlns:a16="http://schemas.microsoft.com/office/drawing/2014/main" val="3203725487"/>
+                    </a:ext>
+                  </a:extLst>
+                </a:gridCol>
+                <a:gridCol w="1030165">
+                  <a:extLst>
+                    <a:ext uri="{9D8B030D-6E8A-4147-A177-3AD203B41FA5}">
+                      <a16:colId xmlns:a16="http://schemas.microsoft.com/office/drawing/2014/main" val="2290790260"/>
+                    </a:ext>
+                  </a:extLst>
+                </a:gridCol>
+              </a:tblGrid>
+              <a:tr h="500225">
+                <a:tc>
+                  <a:txBody>
+                    <a:bodyPr/>
+                    <a:lstStyle/>
+                    <a:p>
+                      <a:pPr marL="0" indent="0" algn="ctr" latinLnBrk="1">
+                        <a:buFont typeface="Arial" panose="020B0604020202020204" pitchFamily="34" charset="0"/>
+                        <a:buNone/>
+                      </a:pPr>
+                      <a:r>
+                        <a:rPr lang="ko-KR" altLang="en-US" dirty="0" smtClean="0"/>
+                        <a:t>순위</a:t>
+                      </a:r>
+                      <a:endParaRPr lang="ko-KR" altLang="en-US" dirty="0"/>
+                    </a:p>
+                  </a:txBody>
+                  <a:tcPr/>
+                </a:tc>
+                <a:tc>
+                  <a:txBody>
+                    <a:bodyPr/>
+                    <a:lstStyle/>
+                    <a:p>
+                      <a:pPr marL="0" indent="0" algn="ctr" latinLnBrk="1">
+                        <a:buFont typeface="Arial" panose="020B0604020202020204" pitchFamily="34" charset="0"/>
+                        <a:buNone/>
+                      </a:pPr>
+                      <a:r>
+                        <a:rPr lang="ko-KR" altLang="en-US" dirty="0" smtClean="0"/>
+                        <a:t>점수</a:t>
+                      </a:r>
+                      <a:endParaRPr lang="ko-KR" altLang="en-US" dirty="0"/>
+                    </a:p>
+                  </a:txBody>
+                  <a:tcPr/>
+                </a:tc>
+                <a:tc>
+                  <a:txBody>
+                    <a:bodyPr/>
+                    <a:lstStyle/>
+                    <a:p>
+                      <a:pPr marL="0" indent="0" algn="ctr" latinLnBrk="1">
+                        <a:buFont typeface="Arial" panose="020B0604020202020204" pitchFamily="34" charset="0"/>
+                        <a:buNone/>
+                      </a:pPr>
+                      <a:r>
+                        <a:rPr lang="ko-KR" altLang="en-US" dirty="0" smtClean="0"/>
+                        <a:t>이름</a:t>
+                      </a:r>
+                      <a:endParaRPr lang="ko-KR" altLang="en-US" dirty="0"/>
+                    </a:p>
+                  </a:txBody>
+                  <a:tcPr/>
+                </a:tc>
+                <a:tc>
+                  <a:txBody>
+                    <a:bodyPr/>
+                    <a:lstStyle/>
+                    <a:p>
+                      <a:pPr marL="0" indent="0" algn="ctr" latinLnBrk="1">
+                        <a:buFont typeface="Arial" panose="020B0604020202020204" pitchFamily="34" charset="0"/>
+                        <a:buNone/>
+                      </a:pPr>
+                      <a:r>
+                        <a:rPr lang="ko-KR" altLang="en-US" dirty="0" smtClean="0"/>
+                        <a:t>승</a:t>
+                      </a:r>
+                      <a:endParaRPr lang="ko-KR" altLang="en-US" dirty="0"/>
+                    </a:p>
+                  </a:txBody>
+                  <a:tcPr/>
+                </a:tc>
+                <a:tc>
+                  <a:txBody>
+                    <a:bodyPr/>
+                    <a:lstStyle/>
+                    <a:p>
+                      <a:pPr marL="0" indent="0" algn="ctr" latinLnBrk="1">
+                        <a:buFont typeface="Arial" panose="020B0604020202020204" pitchFamily="34" charset="0"/>
+                        <a:buNone/>
+                      </a:pPr>
+                      <a:r>
+                        <a:rPr lang="ko-KR" altLang="en-US" dirty="0" smtClean="0"/>
+                        <a:t>패</a:t>
+                      </a:r>
+                      <a:endParaRPr lang="ko-KR" altLang="en-US" dirty="0"/>
+                    </a:p>
+                  </a:txBody>
+                  <a:tcPr/>
+                </a:tc>
+                <a:tc>
+                  <a:txBody>
+                    <a:bodyPr/>
+                    <a:lstStyle/>
+                    <a:p>
+                      <a:pPr marL="0" indent="0" algn="ctr" latinLnBrk="1">
+                        <a:buFont typeface="Arial" panose="020B0604020202020204" pitchFamily="34" charset="0"/>
+                        <a:buNone/>
+                      </a:pPr>
+                      <a:r>
+                        <a:rPr lang="ko-KR" altLang="en-US" dirty="0" smtClean="0"/>
+                        <a:t>승률</a:t>
+                      </a:r>
+                      <a:endParaRPr lang="ko-KR" altLang="en-US" dirty="0"/>
+                    </a:p>
+                  </a:txBody>
+                  <a:tcPr/>
+                </a:tc>
+                <a:extLst>
+                  <a:ext uri="{0D108BD9-81ED-4DB2-BD59-A6C34878D82A}">
+                    <a16:rowId xmlns:a16="http://schemas.microsoft.com/office/drawing/2014/main" val="2711654302"/>
+                  </a:ext>
+                </a:extLst>
+              </a:tr>
+              <a:tr h="500225">
+                <a:tc>
+                  <a:txBody>
+                    <a:bodyPr/>
+                    <a:lstStyle/>
+                    <a:p>
+                      <a:pPr marL="0" indent="0" algn="ctr" latinLnBrk="1">
+                        <a:buFont typeface="Arial" panose="020B0604020202020204" pitchFamily="34" charset="0"/>
+                        <a:buNone/>
+                      </a:pPr>
+                      <a:r>
+                        <a:rPr lang="en-US" altLang="ko-KR" dirty="0" smtClean="0"/>
+                        <a:t>1</a:t>
+                      </a:r>
+                      <a:endParaRPr lang="ko-KR" altLang="en-US" dirty="0"/>
+                    </a:p>
+                  </a:txBody>
+                  <a:tcPr/>
+                </a:tc>
+                <a:tc>
+                  <a:txBody>
+                    <a:bodyPr/>
+                    <a:lstStyle/>
+                    <a:p>
+                      <a:pPr marL="0" indent="0" algn="ctr" latinLnBrk="1">
+                        <a:buFont typeface="Arial" panose="020B0604020202020204" pitchFamily="34" charset="0"/>
+                        <a:buNone/>
+                      </a:pPr>
+                      <a:r>
+                        <a:rPr lang="en-US" altLang="ko-KR" dirty="0" smtClean="0"/>
+                        <a:t>150</a:t>
+                      </a:r>
+                      <a:endParaRPr lang="ko-KR" altLang="en-US" dirty="0"/>
+                    </a:p>
+                  </a:txBody>
+                  <a:tcPr/>
+                </a:tc>
+                <a:tc>
+                  <a:txBody>
+                    <a:bodyPr/>
+                    <a:lstStyle/>
+                    <a:p>
+                      <a:pPr marL="0" indent="0" algn="ctr" latinLnBrk="1">
+                        <a:buFont typeface="Arial" panose="020B0604020202020204" pitchFamily="34" charset="0"/>
+                        <a:buNone/>
+                      </a:pPr>
+                      <a:r>
+                        <a:rPr lang="ko-KR" altLang="en-US" dirty="0" smtClean="0"/>
+                        <a:t>홍길동</a:t>
+                      </a:r>
+                      <a:endParaRPr lang="ko-KR" altLang="en-US" dirty="0"/>
+                    </a:p>
+                  </a:txBody>
+                  <a:tcPr/>
+                </a:tc>
+                <a:tc>
+                  <a:txBody>
+                    <a:bodyPr/>
+                    <a:lstStyle/>
+                    <a:p>
+                      <a:pPr marL="0" indent="0" algn="ctr" latinLnBrk="1">
+                        <a:buFont typeface="Arial" panose="020B0604020202020204" pitchFamily="34" charset="0"/>
+                        <a:buNone/>
+                      </a:pPr>
+                      <a:r>
+                        <a:rPr lang="en-US" altLang="ko-KR" dirty="0" smtClean="0"/>
+                        <a:t>15</a:t>
+                      </a:r>
+                      <a:endParaRPr lang="ko-KR" altLang="en-US" dirty="0"/>
+                    </a:p>
+                  </a:txBody>
+                  <a:tcPr/>
+                </a:tc>
+                <a:tc>
+                  <a:txBody>
+                    <a:bodyPr/>
+                    <a:lstStyle/>
+                    <a:p>
+                      <a:pPr marL="0" indent="0" algn="ctr" latinLnBrk="1">
+                        <a:buFont typeface="Arial" panose="020B0604020202020204" pitchFamily="34" charset="0"/>
+                        <a:buNone/>
+                      </a:pPr>
+                      <a:r>
+                        <a:rPr lang="en-US" altLang="ko-KR" dirty="0" smtClean="0"/>
+                        <a:t>0</a:t>
+                      </a:r>
+                      <a:endParaRPr lang="ko-KR" altLang="en-US" dirty="0"/>
+                    </a:p>
+                  </a:txBody>
+                  <a:tcPr/>
+                </a:tc>
+                <a:tc>
+                  <a:txBody>
+                    <a:bodyPr/>
+                    <a:lstStyle/>
+                    <a:p>
+                      <a:pPr marL="0" indent="0" algn="ctr" latinLnBrk="1">
+                        <a:buFont typeface="Arial" panose="020B0604020202020204" pitchFamily="34" charset="0"/>
+                        <a:buNone/>
+                      </a:pPr>
+                      <a:r>
+                        <a:rPr lang="en-US" altLang="ko-KR" dirty="0" smtClean="0"/>
+                        <a:t>100</a:t>
+                      </a:r>
+                      <a:endParaRPr lang="ko-KR" altLang="en-US" dirty="0"/>
+                    </a:p>
+                  </a:txBody>
+                  <a:tcPr/>
+                </a:tc>
+                <a:extLst>
+                  <a:ext uri="{0D108BD9-81ED-4DB2-BD59-A6C34878D82A}">
+                    <a16:rowId xmlns:a16="http://schemas.microsoft.com/office/drawing/2014/main" val="1050457965"/>
+                  </a:ext>
+                </a:extLst>
+              </a:tr>
+              <a:tr h="500225">
+                <a:tc>
+                  <a:txBody>
+                    <a:bodyPr/>
+                    <a:lstStyle/>
+                    <a:p>
+                      <a:pPr marL="0" indent="0" algn="ctr" latinLnBrk="1">
+                        <a:buFont typeface="Arial" panose="020B0604020202020204" pitchFamily="34" charset="0"/>
+                        <a:buNone/>
+                      </a:pPr>
+                      <a:r>
+                        <a:rPr lang="en-US" altLang="ko-KR" dirty="0" smtClean="0"/>
+                        <a:t>2</a:t>
+                      </a:r>
+                      <a:endParaRPr lang="ko-KR" altLang="en-US" dirty="0"/>
+                    </a:p>
+                  </a:txBody>
+                  <a:tcPr/>
+                </a:tc>
+                <a:tc>
+                  <a:txBody>
+                    <a:bodyPr/>
+                    <a:lstStyle/>
+                    <a:p>
+                      <a:pPr marL="0" indent="0" algn="ctr" latinLnBrk="1">
+                        <a:buFont typeface="Arial" panose="020B0604020202020204" pitchFamily="34" charset="0"/>
+                        <a:buNone/>
+                      </a:pPr>
+                      <a:r>
+                        <a:rPr lang="en-US" altLang="ko-KR" dirty="0" smtClean="0"/>
+                        <a:t>105</a:t>
+                      </a:r>
+                      <a:endParaRPr lang="ko-KR" altLang="en-US" dirty="0"/>
+                    </a:p>
+                  </a:txBody>
+                  <a:tcPr/>
+                </a:tc>
+                <a:tc>
+                  <a:txBody>
+                    <a:bodyPr/>
+                    <a:lstStyle/>
+                    <a:p>
+                      <a:pPr marL="0" indent="0" algn="ctr" latinLnBrk="1">
+                        <a:buFont typeface="Arial" panose="020B0604020202020204" pitchFamily="34" charset="0"/>
+                        <a:buNone/>
+                      </a:pPr>
+                      <a:r>
+                        <a:rPr lang="en-US" altLang="ko-KR" dirty="0" err="1" smtClean="0"/>
+                        <a:t>Abcc</a:t>
+                      </a:r>
+                      <a:endParaRPr lang="ko-KR" altLang="en-US" dirty="0"/>
+                    </a:p>
+                  </a:txBody>
+                  <a:tcPr/>
+                </a:tc>
+                <a:tc>
+                  <a:txBody>
+                    <a:bodyPr/>
+                    <a:lstStyle/>
+                    <a:p>
+                      <a:pPr marL="0" indent="0" algn="ctr" latinLnBrk="1">
+                        <a:buFont typeface="Arial" panose="020B0604020202020204" pitchFamily="34" charset="0"/>
+                        <a:buNone/>
+                      </a:pPr>
+                      <a:r>
+                        <a:rPr lang="en-US" altLang="ko-KR" dirty="0" smtClean="0"/>
+                        <a:t>10</a:t>
+                      </a:r>
+                      <a:endParaRPr lang="ko-KR" altLang="en-US" dirty="0"/>
+                    </a:p>
+                  </a:txBody>
+                  <a:tcPr/>
+                </a:tc>
+                <a:tc>
+                  <a:txBody>
+                    <a:bodyPr/>
+                    <a:lstStyle/>
+                    <a:p>
+                      <a:pPr marL="0" indent="0" algn="ctr" latinLnBrk="1">
+                        <a:buFont typeface="Arial" panose="020B0604020202020204" pitchFamily="34" charset="0"/>
+                        <a:buNone/>
+                      </a:pPr>
+                      <a:r>
+                        <a:rPr lang="en-US" altLang="ko-KR" dirty="0" smtClean="0"/>
+                        <a:t>5</a:t>
+                      </a:r>
+                      <a:endParaRPr lang="ko-KR" altLang="en-US" dirty="0"/>
+                    </a:p>
+                  </a:txBody>
+                  <a:tcPr/>
+                </a:tc>
+                <a:tc>
+                  <a:txBody>
+                    <a:bodyPr/>
+                    <a:lstStyle/>
+                    <a:p>
+                      <a:pPr marL="0" indent="0" algn="ctr" latinLnBrk="1">
+                        <a:buFont typeface="Arial" panose="020B0604020202020204" pitchFamily="34" charset="0"/>
+                        <a:buNone/>
+                      </a:pPr>
+                      <a:r>
+                        <a:rPr lang="en-US" altLang="ko-KR" dirty="0" smtClean="0"/>
+                        <a:t>66.6</a:t>
+                      </a:r>
+                      <a:endParaRPr lang="ko-KR" altLang="en-US" dirty="0"/>
+                    </a:p>
+                  </a:txBody>
+                  <a:tcPr/>
+                </a:tc>
+                <a:extLst>
+                  <a:ext uri="{0D108BD9-81ED-4DB2-BD59-A6C34878D82A}">
+                    <a16:rowId xmlns:a16="http://schemas.microsoft.com/office/drawing/2014/main" val="3316071503"/>
+                  </a:ext>
+                </a:extLst>
+              </a:tr>
+              <a:tr h="500225">
+                <a:tc>
+                  <a:txBody>
+                    <a:bodyPr/>
+                    <a:lstStyle/>
+                    <a:p>
+                      <a:pPr marL="0" indent="0" algn="ctr" latinLnBrk="1">
+                        <a:buFont typeface="Arial" panose="020B0604020202020204" pitchFamily="34" charset="0"/>
+                        <a:buNone/>
+                      </a:pPr>
+                      <a:r>
+                        <a:rPr lang="en-US" altLang="ko-KR" dirty="0" smtClean="0"/>
+                        <a:t>3</a:t>
+                      </a:r>
+                      <a:endParaRPr lang="ko-KR" altLang="en-US" dirty="0"/>
+                    </a:p>
+                  </a:txBody>
+                  <a:tcPr/>
+                </a:tc>
+                <a:tc>
+                  <a:txBody>
+                    <a:bodyPr/>
+                    <a:lstStyle/>
+                    <a:p>
+                      <a:pPr marL="0" indent="0" algn="ctr" latinLnBrk="1">
+                        <a:buFont typeface="Arial" panose="020B0604020202020204" pitchFamily="34" charset="0"/>
+                        <a:buNone/>
+                      </a:pPr>
+                      <a:r>
+                        <a:rPr lang="en-US" altLang="ko-KR" dirty="0" smtClean="0"/>
+                        <a:t>40</a:t>
+                      </a:r>
+                      <a:endParaRPr lang="ko-KR" altLang="en-US" dirty="0"/>
+                    </a:p>
+                  </a:txBody>
+                  <a:tcPr/>
+                </a:tc>
+                <a:tc>
+                  <a:txBody>
+                    <a:bodyPr/>
+                    <a:lstStyle/>
+                    <a:p>
+                      <a:pPr marL="0" indent="0" algn="ctr" latinLnBrk="1">
+                        <a:buFont typeface="Arial" panose="020B0604020202020204" pitchFamily="34" charset="0"/>
+                        <a:buNone/>
+                      </a:pPr>
+                      <a:r>
+                        <a:rPr lang="en-US" altLang="ko-KR" dirty="0" err="1" smtClean="0"/>
+                        <a:t>Himedi</a:t>
+                      </a:r>
+                      <a:endParaRPr lang="ko-KR" altLang="en-US" dirty="0"/>
+                    </a:p>
+                  </a:txBody>
+                  <a:tcPr/>
+                </a:tc>
+                <a:tc>
+                  <a:txBody>
+                    <a:bodyPr/>
+                    <a:lstStyle/>
+                    <a:p>
+                      <a:pPr marL="0" indent="0" algn="ctr" latinLnBrk="1">
+                        <a:buFont typeface="Arial" panose="020B0604020202020204" pitchFamily="34" charset="0"/>
+                        <a:buNone/>
+                      </a:pPr>
+                      <a:r>
+                        <a:rPr lang="en-US" altLang="ko-KR" dirty="0" smtClean="0"/>
+                        <a:t>5</a:t>
+                      </a:r>
+                      <a:endParaRPr lang="ko-KR" altLang="en-US" dirty="0"/>
+                    </a:p>
+                  </a:txBody>
+                  <a:tcPr/>
+                </a:tc>
+                <a:tc>
+                  <a:txBody>
+                    <a:bodyPr/>
+                    <a:lstStyle/>
+                    <a:p>
+                      <a:pPr marL="0" indent="0" algn="ctr" latinLnBrk="1">
+                        <a:buFont typeface="Arial" panose="020B0604020202020204" pitchFamily="34" charset="0"/>
+                        <a:buNone/>
+                      </a:pPr>
+                      <a:r>
+                        <a:rPr lang="en-US" altLang="ko-KR" dirty="0" smtClean="0"/>
+                        <a:t>2</a:t>
+                      </a:r>
+                      <a:endParaRPr lang="ko-KR" altLang="en-US" dirty="0"/>
+                    </a:p>
+                  </a:txBody>
+                  <a:tcPr/>
+                </a:tc>
+                <a:tc>
+                  <a:txBody>
+                    <a:bodyPr/>
+                    <a:lstStyle/>
+                    <a:p>
+                      <a:pPr marL="0" indent="0" algn="ctr" latinLnBrk="1">
+                        <a:buFont typeface="Arial" panose="020B0604020202020204" pitchFamily="34" charset="0"/>
+                        <a:buNone/>
+                      </a:pPr>
+                      <a:r>
+                        <a:rPr lang="en-US" altLang="ko-KR" dirty="0" smtClean="0"/>
+                        <a:t>71.4</a:t>
+                      </a:r>
+                      <a:endParaRPr lang="ko-KR" altLang="en-US" dirty="0"/>
+                    </a:p>
+                  </a:txBody>
+                  <a:tcPr/>
+                </a:tc>
+                <a:extLst>
+                  <a:ext uri="{0D108BD9-81ED-4DB2-BD59-A6C34878D82A}">
+                    <a16:rowId xmlns:a16="http://schemas.microsoft.com/office/drawing/2014/main" val="299134901"/>
+                  </a:ext>
+                </a:extLst>
+              </a:tr>
+              <a:tr h="500225">
+                <a:tc>
+                  <a:txBody>
+                    <a:bodyPr/>
+                    <a:lstStyle/>
+                    <a:p>
+                      <a:pPr marL="0" indent="0" algn="ctr" latinLnBrk="1">
+                        <a:buFont typeface="Arial" panose="020B0604020202020204" pitchFamily="34" charset="0"/>
+                        <a:buNone/>
+                      </a:pPr>
+                      <a:r>
+                        <a:rPr lang="en-US" altLang="ko-KR" dirty="0" smtClean="0"/>
+                        <a:t>4</a:t>
+                      </a:r>
+                      <a:endParaRPr lang="ko-KR" altLang="en-US" dirty="0"/>
+                    </a:p>
+                  </a:txBody>
+                  <a:tcPr/>
+                </a:tc>
+                <a:tc>
+                  <a:txBody>
+                    <a:bodyPr/>
+                    <a:lstStyle/>
+                    <a:p>
+                      <a:pPr marL="0" indent="0" algn="ctr" latinLnBrk="1">
+                        <a:buFont typeface="Arial" panose="020B0604020202020204" pitchFamily="34" charset="0"/>
+                        <a:buNone/>
+                      </a:pPr>
+                      <a:r>
+                        <a:rPr lang="en-US" altLang="ko-KR" dirty="0" smtClean="0"/>
+                        <a:t>15</a:t>
+                      </a:r>
+                      <a:endParaRPr lang="ko-KR" altLang="en-US" dirty="0"/>
+                    </a:p>
+                  </a:txBody>
+                  <a:tcPr/>
+                </a:tc>
+                <a:tc>
+                  <a:txBody>
+                    <a:bodyPr/>
+                    <a:lstStyle/>
+                    <a:p>
+                      <a:pPr marL="0" indent="0" algn="ctr" latinLnBrk="1">
+                        <a:buFont typeface="Arial" panose="020B0604020202020204" pitchFamily="34" charset="0"/>
+                        <a:buNone/>
+                      </a:pPr>
+                      <a:r>
+                        <a:rPr lang="en-US" altLang="ko-KR" dirty="0" smtClean="0"/>
+                        <a:t>Hi3</a:t>
+                      </a:r>
+                      <a:endParaRPr lang="ko-KR" altLang="en-US" dirty="0"/>
+                    </a:p>
+                  </a:txBody>
+                  <a:tcPr/>
+                </a:tc>
+                <a:tc>
+                  <a:txBody>
+                    <a:bodyPr/>
+                    <a:lstStyle/>
+                    <a:p>
+                      <a:pPr marL="0" indent="0" algn="ctr" latinLnBrk="1">
+                        <a:buFont typeface="Arial" panose="020B0604020202020204" pitchFamily="34" charset="0"/>
+                        <a:buNone/>
+                      </a:pPr>
+                      <a:r>
+                        <a:rPr lang="en-US" altLang="ko-KR" dirty="0" smtClean="0"/>
+                        <a:t>2</a:t>
+                      </a:r>
+                      <a:endParaRPr lang="ko-KR" altLang="en-US" dirty="0"/>
+                    </a:p>
+                  </a:txBody>
+                  <a:tcPr/>
+                </a:tc>
+                <a:tc>
+                  <a:txBody>
+                    <a:bodyPr/>
+                    <a:lstStyle/>
+                    <a:p>
+                      <a:pPr marL="0" indent="0" algn="ctr" latinLnBrk="1">
+                        <a:buFont typeface="Arial" panose="020B0604020202020204" pitchFamily="34" charset="0"/>
+                        <a:buNone/>
+                      </a:pPr>
+                      <a:r>
+                        <a:rPr lang="en-US" altLang="ko-KR" dirty="0" smtClean="0"/>
+                        <a:t>1</a:t>
+                      </a:r>
+                      <a:endParaRPr lang="ko-KR" altLang="en-US" dirty="0"/>
+                    </a:p>
+                  </a:txBody>
+                  <a:tcPr/>
+                </a:tc>
+                <a:tc>
+                  <a:txBody>
+                    <a:bodyPr/>
+                    <a:lstStyle/>
+                    <a:p>
+                      <a:pPr marL="0" indent="0" algn="ctr" latinLnBrk="1">
+                        <a:buFont typeface="Arial" panose="020B0604020202020204" pitchFamily="34" charset="0"/>
+                        <a:buNone/>
+                      </a:pPr>
+                      <a:r>
+                        <a:rPr lang="en-US" altLang="ko-KR" dirty="0" smtClean="0"/>
+                        <a:t>33.3</a:t>
+                      </a:r>
+                      <a:endParaRPr lang="ko-KR" altLang="en-US" dirty="0"/>
+                    </a:p>
+                  </a:txBody>
+                  <a:tcPr/>
+                </a:tc>
+                <a:extLst>
+                  <a:ext uri="{0D108BD9-81ED-4DB2-BD59-A6C34878D82A}">
+                    <a16:rowId xmlns:a16="http://schemas.microsoft.com/office/drawing/2014/main" val="1069047458"/>
+                  </a:ext>
+                </a:extLst>
+              </a:tr>
+              <a:tr h="500225">
+                <a:tc>
+                  <a:txBody>
+                    <a:bodyPr/>
+                    <a:lstStyle/>
+                    <a:p>
+                      <a:pPr marL="0" indent="0" algn="ctr" latinLnBrk="1">
+                        <a:buFont typeface="Arial" panose="020B0604020202020204" pitchFamily="34" charset="0"/>
+                        <a:buNone/>
+                      </a:pPr>
+                      <a:r>
+                        <a:rPr lang="en-US" altLang="ko-KR" dirty="0" smtClean="0"/>
+                        <a:t>5</a:t>
+                      </a:r>
+                      <a:endParaRPr lang="ko-KR" altLang="en-US" dirty="0"/>
+                    </a:p>
+                  </a:txBody>
+                  <a:tcPr/>
+                </a:tc>
+                <a:tc>
+                  <a:txBody>
+                    <a:bodyPr/>
+                    <a:lstStyle/>
+                    <a:p>
+                      <a:pPr marL="0" indent="0" algn="ctr" latinLnBrk="1">
+                        <a:buFont typeface="Arial" panose="020B0604020202020204" pitchFamily="34" charset="0"/>
+                        <a:buNone/>
+                      </a:pPr>
+                      <a:r>
+                        <a:rPr lang="en-US" altLang="ko-KR" dirty="0" smtClean="0"/>
+                        <a:t>10</a:t>
+                      </a:r>
+                      <a:endParaRPr lang="ko-KR" altLang="en-US" dirty="0"/>
+                    </a:p>
+                  </a:txBody>
+                  <a:tcPr/>
+                </a:tc>
+                <a:tc>
+                  <a:txBody>
+                    <a:bodyPr/>
+                    <a:lstStyle/>
+                    <a:p>
+                      <a:pPr marL="0" indent="0" algn="ctr" latinLnBrk="1">
+                        <a:buFont typeface="Arial" panose="020B0604020202020204" pitchFamily="34" charset="0"/>
+                        <a:buNone/>
+                      </a:pPr>
+                      <a:r>
+                        <a:rPr lang="en-US" altLang="ko-KR" dirty="0" smtClean="0"/>
+                        <a:t>Zzzaa1</a:t>
+                      </a:r>
+                      <a:endParaRPr lang="ko-KR" altLang="en-US" dirty="0"/>
+                    </a:p>
+                  </a:txBody>
+                  <a:tcPr/>
+                </a:tc>
+                <a:tc>
+                  <a:txBody>
+                    <a:bodyPr/>
+                    <a:lstStyle/>
+                    <a:p>
+                      <a:pPr marL="0" indent="0" algn="ctr" latinLnBrk="1">
+                        <a:buFont typeface="Arial" panose="020B0604020202020204" pitchFamily="34" charset="0"/>
+                        <a:buNone/>
+                      </a:pPr>
+                      <a:r>
+                        <a:rPr lang="en-US" altLang="ko-KR" dirty="0" smtClean="0"/>
+                        <a:t>1</a:t>
+                      </a:r>
+                      <a:endParaRPr lang="ko-KR" altLang="en-US" dirty="0"/>
+                    </a:p>
+                  </a:txBody>
+                  <a:tcPr/>
+                </a:tc>
+                <a:tc>
+                  <a:txBody>
+                    <a:bodyPr/>
+                    <a:lstStyle/>
+                    <a:p>
+                      <a:pPr marL="0" indent="0" algn="ctr" latinLnBrk="1">
+                        <a:buFont typeface="Arial" panose="020B0604020202020204" pitchFamily="34" charset="0"/>
+                        <a:buNone/>
+                      </a:pPr>
+                      <a:r>
+                        <a:rPr lang="en-US" altLang="ko-KR" dirty="0" smtClean="0"/>
+                        <a:t>0</a:t>
+                      </a:r>
+                      <a:endParaRPr lang="ko-KR" altLang="en-US" dirty="0"/>
+                    </a:p>
+                  </a:txBody>
+                  <a:tcPr/>
+                </a:tc>
+                <a:tc>
+                  <a:txBody>
+                    <a:bodyPr/>
+                    <a:lstStyle/>
+                    <a:p>
+                      <a:pPr marL="0" indent="0" algn="ctr" latinLnBrk="1">
+                        <a:buFont typeface="Arial" panose="020B0604020202020204" pitchFamily="34" charset="0"/>
+                        <a:buNone/>
+                      </a:pPr>
+                      <a:r>
+                        <a:rPr lang="en-US" altLang="ko-KR" dirty="0" smtClean="0"/>
+                        <a:t>100</a:t>
+                      </a:r>
+                      <a:endParaRPr lang="ko-KR" altLang="en-US" dirty="0"/>
+                    </a:p>
+                  </a:txBody>
+                  <a:tcPr/>
+                </a:tc>
+                <a:extLst>
+                  <a:ext uri="{0D108BD9-81ED-4DB2-BD59-A6C34878D82A}">
+                    <a16:rowId xmlns:a16="http://schemas.microsoft.com/office/drawing/2014/main" val="918578163"/>
+                  </a:ext>
+                </a:extLst>
+              </a:tr>
+              <a:tr h="500225">
+                <a:tc>
+                  <a:txBody>
+                    <a:bodyPr/>
+                    <a:lstStyle/>
+                    <a:p>
+                      <a:pPr marL="0" indent="0" algn="ctr" latinLnBrk="1">
+                        <a:buFont typeface="Arial" panose="020B0604020202020204" pitchFamily="34" charset="0"/>
+                        <a:buNone/>
+                      </a:pPr>
+                      <a:r>
+                        <a:rPr lang="en-US" altLang="ko-KR" dirty="0" smtClean="0"/>
+                        <a:t>6</a:t>
+                      </a:r>
+                      <a:endParaRPr lang="ko-KR" altLang="en-US" dirty="0"/>
+                    </a:p>
+                  </a:txBody>
+                  <a:tcPr/>
+                </a:tc>
+                <a:tc>
+                  <a:txBody>
+                    <a:bodyPr/>
+                    <a:lstStyle/>
+                    <a:p>
+                      <a:pPr marL="0" indent="0" algn="ctr" latinLnBrk="1">
+                        <a:buFont typeface="Arial" panose="020B0604020202020204" pitchFamily="34" charset="0"/>
+                        <a:buNone/>
+                      </a:pPr>
+                      <a:endParaRPr lang="ko-KR" altLang="en-US" dirty="0"/>
+                    </a:p>
+                  </a:txBody>
+                  <a:tcPr/>
+                </a:tc>
+                <a:tc>
+                  <a:txBody>
+                    <a:bodyPr/>
+                    <a:lstStyle/>
+                    <a:p>
+                      <a:pPr marL="0" indent="0" algn="ctr" latinLnBrk="1">
+                        <a:buFont typeface="Arial" panose="020B0604020202020204" pitchFamily="34" charset="0"/>
+                        <a:buNone/>
+                      </a:pPr>
+                      <a:endParaRPr lang="ko-KR" altLang="en-US" dirty="0"/>
+                    </a:p>
+                  </a:txBody>
+                  <a:tcPr/>
+                </a:tc>
+                <a:tc>
+                  <a:txBody>
+                    <a:bodyPr/>
+                    <a:lstStyle/>
+                    <a:p>
+                      <a:pPr marL="0" indent="0" algn="ctr" latinLnBrk="1">
+                        <a:buFont typeface="Arial" panose="020B0604020202020204" pitchFamily="34" charset="0"/>
+                        <a:buNone/>
+                      </a:pPr>
+                      <a:endParaRPr lang="ko-KR" altLang="en-US" dirty="0"/>
+                    </a:p>
+                  </a:txBody>
+                  <a:tcPr/>
+                </a:tc>
+                <a:tc>
+                  <a:txBody>
+                    <a:bodyPr/>
+                    <a:lstStyle/>
+                    <a:p>
+                      <a:pPr marL="0" indent="0" algn="ctr" latinLnBrk="1">
+                        <a:buFont typeface="Arial" panose="020B0604020202020204" pitchFamily="34" charset="0"/>
+                        <a:buNone/>
+                      </a:pPr>
+                      <a:endParaRPr lang="ko-KR" altLang="en-US" dirty="0"/>
+                    </a:p>
+                  </a:txBody>
+                  <a:tcPr/>
+                </a:tc>
+                <a:tc>
+                  <a:txBody>
+                    <a:bodyPr/>
+                    <a:lstStyle/>
+                    <a:p>
+                      <a:pPr marL="0" indent="0" algn="ctr" latinLnBrk="1">
+                        <a:buFont typeface="Arial" panose="020B0604020202020204" pitchFamily="34" charset="0"/>
+                        <a:buNone/>
+                      </a:pPr>
+                      <a:endParaRPr lang="ko-KR" altLang="en-US" dirty="0"/>
+                    </a:p>
+                  </a:txBody>
+                  <a:tcPr/>
+                </a:tc>
+                <a:extLst>
+                  <a:ext uri="{0D108BD9-81ED-4DB2-BD59-A6C34878D82A}">
+                    <a16:rowId xmlns:a16="http://schemas.microsoft.com/office/drawing/2014/main" val="394376092"/>
+                  </a:ext>
+                </a:extLst>
+              </a:tr>
+              <a:tr h="500225">
+                <a:tc>
+                  <a:txBody>
+                    <a:bodyPr/>
+                    <a:lstStyle/>
+                    <a:p>
+                      <a:pPr marL="0" indent="0" algn="ctr" latinLnBrk="1">
+                        <a:buFont typeface="Arial" panose="020B0604020202020204" pitchFamily="34" charset="0"/>
+                        <a:buNone/>
+                      </a:pPr>
+                      <a:r>
+                        <a:rPr lang="en-US" altLang="ko-KR" dirty="0" smtClean="0"/>
+                        <a:t>7</a:t>
+                      </a:r>
+                      <a:endParaRPr lang="ko-KR" altLang="en-US" dirty="0"/>
+                    </a:p>
+                  </a:txBody>
+                  <a:tcPr/>
+                </a:tc>
+                <a:tc>
+                  <a:txBody>
+                    <a:bodyPr/>
+                    <a:lstStyle/>
+                    <a:p>
+                      <a:pPr marL="0" indent="0" algn="ctr" latinLnBrk="1">
+                        <a:buFont typeface="Arial" panose="020B0604020202020204" pitchFamily="34" charset="0"/>
+                        <a:buNone/>
+                      </a:pPr>
+                      <a:endParaRPr lang="ko-KR" altLang="en-US"/>
+                    </a:p>
+                  </a:txBody>
+                  <a:tcPr/>
+                </a:tc>
+                <a:tc>
+                  <a:txBody>
+                    <a:bodyPr/>
+                    <a:lstStyle/>
+                    <a:p>
+                      <a:pPr marL="0" indent="0" algn="ctr" latinLnBrk="1">
+                        <a:buFont typeface="Arial" panose="020B0604020202020204" pitchFamily="34" charset="0"/>
+                        <a:buNone/>
+                      </a:pPr>
+                      <a:endParaRPr lang="ko-KR" altLang="en-US"/>
+                    </a:p>
+                  </a:txBody>
+                  <a:tcPr/>
+                </a:tc>
+                <a:tc>
+                  <a:txBody>
+                    <a:bodyPr/>
+                    <a:lstStyle/>
+                    <a:p>
+                      <a:pPr marL="0" indent="0" algn="ctr" latinLnBrk="1">
+                        <a:buFont typeface="Arial" panose="020B0604020202020204" pitchFamily="34" charset="0"/>
+                        <a:buNone/>
+                      </a:pPr>
+                      <a:endParaRPr lang="ko-KR" altLang="en-US"/>
+                    </a:p>
+                  </a:txBody>
+                  <a:tcPr/>
+                </a:tc>
+                <a:tc>
+                  <a:txBody>
+                    <a:bodyPr/>
+                    <a:lstStyle/>
+                    <a:p>
+                      <a:pPr marL="0" indent="0" algn="ctr" latinLnBrk="1">
+                        <a:buFont typeface="Arial" panose="020B0604020202020204" pitchFamily="34" charset="0"/>
+                        <a:buNone/>
+                      </a:pPr>
+                      <a:endParaRPr lang="ko-KR" altLang="en-US" dirty="0"/>
+                    </a:p>
+                  </a:txBody>
+                  <a:tcPr/>
+                </a:tc>
+                <a:tc>
+                  <a:txBody>
+                    <a:bodyPr/>
+                    <a:lstStyle/>
+                    <a:p>
+                      <a:pPr marL="0" indent="0" algn="ctr" latinLnBrk="1">
+                        <a:buFont typeface="Arial" panose="020B0604020202020204" pitchFamily="34" charset="0"/>
+                        <a:buNone/>
+                      </a:pPr>
+                      <a:endParaRPr lang="ko-KR" altLang="en-US" dirty="0"/>
+                    </a:p>
+                  </a:txBody>
+                  <a:tcPr/>
+                </a:tc>
+                <a:extLst>
+                  <a:ext uri="{0D108BD9-81ED-4DB2-BD59-A6C34878D82A}">
+                    <a16:rowId xmlns:a16="http://schemas.microsoft.com/office/drawing/2014/main" val="615837042"/>
+                  </a:ext>
+                </a:extLst>
+              </a:tr>
+            </a:tbl>
+          </a:graphicData>
+        </a:graphic>
+      </p:graphicFrame>
+      <p:sp>
+        <p:nvSpPr>
+          <p:cNvPr id="10" name="타원 9"/>
+          <p:cNvSpPr/>
           <p:nvPr/>
         </p:nvSpPr>
         <p:spPr>
           <a:xfrm>
-            <a:off x="1151791" y="1732085"/>
-            <a:ext cx="6471139" cy="4783568"/>
-          </a:xfrm>
-          <a:prstGeom prst="rect">
-            <a:avLst/>
-          </a:prstGeom>
-          <a:solidFill>
-            <a:schemeClr val="bg1"/>
-          </a:solidFill>
-          <a:ln>
-            <a:solidFill>
-              <a:schemeClr val="tx1"/>
-            </a:solidFill>
-          </a:ln>
-        </p:spPr>
-        <p:txBody>
-          <a:bodyPr wrap="square" rtlCol="0">
-            <a:spAutoFit/>
-          </a:bodyPr>
-          <a:lstStyle/>
-          <a:p>
-            <a:endParaRPr lang="ko-KR" altLang="en-US" dirty="0"/>
-          </a:p>
-        </p:txBody>
-      </p:sp>
-      <p:sp>
-        <p:nvSpPr>
-          <p:cNvPr id="11" name="TextBox 10"/>
-          <p:cNvSpPr txBox="1"/>
-          <p:nvPr/>
-        </p:nvSpPr>
-        <p:spPr>
-          <a:xfrm>
-            <a:off x="1301262" y="562708"/>
-            <a:ext cx="1189749" cy="369332"/>
-          </a:xfrm>
-          <a:prstGeom prst="rect">
-            <a:avLst/>
-          </a:prstGeom>
-          <a:noFill/>
-        </p:spPr>
-        <p:txBody>
-          <a:bodyPr wrap="none" rtlCol="0">
-            <a:spAutoFit/>
-          </a:bodyPr>
-          <a:lstStyle/>
-          <a:p>
-            <a:r>
-              <a:rPr lang="ko-KR" altLang="en-US" dirty="0" smtClean="0"/>
-              <a:t>화면 이름</a:t>
-            </a:r>
-            <a:endParaRPr lang="ko-KR" altLang="en-US" dirty="0"/>
-          </a:p>
-        </p:txBody>
-      </p:sp>
-      <p:sp>
-        <p:nvSpPr>
-          <p:cNvPr id="12" name="TextBox 11"/>
-          <p:cNvSpPr txBox="1"/>
-          <p:nvPr/>
-        </p:nvSpPr>
-        <p:spPr>
-          <a:xfrm>
-            <a:off x="8827477" y="808892"/>
-            <a:ext cx="906017" cy="369332"/>
-          </a:xfrm>
-          <a:prstGeom prst="rect">
-            <a:avLst/>
-          </a:prstGeom>
-          <a:noFill/>
-        </p:spPr>
-        <p:txBody>
-          <a:bodyPr wrap="none" rtlCol="0">
-            <a:spAutoFit/>
-          </a:bodyPr>
-          <a:lstStyle/>
-          <a:p>
+            <a:off x="5671039" y="5732585"/>
+            <a:ext cx="439616" cy="386861"/>
+          </a:xfrm>
+          <a:prstGeom prst="ellipse">
+            <a:avLst/>
+          </a:prstGeom>
+        </p:spPr>
+        <p:style>
+          <a:lnRef idx="2">
+            <a:schemeClr val="accent1">
+              <a:shade val="50000"/>
+            </a:schemeClr>
+          </a:lnRef>
+          <a:fillRef idx="1">
+            <a:schemeClr val="accent1"/>
+          </a:fillRef>
+          <a:effectRef idx="0">
+            <a:schemeClr val="accent1"/>
+          </a:effectRef>
+          <a:fontRef idx="minor">
+            <a:schemeClr val="lt1"/>
+          </a:fontRef>
+        </p:style>
+        <p:txBody>
+          <a:bodyPr rtlCol="0" anchor="ctr"/>
+          <a:lstStyle/>
+          <a:p>
+            <a:pPr algn="ctr"/>
             <a:r>
               <a:rPr lang="en-US" altLang="ko-KR" dirty="0" smtClean="0"/>
-              <a:t>1. </a:t>
-            </a:r>
-            <a:r>
-              <a:rPr lang="ko-KR" altLang="en-US" dirty="0" smtClean="0"/>
-              <a:t>설명</a:t>
+              <a:t>1</a:t>
             </a:r>
             <a:endParaRPr lang="ko-KR" altLang="en-US" dirty="0"/>
           </a:p>
@@ -8941,347 +10421,7 @@
     </p:spTree>
     <p:extLst>
       <p:ext uri="{BB962C8B-B14F-4D97-AF65-F5344CB8AC3E}">
-        <p14:creationId xmlns:p14="http://schemas.microsoft.com/office/powerpoint/2010/main" val="3724144060"/>
-      </p:ext>
-    </p:extLst>
-  </p:cSld>
-  <p:clrMapOvr>
-    <a:masterClrMapping/>
-  </p:clrMapOvr>
-  <p:timing>
-    <p:tnLst>
-      <p:par>
-        <p:cTn id="1" dur="indefinite" restart="never" nodeType="tmRoot"/>
-      </p:par>
-    </p:tnLst>
-  </p:timing>
-</p:sld>
-</file>
-
-<file path=ppt/slides/slide13.xml><?xml version="1.0" encoding="utf-8"?>
-<p:sld xmlns:a="http://schemas.openxmlformats.org/drawingml/2006/main" xmlns:r="http://schemas.openxmlformats.org/officeDocument/2006/relationships" xmlns:p="http://schemas.openxmlformats.org/presentationml/2006/main">
-  <p:cSld>
-    <p:spTree>
-      <p:nvGrpSpPr>
-        <p:cNvPr id="1" name=""/>
-        <p:cNvGrpSpPr/>
-        <p:nvPr/>
-      </p:nvGrpSpPr>
-      <p:grpSpPr>
-        <a:xfrm>
-          <a:off x="0" y="0"/>
-          <a:ext cx="0" cy="0"/>
-          <a:chOff x="0" y="0"/>
-          <a:chExt cx="0" cy="0"/>
-        </a:xfrm>
-      </p:grpSpPr>
-      <p:sp>
-        <p:nvSpPr>
-          <p:cNvPr id="4" name="TextBox 3"/>
-          <p:cNvSpPr txBox="1"/>
-          <p:nvPr/>
-        </p:nvSpPr>
-        <p:spPr>
-          <a:xfrm>
-            <a:off x="8528538" y="395652"/>
-            <a:ext cx="3270739" cy="6120000"/>
-          </a:xfrm>
-          <a:prstGeom prst="rect">
-            <a:avLst/>
-          </a:prstGeom>
-          <a:noFill/>
-          <a:ln>
-            <a:solidFill>
-              <a:schemeClr val="tx1"/>
-            </a:solidFill>
-          </a:ln>
-        </p:spPr>
-        <p:txBody>
-          <a:bodyPr wrap="square" rtlCol="0">
-            <a:spAutoFit/>
-          </a:bodyPr>
-          <a:lstStyle/>
-          <a:p>
-            <a:endParaRPr lang="en-US" altLang="ko-KR" dirty="0" smtClean="0"/>
-          </a:p>
-          <a:p>
-            <a:endParaRPr lang="ko-KR" altLang="en-US" dirty="0"/>
-          </a:p>
-        </p:txBody>
-      </p:sp>
-      <p:sp>
-        <p:nvSpPr>
-          <p:cNvPr id="5" name="TextBox 4"/>
-          <p:cNvSpPr txBox="1">
-            <a:spLocks/>
-          </p:cNvSpPr>
-          <p:nvPr/>
-        </p:nvSpPr>
-        <p:spPr>
-          <a:xfrm>
-            <a:off x="1151791" y="1732085"/>
-            <a:ext cx="6471139" cy="4783568"/>
-          </a:xfrm>
-          <a:prstGeom prst="rect">
-            <a:avLst/>
-          </a:prstGeom>
-          <a:solidFill>
-            <a:schemeClr val="bg1"/>
-          </a:solidFill>
-          <a:ln>
-            <a:solidFill>
-              <a:schemeClr val="tx1"/>
-            </a:solidFill>
-          </a:ln>
-        </p:spPr>
-        <p:txBody>
-          <a:bodyPr wrap="square" rtlCol="0">
-            <a:spAutoFit/>
-          </a:bodyPr>
-          <a:lstStyle/>
-          <a:p>
-            <a:endParaRPr lang="ko-KR" altLang="en-US" dirty="0"/>
-          </a:p>
-        </p:txBody>
-      </p:sp>
-      <p:sp>
-        <p:nvSpPr>
-          <p:cNvPr id="11" name="TextBox 10"/>
-          <p:cNvSpPr txBox="1"/>
-          <p:nvPr/>
-        </p:nvSpPr>
-        <p:spPr>
-          <a:xfrm>
-            <a:off x="1301262" y="562708"/>
-            <a:ext cx="1189749" cy="369332"/>
-          </a:xfrm>
-          <a:prstGeom prst="rect">
-            <a:avLst/>
-          </a:prstGeom>
-          <a:noFill/>
-        </p:spPr>
-        <p:txBody>
-          <a:bodyPr wrap="none" rtlCol="0">
-            <a:spAutoFit/>
-          </a:bodyPr>
-          <a:lstStyle/>
-          <a:p>
-            <a:r>
-              <a:rPr lang="ko-KR" altLang="en-US" dirty="0" smtClean="0"/>
-              <a:t>화면 이름</a:t>
-            </a:r>
-            <a:endParaRPr lang="ko-KR" altLang="en-US" dirty="0"/>
-          </a:p>
-        </p:txBody>
-      </p:sp>
-      <p:sp>
-        <p:nvSpPr>
-          <p:cNvPr id="12" name="TextBox 11"/>
-          <p:cNvSpPr txBox="1"/>
-          <p:nvPr/>
-        </p:nvSpPr>
-        <p:spPr>
-          <a:xfrm>
-            <a:off x="8827477" y="808892"/>
-            <a:ext cx="906017" cy="369332"/>
-          </a:xfrm>
-          <a:prstGeom prst="rect">
-            <a:avLst/>
-          </a:prstGeom>
-          <a:noFill/>
-        </p:spPr>
-        <p:txBody>
-          <a:bodyPr wrap="none" rtlCol="0">
-            <a:spAutoFit/>
-          </a:bodyPr>
-          <a:lstStyle/>
-          <a:p>
-            <a:r>
-              <a:rPr lang="en-US" altLang="ko-KR" dirty="0" smtClean="0"/>
-              <a:t>1. </a:t>
-            </a:r>
-            <a:r>
-              <a:rPr lang="ko-KR" altLang="en-US" dirty="0" smtClean="0"/>
-              <a:t>설명</a:t>
-            </a:r>
-            <a:endParaRPr lang="ko-KR" altLang="en-US" dirty="0"/>
-          </a:p>
-        </p:txBody>
-      </p:sp>
-    </p:spTree>
-    <p:extLst>
-      <p:ext uri="{BB962C8B-B14F-4D97-AF65-F5344CB8AC3E}">
-        <p14:creationId xmlns:p14="http://schemas.microsoft.com/office/powerpoint/2010/main" val="3198136139"/>
-      </p:ext>
-    </p:extLst>
-  </p:cSld>
-  <p:clrMapOvr>
-    <a:masterClrMapping/>
-  </p:clrMapOvr>
-  <p:timing>
-    <p:tnLst>
-      <p:par>
-        <p:cTn id="1" dur="indefinite" restart="never" nodeType="tmRoot"/>
-      </p:par>
-    </p:tnLst>
-  </p:timing>
-</p:sld>
-</file>
-
-<file path=ppt/slides/slide14.xml><?xml version="1.0" encoding="utf-8"?>
-<p:sld xmlns:a="http://schemas.openxmlformats.org/drawingml/2006/main" xmlns:r="http://schemas.openxmlformats.org/officeDocument/2006/relationships" xmlns:p="http://schemas.openxmlformats.org/presentationml/2006/main">
-  <p:cSld>
-    <p:spTree>
-      <p:nvGrpSpPr>
-        <p:cNvPr id="1" name=""/>
-        <p:cNvGrpSpPr/>
-        <p:nvPr/>
-      </p:nvGrpSpPr>
-      <p:grpSpPr>
-        <a:xfrm>
-          <a:off x="0" y="0"/>
-          <a:ext cx="0" cy="0"/>
-          <a:chOff x="0" y="0"/>
-          <a:chExt cx="0" cy="0"/>
-        </a:xfrm>
-      </p:grpSpPr>
-      <p:sp>
-        <p:nvSpPr>
-          <p:cNvPr id="4" name="TextBox 3"/>
-          <p:cNvSpPr txBox="1"/>
-          <p:nvPr/>
-        </p:nvSpPr>
-        <p:spPr>
-          <a:xfrm>
-            <a:off x="8528538" y="395652"/>
-            <a:ext cx="3270739" cy="6120000"/>
-          </a:xfrm>
-          <a:prstGeom prst="rect">
-            <a:avLst/>
-          </a:prstGeom>
-          <a:noFill/>
-          <a:ln>
-            <a:solidFill>
-              <a:schemeClr val="tx1"/>
-            </a:solidFill>
-          </a:ln>
-        </p:spPr>
-        <p:txBody>
-          <a:bodyPr wrap="square" rtlCol="0">
-            <a:spAutoFit/>
-          </a:bodyPr>
-          <a:lstStyle/>
-          <a:p>
-            <a:endParaRPr lang="en-US" altLang="ko-KR" dirty="0" smtClean="0"/>
-          </a:p>
-          <a:p>
-            <a:endParaRPr lang="ko-KR" altLang="en-US" dirty="0"/>
-          </a:p>
-        </p:txBody>
-      </p:sp>
-      <p:sp>
-        <p:nvSpPr>
-          <p:cNvPr id="5" name="TextBox 4"/>
-          <p:cNvSpPr txBox="1">
-            <a:spLocks/>
-          </p:cNvSpPr>
-          <p:nvPr/>
-        </p:nvSpPr>
-        <p:spPr>
-          <a:xfrm>
-            <a:off x="1151791" y="1732085"/>
-            <a:ext cx="6471139" cy="4783568"/>
-          </a:xfrm>
-          <a:prstGeom prst="rect">
-            <a:avLst/>
-          </a:prstGeom>
-          <a:solidFill>
-            <a:schemeClr val="bg1"/>
-          </a:solidFill>
-          <a:ln>
-            <a:solidFill>
-              <a:schemeClr val="tx1"/>
-            </a:solidFill>
-          </a:ln>
-        </p:spPr>
-        <p:txBody>
-          <a:bodyPr wrap="square" rtlCol="0">
-            <a:spAutoFit/>
-          </a:bodyPr>
-          <a:lstStyle/>
-          <a:p>
-            <a:endParaRPr lang="ko-KR" altLang="en-US" dirty="0"/>
-          </a:p>
-        </p:txBody>
-      </p:sp>
-      <p:sp>
-        <p:nvSpPr>
-          <p:cNvPr id="11" name="TextBox 10"/>
-          <p:cNvSpPr txBox="1"/>
-          <p:nvPr/>
-        </p:nvSpPr>
-        <p:spPr>
-          <a:xfrm>
-            <a:off x="1301262" y="562708"/>
-            <a:ext cx="1189749" cy="369332"/>
-          </a:xfrm>
-          <a:prstGeom prst="rect">
-            <a:avLst/>
-          </a:prstGeom>
-          <a:noFill/>
-        </p:spPr>
-        <p:txBody>
-          <a:bodyPr wrap="none" rtlCol="0">
-            <a:spAutoFit/>
-          </a:bodyPr>
-          <a:lstStyle/>
-          <a:p>
-            <a:r>
-              <a:rPr lang="ko-KR" altLang="en-US" dirty="0" smtClean="0"/>
-              <a:t>화면 이름</a:t>
-            </a:r>
-            <a:endParaRPr lang="ko-KR" altLang="en-US" dirty="0"/>
-          </a:p>
-        </p:txBody>
-      </p:sp>
-      <p:sp>
-        <p:nvSpPr>
-          <p:cNvPr id="12" name="TextBox 11"/>
-          <p:cNvSpPr txBox="1"/>
-          <p:nvPr/>
-        </p:nvSpPr>
-        <p:spPr>
-          <a:xfrm>
-            <a:off x="8827477" y="808892"/>
-            <a:ext cx="906017" cy="369332"/>
-          </a:xfrm>
-          <a:prstGeom prst="rect">
-            <a:avLst/>
-          </a:prstGeom>
-          <a:noFill/>
-        </p:spPr>
-        <p:txBody>
-          <a:bodyPr wrap="none" rtlCol="0">
-            <a:spAutoFit/>
-          </a:bodyPr>
-          <a:lstStyle/>
-          <a:p>
-            <a:r>
-              <a:rPr lang="en-US" altLang="ko-KR" dirty="0" smtClean="0"/>
-              <a:t>1. </a:t>
-            </a:r>
-            <a:r>
-              <a:rPr lang="ko-KR" altLang="en-US" dirty="0" smtClean="0"/>
-              <a:t>설명</a:t>
-            </a:r>
-            <a:endParaRPr lang="ko-KR" altLang="en-US" dirty="0"/>
-          </a:p>
-        </p:txBody>
-      </p:sp>
-    </p:spTree>
-    <p:extLst>
-      <p:ext uri="{BB962C8B-B14F-4D97-AF65-F5344CB8AC3E}">
-        <p14:creationId xmlns:p14="http://schemas.microsoft.com/office/powerpoint/2010/main" val="3500833415"/>
+        <p14:creationId xmlns:p14="http://schemas.microsoft.com/office/powerpoint/2010/main" val="2703949064"/>
       </p:ext>
     </p:extLst>
   </p:cSld>
@@ -9327,7 +10467,7 @@
         </p:nvSpPr>
         <p:spPr>
           <a:xfrm>
-            <a:off x="838200" y="154111"/>
+            <a:off x="1312984" y="760780"/>
             <a:ext cx="10515600" cy="355844"/>
           </a:xfrm>
         </p:spPr>
@@ -9339,7 +10479,11 @@
           <a:p>
             <a:r>
               <a:rPr lang="ko-KR" altLang="en-US" sz="2000" dirty="0" smtClean="0"/>
-              <a:t>클라이언트 화면 구성</a:t>
+              <a:t>화면 </a:t>
+            </a:r>
+            <a:r>
+              <a:rPr lang="ko-KR" altLang="en-US" sz="2000" dirty="0" smtClean="0"/>
+              <a:t>구성</a:t>
             </a:r>
             <a:endParaRPr lang="ko-KR" altLang="en-US" sz="2000" dirty="0"/>
           </a:p>
@@ -9353,8 +10497,229 @@
         </p:nvSpPr>
         <p:spPr>
           <a:xfrm>
-            <a:off x="838201" y="694593"/>
-            <a:ext cx="5334000" cy="5078313"/>
+            <a:off x="838200" y="1705708"/>
+            <a:ext cx="8701453" cy="4247317"/>
+          </a:xfrm>
+          <a:prstGeom prst="rect">
+            <a:avLst/>
+          </a:prstGeom>
+          <a:noFill/>
+        </p:spPr>
+        <p:txBody>
+          <a:bodyPr wrap="square" numCol="1" rtlCol="0">
+            <a:spAutoFit/>
+          </a:bodyPr>
+          <a:lstStyle/>
+          <a:p>
+            <a:pPr lvl="1"/>
+            <a:r>
+              <a:rPr lang="en-US" altLang="ko-KR" dirty="0" smtClean="0"/>
+              <a:t>0. </a:t>
+            </a:r>
+            <a:r>
+              <a:rPr lang="ko-KR" altLang="en-US" dirty="0" smtClean="0"/>
+              <a:t>첫 화면</a:t>
+            </a:r>
+            <a:endParaRPr lang="en-US" altLang="ko-KR" dirty="0" smtClean="0"/>
+          </a:p>
+          <a:p>
+            <a:pPr lvl="1"/>
+            <a:endParaRPr lang="en-US" altLang="ko-KR" dirty="0" smtClean="0"/>
+          </a:p>
+          <a:p>
+            <a:pPr marL="800100" lvl="1" indent="-342900">
+              <a:buAutoNum type="arabicPeriod"/>
+            </a:pPr>
+            <a:r>
+              <a:rPr lang="ko-KR" altLang="en-US" dirty="0" smtClean="0"/>
+              <a:t>로그인 </a:t>
+            </a:r>
+            <a:r>
+              <a:rPr lang="ko-KR" altLang="en-US" dirty="0"/>
+              <a:t>성공</a:t>
+            </a:r>
+            <a:r>
+              <a:rPr lang="en-US" altLang="ko-KR" dirty="0"/>
+              <a:t>/</a:t>
+            </a:r>
+            <a:r>
+              <a:rPr lang="ko-KR" altLang="en-US" dirty="0" smtClean="0"/>
+              <a:t>실패</a:t>
+            </a:r>
+            <a:endParaRPr lang="en-US" altLang="ko-KR" dirty="0" smtClean="0"/>
+          </a:p>
+          <a:p>
+            <a:pPr marL="800100" lvl="1" indent="-342900">
+              <a:buAutoNum type="arabicPeriod"/>
+            </a:pPr>
+            <a:endParaRPr lang="en-US" altLang="ko-KR" dirty="0" smtClean="0"/>
+          </a:p>
+          <a:p>
+            <a:pPr lvl="1"/>
+            <a:r>
+              <a:rPr lang="en-US" altLang="ko-KR" dirty="0" smtClean="0"/>
+              <a:t>2. </a:t>
+            </a:r>
+            <a:r>
+              <a:rPr lang="ko-KR" altLang="en-US" dirty="0"/>
+              <a:t>회원 </a:t>
+            </a:r>
+            <a:r>
+              <a:rPr lang="ko-KR" altLang="en-US" dirty="0" smtClean="0"/>
+              <a:t>가입</a:t>
+            </a:r>
+            <a:endParaRPr lang="en-US" altLang="ko-KR" dirty="0" smtClean="0"/>
+          </a:p>
+          <a:p>
+            <a:pPr lvl="1"/>
+            <a:r>
+              <a:rPr lang="en-US" altLang="ko-KR" dirty="0"/>
+              <a:t>	</a:t>
+            </a:r>
+            <a:r>
+              <a:rPr lang="en-US" altLang="ko-KR" dirty="0" smtClean="0"/>
+              <a:t>2-1. </a:t>
+            </a:r>
+            <a:r>
+              <a:rPr lang="ko-KR" altLang="en-US" dirty="0"/>
+              <a:t>회원 가입 </a:t>
+            </a:r>
+            <a:r>
+              <a:rPr lang="en-US" altLang="ko-KR" dirty="0"/>
+              <a:t>(</a:t>
+            </a:r>
+            <a:r>
+              <a:rPr lang="ko-KR" altLang="en-US" dirty="0"/>
+              <a:t>중복 검사</a:t>
+            </a:r>
+            <a:r>
+              <a:rPr lang="en-US" altLang="ko-KR" dirty="0" smtClean="0"/>
+              <a:t>)</a:t>
+            </a:r>
+          </a:p>
+          <a:p>
+            <a:pPr lvl="1"/>
+            <a:r>
+              <a:rPr lang="en-US" altLang="ko-KR" dirty="0" smtClean="0"/>
+              <a:t>	2-2</a:t>
+            </a:r>
+            <a:r>
+              <a:rPr lang="en-US" altLang="ko-KR" dirty="0"/>
+              <a:t>. </a:t>
+            </a:r>
+            <a:r>
+              <a:rPr lang="ko-KR" altLang="en-US" dirty="0"/>
+              <a:t>회원 가입 </a:t>
+            </a:r>
+            <a:r>
+              <a:rPr lang="ko-KR" altLang="en-US" dirty="0" smtClean="0"/>
+              <a:t>완료</a:t>
+            </a:r>
+            <a:endParaRPr lang="en-US" altLang="ko-KR" dirty="0" smtClean="0"/>
+          </a:p>
+          <a:p>
+            <a:pPr lvl="1"/>
+            <a:endParaRPr lang="en-US" altLang="ko-KR" dirty="0" smtClean="0"/>
+          </a:p>
+          <a:p>
+            <a:pPr lvl="1"/>
+            <a:r>
+              <a:rPr lang="en-US" altLang="ko-KR" dirty="0" smtClean="0"/>
+              <a:t>3.</a:t>
+            </a:r>
+            <a:r>
+              <a:rPr lang="ko-KR" altLang="en-US" dirty="0"/>
+              <a:t> 게임 로비 </a:t>
+            </a:r>
+            <a:r>
+              <a:rPr lang="en-US" altLang="ko-KR" dirty="0"/>
+              <a:t>(</a:t>
+            </a:r>
+            <a:r>
+              <a:rPr lang="ko-KR" altLang="en-US" dirty="0"/>
+              <a:t>로그인 성공 </a:t>
+            </a:r>
+            <a:r>
+              <a:rPr lang="ko-KR" altLang="en-US" dirty="0" smtClean="0"/>
+              <a:t>시</a:t>
+            </a:r>
+            <a:r>
+              <a:rPr lang="en-US" altLang="ko-KR" dirty="0" smtClean="0"/>
+              <a:t>)</a:t>
+            </a:r>
+          </a:p>
+          <a:p>
+            <a:pPr lvl="1"/>
+            <a:endParaRPr lang="en-US" altLang="ko-KR" dirty="0" smtClean="0"/>
+          </a:p>
+          <a:p>
+            <a:pPr lvl="1"/>
+            <a:r>
+              <a:rPr lang="en-US" altLang="ko-KR" dirty="0" smtClean="0"/>
+              <a:t>4.</a:t>
+            </a:r>
+            <a:r>
+              <a:rPr lang="ko-KR" altLang="en-US" dirty="0"/>
+              <a:t> 게임 플레이 </a:t>
+            </a:r>
+            <a:r>
+              <a:rPr lang="ko-KR" altLang="en-US" dirty="0" smtClean="0"/>
+              <a:t>화면</a:t>
+            </a:r>
+            <a:endParaRPr lang="en-US" altLang="ko-KR" dirty="0" smtClean="0"/>
+          </a:p>
+          <a:p>
+            <a:pPr lvl="1"/>
+            <a:r>
+              <a:rPr lang="en-US" altLang="ko-KR" dirty="0"/>
+              <a:t>	4.1.</a:t>
+            </a:r>
+            <a:r>
+              <a:rPr lang="ko-KR" altLang="en-US" dirty="0"/>
+              <a:t>게임 플레이 </a:t>
+            </a:r>
+            <a:r>
+              <a:rPr lang="ko-KR" altLang="en-US" dirty="0" smtClean="0"/>
+              <a:t>결과</a:t>
+            </a:r>
+            <a:endParaRPr lang="en-US" altLang="ko-KR" dirty="0" smtClean="0"/>
+          </a:p>
+          <a:p>
+            <a:pPr lvl="1"/>
+            <a:endParaRPr lang="en-US" altLang="ko-KR" dirty="0" smtClean="0"/>
+          </a:p>
+          <a:p>
+            <a:pPr lvl="1"/>
+            <a:r>
+              <a:rPr lang="en-US" altLang="ko-KR" dirty="0" smtClean="0"/>
+              <a:t>5.</a:t>
+            </a:r>
+            <a:r>
+              <a:rPr lang="ko-KR" altLang="en-US" dirty="0"/>
+              <a:t> 랭킹 </a:t>
+            </a:r>
+            <a:r>
+              <a:rPr lang="ko-KR" altLang="en-US" dirty="0" smtClean="0"/>
+              <a:t>보드</a:t>
+            </a:r>
+            <a:endParaRPr lang="en-US" altLang="ko-KR" dirty="0" smtClean="0"/>
+          </a:p>
+          <a:p>
+            <a:pPr lvl="1" algn="dist"/>
+            <a:endParaRPr lang="en-US" altLang="ko-KR" dirty="0" smtClean="0"/>
+          </a:p>
+        </p:txBody>
+      </p:sp>
+      <p:sp>
+        <p:nvSpPr>
+          <p:cNvPr id="8" name="TextBox 7"/>
+          <p:cNvSpPr txBox="1"/>
+          <p:nvPr/>
+        </p:nvSpPr>
+        <p:spPr>
+          <a:xfrm>
+            <a:off x="6172201" y="694593"/>
+            <a:ext cx="5011614" cy="646331"/>
           </a:xfrm>
           <a:prstGeom prst="rect">
             <a:avLst/>
@@ -9366,450 +10731,6 @@
             <a:spAutoFit/>
           </a:bodyPr>
           <a:lstStyle/>
-          <a:p>
-            <a:pPr marL="342900" indent="-342900">
-              <a:buAutoNum type="arabicPeriod"/>
-            </a:pPr>
-            <a:r>
-              <a:rPr lang="ko-KR" altLang="en-US" dirty="0" smtClean="0"/>
-              <a:t>첫 화면</a:t>
-            </a:r>
-            <a:endParaRPr lang="en-US" altLang="ko-KR" dirty="0" smtClean="0"/>
-          </a:p>
-          <a:p>
-            <a:pPr marL="800100" lvl="1" indent="-342900">
-              <a:buAutoNum type="arabicPeriod"/>
-            </a:pPr>
-            <a:r>
-              <a:rPr lang="ko-KR" altLang="en-US" dirty="0" smtClean="0"/>
-              <a:t>게임 이름</a:t>
-            </a:r>
-            <a:endParaRPr lang="en-US" altLang="ko-KR" dirty="0" smtClean="0"/>
-          </a:p>
-          <a:p>
-            <a:pPr marL="800100" lvl="1" indent="-342900">
-              <a:buAutoNum type="arabicPeriod"/>
-            </a:pPr>
-            <a:r>
-              <a:rPr lang="ko-KR" altLang="en-US" dirty="0" smtClean="0"/>
-              <a:t>제작자</a:t>
-            </a:r>
-            <a:endParaRPr lang="en-US" altLang="ko-KR" dirty="0" smtClean="0"/>
-          </a:p>
-          <a:p>
-            <a:pPr marL="800100" lvl="1" indent="-342900">
-              <a:buAutoNum type="arabicPeriod"/>
-            </a:pPr>
-            <a:r>
-              <a:rPr lang="ko-KR" altLang="en-US" dirty="0" smtClean="0"/>
-              <a:t>다음 버튼</a:t>
-            </a:r>
-            <a:r>
-              <a:rPr lang="en-US" altLang="ko-KR" dirty="0" smtClean="0"/>
-              <a:t>	</a:t>
-            </a:r>
-          </a:p>
-          <a:p>
-            <a:pPr marL="342900" indent="-342900">
-              <a:buAutoNum type="arabicPeriod"/>
-            </a:pPr>
-            <a:r>
-              <a:rPr lang="ko-KR" altLang="en-US" dirty="0" smtClean="0"/>
-              <a:t>로그인 화면</a:t>
-            </a:r>
-            <a:endParaRPr lang="en-US" altLang="ko-KR" dirty="0" smtClean="0"/>
-          </a:p>
-          <a:p>
-            <a:pPr marL="800100" lvl="1" indent="-342900">
-              <a:buAutoNum type="arabicPeriod"/>
-            </a:pPr>
-            <a:r>
-              <a:rPr lang="en-US" altLang="ko-KR" dirty="0" smtClean="0"/>
-              <a:t>ID/PW</a:t>
-            </a:r>
-            <a:r>
-              <a:rPr lang="ko-KR" altLang="en-US" dirty="0" smtClean="0"/>
-              <a:t> 입력</a:t>
-            </a:r>
-            <a:endParaRPr lang="en-US" altLang="ko-KR" dirty="0" smtClean="0"/>
-          </a:p>
-          <a:p>
-            <a:pPr marL="800100" lvl="1" indent="-342900">
-              <a:buAutoNum type="arabicPeriod"/>
-            </a:pPr>
-            <a:r>
-              <a:rPr lang="ko-KR" altLang="en-US" dirty="0" smtClean="0"/>
-              <a:t>회원가입</a:t>
-            </a:r>
-            <a:endParaRPr lang="en-US" altLang="ko-KR" dirty="0" smtClean="0"/>
-          </a:p>
-          <a:p>
-            <a:pPr marL="800100" lvl="1" indent="-342900">
-              <a:buAutoNum type="arabicPeriod"/>
-            </a:pPr>
-            <a:r>
-              <a:rPr lang="ko-KR" altLang="en-US" dirty="0" smtClean="0"/>
-              <a:t>나가기</a:t>
-            </a:r>
-            <a:endParaRPr lang="en-US" altLang="ko-KR" dirty="0" smtClean="0"/>
-          </a:p>
-          <a:p>
-            <a:pPr marL="342900" indent="-342900">
-              <a:buAutoNum type="arabicPeriod"/>
-            </a:pPr>
-            <a:r>
-              <a:rPr lang="ko-KR" altLang="en-US" dirty="0" smtClean="0"/>
-              <a:t>게임 로비 화면</a:t>
-            </a:r>
-            <a:endParaRPr lang="en-US" altLang="ko-KR" dirty="0" smtClean="0"/>
-          </a:p>
-          <a:p>
-            <a:pPr marL="800100" lvl="1" indent="-342900">
-              <a:buAutoNum type="arabicPeriod"/>
-            </a:pPr>
-            <a:r>
-              <a:rPr lang="ko-KR" altLang="en-US" dirty="0" smtClean="0"/>
-              <a:t>플레이</a:t>
-            </a:r>
-            <a:endParaRPr lang="en-US" altLang="ko-KR" dirty="0" smtClean="0"/>
-          </a:p>
-          <a:p>
-            <a:pPr marL="800100" lvl="1" indent="-342900">
-              <a:buAutoNum type="arabicPeriod"/>
-            </a:pPr>
-            <a:r>
-              <a:rPr lang="ko-KR" altLang="en-US" dirty="0" smtClean="0"/>
-              <a:t>랭킹 보드</a:t>
-            </a:r>
-            <a:endParaRPr lang="en-US" altLang="ko-KR" dirty="0"/>
-          </a:p>
-          <a:p>
-            <a:pPr marL="800100" lvl="1" indent="-342900">
-              <a:buAutoNum type="arabicPeriod"/>
-            </a:pPr>
-            <a:r>
-              <a:rPr lang="ko-KR" altLang="en-US" dirty="0" smtClean="0"/>
-              <a:t>나가기</a:t>
-            </a:r>
-            <a:endParaRPr lang="en-US" altLang="ko-KR" dirty="0" smtClean="0"/>
-          </a:p>
-          <a:p>
-            <a:pPr marL="342900" indent="-342900">
-              <a:buAutoNum type="arabicPeriod"/>
-            </a:pPr>
-            <a:r>
-              <a:rPr lang="ko-KR" altLang="en-US" dirty="0" smtClean="0"/>
-              <a:t>게임 플레이 화면</a:t>
-            </a:r>
-            <a:endParaRPr lang="en-US" altLang="ko-KR" dirty="0" smtClean="0"/>
-          </a:p>
-          <a:p>
-            <a:pPr marL="800100" lvl="1" indent="-342900">
-              <a:buAutoNum type="arabicPeriod"/>
-            </a:pPr>
-            <a:r>
-              <a:rPr lang="ko-KR" altLang="en-US" dirty="0" smtClean="0"/>
-              <a:t>나</a:t>
-            </a:r>
-            <a:r>
-              <a:rPr lang="en-US" altLang="ko-KR" dirty="0" smtClean="0"/>
-              <a:t>, </a:t>
-            </a:r>
-            <a:r>
-              <a:rPr lang="ko-KR" altLang="en-US" dirty="0" smtClean="0"/>
-              <a:t>컴퓨터</a:t>
-            </a:r>
-            <a:endParaRPr lang="en-US" altLang="ko-KR" dirty="0" smtClean="0"/>
-          </a:p>
-          <a:p>
-            <a:pPr marL="800100" lvl="1" indent="-342900">
-              <a:buAutoNum type="arabicPeriod"/>
-            </a:pPr>
-            <a:r>
-              <a:rPr lang="ko-KR" altLang="en-US" dirty="0" smtClean="0"/>
-              <a:t>항복</a:t>
-            </a:r>
-            <a:endParaRPr lang="en-US" altLang="ko-KR" dirty="0" smtClean="0"/>
-          </a:p>
-          <a:p>
-            <a:pPr marL="800100" lvl="1" indent="-342900">
-              <a:buAutoNum type="arabicPeriod"/>
-            </a:pPr>
-            <a:r>
-              <a:rPr lang="ko-KR" altLang="en-US" dirty="0" smtClean="0"/>
-              <a:t>결과 창</a:t>
-            </a:r>
-            <a:endParaRPr lang="en-US" altLang="ko-KR" dirty="0"/>
-          </a:p>
-          <a:p>
-            <a:pPr marL="342900" indent="-342900">
-              <a:buAutoNum type="arabicPeriod"/>
-            </a:pPr>
-            <a:r>
-              <a:rPr lang="ko-KR" altLang="en-US" dirty="0" smtClean="0"/>
-              <a:t>랭킹 보드 화면</a:t>
-            </a:r>
-            <a:endParaRPr lang="en-US" altLang="ko-KR" dirty="0" smtClean="0"/>
-          </a:p>
-          <a:p>
-            <a:pPr marL="800100" lvl="1" indent="-342900">
-              <a:buAutoNum type="arabicPeriod"/>
-            </a:pPr>
-            <a:r>
-              <a:rPr lang="ko-KR" altLang="en-US" dirty="0" smtClean="0"/>
-              <a:t>표</a:t>
-            </a:r>
-            <a:endParaRPr lang="en-US" altLang="ko-KR" dirty="0" smtClean="0"/>
-          </a:p>
-          <a:p>
-            <a:pPr marL="800100" lvl="1" indent="-342900">
-              <a:buAutoNum type="arabicPeriod"/>
-            </a:pPr>
-            <a:r>
-              <a:rPr lang="ko-KR" altLang="en-US" dirty="0" smtClean="0"/>
-              <a:t>나가기</a:t>
-            </a:r>
-            <a:endParaRPr lang="en-US" altLang="ko-KR" dirty="0" smtClean="0"/>
-          </a:p>
-        </p:txBody>
-      </p:sp>
-      <p:sp>
-        <p:nvSpPr>
-          <p:cNvPr id="8" name="TextBox 7"/>
-          <p:cNvSpPr txBox="1"/>
-          <p:nvPr/>
-        </p:nvSpPr>
-        <p:spPr>
-          <a:xfrm>
-            <a:off x="6172201" y="694593"/>
-            <a:ext cx="5011614" cy="2308324"/>
-          </a:xfrm>
-          <a:prstGeom prst="rect">
-            <a:avLst/>
-          </a:prstGeom>
-          <a:noFill/>
-        </p:spPr>
-        <p:txBody>
-          <a:bodyPr wrap="square" numCol="2" rtlCol="0">
-            <a:spAutoFit/>
-          </a:bodyPr>
-          <a:lstStyle/>
-          <a:p>
-            <a:pPr marL="342900" marR="0" lvl="0" indent="-342900" algn="l" defTabSz="914400" rtl="0" eaLnBrk="1" fontAlgn="auto" latinLnBrk="1" hangingPunct="1">
-              <a:lnSpc>
-                <a:spcPct val="100000"/>
-              </a:lnSpc>
-              <a:spcBef>
-                <a:spcPts val="0"/>
-              </a:spcBef>
-              <a:spcAft>
-                <a:spcPts val="0"/>
-              </a:spcAft>
-              <a:buClrTx/>
-              <a:buSzTx/>
-              <a:buFontTx/>
-              <a:buAutoNum type="arabicPeriod"/>
-              <a:tabLst/>
-              <a:defRPr/>
-            </a:pPr>
-            <a:r>
-              <a:rPr lang="ko-KR" altLang="en-US" noProof="0" dirty="0" smtClean="0">
-                <a:solidFill>
-                  <a:prstClr val="black"/>
-                </a:solidFill>
-                <a:latin typeface="맑은 고딕" panose="020F0502020204030204"/>
-                <a:ea typeface="맑은 고딕" panose="020B0503020000020004" pitchFamily="50" charset="-127"/>
-              </a:rPr>
-              <a:t>소켓 통신 구현</a:t>
-            </a:r>
-            <a:endParaRPr lang="en-US" altLang="ko-KR" noProof="0" dirty="0" smtClean="0">
-              <a:solidFill>
-                <a:prstClr val="black"/>
-              </a:solidFill>
-              <a:latin typeface="맑은 고딕" panose="020F0502020204030204"/>
-              <a:ea typeface="맑은 고딕" panose="020B0503020000020004" pitchFamily="50" charset="-127"/>
-            </a:endParaRPr>
-          </a:p>
-          <a:p>
-            <a:pPr marL="342900" marR="0" lvl="0" indent="-342900" algn="l" defTabSz="914400" rtl="0" eaLnBrk="1" fontAlgn="auto" latinLnBrk="1" hangingPunct="1">
-              <a:lnSpc>
-                <a:spcPct val="100000"/>
-              </a:lnSpc>
-              <a:spcBef>
-                <a:spcPts val="0"/>
-              </a:spcBef>
-              <a:spcAft>
-                <a:spcPts val="0"/>
-              </a:spcAft>
-              <a:buClrTx/>
-              <a:buSzTx/>
-              <a:buFontTx/>
-              <a:buAutoNum type="arabicPeriod"/>
-              <a:tabLst/>
-              <a:defRPr/>
-            </a:pPr>
-            <a:r>
-              <a:rPr lang="ko-KR" altLang="en-US" noProof="0" dirty="0" smtClean="0">
-                <a:solidFill>
-                  <a:prstClr val="black"/>
-                </a:solidFill>
-                <a:latin typeface="맑은 고딕" panose="020F0502020204030204"/>
-                <a:ea typeface="맑은 고딕" panose="020B0503020000020004" pitchFamily="50" charset="-127"/>
-              </a:rPr>
-              <a:t>로그인 정보</a:t>
-            </a:r>
-            <a:endParaRPr lang="en-US" altLang="ko-KR" dirty="0">
-              <a:solidFill>
-                <a:prstClr val="black"/>
-              </a:solidFill>
-              <a:latin typeface="맑은 고딕" panose="020F0502020204030204"/>
-              <a:ea typeface="맑은 고딕" panose="020B0503020000020004" pitchFamily="50" charset="-127"/>
-            </a:endParaRPr>
-          </a:p>
-          <a:p>
-            <a:pPr marL="342900" marR="0" lvl="0" indent="-342900" algn="l" defTabSz="914400" rtl="0" eaLnBrk="1" fontAlgn="auto" latinLnBrk="1" hangingPunct="1">
-              <a:lnSpc>
-                <a:spcPct val="100000"/>
-              </a:lnSpc>
-              <a:spcBef>
-                <a:spcPts val="0"/>
-              </a:spcBef>
-              <a:spcAft>
-                <a:spcPts val="0"/>
-              </a:spcAft>
-              <a:buClrTx/>
-              <a:buSzTx/>
-              <a:buFontTx/>
-              <a:buAutoNum type="arabicPeriod"/>
-              <a:tabLst/>
-              <a:defRPr/>
-            </a:pPr>
-            <a:r>
-              <a:rPr lang="ko-KR" altLang="en-US" dirty="0" smtClean="0">
-                <a:solidFill>
-                  <a:prstClr val="black"/>
-                </a:solidFill>
-                <a:latin typeface="맑은 고딕" panose="020F0502020204030204"/>
-                <a:ea typeface="맑은 고딕" panose="020B0503020000020004" pitchFamily="50" charset="-127"/>
-              </a:rPr>
-              <a:t>방 만들어서 매칭</a:t>
-            </a:r>
-            <a:endParaRPr lang="en-US" altLang="ko-KR" dirty="0">
-              <a:solidFill>
-                <a:prstClr val="black"/>
-              </a:solidFill>
-              <a:latin typeface="맑은 고딕" panose="020F0502020204030204"/>
-              <a:ea typeface="맑은 고딕" panose="020B0503020000020004" pitchFamily="50" charset="-127"/>
-            </a:endParaRPr>
-          </a:p>
-          <a:p>
-            <a:pPr marL="342900" marR="0" lvl="0" indent="-342900" algn="l" defTabSz="914400" rtl="0" eaLnBrk="1" fontAlgn="auto" latinLnBrk="1" hangingPunct="1">
-              <a:lnSpc>
-                <a:spcPct val="100000"/>
-              </a:lnSpc>
-              <a:spcBef>
-                <a:spcPts val="0"/>
-              </a:spcBef>
-              <a:spcAft>
-                <a:spcPts val="0"/>
-              </a:spcAft>
-              <a:buClrTx/>
-              <a:buSzTx/>
-              <a:buFontTx/>
-              <a:buAutoNum type="arabicPeriod"/>
-              <a:tabLst/>
-              <a:defRPr/>
-            </a:pPr>
-            <a:r>
-              <a:rPr lang="ko-KR" altLang="en-US" dirty="0" smtClean="0">
-                <a:solidFill>
-                  <a:prstClr val="black"/>
-                </a:solidFill>
-                <a:latin typeface="맑은 고딕" panose="020F0502020204030204"/>
-                <a:ea typeface="맑은 고딕" panose="020B0503020000020004" pitchFamily="50" charset="-127"/>
-              </a:rPr>
-              <a:t>실시간 전송</a:t>
-            </a:r>
-            <a:endParaRPr lang="en-US" altLang="ko-KR" dirty="0" smtClean="0">
-              <a:solidFill>
-                <a:prstClr val="black"/>
-              </a:solidFill>
-              <a:latin typeface="맑은 고딕" panose="020F0502020204030204"/>
-              <a:ea typeface="맑은 고딕" panose="020B0503020000020004" pitchFamily="50" charset="-127"/>
-            </a:endParaRPr>
-          </a:p>
-          <a:p>
-            <a:pPr marL="342900" marR="0" lvl="0" indent="-342900" algn="l" defTabSz="914400" rtl="0" eaLnBrk="1" fontAlgn="auto" latinLnBrk="1" hangingPunct="1">
-              <a:lnSpc>
-                <a:spcPct val="100000"/>
-              </a:lnSpc>
-              <a:spcBef>
-                <a:spcPts val="0"/>
-              </a:spcBef>
-              <a:spcAft>
-                <a:spcPts val="0"/>
-              </a:spcAft>
-              <a:buClrTx/>
-              <a:buSzTx/>
-              <a:buFontTx/>
-              <a:buAutoNum type="arabicPeriod"/>
-              <a:tabLst/>
-              <a:defRPr/>
-            </a:pPr>
-            <a:r>
-              <a:rPr lang="ko-KR" altLang="en-US" noProof="0" dirty="0" smtClean="0">
-                <a:solidFill>
-                  <a:prstClr val="black"/>
-                </a:solidFill>
-                <a:latin typeface="맑은 고딕" panose="020F0502020204030204"/>
-                <a:ea typeface="맑은 고딕" panose="020B0503020000020004" pitchFamily="50" charset="-127"/>
-              </a:rPr>
-              <a:t>결과 업로드</a:t>
-            </a:r>
-            <a:endParaRPr lang="en-US" altLang="ko-KR" noProof="0" dirty="0" smtClean="0">
-              <a:solidFill>
-                <a:prstClr val="black"/>
-              </a:solidFill>
-              <a:latin typeface="맑은 고딕" panose="020F0502020204030204"/>
-              <a:ea typeface="맑은 고딕" panose="020B0503020000020004" pitchFamily="50" charset="-127"/>
-            </a:endParaRPr>
-          </a:p>
-          <a:p>
-            <a:pPr marL="342900" marR="0" lvl="0" indent="-342900" algn="l" defTabSz="914400" rtl="0" eaLnBrk="1" fontAlgn="auto" latinLnBrk="1" hangingPunct="1">
-              <a:lnSpc>
-                <a:spcPct val="100000"/>
-              </a:lnSpc>
-              <a:spcBef>
-                <a:spcPts val="0"/>
-              </a:spcBef>
-              <a:spcAft>
-                <a:spcPts val="0"/>
-              </a:spcAft>
-              <a:buClrTx/>
-              <a:buSzTx/>
-              <a:buFontTx/>
-              <a:buAutoNum type="arabicPeriod"/>
-              <a:tabLst/>
-              <a:defRPr/>
-            </a:pPr>
-            <a:r>
-              <a:rPr lang="ko-KR" altLang="en-US" dirty="0" smtClean="0">
-                <a:solidFill>
-                  <a:prstClr val="black"/>
-                </a:solidFill>
-                <a:latin typeface="맑은 고딕" panose="020F0502020204030204"/>
-                <a:ea typeface="맑은 고딕" panose="020B0503020000020004" pitchFamily="50" charset="-127"/>
-              </a:rPr>
-              <a:t>승 패 알림</a:t>
-            </a:r>
-            <a:endParaRPr lang="en-US" altLang="ko-KR" dirty="0">
-              <a:solidFill>
-                <a:prstClr val="black"/>
-              </a:solidFill>
-              <a:latin typeface="맑은 고딕" panose="020F0502020204030204"/>
-              <a:ea typeface="맑은 고딕" panose="020B0503020000020004" pitchFamily="50" charset="-127"/>
-            </a:endParaRPr>
-          </a:p>
           <a:p>
             <a:pPr marL="342900" marR="0" lvl="0" indent="-342900" algn="l" defTabSz="914400" rtl="0" eaLnBrk="1" fontAlgn="auto" latinLnBrk="1" hangingPunct="1">
               <a:lnSpc>
@@ -9869,55 +10790,6 @@
           </a:p>
         </p:txBody>
       </p:sp>
-      <p:sp>
-        <p:nvSpPr>
-          <p:cNvPr id="9" name="제목 3"/>
-          <p:cNvSpPr txBox="1">
-            <a:spLocks/>
-          </p:cNvSpPr>
-          <p:nvPr/>
-        </p:nvSpPr>
-        <p:spPr>
-          <a:xfrm>
-            <a:off x="6172201" y="154111"/>
-            <a:ext cx="3994638" cy="355844"/>
-          </a:xfrm>
-          <a:prstGeom prst="rect">
-            <a:avLst/>
-          </a:prstGeom>
-        </p:spPr>
-        <p:txBody>
-          <a:bodyPr vert="horz" lIns="91440" tIns="45720" rIns="91440" bIns="45720" rtlCol="0" anchor="ctr">
-            <a:normAutofit fontScale="97500" lnSpcReduction="10000"/>
-          </a:bodyPr>
-          <a:lstStyle>
-            <a:lvl1pPr algn="l" defTabSz="914400" rtl="0" eaLnBrk="1" latinLnBrk="1" hangingPunct="1">
-              <a:lnSpc>
-                <a:spcPct val="90000"/>
-              </a:lnSpc>
-              <a:spcBef>
-                <a:spcPct val="0"/>
-              </a:spcBef>
-              <a:buNone/>
-              <a:defRPr sz="4400" kern="1200">
-                <a:solidFill>
-                  <a:schemeClr val="tx1"/>
-                </a:solidFill>
-                <a:latin typeface="+mj-lt"/>
-                <a:ea typeface="+mj-ea"/>
-                <a:cs typeface="+mj-cs"/>
-              </a:defRPr>
-            </a:lvl1pPr>
-          </a:lstStyle>
-          <a:p>
-            <a:r>
-              <a:rPr lang="ko-KR" altLang="en-US" sz="2000" dirty="0" smtClean="0"/>
-              <a:t>서버 구성</a:t>
-            </a:r>
-            <a:endParaRPr lang="ko-KR" altLang="en-US" sz="2000" dirty="0"/>
-          </a:p>
-        </p:txBody>
-      </p:sp>
     </p:spTree>
     <p:extLst>
       <p:ext uri="{BB962C8B-B14F-4D97-AF65-F5344CB8AC3E}">
@@ -9928,6 +10800,13 @@
   <p:clrMapOvr>
     <a:masterClrMapping/>
   </p:clrMapOvr>
+  <p:timing>
+    <p:tnLst>
+      <p:par>
+        <p:cTn id="1" dur="indefinite" restart="never" nodeType="tmRoot"/>
+      </p:par>
+    </p:tnLst>
+  </p:timing>
 </p:sld>
 </file>
 
@@ -10026,7 +10905,7 @@
         <p:spPr>
           <a:xfrm>
             <a:off x="1301262" y="562708"/>
-            <a:ext cx="958917" cy="369332"/>
+            <a:ext cx="1218603" cy="369332"/>
           </a:xfrm>
           <a:prstGeom prst="rect">
             <a:avLst/>
@@ -10040,6 +10919,10 @@
           <a:lstStyle/>
           <a:p>
             <a:r>
+              <a:rPr lang="en-US" altLang="ko-KR" dirty="0" smtClean="0"/>
+              <a:t>0. </a:t>
+            </a:r>
+            <a:r>
               <a:rPr lang="ko-KR" altLang="en-US" dirty="0" smtClean="0"/>
               <a:t>첫 화면</a:t>
             </a:r>
@@ -10049,19 +10932,24 @@
       </p:sp>
       <p:sp>
         <p:nvSpPr>
-          <p:cNvPr id="12" name="TextBox 11"/>
+          <p:cNvPr id="6" name="TextBox 5"/>
           <p:cNvSpPr txBox="1"/>
           <p:nvPr/>
         </p:nvSpPr>
         <p:spPr>
           <a:xfrm>
-            <a:off x="8827477" y="808891"/>
-            <a:ext cx="2751992" cy="1754326"/>
+            <a:off x="3297115" y="3094892"/>
+            <a:ext cx="2013438" cy="369332"/>
           </a:xfrm>
           <a:prstGeom prst="rect">
             <a:avLst/>
           </a:prstGeom>
           <a:noFill/>
+          <a:ln>
+            <a:solidFill>
+              <a:schemeClr val="tx1"/>
+            </a:solidFill>
+          </a:ln>
         </p:spPr>
         <p:txBody>
           <a:bodyPr wrap="square" rtlCol="0">
@@ -10069,88 +10957,34 @@
           </a:bodyPr>
           <a:lstStyle/>
           <a:p>
-            <a:pPr marL="342900" indent="-342900">
-              <a:buAutoNum type="arabicPeriod"/>
-            </a:pPr>
             <a:r>
               <a:rPr lang="ko-KR" altLang="en-US" dirty="0" smtClean="0"/>
-              <a:t>라벨</a:t>
-            </a:r>
-            <a:r>
-              <a:rPr lang="en-US" altLang="ko-KR" dirty="0" smtClean="0"/>
-              <a:t>. </a:t>
-            </a:r>
-            <a:r>
-              <a:rPr lang="ko-KR" altLang="en-US" dirty="0" smtClean="0"/>
-              <a:t>게임 이름 </a:t>
-            </a:r>
-            <a:r>
-              <a:rPr lang="ko-KR" altLang="en-US" dirty="0" smtClean="0"/>
-              <a:t>표시</a:t>
-            </a:r>
-            <a:endParaRPr lang="en-US" altLang="ko-KR" dirty="0" smtClean="0"/>
-          </a:p>
-          <a:p>
-            <a:pPr marL="342900" indent="-342900">
-              <a:buAutoNum type="arabicPeriod"/>
-            </a:pPr>
-            <a:endParaRPr lang="en-US" altLang="ko-KR" dirty="0"/>
-          </a:p>
-          <a:p>
-            <a:pPr marL="342900" indent="-342900">
-              <a:buAutoNum type="arabicPeriod"/>
-            </a:pPr>
-            <a:r>
-              <a:rPr lang="ko-KR" altLang="en-US" dirty="0" smtClean="0"/>
-              <a:t>라벨</a:t>
-            </a:r>
-            <a:r>
-              <a:rPr lang="en-US" altLang="ko-KR" dirty="0" smtClean="0"/>
-              <a:t>. </a:t>
-            </a:r>
-            <a:r>
-              <a:rPr lang="ko-KR" altLang="en-US" dirty="0" smtClean="0"/>
-              <a:t>제작자 이름 표시</a:t>
-            </a:r>
-            <a:endParaRPr lang="en-US" altLang="ko-KR" dirty="0" smtClean="0"/>
-          </a:p>
-          <a:p>
-            <a:pPr marL="342900" indent="-342900">
-              <a:buAutoNum type="arabicPeriod"/>
-            </a:pPr>
-            <a:endParaRPr lang="en-US" altLang="ko-KR" dirty="0"/>
-          </a:p>
-          <a:p>
-            <a:pPr marL="342900" indent="-342900">
-              <a:buAutoNum type="arabicPeriod"/>
-            </a:pPr>
-            <a:r>
-              <a:rPr lang="ko-KR" altLang="en-US" dirty="0" smtClean="0"/>
-              <a:t>버튼</a:t>
-            </a:r>
-            <a:r>
-              <a:rPr lang="en-US" altLang="ko-KR" dirty="0" smtClean="0"/>
-              <a:t>. </a:t>
-            </a:r>
-            <a:endParaRPr lang="en-US" altLang="ko-KR" dirty="0"/>
-          </a:p>
-        </p:txBody>
-      </p:sp>
-      <p:sp>
-        <p:nvSpPr>
-          <p:cNvPr id="13" name="TextBox 12"/>
+              <a:t>닉네임</a:t>
+            </a:r>
+            <a:endParaRPr lang="ko-KR" altLang="en-US" dirty="0"/>
+          </a:p>
+        </p:txBody>
+      </p:sp>
+      <p:sp>
+        <p:nvSpPr>
+          <p:cNvPr id="17" name="TextBox 16"/>
           <p:cNvSpPr txBox="1"/>
           <p:nvPr/>
         </p:nvSpPr>
         <p:spPr>
           <a:xfrm>
-            <a:off x="2721218" y="3086320"/>
-            <a:ext cx="3332284" cy="369332"/>
+            <a:off x="3297114" y="3492868"/>
+            <a:ext cx="2013439" cy="369332"/>
           </a:xfrm>
           <a:prstGeom prst="rect">
             <a:avLst/>
           </a:prstGeom>
           <a:noFill/>
+          <a:ln>
+            <a:solidFill>
+              <a:schemeClr val="tx1"/>
+            </a:solidFill>
+          </a:ln>
         </p:spPr>
         <p:txBody>
           <a:bodyPr wrap="square" rtlCol="0">
@@ -10158,10 +10992,9 @@
           </a:bodyPr>
           <a:lstStyle/>
           <a:p>
-            <a:pPr algn="ctr"/>
             <a:r>
               <a:rPr lang="ko-KR" altLang="en-US" dirty="0" smtClean="0"/>
-              <a:t>게임 이름</a:t>
+              <a:t>비밀번호</a:t>
             </a:r>
             <a:endParaRPr lang="ko-KR" altLang="en-US" dirty="0"/>
           </a:p>
@@ -10169,19 +11002,24 @@
       </p:sp>
       <p:sp>
         <p:nvSpPr>
-          <p:cNvPr id="14" name="TextBox 13"/>
+          <p:cNvPr id="18" name="TextBox 17"/>
           <p:cNvSpPr txBox="1"/>
           <p:nvPr/>
         </p:nvSpPr>
         <p:spPr>
           <a:xfrm>
-            <a:off x="3859823" y="4554415"/>
-            <a:ext cx="1002323" cy="369332"/>
+            <a:off x="3297114" y="4037964"/>
+            <a:ext cx="993533" cy="323165"/>
           </a:xfrm>
           <a:prstGeom prst="rect">
             <a:avLst/>
           </a:prstGeom>
           <a:noFill/>
+          <a:ln>
+            <a:solidFill>
+              <a:schemeClr val="tx1"/>
+            </a:solidFill>
+          </a:ln>
         </p:spPr>
         <p:txBody>
           <a:bodyPr wrap="square" rtlCol="0">
@@ -10189,30 +11027,34 @@
           </a:bodyPr>
           <a:lstStyle/>
           <a:p>
-            <a:pPr algn="ctr"/>
-            <a:r>
-              <a:rPr lang="ko-KR" altLang="en-US" dirty="0" smtClean="0"/>
-              <a:t>제작자</a:t>
-            </a:r>
-            <a:endParaRPr lang="en-US" altLang="ko-KR" dirty="0" smtClean="0"/>
-          </a:p>
-        </p:txBody>
-      </p:sp>
-      <p:sp>
-        <p:nvSpPr>
-          <p:cNvPr id="15" name="TextBox 14"/>
+            <a:r>
+              <a:rPr lang="ko-KR" altLang="en-US" sz="1500" dirty="0" smtClean="0"/>
+              <a:t>로그인</a:t>
+            </a:r>
+            <a:endParaRPr lang="ko-KR" altLang="en-US" sz="1500" dirty="0"/>
+          </a:p>
+        </p:txBody>
+      </p:sp>
+      <p:sp>
+        <p:nvSpPr>
+          <p:cNvPr id="19" name="TextBox 18"/>
           <p:cNvSpPr txBox="1"/>
           <p:nvPr/>
         </p:nvSpPr>
         <p:spPr>
           <a:xfrm>
-            <a:off x="2260179" y="5350368"/>
-            <a:ext cx="4739054" cy="369332"/>
+            <a:off x="5864468" y="5268888"/>
+            <a:ext cx="1138605" cy="369332"/>
           </a:xfrm>
           <a:prstGeom prst="rect">
             <a:avLst/>
           </a:prstGeom>
           <a:noFill/>
+          <a:ln>
+            <a:solidFill>
+              <a:schemeClr val="tx1"/>
+            </a:solidFill>
+          </a:ln>
         </p:spPr>
         <p:txBody>
           <a:bodyPr wrap="square" rtlCol="0">
@@ -10222,13 +11064,44 @@
           <a:p>
             <a:r>
               <a:rPr lang="ko-KR" altLang="en-US" dirty="0" smtClean="0"/>
-              <a:t>진행하려면 아무 곳이나 누르세요</a:t>
-            </a:r>
-            <a:r>
-              <a:rPr lang="en-US" altLang="ko-KR" dirty="0" smtClean="0"/>
-              <a:t>(press)</a:t>
+              <a:t>나가기</a:t>
             </a:r>
             <a:endParaRPr lang="ko-KR" altLang="en-US" dirty="0"/>
+          </a:p>
+        </p:txBody>
+      </p:sp>
+      <p:sp>
+        <p:nvSpPr>
+          <p:cNvPr id="21" name="TextBox 20"/>
+          <p:cNvSpPr txBox="1"/>
+          <p:nvPr/>
+        </p:nvSpPr>
+        <p:spPr>
+          <a:xfrm>
+            <a:off x="4290647" y="4033654"/>
+            <a:ext cx="1019906" cy="323165"/>
+          </a:xfrm>
+          <a:prstGeom prst="rect">
+            <a:avLst/>
+          </a:prstGeom>
+          <a:noFill/>
+          <a:ln>
+            <a:solidFill>
+              <a:schemeClr val="tx1"/>
+            </a:solidFill>
+          </a:ln>
+        </p:spPr>
+        <p:txBody>
+          <a:bodyPr wrap="square" rtlCol="0">
+            <a:spAutoFit/>
+          </a:bodyPr>
+          <a:lstStyle/>
+          <a:p>
+            <a:r>
+              <a:rPr lang="ko-KR" altLang="en-US" sz="1500" dirty="0" smtClean="0"/>
+              <a:t>회원가입</a:t>
+            </a:r>
+            <a:endParaRPr lang="ko-KR" altLang="en-US" sz="1500" dirty="0"/>
           </a:p>
         </p:txBody>
       </p:sp>
@@ -10240,7 +11113,7 @@
         </p:nvSpPr>
         <p:spPr>
           <a:xfrm>
-            <a:off x="3420207" y="2795954"/>
+            <a:off x="4870937" y="3077363"/>
             <a:ext cx="439616" cy="386861"/>
           </a:xfrm>
           <a:prstGeom prst="ellipse">
@@ -10276,10 +11149,315 @@
           </a:p>
         </p:txBody>
       </p:sp>
+      <p:sp>
+        <p:nvSpPr>
+          <p:cNvPr id="12" name="타원 11"/>
+          <p:cNvSpPr/>
+          <p:nvPr/>
+        </p:nvSpPr>
+        <p:spPr>
+          <a:xfrm>
+            <a:off x="4884125" y="3475339"/>
+            <a:ext cx="439616" cy="386861"/>
+          </a:xfrm>
+          <a:prstGeom prst="ellipse">
+            <a:avLst/>
+          </a:prstGeom>
+        </p:spPr>
+        <p:style>
+          <a:lnRef idx="2">
+            <a:schemeClr val="accent1">
+              <a:shade val="50000"/>
+            </a:schemeClr>
+          </a:lnRef>
+          <a:fillRef idx="1">
+            <a:schemeClr val="accent1"/>
+          </a:fillRef>
+          <a:effectRef idx="0">
+            <a:schemeClr val="accent1"/>
+          </a:effectRef>
+          <a:fontRef idx="minor">
+            <a:schemeClr val="lt1"/>
+          </a:fontRef>
+        </p:style>
+        <p:txBody>
+          <a:bodyPr rtlCol="0" anchor="ctr"/>
+          <a:lstStyle/>
+          <a:p>
+            <a:pPr algn="ctr"/>
+            <a:r>
+              <a:rPr lang="en-US" altLang="ko-KR" dirty="0" smtClean="0"/>
+              <a:t>2</a:t>
+            </a:r>
+            <a:endParaRPr lang="ko-KR" altLang="en-US" dirty="0"/>
+          </a:p>
+        </p:txBody>
+      </p:sp>
+      <p:sp>
+        <p:nvSpPr>
+          <p:cNvPr id="13" name="타원 12"/>
+          <p:cNvSpPr/>
+          <p:nvPr/>
+        </p:nvSpPr>
+        <p:spPr>
+          <a:xfrm>
+            <a:off x="2857498" y="4000499"/>
+            <a:ext cx="439616" cy="386861"/>
+          </a:xfrm>
+          <a:prstGeom prst="ellipse">
+            <a:avLst/>
+          </a:prstGeom>
+        </p:spPr>
+        <p:style>
+          <a:lnRef idx="2">
+            <a:schemeClr val="accent1">
+              <a:shade val="50000"/>
+            </a:schemeClr>
+          </a:lnRef>
+          <a:fillRef idx="1">
+            <a:schemeClr val="accent1"/>
+          </a:fillRef>
+          <a:effectRef idx="0">
+            <a:schemeClr val="accent1"/>
+          </a:effectRef>
+          <a:fontRef idx="minor">
+            <a:schemeClr val="lt1"/>
+          </a:fontRef>
+        </p:style>
+        <p:txBody>
+          <a:bodyPr rtlCol="0" anchor="ctr"/>
+          <a:lstStyle/>
+          <a:p>
+            <a:pPr algn="ctr"/>
+            <a:r>
+              <a:rPr lang="en-US" altLang="ko-KR" dirty="0" smtClean="0"/>
+              <a:t>3</a:t>
+            </a:r>
+            <a:endParaRPr lang="ko-KR" altLang="en-US" dirty="0"/>
+          </a:p>
+        </p:txBody>
+      </p:sp>
+      <p:sp>
+        <p:nvSpPr>
+          <p:cNvPr id="14" name="타원 13"/>
+          <p:cNvSpPr/>
+          <p:nvPr/>
+        </p:nvSpPr>
+        <p:spPr>
+          <a:xfrm>
+            <a:off x="5284180" y="4000498"/>
+            <a:ext cx="439616" cy="386861"/>
+          </a:xfrm>
+          <a:prstGeom prst="ellipse">
+            <a:avLst/>
+          </a:prstGeom>
+        </p:spPr>
+        <p:style>
+          <a:lnRef idx="2">
+            <a:schemeClr val="accent1">
+              <a:shade val="50000"/>
+            </a:schemeClr>
+          </a:lnRef>
+          <a:fillRef idx="1">
+            <a:schemeClr val="accent1"/>
+          </a:fillRef>
+          <a:effectRef idx="0">
+            <a:schemeClr val="accent1"/>
+          </a:effectRef>
+          <a:fontRef idx="minor">
+            <a:schemeClr val="lt1"/>
+          </a:fontRef>
+        </p:style>
+        <p:txBody>
+          <a:bodyPr rtlCol="0" anchor="ctr"/>
+          <a:lstStyle/>
+          <a:p>
+            <a:pPr algn="ctr"/>
+            <a:r>
+              <a:rPr lang="en-US" altLang="ko-KR" dirty="0"/>
+              <a:t>4</a:t>
+            </a:r>
+            <a:endParaRPr lang="ko-KR" altLang="en-US" dirty="0"/>
+          </a:p>
+        </p:txBody>
+      </p:sp>
+      <p:sp>
+        <p:nvSpPr>
+          <p:cNvPr id="15" name="타원 14"/>
+          <p:cNvSpPr/>
+          <p:nvPr/>
+        </p:nvSpPr>
+        <p:spPr>
+          <a:xfrm>
+            <a:off x="6873385" y="5075457"/>
+            <a:ext cx="439616" cy="386861"/>
+          </a:xfrm>
+          <a:prstGeom prst="ellipse">
+            <a:avLst/>
+          </a:prstGeom>
+        </p:spPr>
+        <p:style>
+          <a:lnRef idx="2">
+            <a:schemeClr val="accent1">
+              <a:shade val="50000"/>
+            </a:schemeClr>
+          </a:lnRef>
+          <a:fillRef idx="1">
+            <a:schemeClr val="accent1"/>
+          </a:fillRef>
+          <a:effectRef idx="0">
+            <a:schemeClr val="accent1"/>
+          </a:effectRef>
+          <a:fontRef idx="minor">
+            <a:schemeClr val="lt1"/>
+          </a:fontRef>
+        </p:style>
+        <p:txBody>
+          <a:bodyPr rtlCol="0" anchor="ctr"/>
+          <a:lstStyle/>
+          <a:p>
+            <a:pPr algn="ctr"/>
+            <a:r>
+              <a:rPr lang="en-US" altLang="ko-KR" dirty="0"/>
+              <a:t>5</a:t>
+            </a:r>
+            <a:endParaRPr lang="ko-KR" altLang="en-US" dirty="0"/>
+          </a:p>
+        </p:txBody>
+      </p:sp>
+      <p:sp>
+        <p:nvSpPr>
+          <p:cNvPr id="2" name="TextBox 1"/>
+          <p:cNvSpPr txBox="1"/>
+          <p:nvPr/>
+        </p:nvSpPr>
+        <p:spPr>
+          <a:xfrm>
+            <a:off x="8792308" y="817685"/>
+            <a:ext cx="2822330" cy="3139321"/>
+          </a:xfrm>
+          <a:prstGeom prst="rect">
+            <a:avLst/>
+          </a:prstGeom>
+          <a:noFill/>
+        </p:spPr>
+        <p:txBody>
+          <a:bodyPr wrap="square" rtlCol="0">
+            <a:spAutoFit/>
+          </a:bodyPr>
+          <a:lstStyle/>
+          <a:p>
+            <a:pPr marL="342900" indent="-342900">
+              <a:buAutoNum type="arabicPeriod"/>
+            </a:pPr>
+            <a:r>
+              <a:rPr lang="ko-KR" altLang="en-US" dirty="0" smtClean="0"/>
+              <a:t>닉네임 입력</a:t>
+            </a:r>
+            <a:endParaRPr lang="en-US" altLang="ko-KR" dirty="0" smtClean="0"/>
+          </a:p>
+          <a:p>
+            <a:pPr marL="342900" indent="-342900">
+              <a:buAutoNum type="arabicPeriod"/>
+            </a:pPr>
+            <a:endParaRPr lang="en-US" altLang="ko-KR" dirty="0" smtClean="0"/>
+          </a:p>
+          <a:p>
+            <a:pPr marL="342900" indent="-342900">
+              <a:buAutoNum type="arabicPeriod"/>
+            </a:pPr>
+            <a:r>
+              <a:rPr lang="ko-KR" altLang="en-US" dirty="0" smtClean="0"/>
+              <a:t>비밀번호 입력</a:t>
+            </a:r>
+            <a:endParaRPr lang="en-US" altLang="ko-KR" dirty="0" smtClean="0"/>
+          </a:p>
+          <a:p>
+            <a:pPr marL="342900" indent="-342900">
+              <a:buAutoNum type="arabicPeriod"/>
+            </a:pPr>
+            <a:endParaRPr lang="en-US" altLang="ko-KR" dirty="0" smtClean="0"/>
+          </a:p>
+          <a:p>
+            <a:pPr marL="342900" indent="-342900">
+              <a:buAutoNum type="arabicPeriod"/>
+            </a:pPr>
+            <a:r>
+              <a:rPr lang="ko-KR" altLang="en-US" dirty="0" smtClean="0"/>
+              <a:t>로그인 버튼 </a:t>
+            </a:r>
+            <a:r>
+              <a:rPr lang="en-US" altLang="ko-KR" dirty="0" smtClean="0"/>
+              <a:t>–</a:t>
+            </a:r>
+            <a:r>
+              <a:rPr lang="ko-KR" altLang="en-US" dirty="0" smtClean="0"/>
+              <a:t> </a:t>
+            </a:r>
+            <a:r>
+              <a:rPr lang="en-US" altLang="ko-KR" dirty="0" smtClean="0"/>
+              <a:t>1</a:t>
+            </a:r>
+            <a:r>
+              <a:rPr lang="ko-KR" altLang="en-US" dirty="0" smtClean="0"/>
+              <a:t>번 화면</a:t>
+            </a:r>
+            <a:endParaRPr lang="en-US" altLang="ko-KR" dirty="0" smtClean="0"/>
+          </a:p>
+          <a:p>
+            <a:pPr marL="342900" indent="-342900">
+              <a:buAutoNum type="arabicPeriod"/>
+            </a:pPr>
+            <a:endParaRPr lang="en-US" altLang="ko-KR" dirty="0" smtClean="0"/>
+          </a:p>
+          <a:p>
+            <a:pPr marL="342900" indent="-342900">
+              <a:buAutoNum type="arabicPeriod"/>
+            </a:pPr>
+            <a:r>
+              <a:rPr lang="ko-KR" altLang="en-US" dirty="0" smtClean="0"/>
+              <a:t>회원가입 버튼 </a:t>
+            </a:r>
+            <a:r>
+              <a:rPr lang="en-US" altLang="ko-KR" dirty="0" smtClean="0"/>
+              <a:t>–</a:t>
+            </a:r>
+            <a:r>
+              <a:rPr lang="ko-KR" altLang="en-US" dirty="0" smtClean="0"/>
+              <a:t> </a:t>
+            </a:r>
+            <a:r>
+              <a:rPr lang="en-US" altLang="ko-KR" dirty="0" smtClean="0"/>
+              <a:t>2</a:t>
+            </a:r>
+            <a:r>
+              <a:rPr lang="ko-KR" altLang="en-US" dirty="0" smtClean="0"/>
+              <a:t>번 화면</a:t>
+            </a:r>
+            <a:endParaRPr lang="en-US" altLang="ko-KR" dirty="0" smtClean="0"/>
+          </a:p>
+          <a:p>
+            <a:pPr marL="342900" indent="-342900">
+              <a:buAutoNum type="arabicPeriod"/>
+            </a:pPr>
+            <a:endParaRPr lang="en-US" altLang="ko-KR" dirty="0" smtClean="0"/>
+          </a:p>
+          <a:p>
+            <a:pPr marL="342900" indent="-342900">
+              <a:buAutoNum type="arabicPeriod"/>
+            </a:pPr>
+            <a:r>
+              <a:rPr lang="ko-KR" altLang="en-US" dirty="0" smtClean="0"/>
+              <a:t>종료 버튼</a:t>
+            </a:r>
+            <a:endParaRPr lang="ko-KR" altLang="en-US" dirty="0"/>
+          </a:p>
+        </p:txBody>
+      </p:sp>
     </p:spTree>
     <p:extLst>
       <p:ext uri="{BB962C8B-B14F-4D97-AF65-F5344CB8AC3E}">
-        <p14:creationId xmlns:p14="http://schemas.microsoft.com/office/powerpoint/2010/main" val="1168179965"/>
+        <p14:creationId xmlns:p14="http://schemas.microsoft.com/office/powerpoint/2010/main" val="1093616353"/>
       </p:ext>
     </p:extLst>
   </p:cSld>
@@ -10391,7 +11569,7 @@
         <p:spPr>
           <a:xfrm>
             <a:off x="1301262" y="562708"/>
-            <a:ext cx="1420582" cy="369332"/>
+            <a:ext cx="2233304" cy="369332"/>
           </a:xfrm>
           <a:prstGeom prst="rect">
             <a:avLst/>
@@ -10405,8 +11583,20 @@
           <a:lstStyle/>
           <a:p>
             <a:r>
+              <a:rPr lang="en-US" altLang="ko-KR" dirty="0" smtClean="0"/>
+              <a:t>1. </a:t>
+            </a:r>
+            <a:r>
               <a:rPr lang="ko-KR" altLang="en-US" dirty="0" smtClean="0"/>
-              <a:t>로그인 화면</a:t>
+              <a:t>로그인 성공</a:t>
+            </a:r>
+            <a:r>
+              <a:rPr lang="en-US" altLang="ko-KR" dirty="0" smtClean="0"/>
+              <a:t>/</a:t>
+            </a:r>
+            <a:r>
+              <a:rPr lang="ko-KR" altLang="en-US" dirty="0" smtClean="0"/>
+              <a:t>실패</a:t>
             </a:r>
             <a:endParaRPr lang="ko-KR" altLang="en-US" dirty="0"/>
           </a:p>
@@ -10414,18 +11604,199 @@
       </p:sp>
       <p:sp>
         <p:nvSpPr>
-          <p:cNvPr id="16" name="타원 15"/>
+          <p:cNvPr id="6" name="TextBox 5"/>
+          <p:cNvSpPr txBox="1"/>
+          <p:nvPr/>
+        </p:nvSpPr>
+        <p:spPr>
+          <a:xfrm>
+            <a:off x="3297115" y="3094892"/>
+            <a:ext cx="2013438" cy="369332"/>
+          </a:xfrm>
+          <a:prstGeom prst="rect">
+            <a:avLst/>
+          </a:prstGeom>
+          <a:noFill/>
+          <a:ln>
+            <a:solidFill>
+              <a:schemeClr val="tx1"/>
+            </a:solidFill>
+          </a:ln>
+        </p:spPr>
+        <p:txBody>
+          <a:bodyPr wrap="square" rtlCol="0">
+            <a:spAutoFit/>
+          </a:bodyPr>
+          <a:lstStyle/>
+          <a:p>
+            <a:r>
+              <a:rPr lang="ko-KR" altLang="en-US" dirty="0" smtClean="0"/>
+              <a:t>닉네임</a:t>
+            </a:r>
+            <a:endParaRPr lang="ko-KR" altLang="en-US" dirty="0"/>
+          </a:p>
+        </p:txBody>
+      </p:sp>
+      <p:sp>
+        <p:nvSpPr>
+          <p:cNvPr id="17" name="TextBox 16"/>
+          <p:cNvSpPr txBox="1"/>
+          <p:nvPr/>
+        </p:nvSpPr>
+        <p:spPr>
+          <a:xfrm>
+            <a:off x="3297114" y="3492868"/>
+            <a:ext cx="2013439" cy="369332"/>
+          </a:xfrm>
+          <a:prstGeom prst="rect">
+            <a:avLst/>
+          </a:prstGeom>
+          <a:noFill/>
+          <a:ln>
+            <a:solidFill>
+              <a:schemeClr val="tx1"/>
+            </a:solidFill>
+          </a:ln>
+        </p:spPr>
+        <p:txBody>
+          <a:bodyPr wrap="square" rtlCol="0">
+            <a:spAutoFit/>
+          </a:bodyPr>
+          <a:lstStyle/>
+          <a:p>
+            <a:r>
+              <a:rPr lang="ko-KR" altLang="en-US" dirty="0" smtClean="0"/>
+              <a:t>비밀번호</a:t>
+            </a:r>
+            <a:endParaRPr lang="ko-KR" altLang="en-US" dirty="0"/>
+          </a:p>
+        </p:txBody>
+      </p:sp>
+      <p:sp>
+        <p:nvSpPr>
+          <p:cNvPr id="18" name="TextBox 17"/>
+          <p:cNvSpPr txBox="1"/>
+          <p:nvPr/>
+        </p:nvSpPr>
+        <p:spPr>
+          <a:xfrm>
+            <a:off x="3297114" y="4037964"/>
+            <a:ext cx="993533" cy="323165"/>
+          </a:xfrm>
+          <a:prstGeom prst="rect">
+            <a:avLst/>
+          </a:prstGeom>
+          <a:noFill/>
+          <a:ln>
+            <a:solidFill>
+              <a:schemeClr val="tx1"/>
+            </a:solidFill>
+          </a:ln>
+        </p:spPr>
+        <p:txBody>
+          <a:bodyPr wrap="square" rtlCol="0">
+            <a:spAutoFit/>
+          </a:bodyPr>
+          <a:lstStyle/>
+          <a:p>
+            <a:r>
+              <a:rPr lang="ko-KR" altLang="en-US" sz="1500" dirty="0" smtClean="0"/>
+              <a:t>로그인</a:t>
+            </a:r>
+            <a:endParaRPr lang="ko-KR" altLang="en-US" sz="1500" dirty="0"/>
+          </a:p>
+        </p:txBody>
+      </p:sp>
+      <p:sp>
+        <p:nvSpPr>
+          <p:cNvPr id="19" name="TextBox 18"/>
+          <p:cNvSpPr txBox="1"/>
+          <p:nvPr/>
+        </p:nvSpPr>
+        <p:spPr>
+          <a:xfrm>
+            <a:off x="5864468" y="5268888"/>
+            <a:ext cx="1138605" cy="369332"/>
+          </a:xfrm>
+          <a:prstGeom prst="rect">
+            <a:avLst/>
+          </a:prstGeom>
+          <a:noFill/>
+          <a:ln>
+            <a:solidFill>
+              <a:schemeClr val="tx1"/>
+            </a:solidFill>
+          </a:ln>
+        </p:spPr>
+        <p:txBody>
+          <a:bodyPr wrap="square" rtlCol="0">
+            <a:spAutoFit/>
+          </a:bodyPr>
+          <a:lstStyle/>
+          <a:p>
+            <a:r>
+              <a:rPr lang="ko-KR" altLang="en-US" dirty="0" smtClean="0"/>
+              <a:t>나가기</a:t>
+            </a:r>
+            <a:endParaRPr lang="ko-KR" altLang="en-US" dirty="0"/>
+          </a:p>
+        </p:txBody>
+      </p:sp>
+      <p:sp>
+        <p:nvSpPr>
+          <p:cNvPr id="21" name="TextBox 20"/>
+          <p:cNvSpPr txBox="1"/>
+          <p:nvPr/>
+        </p:nvSpPr>
+        <p:spPr>
+          <a:xfrm>
+            <a:off x="4290647" y="4033654"/>
+            <a:ext cx="1019906" cy="323165"/>
+          </a:xfrm>
+          <a:prstGeom prst="rect">
+            <a:avLst/>
+          </a:prstGeom>
+          <a:noFill/>
+          <a:ln>
+            <a:solidFill>
+              <a:schemeClr val="tx1"/>
+            </a:solidFill>
+          </a:ln>
+        </p:spPr>
+        <p:txBody>
+          <a:bodyPr wrap="square" rtlCol="0">
+            <a:spAutoFit/>
+          </a:bodyPr>
+          <a:lstStyle/>
+          <a:p>
+            <a:r>
+              <a:rPr lang="ko-KR" altLang="en-US" sz="1500" dirty="0" smtClean="0"/>
+              <a:t>회원가입</a:t>
+            </a:r>
+            <a:endParaRPr lang="ko-KR" altLang="en-US" sz="1500" dirty="0"/>
+          </a:p>
+        </p:txBody>
+      </p:sp>
+      <p:sp>
+        <p:nvSpPr>
+          <p:cNvPr id="2" name="직사각형 1"/>
           <p:cNvSpPr/>
           <p:nvPr/>
         </p:nvSpPr>
         <p:spPr>
           <a:xfrm>
-            <a:off x="2040371" y="2708031"/>
-            <a:ext cx="439616" cy="386861"/>
-          </a:xfrm>
-          <a:prstGeom prst="ellipse">
-            <a:avLst/>
-          </a:prstGeom>
+            <a:off x="2725615" y="2611315"/>
+            <a:ext cx="3420208" cy="2321170"/>
+          </a:xfrm>
+          <a:prstGeom prst="rect">
+            <a:avLst/>
+          </a:prstGeom>
+          <a:solidFill>
+            <a:schemeClr val="tx1">
+              <a:lumMod val="50000"/>
+              <a:lumOff val="50000"/>
+            </a:schemeClr>
+          </a:solidFill>
         </p:spPr>
         <p:style>
           <a:lnRef idx="2">
@@ -10448,34 +11819,25 @@
           <a:lstStyle/>
           <a:p>
             <a:pPr algn="ctr"/>
-            <a:r>
-              <a:rPr lang="en-US" altLang="ko-KR" dirty="0" smtClean="0"/>
-              <a:t>1</a:t>
-            </a:r>
-            <a:endParaRPr lang="ko-KR" altLang="en-US" dirty="0"/>
-          </a:p>
-        </p:txBody>
-      </p:sp>
-      <p:sp>
-        <p:nvSpPr>
-          <p:cNvPr id="6" name="TextBox 5"/>
+            <a:endParaRPr lang="ko-KR" altLang="en-US"/>
+          </a:p>
+        </p:txBody>
+      </p:sp>
+      <p:sp>
+        <p:nvSpPr>
+          <p:cNvPr id="3" name="TextBox 2"/>
           <p:cNvSpPr txBox="1"/>
           <p:nvPr/>
         </p:nvSpPr>
         <p:spPr>
           <a:xfrm>
-            <a:off x="3297115" y="3094892"/>
-            <a:ext cx="2013438" cy="369332"/>
+            <a:off x="3688374" y="3512585"/>
+            <a:ext cx="1916723" cy="369332"/>
           </a:xfrm>
           <a:prstGeom prst="rect">
             <a:avLst/>
           </a:prstGeom>
           <a:noFill/>
-          <a:ln>
-            <a:solidFill>
-              <a:schemeClr val="tx1"/>
-            </a:solidFill>
-          </a:ln>
         </p:spPr>
         <p:txBody>
           <a:bodyPr wrap="square" rtlCol="0">
@@ -10485,7 +11847,15 @@
           <a:p>
             <a:r>
               <a:rPr lang="ko-KR" altLang="en-US" dirty="0" smtClean="0"/>
-              <a:t>닉네임</a:t>
+              <a:t>로그인 성</a:t>
+            </a:r>
+            <a:r>
+              <a:rPr lang="ko-KR" altLang="en-US" dirty="0" smtClean="0"/>
+              <a:t>공</a:t>
+            </a:r>
+            <a:r>
+              <a:rPr lang="en-US" altLang="ko-KR" dirty="0" smtClean="0"/>
+              <a:t>!</a:t>
             </a:r>
             <a:endParaRPr lang="ko-KR" altLang="en-US" dirty="0"/>
           </a:p>
@@ -10493,24 +11863,63 @@
       </p:sp>
       <p:sp>
         <p:nvSpPr>
-          <p:cNvPr id="17" name="TextBox 16"/>
+          <p:cNvPr id="16" name="타원 15"/>
+          <p:cNvSpPr/>
+          <p:nvPr/>
+        </p:nvSpPr>
+        <p:spPr>
+          <a:xfrm>
+            <a:off x="2417914" y="2417884"/>
+            <a:ext cx="439616" cy="386861"/>
+          </a:xfrm>
+          <a:prstGeom prst="ellipse">
+            <a:avLst/>
+          </a:prstGeom>
+        </p:spPr>
+        <p:style>
+          <a:lnRef idx="2">
+            <a:schemeClr val="accent1">
+              <a:shade val="50000"/>
+            </a:schemeClr>
+          </a:lnRef>
+          <a:fillRef idx="1">
+            <a:schemeClr val="accent1"/>
+          </a:fillRef>
+          <a:effectRef idx="0">
+            <a:schemeClr val="accent1"/>
+          </a:effectRef>
+          <a:fontRef idx="minor">
+            <a:schemeClr val="lt1"/>
+          </a:fontRef>
+        </p:style>
+        <p:txBody>
+          <a:bodyPr rtlCol="0" anchor="ctr"/>
+          <a:lstStyle/>
+          <a:p>
+            <a:pPr algn="ctr"/>
+            <a:r>
+              <a:rPr lang="en-US" altLang="ko-KR" dirty="0" smtClean="0"/>
+              <a:t>1</a:t>
+            </a:r>
+            <a:endParaRPr lang="ko-KR" altLang="en-US" dirty="0"/>
+          </a:p>
+        </p:txBody>
+      </p:sp>
+      <p:sp>
+        <p:nvSpPr>
+          <p:cNvPr id="8" name="TextBox 7"/>
           <p:cNvSpPr txBox="1"/>
           <p:nvPr/>
         </p:nvSpPr>
         <p:spPr>
           <a:xfrm>
-            <a:off x="3297114" y="3492868"/>
-            <a:ext cx="2013439" cy="369332"/>
+            <a:off x="8616463" y="650631"/>
+            <a:ext cx="2989383" cy="1477328"/>
           </a:xfrm>
           <a:prstGeom prst="rect">
             <a:avLst/>
           </a:prstGeom>
           <a:noFill/>
-          <a:ln>
-            <a:solidFill>
-              <a:schemeClr val="tx1"/>
-            </a:solidFill>
-          </a:ln>
         </p:spPr>
         <p:txBody>
           <a:bodyPr wrap="square" rtlCol="0">
@@ -10518,34 +11927,84 @@
           </a:bodyPr>
           <a:lstStyle/>
           <a:p>
+            <a:pPr marL="342900" indent="-342900">
+              <a:buAutoNum type="arabicPeriod"/>
+            </a:pPr>
             <a:r>
               <a:rPr lang="ko-KR" altLang="en-US" dirty="0" smtClean="0"/>
-              <a:t>비밀번호</a:t>
-            </a:r>
+              <a:t>새 창</a:t>
+            </a:r>
+            <a:endParaRPr lang="en-US" altLang="ko-KR" dirty="0" smtClean="0"/>
+          </a:p>
+          <a:p>
+            <a:pPr marL="342900" indent="-342900">
+              <a:buAutoNum type="arabicPeriod"/>
+            </a:pPr>
+            <a:endParaRPr lang="en-US" altLang="ko-KR" dirty="0"/>
+          </a:p>
+          <a:p>
+            <a:pPr marL="342900" indent="-342900">
+              <a:buAutoNum type="arabicPeriod"/>
+            </a:pPr>
+            <a:r>
+              <a:rPr lang="ko-KR" altLang="en-US" dirty="0" smtClean="0"/>
+              <a:t>확인 버튼</a:t>
+            </a:r>
+            <a:r>
+              <a:rPr lang="en-US" altLang="ko-KR" dirty="0" smtClean="0"/>
+              <a:t> - (</a:t>
+            </a:r>
+            <a:r>
+              <a:rPr lang="ko-KR" altLang="en-US" dirty="0" err="1" smtClean="0"/>
+              <a:t>성공시</a:t>
+            </a:r>
+            <a:r>
+              <a:rPr lang="ko-KR" altLang="en-US" dirty="0" smtClean="0"/>
+              <a:t> </a:t>
+            </a:r>
+            <a:r>
+              <a:rPr lang="en-US" altLang="ko-KR" dirty="0" smtClean="0"/>
+              <a:t>3</a:t>
+            </a:r>
+            <a:r>
+              <a:rPr lang="ko-KR" altLang="en-US" dirty="0" smtClean="0"/>
+              <a:t>번</a:t>
+            </a:r>
+            <a:r>
+              <a:rPr lang="en-US" altLang="ko-KR" dirty="0"/>
+              <a:t> </a:t>
+            </a:r>
+            <a:r>
+              <a:rPr lang="ko-KR" altLang="en-US" dirty="0" smtClean="0"/>
+              <a:t>화면</a:t>
+            </a:r>
+            <a:r>
+              <a:rPr lang="en-US" altLang="ko-KR" dirty="0" smtClean="0"/>
+              <a:t>)</a:t>
+            </a:r>
+          </a:p>
+          <a:p>
             <a:endParaRPr lang="ko-KR" altLang="en-US" dirty="0"/>
           </a:p>
         </p:txBody>
       </p:sp>
       <p:sp>
         <p:nvSpPr>
-          <p:cNvPr id="18" name="TextBox 17"/>
+          <p:cNvPr id="9" name="TextBox 8"/>
           <p:cNvSpPr txBox="1"/>
           <p:nvPr/>
         </p:nvSpPr>
         <p:spPr>
           <a:xfrm>
-            <a:off x="3297114" y="4037964"/>
-            <a:ext cx="993533" cy="323165"/>
+            <a:off x="4070838" y="4114800"/>
+            <a:ext cx="729762" cy="369332"/>
           </a:xfrm>
           <a:prstGeom prst="rect">
             <a:avLst/>
           </a:prstGeom>
-          <a:noFill/>
-          <a:ln>
-            <a:solidFill>
-              <a:schemeClr val="tx1"/>
-            </a:solidFill>
-          </a:ln>
+          <a:solidFill>
+            <a:schemeClr val="bg1"/>
+          </a:solidFill>
         </p:spPr>
         <p:txBody>
           <a:bodyPr wrap="square" rtlCol="0">
@@ -10554,125 +12013,52 @@
           <a:lstStyle/>
           <a:p>
             <a:r>
-              <a:rPr lang="ko-KR" altLang="en-US" sz="1500" dirty="0" smtClean="0"/>
-              <a:t>로그인</a:t>
-            </a:r>
-            <a:endParaRPr lang="ko-KR" altLang="en-US" sz="1500" dirty="0"/>
-          </a:p>
-        </p:txBody>
-      </p:sp>
-      <p:sp>
-        <p:nvSpPr>
-          <p:cNvPr id="19" name="TextBox 18"/>
-          <p:cNvSpPr txBox="1"/>
+              <a:rPr lang="ko-KR" altLang="en-US" smtClean="0"/>
+              <a:t>확인</a:t>
+            </a:r>
+            <a:endParaRPr lang="ko-KR" altLang="en-US"/>
+          </a:p>
+        </p:txBody>
+      </p:sp>
+      <p:sp>
+        <p:nvSpPr>
+          <p:cNvPr id="20" name="타원 19"/>
+          <p:cNvSpPr/>
           <p:nvPr/>
         </p:nvSpPr>
         <p:spPr>
           <a:xfrm>
-            <a:off x="5864468" y="5268888"/>
-            <a:ext cx="1138605" cy="369332"/>
-          </a:xfrm>
-          <a:prstGeom prst="rect">
-            <a:avLst/>
-          </a:prstGeom>
-          <a:noFill/>
-          <a:ln>
-            <a:solidFill>
-              <a:schemeClr val="tx1"/>
-            </a:solidFill>
-          </a:ln>
-        </p:spPr>
-        <p:txBody>
-          <a:bodyPr wrap="square" rtlCol="0">
-            <a:spAutoFit/>
-          </a:bodyPr>
-          <a:lstStyle/>
-          <a:p>
-            <a:r>
-              <a:rPr lang="ko-KR" altLang="en-US" dirty="0" smtClean="0"/>
-              <a:t>나가기</a:t>
-            </a:r>
-            <a:endParaRPr lang="ko-KR" altLang="en-US" dirty="0"/>
-          </a:p>
-        </p:txBody>
-      </p:sp>
-      <p:sp>
-        <p:nvSpPr>
-          <p:cNvPr id="21" name="TextBox 20"/>
-          <p:cNvSpPr txBox="1"/>
-          <p:nvPr/>
-        </p:nvSpPr>
-        <p:spPr>
-          <a:xfrm>
-            <a:off x="4290647" y="4033654"/>
-            <a:ext cx="1019906" cy="323165"/>
-          </a:xfrm>
-          <a:prstGeom prst="rect">
-            <a:avLst/>
-          </a:prstGeom>
-          <a:noFill/>
-          <a:ln>
-            <a:solidFill>
-              <a:schemeClr val="tx1"/>
-            </a:solidFill>
-          </a:ln>
-        </p:spPr>
-        <p:txBody>
-          <a:bodyPr wrap="square" rtlCol="0">
-            <a:spAutoFit/>
-          </a:bodyPr>
-          <a:lstStyle/>
-          <a:p>
-            <a:r>
-              <a:rPr lang="ko-KR" altLang="en-US" sz="1500" dirty="0" smtClean="0"/>
-              <a:t>회원가입</a:t>
-            </a:r>
-            <a:endParaRPr lang="ko-KR" altLang="en-US" sz="1500" dirty="0"/>
-          </a:p>
-        </p:txBody>
-      </p:sp>
-      <p:sp>
-        <p:nvSpPr>
-          <p:cNvPr id="7" name="TextBox 6"/>
-          <p:cNvSpPr txBox="1"/>
-          <p:nvPr/>
-        </p:nvSpPr>
-        <p:spPr>
-          <a:xfrm>
-            <a:off x="1301262" y="2057400"/>
-            <a:ext cx="1995852" cy="369332"/>
-          </a:xfrm>
-          <a:prstGeom prst="rect">
-            <a:avLst/>
-          </a:prstGeom>
-          <a:noFill/>
-          <a:ln>
-            <a:solidFill>
-              <a:schemeClr val="tx1"/>
-            </a:solidFill>
-          </a:ln>
-        </p:spPr>
-        <p:txBody>
-          <a:bodyPr wrap="square" rtlCol="0">
-            <a:spAutoFit/>
-          </a:bodyPr>
-          <a:lstStyle/>
-          <a:p>
-            <a:r>
-              <a:rPr lang="ko-KR" altLang="en-US" sz="1600" dirty="0" smtClean="0"/>
-              <a:t>서버 </a:t>
-            </a:r>
-            <a:r>
-              <a:rPr lang="en-US" altLang="ko-KR" sz="1600" dirty="0" err="1" smtClean="0"/>
-              <a:t>ip</a:t>
-            </a:r>
-            <a:r>
-              <a:rPr lang="en-US" altLang="ko-KR" sz="1600" dirty="0" smtClean="0"/>
-              <a:t> 1.2.1.2</a:t>
-            </a:r>
+            <a:off x="4598378" y="4194053"/>
+            <a:ext cx="439616" cy="386861"/>
+          </a:xfrm>
+          <a:prstGeom prst="ellipse">
+            <a:avLst/>
+          </a:prstGeom>
+        </p:spPr>
+        <p:style>
+          <a:lnRef idx="2">
+            <a:schemeClr val="accent1">
+              <a:shade val="50000"/>
+            </a:schemeClr>
+          </a:lnRef>
+          <a:fillRef idx="1">
+            <a:schemeClr val="accent1"/>
+          </a:fillRef>
+          <a:effectRef idx="0">
+            <a:schemeClr val="accent1"/>
+          </a:effectRef>
+          <a:fontRef idx="minor">
+            <a:schemeClr val="lt1"/>
+          </a:fontRef>
+        </p:style>
+        <p:txBody>
+          <a:bodyPr rtlCol="0" anchor="ctr"/>
+          <a:lstStyle/>
+          <a:p>
+            <a:pPr algn="ctr"/>
             <a:r>
               <a:rPr lang="en-US" altLang="ko-KR" dirty="0" smtClean="0"/>
-              <a:t>.</a:t>
+              <a:t>2</a:t>
             </a:r>
             <a:endParaRPr lang="ko-KR" altLang="en-US" dirty="0"/>
           </a:p>
@@ -10681,7 +12067,7 @@
     </p:spTree>
     <p:extLst>
       <p:ext uri="{BB962C8B-B14F-4D97-AF65-F5344CB8AC3E}">
-        <p14:creationId xmlns:p14="http://schemas.microsoft.com/office/powerpoint/2010/main" val="2341520700"/>
+        <p14:creationId xmlns:p14="http://schemas.microsoft.com/office/powerpoint/2010/main" val="2470681915"/>
       </p:ext>
     </p:extLst>
   </p:cSld>
@@ -10793,7 +12179,7 @@
         <p:spPr>
           <a:xfrm>
             <a:off x="1301262" y="562708"/>
-            <a:ext cx="1189749" cy="369332"/>
+            <a:ext cx="1449436" cy="369332"/>
           </a:xfrm>
           <a:prstGeom prst="rect">
             <a:avLst/>
@@ -10807,8 +12193,694 @@
           <a:lstStyle/>
           <a:p>
             <a:r>
+              <a:rPr lang="en-US" altLang="ko-KR" dirty="0" smtClean="0"/>
+              <a:t>2. </a:t>
+            </a:r>
+            <a:r>
               <a:rPr lang="ko-KR" altLang="en-US" dirty="0" smtClean="0"/>
-              <a:t>게임 로비</a:t>
+              <a:t>회원 가입</a:t>
+            </a:r>
+            <a:endParaRPr lang="ko-KR" altLang="en-US" dirty="0"/>
+          </a:p>
+        </p:txBody>
+      </p:sp>
+      <p:sp>
+        <p:nvSpPr>
+          <p:cNvPr id="6" name="TextBox 5"/>
+          <p:cNvSpPr txBox="1"/>
+          <p:nvPr/>
+        </p:nvSpPr>
+        <p:spPr>
+          <a:xfrm>
+            <a:off x="3297115" y="3094892"/>
+            <a:ext cx="2013438" cy="369332"/>
+          </a:xfrm>
+          <a:prstGeom prst="rect">
+            <a:avLst/>
+          </a:prstGeom>
+          <a:noFill/>
+          <a:ln>
+            <a:solidFill>
+              <a:schemeClr val="tx1"/>
+            </a:solidFill>
+          </a:ln>
+        </p:spPr>
+        <p:txBody>
+          <a:bodyPr wrap="square" rtlCol="0">
+            <a:spAutoFit/>
+          </a:bodyPr>
+          <a:lstStyle/>
+          <a:p>
+            <a:r>
+              <a:rPr lang="ko-KR" altLang="en-US" dirty="0" smtClean="0"/>
+              <a:t>닉네임</a:t>
+            </a:r>
+            <a:endParaRPr lang="ko-KR" altLang="en-US" dirty="0"/>
+          </a:p>
+        </p:txBody>
+      </p:sp>
+      <p:sp>
+        <p:nvSpPr>
+          <p:cNvPr id="17" name="TextBox 16"/>
+          <p:cNvSpPr txBox="1"/>
+          <p:nvPr/>
+        </p:nvSpPr>
+        <p:spPr>
+          <a:xfrm>
+            <a:off x="3297114" y="3492868"/>
+            <a:ext cx="2013439" cy="369332"/>
+          </a:xfrm>
+          <a:prstGeom prst="rect">
+            <a:avLst/>
+          </a:prstGeom>
+          <a:noFill/>
+          <a:ln>
+            <a:solidFill>
+              <a:schemeClr val="tx1"/>
+            </a:solidFill>
+          </a:ln>
+        </p:spPr>
+        <p:txBody>
+          <a:bodyPr wrap="square" rtlCol="0">
+            <a:spAutoFit/>
+          </a:bodyPr>
+          <a:lstStyle/>
+          <a:p>
+            <a:r>
+              <a:rPr lang="ko-KR" altLang="en-US" dirty="0" smtClean="0"/>
+              <a:t>비밀번호</a:t>
+            </a:r>
+            <a:endParaRPr lang="ko-KR" altLang="en-US" dirty="0"/>
+          </a:p>
+        </p:txBody>
+      </p:sp>
+      <p:sp>
+        <p:nvSpPr>
+          <p:cNvPr id="18" name="TextBox 17"/>
+          <p:cNvSpPr txBox="1"/>
+          <p:nvPr/>
+        </p:nvSpPr>
+        <p:spPr>
+          <a:xfrm>
+            <a:off x="3297114" y="4037964"/>
+            <a:ext cx="993533" cy="323165"/>
+          </a:xfrm>
+          <a:prstGeom prst="rect">
+            <a:avLst/>
+          </a:prstGeom>
+          <a:noFill/>
+          <a:ln>
+            <a:solidFill>
+              <a:schemeClr val="tx1"/>
+            </a:solidFill>
+          </a:ln>
+        </p:spPr>
+        <p:txBody>
+          <a:bodyPr wrap="square" rtlCol="0">
+            <a:spAutoFit/>
+          </a:bodyPr>
+          <a:lstStyle/>
+          <a:p>
+            <a:r>
+              <a:rPr lang="ko-KR" altLang="en-US" sz="1500" dirty="0" smtClean="0"/>
+              <a:t>로그인</a:t>
+            </a:r>
+            <a:endParaRPr lang="ko-KR" altLang="en-US" sz="1500" dirty="0"/>
+          </a:p>
+        </p:txBody>
+      </p:sp>
+      <p:sp>
+        <p:nvSpPr>
+          <p:cNvPr id="19" name="TextBox 18"/>
+          <p:cNvSpPr txBox="1"/>
+          <p:nvPr/>
+        </p:nvSpPr>
+        <p:spPr>
+          <a:xfrm>
+            <a:off x="5864468" y="5268888"/>
+            <a:ext cx="1138605" cy="369332"/>
+          </a:xfrm>
+          <a:prstGeom prst="rect">
+            <a:avLst/>
+          </a:prstGeom>
+          <a:noFill/>
+          <a:ln>
+            <a:solidFill>
+              <a:schemeClr val="tx1"/>
+            </a:solidFill>
+          </a:ln>
+        </p:spPr>
+        <p:txBody>
+          <a:bodyPr wrap="square" rtlCol="0">
+            <a:spAutoFit/>
+          </a:bodyPr>
+          <a:lstStyle/>
+          <a:p>
+            <a:r>
+              <a:rPr lang="ko-KR" altLang="en-US" dirty="0" smtClean="0"/>
+              <a:t>나가기</a:t>
+            </a:r>
+            <a:endParaRPr lang="ko-KR" altLang="en-US" dirty="0"/>
+          </a:p>
+        </p:txBody>
+      </p:sp>
+      <p:sp>
+        <p:nvSpPr>
+          <p:cNvPr id="21" name="TextBox 20"/>
+          <p:cNvSpPr txBox="1"/>
+          <p:nvPr/>
+        </p:nvSpPr>
+        <p:spPr>
+          <a:xfrm>
+            <a:off x="4290647" y="4033654"/>
+            <a:ext cx="1019906" cy="323165"/>
+          </a:xfrm>
+          <a:prstGeom prst="rect">
+            <a:avLst/>
+          </a:prstGeom>
+          <a:noFill/>
+          <a:ln>
+            <a:solidFill>
+              <a:schemeClr val="tx1"/>
+            </a:solidFill>
+          </a:ln>
+        </p:spPr>
+        <p:txBody>
+          <a:bodyPr wrap="square" rtlCol="0">
+            <a:spAutoFit/>
+          </a:bodyPr>
+          <a:lstStyle/>
+          <a:p>
+            <a:r>
+              <a:rPr lang="ko-KR" altLang="en-US" sz="1500" dirty="0" smtClean="0"/>
+              <a:t>회원가입</a:t>
+            </a:r>
+            <a:endParaRPr lang="ko-KR" altLang="en-US" sz="1500" dirty="0"/>
+          </a:p>
+        </p:txBody>
+      </p:sp>
+      <p:sp>
+        <p:nvSpPr>
+          <p:cNvPr id="2" name="직사각형 1"/>
+          <p:cNvSpPr/>
+          <p:nvPr/>
+        </p:nvSpPr>
+        <p:spPr>
+          <a:xfrm>
+            <a:off x="2725615" y="2611315"/>
+            <a:ext cx="3420208" cy="2497016"/>
+          </a:xfrm>
+          <a:prstGeom prst="rect">
+            <a:avLst/>
+          </a:prstGeom>
+          <a:solidFill>
+            <a:schemeClr val="tx1">
+              <a:lumMod val="50000"/>
+              <a:lumOff val="50000"/>
+            </a:schemeClr>
+          </a:solidFill>
+          <a:ln>
+            <a:solidFill>
+              <a:schemeClr val="bg2"/>
+            </a:solidFill>
+          </a:ln>
+        </p:spPr>
+        <p:style>
+          <a:lnRef idx="2">
+            <a:schemeClr val="accent1">
+              <a:shade val="50000"/>
+            </a:schemeClr>
+          </a:lnRef>
+          <a:fillRef idx="1">
+            <a:schemeClr val="accent1"/>
+          </a:fillRef>
+          <a:effectRef idx="0">
+            <a:schemeClr val="accent1"/>
+          </a:effectRef>
+          <a:fontRef idx="minor">
+            <a:schemeClr val="lt1"/>
+          </a:fontRef>
+        </p:style>
+        <p:txBody>
+          <a:bodyPr rtlCol="0" anchor="ctr"/>
+          <a:lstStyle/>
+          <a:p>
+            <a:pPr algn="ctr"/>
+            <a:endParaRPr lang="ko-KR" altLang="en-US"/>
+          </a:p>
+        </p:txBody>
+      </p:sp>
+      <p:sp>
+        <p:nvSpPr>
+          <p:cNvPr id="8" name="TextBox 7"/>
+          <p:cNvSpPr txBox="1"/>
+          <p:nvPr/>
+        </p:nvSpPr>
+        <p:spPr>
+          <a:xfrm>
+            <a:off x="2945423" y="2910226"/>
+            <a:ext cx="1512276" cy="307777"/>
+          </a:xfrm>
+          <a:prstGeom prst="rect">
+            <a:avLst/>
+          </a:prstGeom>
+          <a:solidFill>
+            <a:schemeClr val="bg1"/>
+          </a:solidFill>
+        </p:spPr>
+        <p:txBody>
+          <a:bodyPr wrap="square" rtlCol="0">
+            <a:spAutoFit/>
+          </a:bodyPr>
+          <a:lstStyle/>
+          <a:p>
+            <a:r>
+              <a:rPr lang="ko-KR" altLang="en-US" sz="1400" dirty="0" smtClean="0"/>
+              <a:t>닉네임</a:t>
+            </a:r>
+            <a:endParaRPr lang="ko-KR" altLang="en-US" sz="1400" dirty="0"/>
+          </a:p>
+        </p:txBody>
+      </p:sp>
+      <p:sp>
+        <p:nvSpPr>
+          <p:cNvPr id="24" name="TextBox 23"/>
+          <p:cNvSpPr txBox="1"/>
+          <p:nvPr/>
+        </p:nvSpPr>
+        <p:spPr>
+          <a:xfrm>
+            <a:off x="2945422" y="3317104"/>
+            <a:ext cx="1512277" cy="307777"/>
+          </a:xfrm>
+          <a:prstGeom prst="rect">
+            <a:avLst/>
+          </a:prstGeom>
+          <a:solidFill>
+            <a:schemeClr val="bg1"/>
+          </a:solidFill>
+        </p:spPr>
+        <p:txBody>
+          <a:bodyPr wrap="square" rtlCol="0">
+            <a:spAutoFit/>
+          </a:bodyPr>
+          <a:lstStyle/>
+          <a:p>
+            <a:r>
+              <a:rPr lang="ko-KR" altLang="en-US" sz="1400" dirty="0" smtClean="0"/>
+              <a:t>비밀번호</a:t>
+            </a:r>
+            <a:endParaRPr lang="ko-KR" altLang="en-US" sz="1400" dirty="0"/>
+          </a:p>
+        </p:txBody>
+      </p:sp>
+      <p:sp>
+        <p:nvSpPr>
+          <p:cNvPr id="26" name="TextBox 25"/>
+          <p:cNvSpPr txBox="1"/>
+          <p:nvPr/>
+        </p:nvSpPr>
+        <p:spPr>
+          <a:xfrm>
+            <a:off x="2998178" y="4350670"/>
+            <a:ext cx="1208942" cy="369332"/>
+          </a:xfrm>
+          <a:prstGeom prst="rect">
+            <a:avLst/>
+          </a:prstGeom>
+          <a:solidFill>
+            <a:schemeClr val="bg1"/>
+          </a:solidFill>
+        </p:spPr>
+        <p:txBody>
+          <a:bodyPr wrap="square" rtlCol="0">
+            <a:spAutoFit/>
+          </a:bodyPr>
+          <a:lstStyle/>
+          <a:p>
+            <a:r>
+              <a:rPr lang="ko-KR" altLang="en-US" dirty="0" smtClean="0"/>
+              <a:t>회원 가입</a:t>
+            </a:r>
+            <a:endParaRPr lang="ko-KR" altLang="en-US" dirty="0"/>
+          </a:p>
+        </p:txBody>
+      </p:sp>
+      <p:sp>
+        <p:nvSpPr>
+          <p:cNvPr id="27" name="TextBox 26"/>
+          <p:cNvSpPr txBox="1"/>
+          <p:nvPr/>
+        </p:nvSpPr>
+        <p:spPr>
+          <a:xfrm>
+            <a:off x="4508257" y="4343454"/>
+            <a:ext cx="1208942" cy="369332"/>
+          </a:xfrm>
+          <a:prstGeom prst="rect">
+            <a:avLst/>
+          </a:prstGeom>
+          <a:solidFill>
+            <a:schemeClr val="bg1"/>
+          </a:solidFill>
+        </p:spPr>
+        <p:txBody>
+          <a:bodyPr wrap="square" rtlCol="0">
+            <a:spAutoFit/>
+          </a:bodyPr>
+          <a:lstStyle/>
+          <a:p>
+            <a:r>
+              <a:rPr lang="ko-KR" altLang="en-US" dirty="0" smtClean="0"/>
+              <a:t>닫기</a:t>
+            </a:r>
+            <a:endParaRPr lang="ko-KR" altLang="en-US" dirty="0"/>
+          </a:p>
+        </p:txBody>
+      </p:sp>
+      <p:sp>
+        <p:nvSpPr>
+          <p:cNvPr id="28" name="TextBox 27"/>
+          <p:cNvSpPr txBox="1"/>
+          <p:nvPr/>
+        </p:nvSpPr>
+        <p:spPr>
+          <a:xfrm>
+            <a:off x="2932235" y="3698239"/>
+            <a:ext cx="1525465" cy="307777"/>
+          </a:xfrm>
+          <a:prstGeom prst="rect">
+            <a:avLst/>
+          </a:prstGeom>
+          <a:solidFill>
+            <a:schemeClr val="bg1"/>
+          </a:solidFill>
+        </p:spPr>
+        <p:txBody>
+          <a:bodyPr wrap="square" rtlCol="0">
+            <a:spAutoFit/>
+          </a:bodyPr>
+          <a:lstStyle/>
+          <a:p>
+            <a:r>
+              <a:rPr lang="ko-KR" altLang="en-US" sz="1400" dirty="0" smtClean="0"/>
+              <a:t>비밀번호 확인</a:t>
+            </a:r>
+            <a:endParaRPr lang="ko-KR" altLang="en-US" sz="1400" dirty="0"/>
+          </a:p>
+        </p:txBody>
+      </p:sp>
+      <p:sp>
+        <p:nvSpPr>
+          <p:cNvPr id="29" name="TextBox 28"/>
+          <p:cNvSpPr txBox="1"/>
+          <p:nvPr/>
+        </p:nvSpPr>
+        <p:spPr>
+          <a:xfrm>
+            <a:off x="4787323" y="2907087"/>
+            <a:ext cx="1156277" cy="307777"/>
+          </a:xfrm>
+          <a:prstGeom prst="rect">
+            <a:avLst/>
+          </a:prstGeom>
+          <a:solidFill>
+            <a:schemeClr val="bg1"/>
+          </a:solidFill>
+        </p:spPr>
+        <p:txBody>
+          <a:bodyPr wrap="square" rtlCol="0">
+            <a:spAutoFit/>
+          </a:bodyPr>
+          <a:lstStyle/>
+          <a:p>
+            <a:r>
+              <a:rPr lang="ko-KR" altLang="en-US" sz="1400" dirty="0" smtClean="0"/>
+              <a:t>중복 검사</a:t>
+            </a:r>
+            <a:endParaRPr lang="ko-KR" altLang="en-US" sz="1400" dirty="0"/>
+          </a:p>
+        </p:txBody>
+      </p:sp>
+      <p:sp>
+        <p:nvSpPr>
+          <p:cNvPr id="16" name="타원 15"/>
+          <p:cNvSpPr/>
+          <p:nvPr/>
+        </p:nvSpPr>
+        <p:spPr>
+          <a:xfrm>
+            <a:off x="3908091" y="2850686"/>
+            <a:ext cx="439616" cy="386861"/>
+          </a:xfrm>
+          <a:prstGeom prst="ellipse">
+            <a:avLst/>
+          </a:prstGeom>
+        </p:spPr>
+        <p:style>
+          <a:lnRef idx="2">
+            <a:schemeClr val="accent1">
+              <a:shade val="50000"/>
+            </a:schemeClr>
+          </a:lnRef>
+          <a:fillRef idx="1">
+            <a:schemeClr val="accent1"/>
+          </a:fillRef>
+          <a:effectRef idx="0">
+            <a:schemeClr val="accent1"/>
+          </a:effectRef>
+          <a:fontRef idx="minor">
+            <a:schemeClr val="lt1"/>
+          </a:fontRef>
+        </p:style>
+        <p:txBody>
+          <a:bodyPr rtlCol="0" anchor="ctr"/>
+          <a:lstStyle/>
+          <a:p>
+            <a:pPr algn="ctr"/>
+            <a:r>
+              <a:rPr lang="en-US" altLang="ko-KR" dirty="0" smtClean="0"/>
+              <a:t>1</a:t>
+            </a:r>
+            <a:endParaRPr lang="ko-KR" altLang="en-US" dirty="0"/>
+          </a:p>
+        </p:txBody>
+      </p:sp>
+      <p:sp>
+        <p:nvSpPr>
+          <p:cNvPr id="30" name="타원 29"/>
+          <p:cNvSpPr/>
+          <p:nvPr/>
+        </p:nvSpPr>
+        <p:spPr>
+          <a:xfrm>
+            <a:off x="3936709" y="3265186"/>
+            <a:ext cx="439616" cy="386861"/>
+          </a:xfrm>
+          <a:prstGeom prst="ellipse">
+            <a:avLst/>
+          </a:prstGeom>
+        </p:spPr>
+        <p:style>
+          <a:lnRef idx="2">
+            <a:schemeClr val="accent1">
+              <a:shade val="50000"/>
+            </a:schemeClr>
+          </a:lnRef>
+          <a:fillRef idx="1">
+            <a:schemeClr val="accent1"/>
+          </a:fillRef>
+          <a:effectRef idx="0">
+            <a:schemeClr val="accent1"/>
+          </a:effectRef>
+          <a:fontRef idx="minor">
+            <a:schemeClr val="lt1"/>
+          </a:fontRef>
+        </p:style>
+        <p:txBody>
+          <a:bodyPr rtlCol="0" anchor="ctr"/>
+          <a:lstStyle/>
+          <a:p>
+            <a:pPr algn="ctr"/>
+            <a:r>
+              <a:rPr lang="en-US" altLang="ko-KR" dirty="0" smtClean="0"/>
+              <a:t>2</a:t>
+            </a:r>
+            <a:endParaRPr lang="ko-KR" altLang="en-US" dirty="0"/>
+          </a:p>
+        </p:txBody>
+      </p:sp>
+      <p:sp>
+        <p:nvSpPr>
+          <p:cNvPr id="31" name="타원 30"/>
+          <p:cNvSpPr/>
+          <p:nvPr/>
+        </p:nvSpPr>
+        <p:spPr>
+          <a:xfrm>
+            <a:off x="4177401" y="3670943"/>
+            <a:ext cx="439616" cy="386861"/>
+          </a:xfrm>
+          <a:prstGeom prst="ellipse">
+            <a:avLst/>
+          </a:prstGeom>
+        </p:spPr>
+        <p:style>
+          <a:lnRef idx="2">
+            <a:schemeClr val="accent1">
+              <a:shade val="50000"/>
+            </a:schemeClr>
+          </a:lnRef>
+          <a:fillRef idx="1">
+            <a:schemeClr val="accent1"/>
+          </a:fillRef>
+          <a:effectRef idx="0">
+            <a:schemeClr val="accent1"/>
+          </a:effectRef>
+          <a:fontRef idx="minor">
+            <a:schemeClr val="lt1"/>
+          </a:fontRef>
+        </p:style>
+        <p:txBody>
+          <a:bodyPr rtlCol="0" anchor="ctr"/>
+          <a:lstStyle/>
+          <a:p>
+            <a:pPr algn="ctr"/>
+            <a:r>
+              <a:rPr lang="en-US" altLang="ko-KR" dirty="0" smtClean="0"/>
+              <a:t>3</a:t>
+            </a:r>
+            <a:endParaRPr lang="ko-KR" altLang="en-US" dirty="0"/>
+          </a:p>
+        </p:txBody>
+      </p:sp>
+      <p:sp>
+        <p:nvSpPr>
+          <p:cNvPr id="32" name="타원 31"/>
+          <p:cNvSpPr/>
+          <p:nvPr/>
+        </p:nvSpPr>
+        <p:spPr>
+          <a:xfrm>
+            <a:off x="5651211" y="2712898"/>
+            <a:ext cx="439616" cy="386861"/>
+          </a:xfrm>
+          <a:prstGeom prst="ellipse">
+            <a:avLst/>
+          </a:prstGeom>
+        </p:spPr>
+        <p:style>
+          <a:lnRef idx="2">
+            <a:schemeClr val="accent1">
+              <a:shade val="50000"/>
+            </a:schemeClr>
+          </a:lnRef>
+          <a:fillRef idx="1">
+            <a:schemeClr val="accent1"/>
+          </a:fillRef>
+          <a:effectRef idx="0">
+            <a:schemeClr val="accent1"/>
+          </a:effectRef>
+          <a:fontRef idx="minor">
+            <a:schemeClr val="lt1"/>
+          </a:fontRef>
+        </p:style>
+        <p:txBody>
+          <a:bodyPr rtlCol="0" anchor="ctr"/>
+          <a:lstStyle/>
+          <a:p>
+            <a:pPr algn="ctr"/>
+            <a:r>
+              <a:rPr lang="en-US" altLang="ko-KR" dirty="0" smtClean="0"/>
+              <a:t>4</a:t>
+            </a:r>
+            <a:endParaRPr lang="ko-KR" altLang="en-US" dirty="0"/>
+          </a:p>
+        </p:txBody>
+      </p:sp>
+      <p:sp>
+        <p:nvSpPr>
+          <p:cNvPr id="33" name="타원 32"/>
+          <p:cNvSpPr/>
+          <p:nvPr/>
+        </p:nvSpPr>
+        <p:spPr>
+          <a:xfrm>
+            <a:off x="2670660" y="4167698"/>
+            <a:ext cx="439616" cy="386861"/>
+          </a:xfrm>
+          <a:prstGeom prst="ellipse">
+            <a:avLst/>
+          </a:prstGeom>
+        </p:spPr>
+        <p:style>
+          <a:lnRef idx="2">
+            <a:schemeClr val="accent1">
+              <a:shade val="50000"/>
+            </a:schemeClr>
+          </a:lnRef>
+          <a:fillRef idx="1">
+            <a:schemeClr val="accent1"/>
+          </a:fillRef>
+          <a:effectRef idx="0">
+            <a:schemeClr val="accent1"/>
+          </a:effectRef>
+          <a:fontRef idx="minor">
+            <a:schemeClr val="lt1"/>
+          </a:fontRef>
+        </p:style>
+        <p:txBody>
+          <a:bodyPr rtlCol="0" anchor="ctr"/>
+          <a:lstStyle/>
+          <a:p>
+            <a:pPr algn="ctr"/>
+            <a:r>
+              <a:rPr lang="en-US" altLang="ko-KR" dirty="0" smtClean="0"/>
+              <a:t>5</a:t>
+            </a:r>
+            <a:endParaRPr lang="ko-KR" altLang="en-US" dirty="0"/>
+          </a:p>
+        </p:txBody>
+      </p:sp>
+      <p:sp>
+        <p:nvSpPr>
+          <p:cNvPr id="34" name="타원 33"/>
+          <p:cNvSpPr/>
+          <p:nvPr/>
+        </p:nvSpPr>
+        <p:spPr>
+          <a:xfrm>
+            <a:off x="5402829" y="4069745"/>
+            <a:ext cx="439616" cy="386861"/>
+          </a:xfrm>
+          <a:prstGeom prst="ellipse">
+            <a:avLst/>
+          </a:prstGeom>
+        </p:spPr>
+        <p:style>
+          <a:lnRef idx="2">
+            <a:schemeClr val="accent1">
+              <a:shade val="50000"/>
+            </a:schemeClr>
+          </a:lnRef>
+          <a:fillRef idx="1">
+            <a:schemeClr val="accent1"/>
+          </a:fillRef>
+          <a:effectRef idx="0">
+            <a:schemeClr val="accent1"/>
+          </a:effectRef>
+          <a:fontRef idx="minor">
+            <a:schemeClr val="lt1"/>
+          </a:fontRef>
+        </p:style>
+        <p:txBody>
+          <a:bodyPr rtlCol="0" anchor="ctr"/>
+          <a:lstStyle/>
+          <a:p>
+            <a:pPr algn="ctr"/>
+            <a:r>
+              <a:rPr lang="en-US" altLang="ko-KR" dirty="0" smtClean="0"/>
+              <a:t>6</a:t>
             </a:r>
             <a:endParaRPr lang="ko-KR" altLang="en-US" dirty="0"/>
           </a:p>
@@ -10822,8 +12894,8 @@
         </p:nvSpPr>
         <p:spPr>
           <a:xfrm>
-            <a:off x="8827477" y="808892"/>
-            <a:ext cx="3084499" cy="2031325"/>
+            <a:off x="8642838" y="562708"/>
+            <a:ext cx="3015762" cy="3416320"/>
           </a:xfrm>
           <a:prstGeom prst="rect">
             <a:avLst/>
@@ -10831,7 +12903,7 @@
           <a:noFill/>
         </p:spPr>
         <p:txBody>
-          <a:bodyPr wrap="none" rtlCol="0">
+          <a:bodyPr wrap="square" rtlCol="0">
             <a:spAutoFit/>
           </a:bodyPr>
           <a:lstStyle/>
@@ -10841,9 +12913,68 @@
             </a:pPr>
             <a:r>
               <a:rPr lang="ko-KR" altLang="en-US" dirty="0" smtClean="0"/>
-              <a:t>플레이 누르면 매칭 시작</a:t>
+              <a:t>닉네임 입력 창</a:t>
             </a:r>
             <a:endParaRPr lang="en-US" altLang="ko-KR" dirty="0" smtClean="0"/>
+          </a:p>
+          <a:p>
+            <a:pPr marL="342900" indent="-342900">
+              <a:buAutoNum type="arabicPeriod"/>
+            </a:pPr>
+            <a:endParaRPr lang="en-US" altLang="ko-KR" dirty="0" smtClean="0"/>
+          </a:p>
+          <a:p>
+            <a:pPr marL="342900" indent="-342900">
+              <a:buAutoNum type="arabicPeriod"/>
+            </a:pPr>
+            <a:r>
+              <a:rPr lang="ko-KR" altLang="en-US" dirty="0" smtClean="0"/>
+              <a:t>비밀번호 입력 창</a:t>
+            </a:r>
+            <a:endParaRPr lang="en-US" altLang="ko-KR" dirty="0" smtClean="0"/>
+          </a:p>
+          <a:p>
+            <a:pPr marL="342900" indent="-342900">
+              <a:buAutoNum type="arabicPeriod"/>
+            </a:pPr>
+            <a:endParaRPr lang="en-US" altLang="ko-KR" dirty="0" smtClean="0"/>
+          </a:p>
+          <a:p>
+            <a:pPr marL="342900" indent="-342900">
+              <a:buAutoNum type="arabicPeriod"/>
+            </a:pPr>
+            <a:r>
+              <a:rPr lang="ko-KR" altLang="en-US" dirty="0" smtClean="0"/>
+              <a:t>동일 비밀번호 확인</a:t>
+            </a:r>
+            <a:endParaRPr lang="en-US" altLang="ko-KR" dirty="0" smtClean="0"/>
+          </a:p>
+          <a:p>
+            <a:pPr marL="342900" indent="-342900">
+              <a:buAutoNum type="arabicPeriod"/>
+            </a:pPr>
+            <a:endParaRPr lang="en-US" altLang="ko-KR" dirty="0" smtClean="0"/>
+          </a:p>
+          <a:p>
+            <a:pPr marL="342900" indent="-342900">
+              <a:buAutoNum type="arabicPeriod"/>
+            </a:pPr>
+            <a:r>
+              <a:rPr lang="ko-KR" altLang="en-US" dirty="0" smtClean="0"/>
+              <a:t>닉네임 중복 검사 버튼</a:t>
+            </a:r>
+            <a:r>
+              <a:rPr lang="en-US" altLang="ko-KR" dirty="0" smtClean="0"/>
+              <a:t> (2-1 </a:t>
+            </a:r>
+            <a:r>
+              <a:rPr lang="ko-KR" altLang="en-US" dirty="0" smtClean="0"/>
+              <a:t>화면</a:t>
+            </a:r>
+            <a:r>
+              <a:rPr lang="en-US" altLang="ko-KR" dirty="0" smtClean="0"/>
+              <a:t>)</a:t>
+            </a:r>
           </a:p>
           <a:p>
             <a:pPr marL="342900" indent="-342900">
@@ -10857,9 +12988,20 @@
             </a:pPr>
             <a:r>
               <a:rPr lang="ko-KR" altLang="en-US" dirty="0" smtClean="0"/>
-              <a:t>랭킹 누르면 랭킹 화면</a:t>
-            </a:r>
-            <a:endParaRPr lang="en-US" altLang="ko-KR" dirty="0" smtClean="0"/>
+              <a:t>회원가입 버튼 </a:t>
+            </a:r>
+            <a:r>
+              <a:rPr lang="en-US" altLang="ko-KR" dirty="0" smtClean="0"/>
+              <a:t>(2-2 </a:t>
+            </a:r>
+            <a:r>
+              <a:rPr lang="ko-KR" altLang="en-US" dirty="0" smtClean="0"/>
+              <a:t>화면</a:t>
+            </a:r>
+            <a:r>
+              <a:rPr lang="en-US" altLang="ko-KR" dirty="0" smtClean="0"/>
+              <a:t>)</a:t>
+            </a:r>
           </a:p>
           <a:p>
             <a:pPr marL="342900" indent="-342900">
@@ -10873,175 +13015,16 @@
             </a:pPr>
             <a:r>
               <a:rPr lang="ko-KR" altLang="en-US" dirty="0" smtClean="0"/>
-              <a:t>종료 누르면 종료</a:t>
-            </a:r>
-            <a:endParaRPr lang="en-US" altLang="ko-KR" dirty="0"/>
-          </a:p>
-          <a:p>
-            <a:pPr marL="342900" indent="-342900">
-              <a:buAutoNum type="arabicPeriod"/>
-            </a:pPr>
-            <a:endParaRPr lang="en-US" altLang="ko-KR" dirty="0"/>
-          </a:p>
-          <a:p>
-            <a:pPr marL="342900" indent="-342900">
-              <a:buAutoNum type="arabicPeriod"/>
-            </a:pPr>
-            <a:r>
-              <a:rPr lang="ko-KR" altLang="en-US" dirty="0" smtClean="0"/>
-              <a:t>서버 정보</a:t>
-            </a:r>
-            <a:endParaRPr lang="en-US" altLang="ko-KR" dirty="0"/>
-          </a:p>
-        </p:txBody>
-      </p:sp>
-      <p:sp>
-        <p:nvSpPr>
-          <p:cNvPr id="3" name="TextBox 2"/>
-          <p:cNvSpPr txBox="1"/>
-          <p:nvPr/>
-        </p:nvSpPr>
-        <p:spPr>
-          <a:xfrm>
-            <a:off x="2425069" y="3332312"/>
-            <a:ext cx="2373923" cy="369332"/>
-          </a:xfrm>
-          <a:prstGeom prst="rect">
-            <a:avLst/>
-          </a:prstGeom>
-          <a:noFill/>
-        </p:spPr>
-        <p:txBody>
-          <a:bodyPr wrap="square" rtlCol="0">
-            <a:spAutoFit/>
-          </a:bodyPr>
-          <a:lstStyle/>
-          <a:p>
-            <a:r>
-              <a:rPr lang="ko-KR" altLang="en-US" dirty="0" smtClean="0"/>
-              <a:t>플레이</a:t>
-            </a:r>
-            <a:endParaRPr lang="ko-KR" altLang="en-US" dirty="0"/>
-          </a:p>
-        </p:txBody>
-      </p:sp>
-      <p:sp>
-        <p:nvSpPr>
-          <p:cNvPr id="6" name="TextBox 5"/>
-          <p:cNvSpPr txBox="1"/>
-          <p:nvPr/>
-        </p:nvSpPr>
-        <p:spPr>
-          <a:xfrm>
-            <a:off x="4587977" y="3332312"/>
-            <a:ext cx="2233246" cy="369332"/>
-          </a:xfrm>
-          <a:prstGeom prst="rect">
-            <a:avLst/>
-          </a:prstGeom>
-          <a:noFill/>
-        </p:spPr>
-        <p:txBody>
-          <a:bodyPr wrap="square" rtlCol="0">
-            <a:spAutoFit/>
-          </a:bodyPr>
-          <a:lstStyle/>
-          <a:p>
-            <a:r>
-              <a:rPr lang="ko-KR" altLang="en-US" dirty="0" smtClean="0"/>
-              <a:t>랭킹</a:t>
-            </a:r>
-            <a:endParaRPr lang="ko-KR" altLang="en-US" dirty="0"/>
-          </a:p>
-        </p:txBody>
-      </p:sp>
-      <p:sp>
-        <p:nvSpPr>
-          <p:cNvPr id="7" name="TextBox 6"/>
-          <p:cNvSpPr txBox="1"/>
-          <p:nvPr/>
-        </p:nvSpPr>
-        <p:spPr>
-          <a:xfrm>
-            <a:off x="3655993" y="4844561"/>
-            <a:ext cx="2048607" cy="369332"/>
-          </a:xfrm>
-          <a:prstGeom prst="rect">
-            <a:avLst/>
-          </a:prstGeom>
-          <a:noFill/>
-        </p:spPr>
-        <p:txBody>
-          <a:bodyPr wrap="square" rtlCol="0">
-            <a:spAutoFit/>
-          </a:bodyPr>
-          <a:lstStyle/>
-          <a:p>
-            <a:r>
-              <a:rPr lang="ko-KR" altLang="en-US" dirty="0" smtClean="0"/>
-              <a:t>종료</a:t>
-            </a:r>
-            <a:endParaRPr lang="ko-KR" altLang="en-US" dirty="0"/>
-          </a:p>
-        </p:txBody>
-      </p:sp>
-      <p:sp>
-        <p:nvSpPr>
-          <p:cNvPr id="2" name="TextBox 1"/>
-          <p:cNvSpPr txBox="1"/>
-          <p:nvPr/>
-        </p:nvSpPr>
-        <p:spPr>
-          <a:xfrm>
-            <a:off x="5950785" y="5758962"/>
-            <a:ext cx="1740876" cy="646331"/>
-          </a:xfrm>
-          <a:prstGeom prst="rect">
-            <a:avLst/>
-          </a:prstGeom>
-          <a:noFill/>
-        </p:spPr>
-        <p:txBody>
-          <a:bodyPr wrap="square" rtlCol="0">
-            <a:spAutoFit/>
-          </a:bodyPr>
-          <a:lstStyle/>
-          <a:p>
-            <a:r>
-              <a:rPr lang="ko-KR" altLang="en-US" dirty="0" smtClean="0"/>
-              <a:t>서버 </a:t>
-            </a:r>
-            <a:r>
-              <a:rPr lang="en-US" altLang="ko-KR" dirty="0" smtClean="0"/>
-              <a:t>: </a:t>
-            </a:r>
-            <a:r>
-              <a:rPr lang="en-US" altLang="ko-KR" dirty="0" err="1" smtClean="0"/>
-              <a:t>xxx.xxx</a:t>
+              <a:t>창 닫기 버튼</a:t>
             </a:r>
             <a:endParaRPr lang="en-US" altLang="ko-KR" dirty="0" smtClean="0"/>
-          </a:p>
-          <a:p>
-            <a:r>
-              <a:rPr lang="ko-KR" altLang="en-US" dirty="0" smtClean="0"/>
-              <a:t>상태 </a:t>
-            </a:r>
-            <a:r>
-              <a:rPr lang="en-US" altLang="ko-KR" dirty="0" smtClean="0"/>
-              <a:t>: </a:t>
-            </a:r>
-            <a:r>
-              <a:rPr lang="ko-KR" altLang="en-US" dirty="0" smtClean="0"/>
-              <a:t>온라인</a:t>
-            </a:r>
-            <a:endParaRPr lang="ko-KR" altLang="en-US" dirty="0"/>
           </a:p>
         </p:txBody>
       </p:sp>
     </p:spTree>
     <p:extLst>
       <p:ext uri="{BB962C8B-B14F-4D97-AF65-F5344CB8AC3E}">
-        <p14:creationId xmlns:p14="http://schemas.microsoft.com/office/powerpoint/2010/main" val="1432007771"/>
+        <p14:creationId xmlns:p14="http://schemas.microsoft.com/office/powerpoint/2010/main" val="4078713772"/>
       </p:ext>
     </p:extLst>
   </p:cSld>
@@ -11153,7 +13136,7 @@
         <p:spPr>
           <a:xfrm>
             <a:off x="1301262" y="562708"/>
-            <a:ext cx="1963999" cy="369332"/>
+            <a:ext cx="2898550" cy="369332"/>
           </a:xfrm>
           <a:prstGeom prst="rect">
             <a:avLst/>
@@ -11167,8 +13150,24 @@
           <a:lstStyle/>
           <a:p>
             <a:r>
+              <a:rPr lang="en-US" altLang="ko-KR" dirty="0" smtClean="0"/>
+              <a:t>2-1. </a:t>
+            </a:r>
+            <a:r>
               <a:rPr lang="ko-KR" altLang="en-US" dirty="0" smtClean="0"/>
-              <a:t>게임 플레이 화면</a:t>
+              <a:t>회원 가입 </a:t>
+            </a:r>
+            <a:r>
+              <a:rPr lang="en-US" altLang="ko-KR" dirty="0" smtClean="0"/>
+              <a:t>(</a:t>
+            </a:r>
+            <a:r>
+              <a:rPr lang="ko-KR" altLang="en-US" dirty="0" smtClean="0"/>
+              <a:t>중복 검사</a:t>
+            </a:r>
+            <a:r>
+              <a:rPr lang="en-US" altLang="ko-KR" dirty="0" smtClean="0"/>
+              <a:t>)</a:t>
             </a:r>
             <a:endParaRPr lang="ko-KR" altLang="en-US" dirty="0"/>
           </a:p>
@@ -11176,19 +13175,24 @@
       </p:sp>
       <p:sp>
         <p:nvSpPr>
-          <p:cNvPr id="12" name="TextBox 11"/>
+          <p:cNvPr id="6" name="TextBox 5"/>
           <p:cNvSpPr txBox="1"/>
           <p:nvPr/>
         </p:nvSpPr>
         <p:spPr>
           <a:xfrm>
-            <a:off x="8748345" y="501190"/>
-            <a:ext cx="2831123" cy="3416320"/>
+            <a:off x="3297115" y="3094892"/>
+            <a:ext cx="2013438" cy="369332"/>
           </a:xfrm>
           <a:prstGeom prst="rect">
             <a:avLst/>
           </a:prstGeom>
           <a:noFill/>
+          <a:ln>
+            <a:solidFill>
+              <a:schemeClr val="tx1"/>
+            </a:solidFill>
+          </a:ln>
         </p:spPr>
         <p:txBody>
           <a:bodyPr wrap="square" rtlCol="0">
@@ -11196,132 +13200,34 @@
           </a:bodyPr>
           <a:lstStyle/>
           <a:p>
-            <a:pPr marL="342900" indent="-342900">
-              <a:buAutoNum type="arabicPeriod"/>
-            </a:pPr>
             <a:r>
               <a:rPr lang="ko-KR" altLang="en-US" dirty="0" smtClean="0"/>
-              <a:t>설명</a:t>
-            </a:r>
-            <a:endParaRPr lang="en-US" altLang="ko-KR" dirty="0" smtClean="0"/>
-          </a:p>
-          <a:p>
-            <a:endParaRPr lang="en-US" altLang="ko-KR" dirty="0" smtClean="0"/>
-          </a:p>
-          <a:p>
-            <a:pPr marL="342900" indent="-342900">
-              <a:buAutoNum type="arabicPeriod"/>
-            </a:pPr>
-            <a:r>
-              <a:rPr lang="ko-KR" altLang="en-US" dirty="0" smtClean="0"/>
-              <a:t>상대 </a:t>
-            </a:r>
-            <a:r>
-              <a:rPr lang="en-US" altLang="ko-KR" dirty="0" smtClean="0"/>
-              <a:t>(</a:t>
-            </a:r>
-            <a:r>
-              <a:rPr lang="ko-KR" altLang="en-US" dirty="0" smtClean="0"/>
-              <a:t>컴퓨터</a:t>
-            </a:r>
-            <a:r>
-              <a:rPr lang="en-US" altLang="ko-KR" dirty="0" smtClean="0"/>
-              <a:t>). </a:t>
-            </a:r>
-            <a:r>
-              <a:rPr lang="ko-KR" altLang="en-US" dirty="0" smtClean="0"/>
-              <a:t>가위바위보 이미지 계속 변함</a:t>
-            </a:r>
-            <a:endParaRPr lang="en-US" altLang="ko-KR" dirty="0" smtClean="0"/>
-          </a:p>
-          <a:p>
-            <a:pPr marL="342900" indent="-342900">
-              <a:buAutoNum type="arabicPeriod"/>
-            </a:pPr>
-            <a:endParaRPr lang="en-US" altLang="ko-KR" dirty="0" smtClean="0"/>
-          </a:p>
-          <a:p>
-            <a:pPr marL="342900" indent="-342900">
-              <a:buAutoNum type="arabicPeriod"/>
-            </a:pPr>
-            <a:r>
-              <a:rPr lang="ko-KR" altLang="en-US" dirty="0" smtClean="0"/>
-              <a:t>클라이언트 자신</a:t>
-            </a:r>
-            <a:r>
-              <a:rPr lang="en-US" altLang="ko-KR" dirty="0" smtClean="0"/>
-              <a:t>. </a:t>
-            </a:r>
-            <a:r>
-              <a:rPr lang="ko-KR" altLang="en-US" dirty="0" smtClean="0"/>
-              <a:t>각각 가위</a:t>
-            </a:r>
-            <a:r>
-              <a:rPr lang="en-US" altLang="ko-KR" dirty="0" smtClean="0"/>
-              <a:t>, </a:t>
-            </a:r>
-            <a:r>
-              <a:rPr lang="ko-KR" altLang="en-US" dirty="0" smtClean="0"/>
-              <a:t>바위</a:t>
-            </a:r>
-            <a:r>
-              <a:rPr lang="en-US" altLang="ko-KR" dirty="0" smtClean="0"/>
-              <a:t>, </a:t>
-            </a:r>
-            <a:r>
-              <a:rPr lang="ko-KR" altLang="en-US" dirty="0" smtClean="0"/>
-              <a:t>보 이미지</a:t>
-            </a:r>
-            <a:endParaRPr lang="en-US" altLang="ko-KR" dirty="0" smtClean="0"/>
-          </a:p>
-          <a:p>
-            <a:pPr marL="342900" indent="-342900">
-              <a:buAutoNum type="arabicPeriod"/>
-            </a:pPr>
-            <a:endParaRPr lang="en-US" altLang="ko-KR" dirty="0"/>
-          </a:p>
-          <a:p>
-            <a:pPr marL="342900" indent="-342900">
-              <a:buAutoNum type="arabicPeriod"/>
-            </a:pPr>
-            <a:r>
-              <a:rPr lang="ko-KR" altLang="en-US" dirty="0" smtClean="0"/>
-              <a:t>비기면 다시</a:t>
-            </a:r>
-            <a:endParaRPr lang="en-US" altLang="ko-KR" dirty="0" smtClean="0"/>
-          </a:p>
-          <a:p>
-            <a:endParaRPr lang="en-US" altLang="ko-KR" dirty="0" smtClean="0"/>
-          </a:p>
-          <a:p>
-            <a:pPr marL="342900" indent="-342900">
-              <a:buAutoNum type="arabicPeriod"/>
-            </a:pPr>
-            <a:endParaRPr lang="en-US" altLang="ko-KR" dirty="0" smtClean="0"/>
-          </a:p>
-          <a:p>
-            <a:pPr marL="342900" indent="-342900">
-              <a:buAutoNum type="arabicPeriod"/>
-            </a:pPr>
-            <a:endParaRPr lang="en-US" altLang="ko-KR" dirty="0" smtClean="0"/>
-          </a:p>
-        </p:txBody>
-      </p:sp>
-      <p:sp>
-        <p:nvSpPr>
-          <p:cNvPr id="2" name="TextBox 1"/>
+              <a:t>닉네임</a:t>
+            </a:r>
+            <a:endParaRPr lang="ko-KR" altLang="en-US" dirty="0"/>
+          </a:p>
+        </p:txBody>
+      </p:sp>
+      <p:sp>
+        <p:nvSpPr>
+          <p:cNvPr id="17" name="TextBox 16"/>
           <p:cNvSpPr txBox="1"/>
           <p:nvPr/>
         </p:nvSpPr>
         <p:spPr>
           <a:xfrm>
-            <a:off x="6268916" y="3754537"/>
-            <a:ext cx="861646" cy="369332"/>
+            <a:off x="3297114" y="3492868"/>
+            <a:ext cx="2013439" cy="369332"/>
           </a:xfrm>
           <a:prstGeom prst="rect">
             <a:avLst/>
           </a:prstGeom>
           <a:noFill/>
+          <a:ln>
+            <a:solidFill>
+              <a:schemeClr val="tx1"/>
+            </a:solidFill>
+          </a:ln>
         </p:spPr>
         <p:txBody>
           <a:bodyPr wrap="square" rtlCol="0">
@@ -11330,12 +13236,8 @@
           <a:lstStyle/>
           <a:p>
             <a:r>
-              <a:rPr lang="en-US" altLang="ko-KR" dirty="0" smtClean="0"/>
-              <a:t>30</a:t>
-            </a:r>
-            <a:r>
               <a:rPr lang="ko-KR" altLang="en-US" dirty="0" smtClean="0"/>
-              <a:t>초</a:t>
+              <a:t>비밀번호</a:t>
             </a:r>
             <a:endParaRPr lang="ko-KR" altLang="en-US" dirty="0"/>
           </a:p>
@@ -11343,19 +13245,24 @@
       </p:sp>
       <p:sp>
         <p:nvSpPr>
-          <p:cNvPr id="3" name="TextBox 2"/>
+          <p:cNvPr id="18" name="TextBox 17"/>
           <p:cNvSpPr txBox="1"/>
           <p:nvPr/>
         </p:nvSpPr>
         <p:spPr>
           <a:xfrm>
-            <a:off x="6084277" y="2514600"/>
-            <a:ext cx="1134208" cy="369332"/>
+            <a:off x="3297114" y="4037964"/>
+            <a:ext cx="993533" cy="323165"/>
           </a:xfrm>
           <a:prstGeom prst="rect">
             <a:avLst/>
           </a:prstGeom>
           <a:noFill/>
+          <a:ln>
+            <a:solidFill>
+              <a:schemeClr val="tx1"/>
+            </a:solidFill>
+          </a:ln>
         </p:spPr>
         <p:txBody>
           <a:bodyPr wrap="square" rtlCol="0">
@@ -11364,28 +13271,33 @@
           <a:lstStyle/>
           <a:p>
             <a:r>
-              <a:rPr lang="en-US" altLang="ko-KR" dirty="0" smtClean="0"/>
-              <a:t>com</a:t>
-            </a:r>
-            <a:endParaRPr lang="ko-KR" altLang="en-US" dirty="0"/>
-          </a:p>
-        </p:txBody>
-      </p:sp>
-      <p:sp>
-        <p:nvSpPr>
-          <p:cNvPr id="6" name="TextBox 5"/>
+              <a:rPr lang="ko-KR" altLang="en-US" sz="1500" dirty="0" smtClean="0"/>
+              <a:t>로그인</a:t>
+            </a:r>
+            <a:endParaRPr lang="ko-KR" altLang="en-US" sz="1500" dirty="0"/>
+          </a:p>
+        </p:txBody>
+      </p:sp>
+      <p:sp>
+        <p:nvSpPr>
+          <p:cNvPr id="19" name="TextBox 18"/>
           <p:cNvSpPr txBox="1"/>
           <p:nvPr/>
         </p:nvSpPr>
         <p:spPr>
           <a:xfrm>
-            <a:off x="6145823" y="5029200"/>
-            <a:ext cx="984739" cy="369332"/>
+            <a:off x="5864468" y="5268888"/>
+            <a:ext cx="1138605" cy="369332"/>
           </a:xfrm>
           <a:prstGeom prst="rect">
             <a:avLst/>
           </a:prstGeom>
           <a:noFill/>
+          <a:ln>
+            <a:solidFill>
+              <a:schemeClr val="tx1"/>
+            </a:solidFill>
+          </a:ln>
         </p:spPr>
         <p:txBody>
           <a:bodyPr wrap="square" rtlCol="0">
@@ -11395,26 +13307,72 @@
           <a:p>
             <a:r>
               <a:rPr lang="ko-KR" altLang="en-US" dirty="0" smtClean="0"/>
-              <a:t>닉네임</a:t>
-            </a:r>
-            <a:endParaRPr lang="en-US" altLang="ko-KR" dirty="0" smtClean="0"/>
-          </a:p>
-        </p:txBody>
-      </p:sp>
-      <p:sp>
-        <p:nvSpPr>
-          <p:cNvPr id="20" name="직사각형 19"/>
+              <a:t>나가기</a:t>
+            </a:r>
+            <a:endParaRPr lang="ko-KR" altLang="en-US" dirty="0"/>
+          </a:p>
+        </p:txBody>
+      </p:sp>
+      <p:sp>
+        <p:nvSpPr>
+          <p:cNvPr id="21" name="TextBox 20"/>
+          <p:cNvSpPr txBox="1"/>
+          <p:nvPr/>
+        </p:nvSpPr>
+        <p:spPr>
+          <a:xfrm>
+            <a:off x="4290647" y="4033654"/>
+            <a:ext cx="1019906" cy="323165"/>
+          </a:xfrm>
+          <a:prstGeom prst="rect">
+            <a:avLst/>
+          </a:prstGeom>
+          <a:noFill/>
+          <a:ln>
+            <a:solidFill>
+              <a:schemeClr val="tx1"/>
+            </a:solidFill>
+          </a:ln>
+        </p:spPr>
+        <p:txBody>
+          <a:bodyPr wrap="square" rtlCol="0">
+            <a:spAutoFit/>
+          </a:bodyPr>
+          <a:lstStyle/>
+          <a:p>
+            <a:r>
+              <a:rPr lang="ko-KR" altLang="en-US" sz="1500" dirty="0" smtClean="0"/>
+              <a:t>회원가입</a:t>
+            </a:r>
+            <a:endParaRPr lang="ko-KR" altLang="en-US" sz="1500" dirty="0"/>
+          </a:p>
+        </p:txBody>
+      </p:sp>
+      <p:sp>
+        <p:nvSpPr>
+          <p:cNvPr id="2" name="직사각형 1"/>
           <p:cNvSpPr/>
           <p:nvPr/>
         </p:nvSpPr>
         <p:spPr>
           <a:xfrm>
-            <a:off x="2522022" y="2417885"/>
-            <a:ext cx="1951892" cy="1037767"/>
+            <a:off x="2725615" y="2611315"/>
+            <a:ext cx="3420208" cy="2497016"/>
           </a:xfrm>
           <a:prstGeom prst="rect">
             <a:avLst/>
           </a:prstGeom>
+          <a:solidFill>
+            <a:schemeClr val="tx1">
+              <a:lumMod val="50000"/>
+              <a:lumOff val="50000"/>
+            </a:schemeClr>
+          </a:solidFill>
+          <a:ln>
+            <a:solidFill>
+              <a:schemeClr val="bg2"/>
+            </a:solidFill>
+          </a:ln>
         </p:spPr>
         <p:style>
           <a:lnRef idx="2">
@@ -11437,9 +13395,101 @@
           <a:lstStyle/>
           <a:p>
             <a:pPr algn="ctr"/>
+            <a:endParaRPr lang="ko-KR" altLang="en-US"/>
+          </a:p>
+        </p:txBody>
+      </p:sp>
+      <p:sp>
+        <p:nvSpPr>
+          <p:cNvPr id="8" name="TextBox 7"/>
+          <p:cNvSpPr txBox="1"/>
+          <p:nvPr/>
+        </p:nvSpPr>
+        <p:spPr>
+          <a:xfrm>
+            <a:off x="2945423" y="2910226"/>
+            <a:ext cx="1512276" cy="307777"/>
+          </a:xfrm>
+          <a:prstGeom prst="rect">
+            <a:avLst/>
+          </a:prstGeom>
+          <a:solidFill>
+            <a:schemeClr val="bg1"/>
+          </a:solidFill>
+        </p:spPr>
+        <p:txBody>
+          <a:bodyPr wrap="square" rtlCol="0">
+            <a:spAutoFit/>
+          </a:bodyPr>
+          <a:lstStyle/>
+          <a:p>
+            <a:r>
+              <a:rPr lang="en-US" altLang="ko-KR" sz="1400" dirty="0" smtClean="0"/>
+              <a:t>msh428</a:t>
+            </a:r>
+            <a:endParaRPr lang="ko-KR" altLang="en-US" sz="1400" dirty="0"/>
+          </a:p>
+        </p:txBody>
+      </p:sp>
+      <p:sp>
+        <p:nvSpPr>
+          <p:cNvPr id="24" name="TextBox 23"/>
+          <p:cNvSpPr txBox="1"/>
+          <p:nvPr/>
+        </p:nvSpPr>
+        <p:spPr>
+          <a:xfrm>
+            <a:off x="2945422" y="3317104"/>
+            <a:ext cx="1512277" cy="307777"/>
+          </a:xfrm>
+          <a:prstGeom prst="rect">
+            <a:avLst/>
+          </a:prstGeom>
+          <a:solidFill>
+            <a:schemeClr val="bg1"/>
+          </a:solidFill>
+        </p:spPr>
+        <p:txBody>
+          <a:bodyPr wrap="square" rtlCol="0">
+            <a:spAutoFit/>
+          </a:bodyPr>
+          <a:lstStyle/>
+          <a:p>
+            <a:r>
+              <a:rPr lang="en-US" altLang="ko-KR" sz="1400" dirty="0" smtClean="0"/>
+              <a:t>********</a:t>
+            </a:r>
+            <a:endParaRPr lang="ko-KR" altLang="en-US" sz="1400" dirty="0"/>
+          </a:p>
+        </p:txBody>
+      </p:sp>
+      <p:sp>
+        <p:nvSpPr>
+          <p:cNvPr id="26" name="TextBox 25"/>
+          <p:cNvSpPr txBox="1"/>
+          <p:nvPr/>
+        </p:nvSpPr>
+        <p:spPr>
+          <a:xfrm>
+            <a:off x="2998178" y="4350670"/>
+            <a:ext cx="1208942" cy="369332"/>
+          </a:xfrm>
+          <a:prstGeom prst="rect">
+            <a:avLst/>
+          </a:prstGeom>
+          <a:solidFill>
+            <a:schemeClr val="bg1"/>
+          </a:solidFill>
+        </p:spPr>
+        <p:txBody>
+          <a:bodyPr wrap="square" rtlCol="0">
+            <a:spAutoFit/>
+          </a:bodyPr>
+          <a:lstStyle/>
+          <a:p>
             <a:r>
               <a:rPr lang="ko-KR" altLang="en-US" dirty="0" smtClean="0"/>
-              <a:t>가위바위보</a:t>
+              <a:t>회원 가입</a:t>
             </a:r>
             <a:endParaRPr lang="ko-KR" altLang="en-US" dirty="0"/>
           </a:p>
@@ -11447,14 +13497,110 @@
       </p:sp>
       <p:sp>
         <p:nvSpPr>
-          <p:cNvPr id="21" name="직사각형 20"/>
+          <p:cNvPr id="27" name="TextBox 26"/>
+          <p:cNvSpPr txBox="1"/>
+          <p:nvPr/>
+        </p:nvSpPr>
+        <p:spPr>
+          <a:xfrm>
+            <a:off x="4508257" y="4343454"/>
+            <a:ext cx="1208942" cy="369332"/>
+          </a:xfrm>
+          <a:prstGeom prst="rect">
+            <a:avLst/>
+          </a:prstGeom>
+          <a:solidFill>
+            <a:schemeClr val="bg1"/>
+          </a:solidFill>
+        </p:spPr>
+        <p:txBody>
+          <a:bodyPr wrap="square" rtlCol="0">
+            <a:spAutoFit/>
+          </a:bodyPr>
+          <a:lstStyle/>
+          <a:p>
+            <a:r>
+              <a:rPr lang="ko-KR" altLang="en-US" dirty="0" smtClean="0"/>
+              <a:t>닫기</a:t>
+            </a:r>
+            <a:endParaRPr lang="ko-KR" altLang="en-US" dirty="0"/>
+          </a:p>
+        </p:txBody>
+      </p:sp>
+      <p:sp>
+        <p:nvSpPr>
+          <p:cNvPr id="28" name="TextBox 27"/>
+          <p:cNvSpPr txBox="1"/>
+          <p:nvPr/>
+        </p:nvSpPr>
+        <p:spPr>
+          <a:xfrm>
+            <a:off x="2932235" y="3698239"/>
+            <a:ext cx="1525465" cy="307777"/>
+          </a:xfrm>
+          <a:prstGeom prst="rect">
+            <a:avLst/>
+          </a:prstGeom>
+          <a:solidFill>
+            <a:schemeClr val="bg1"/>
+          </a:solidFill>
+        </p:spPr>
+        <p:txBody>
+          <a:bodyPr wrap="square" rtlCol="0">
+            <a:spAutoFit/>
+          </a:bodyPr>
+          <a:lstStyle/>
+          <a:p>
+            <a:r>
+              <a:rPr lang="en-US" altLang="ko-KR" sz="1400" dirty="0"/>
+              <a:t>********</a:t>
+            </a:r>
+            <a:endParaRPr lang="ko-KR" altLang="en-US" sz="1400" dirty="0"/>
+          </a:p>
+        </p:txBody>
+      </p:sp>
+      <p:sp>
+        <p:nvSpPr>
+          <p:cNvPr id="29" name="TextBox 28"/>
+          <p:cNvSpPr txBox="1"/>
+          <p:nvPr/>
+        </p:nvSpPr>
+        <p:spPr>
+          <a:xfrm>
+            <a:off x="4787323" y="2907087"/>
+            <a:ext cx="1156277" cy="307777"/>
+          </a:xfrm>
+          <a:prstGeom prst="rect">
+            <a:avLst/>
+          </a:prstGeom>
+          <a:solidFill>
+            <a:schemeClr val="bg1"/>
+          </a:solidFill>
+        </p:spPr>
+        <p:txBody>
+          <a:bodyPr wrap="square" rtlCol="0">
+            <a:spAutoFit/>
+          </a:bodyPr>
+          <a:lstStyle/>
+          <a:p>
+            <a:r>
+              <a:rPr lang="ko-KR" altLang="en-US" sz="1400" dirty="0" smtClean="0"/>
+              <a:t>중복 검사</a:t>
+            </a:r>
+            <a:endParaRPr lang="ko-KR" altLang="en-US" sz="1400" dirty="0"/>
+          </a:p>
+        </p:txBody>
+      </p:sp>
+      <p:sp>
+        <p:nvSpPr>
+          <p:cNvPr id="3" name="직사각형 2"/>
           <p:cNvSpPr/>
           <p:nvPr/>
         </p:nvSpPr>
         <p:spPr>
           <a:xfrm>
-            <a:off x="1626577" y="4396154"/>
-            <a:ext cx="1034753" cy="1002378"/>
+            <a:off x="3367454" y="2907087"/>
+            <a:ext cx="2349745" cy="1682498"/>
           </a:xfrm>
           <a:prstGeom prst="rect">
             <a:avLst/>
@@ -11481,9 +13627,35 @@
           <a:lstStyle/>
           <a:p>
             <a:pPr algn="ctr"/>
+            <a:endParaRPr lang="ko-KR" altLang="en-US"/>
+          </a:p>
+        </p:txBody>
+      </p:sp>
+      <p:sp>
+        <p:nvSpPr>
+          <p:cNvPr id="7" name="TextBox 6"/>
+          <p:cNvSpPr txBox="1"/>
+          <p:nvPr/>
+        </p:nvSpPr>
+        <p:spPr>
+          <a:xfrm>
+            <a:off x="3778451" y="3150504"/>
+            <a:ext cx="1688123" cy="646331"/>
+          </a:xfrm>
+          <a:prstGeom prst="rect">
+            <a:avLst/>
+          </a:prstGeom>
+          <a:noFill/>
+        </p:spPr>
+        <p:txBody>
+          <a:bodyPr wrap="square" rtlCol="0">
+            <a:spAutoFit/>
+          </a:bodyPr>
+          <a:lstStyle/>
+          <a:p>
             <a:r>
               <a:rPr lang="ko-KR" altLang="en-US" dirty="0" smtClean="0"/>
-              <a:t>가위</a:t>
+              <a:t>사용 가능한 닉네임 입니다</a:t>
             </a:r>
             <a:endParaRPr lang="ko-KR" altLang="en-US" dirty="0"/>
           </a:p>
@@ -11491,16 +13663,48 @@
       </p:sp>
       <p:sp>
         <p:nvSpPr>
-          <p:cNvPr id="23" name="직사각형 22"/>
+          <p:cNvPr id="9" name="TextBox 8"/>
+          <p:cNvSpPr txBox="1"/>
+          <p:nvPr/>
+        </p:nvSpPr>
+        <p:spPr>
+          <a:xfrm>
+            <a:off x="4199812" y="4123869"/>
+            <a:ext cx="750257" cy="369332"/>
+          </a:xfrm>
+          <a:prstGeom prst="rect">
+            <a:avLst/>
+          </a:prstGeom>
+          <a:solidFill>
+            <a:schemeClr val="bg2"/>
+          </a:solidFill>
+        </p:spPr>
+        <p:txBody>
+          <a:bodyPr wrap="square" rtlCol="0">
+            <a:spAutoFit/>
+          </a:bodyPr>
+          <a:lstStyle/>
+          <a:p>
+            <a:r>
+              <a:rPr lang="ko-KR" altLang="en-US" smtClean="0"/>
+              <a:t>확인</a:t>
+            </a:r>
+            <a:endParaRPr lang="ko-KR" altLang="en-US"/>
+          </a:p>
+        </p:txBody>
+      </p:sp>
+      <p:sp>
+        <p:nvSpPr>
+          <p:cNvPr id="35" name="타원 34"/>
           <p:cNvSpPr/>
           <p:nvPr/>
         </p:nvSpPr>
         <p:spPr>
           <a:xfrm>
-            <a:off x="2980592" y="4396154"/>
-            <a:ext cx="1034753" cy="1002378"/>
-          </a:xfrm>
-          <a:prstGeom prst="rect">
+            <a:off x="3261944" y="2699312"/>
+            <a:ext cx="439616" cy="386861"/>
+          </a:xfrm>
+          <a:prstGeom prst="ellipse">
             <a:avLst/>
           </a:prstGeom>
         </p:spPr>
@@ -11526,8 +13730,8 @@
           <a:p>
             <a:pPr algn="ctr"/>
             <a:r>
-              <a:rPr lang="ko-KR" altLang="en-US" dirty="0" smtClean="0"/>
-              <a:t>바위</a:t>
+              <a:rPr lang="en-US" altLang="ko-KR" dirty="0" smtClean="0"/>
+              <a:t>1</a:t>
             </a:r>
             <a:endParaRPr lang="ko-KR" altLang="en-US" dirty="0"/>
           </a:p>
@@ -11535,16 +13739,16 @@
       </p:sp>
       <p:sp>
         <p:nvSpPr>
-          <p:cNvPr id="24" name="직사각형 23"/>
+          <p:cNvPr id="36" name="타원 35"/>
           <p:cNvSpPr/>
           <p:nvPr/>
         </p:nvSpPr>
         <p:spPr>
           <a:xfrm>
-            <a:off x="4274431" y="4396154"/>
-            <a:ext cx="1034753" cy="1002378"/>
-          </a:xfrm>
-          <a:prstGeom prst="rect">
+            <a:off x="4705339" y="4351376"/>
+            <a:ext cx="439616" cy="386861"/>
+          </a:xfrm>
+          <a:prstGeom prst="ellipse">
             <a:avLst/>
           </a:prstGeom>
         </p:spPr>
@@ -11570,8 +13774,8 @@
           <a:p>
             <a:pPr algn="ctr"/>
             <a:r>
-              <a:rPr lang="ko-KR" altLang="en-US" dirty="0" smtClean="0"/>
-              <a:t>보</a:t>
+              <a:rPr lang="en-US" altLang="ko-KR" dirty="0"/>
+              <a:t>2</a:t>
             </a:r>
             <a:endParaRPr lang="ko-KR" altLang="en-US" dirty="0"/>
           </a:p>
@@ -11579,14 +13783,14 @@
       </p:sp>
       <p:sp>
         <p:nvSpPr>
-          <p:cNvPr id="25" name="TextBox 24"/>
+          <p:cNvPr id="10" name="TextBox 9"/>
           <p:cNvSpPr txBox="1"/>
           <p:nvPr/>
         </p:nvSpPr>
         <p:spPr>
           <a:xfrm>
-            <a:off x="3353185" y="3719617"/>
-            <a:ext cx="568185" cy="369332"/>
+            <a:off x="8634046" y="747374"/>
+            <a:ext cx="3015762" cy="1477328"/>
           </a:xfrm>
           <a:prstGeom prst="rect">
             <a:avLst/>
@@ -11599,53 +13803,46 @@
           </a:bodyPr>
           <a:lstStyle/>
           <a:p>
-            <a:r>
-              <a:rPr lang="en-US" altLang="ko-KR" dirty="0" smtClean="0"/>
-              <a:t>vs</a:t>
-            </a:r>
-            <a:endParaRPr lang="ko-KR" altLang="en-US" dirty="0"/>
-          </a:p>
-        </p:txBody>
-      </p:sp>
-      <p:sp>
-        <p:nvSpPr>
-          <p:cNvPr id="26" name="TextBox 25"/>
-          <p:cNvSpPr txBox="1"/>
-          <p:nvPr/>
-        </p:nvSpPr>
-        <p:spPr>
-          <a:xfrm>
-            <a:off x="6901962" y="1840018"/>
-            <a:ext cx="646234" cy="369332"/>
-          </a:xfrm>
-          <a:prstGeom prst="rect">
-            <a:avLst/>
-          </a:prstGeom>
-          <a:noFill/>
-          <a:ln>
-            <a:solidFill>
-              <a:schemeClr val="tx1"/>
-            </a:solidFill>
-          </a:ln>
-        </p:spPr>
-        <p:txBody>
-          <a:bodyPr wrap="square" rtlCol="0">
-            <a:spAutoFit/>
-          </a:bodyPr>
-          <a:lstStyle/>
-          <a:p>
+            <a:pPr marL="342900" indent="-342900">
+              <a:buAutoNum type="arabicPeriod"/>
+            </a:pPr>
             <a:r>
               <a:rPr lang="ko-KR" altLang="en-US" dirty="0" smtClean="0"/>
-              <a:t>항복</a:t>
-            </a:r>
-            <a:endParaRPr lang="ko-KR" altLang="en-US" dirty="0"/>
+              <a:t>새 창</a:t>
+            </a:r>
+            <a:endParaRPr lang="en-US" altLang="ko-KR" dirty="0" smtClean="0"/>
+          </a:p>
+          <a:p>
+            <a:pPr marL="342900" indent="-342900">
+              <a:buAutoNum type="arabicPeriod"/>
+            </a:pPr>
+            <a:endParaRPr lang="en-US" altLang="ko-KR" dirty="0"/>
+          </a:p>
+          <a:p>
+            <a:pPr marL="342900" indent="-342900">
+              <a:buAutoNum type="arabicPeriod"/>
+            </a:pPr>
+            <a:r>
+              <a:rPr lang="ko-KR" altLang="en-US" dirty="0" smtClean="0"/>
+              <a:t>확인 버튼</a:t>
+            </a:r>
+            <a:endParaRPr lang="en-US" altLang="ko-KR" dirty="0" smtClean="0"/>
+          </a:p>
+          <a:p>
+            <a:pPr marL="342900" indent="-342900">
+              <a:buAutoNum type="arabicPeriod"/>
+            </a:pPr>
+            <a:endParaRPr lang="en-US" altLang="ko-KR" dirty="0"/>
+          </a:p>
+          <a:p>
+            <a:endParaRPr lang="en-US" altLang="ko-KR" dirty="0" smtClean="0"/>
           </a:p>
         </p:txBody>
       </p:sp>
     </p:spTree>
     <p:extLst>
       <p:ext uri="{BB962C8B-B14F-4D97-AF65-F5344CB8AC3E}">
-        <p14:creationId xmlns:p14="http://schemas.microsoft.com/office/powerpoint/2010/main" val="4284609772"/>
+        <p14:creationId xmlns:p14="http://schemas.microsoft.com/office/powerpoint/2010/main" val="4267408102"/>
       </p:ext>
     </p:extLst>
   </p:cSld>
@@ -11681,40 +13878,6 @@
       </p:grpSpPr>
       <p:sp>
         <p:nvSpPr>
-          <p:cNvPr id="4" name="TextBox 3"/>
-          <p:cNvSpPr txBox="1"/>
-          <p:nvPr/>
-        </p:nvSpPr>
-        <p:spPr>
-          <a:xfrm>
-            <a:off x="8528538" y="395652"/>
-            <a:ext cx="3270739" cy="6120000"/>
-          </a:xfrm>
-          <a:prstGeom prst="rect">
-            <a:avLst/>
-          </a:prstGeom>
-          <a:noFill/>
-          <a:ln>
-            <a:solidFill>
-              <a:schemeClr val="tx1"/>
-            </a:solidFill>
-          </a:ln>
-        </p:spPr>
-        <p:txBody>
-          <a:bodyPr wrap="square" rtlCol="0">
-            <a:spAutoFit/>
-          </a:bodyPr>
-          <a:lstStyle/>
-          <a:p>
-            <a:endParaRPr lang="en-US" altLang="ko-KR" dirty="0" smtClean="0"/>
-          </a:p>
-          <a:p>
-            <a:endParaRPr lang="ko-KR" altLang="en-US" dirty="0"/>
-          </a:p>
-        </p:txBody>
-      </p:sp>
-      <p:sp>
-        <p:nvSpPr>
           <p:cNvPr id="5" name="TextBox 4"/>
           <p:cNvSpPr txBox="1">
             <a:spLocks/>
@@ -11757,7 +13920,7 @@
         <p:spPr>
           <a:xfrm>
             <a:off x="1301262" y="562708"/>
-            <a:ext cx="1963999" cy="369332"/>
+            <a:ext cx="2214068" cy="369332"/>
           </a:xfrm>
           <a:prstGeom prst="rect">
             <a:avLst/>
@@ -11771,8 +13934,12 @@
           <a:lstStyle/>
           <a:p>
             <a:r>
+              <a:rPr lang="en-US" altLang="ko-KR" dirty="0" smtClean="0"/>
+              <a:t>2-2. </a:t>
+            </a:r>
+            <a:r>
               <a:rPr lang="ko-KR" altLang="en-US" dirty="0" smtClean="0"/>
-              <a:t>게임 플레이 종료</a:t>
+              <a:t>회원 가입 완료</a:t>
             </a:r>
             <a:endParaRPr lang="ko-KR" altLang="en-US" dirty="0"/>
           </a:p>
@@ -11780,119 +13947,14 @@
       </p:sp>
       <p:sp>
         <p:nvSpPr>
-          <p:cNvPr id="12" name="TextBox 11"/>
+          <p:cNvPr id="6" name="TextBox 5"/>
           <p:cNvSpPr txBox="1"/>
           <p:nvPr/>
         </p:nvSpPr>
         <p:spPr>
           <a:xfrm>
-            <a:off x="8827477" y="808892"/>
-            <a:ext cx="2620108" cy="2585323"/>
-          </a:xfrm>
-          <a:prstGeom prst="rect">
-            <a:avLst/>
-          </a:prstGeom>
-          <a:noFill/>
-        </p:spPr>
-        <p:txBody>
-          <a:bodyPr wrap="square" rtlCol="0">
-            <a:spAutoFit/>
-          </a:bodyPr>
-          <a:lstStyle/>
-          <a:p>
-            <a:pPr marL="342900" indent="-342900">
-              <a:buAutoNum type="arabicPeriod"/>
-            </a:pPr>
-            <a:r>
-              <a:rPr lang="ko-KR" altLang="en-US" dirty="0" smtClean="0"/>
-              <a:t>게임 종료 시 </a:t>
-            </a:r>
-            <a:r>
-              <a:rPr lang="ko-KR" altLang="en-US" dirty="0" err="1" smtClean="0"/>
-              <a:t>새창</a:t>
-            </a:r>
-            <a:r>
-              <a:rPr lang="ko-KR" altLang="en-US" dirty="0" smtClean="0"/>
-              <a:t> 뜨면서 결과 알려줌</a:t>
-            </a:r>
-            <a:endParaRPr lang="en-US" altLang="ko-KR" dirty="0" smtClean="0"/>
-          </a:p>
-          <a:p>
-            <a:pPr marL="342900" indent="-342900">
-              <a:buAutoNum type="arabicPeriod"/>
-            </a:pPr>
-            <a:endParaRPr lang="en-US" altLang="ko-KR" dirty="0"/>
-          </a:p>
-          <a:p>
-            <a:pPr marL="342900" indent="-342900">
-              <a:buAutoNum type="arabicPeriod"/>
-            </a:pPr>
-            <a:r>
-              <a:rPr lang="ko-KR" altLang="en-US" dirty="0" smtClean="0"/>
-              <a:t>확인 누르면 로비로</a:t>
-            </a:r>
-            <a:endParaRPr lang="en-US" altLang="ko-KR" dirty="0" smtClean="0"/>
-          </a:p>
-          <a:p>
-            <a:pPr marL="342900" indent="-342900">
-              <a:buAutoNum type="arabicPeriod"/>
-            </a:pPr>
-            <a:endParaRPr lang="en-US" altLang="ko-KR" dirty="0"/>
-          </a:p>
-          <a:p>
-            <a:pPr marL="342900" indent="-342900">
-              <a:buAutoNum type="arabicPeriod"/>
-            </a:pPr>
-            <a:r>
-              <a:rPr lang="en-US" altLang="ko-KR" dirty="0" smtClean="0"/>
-              <a:t>(</a:t>
-            </a:r>
-            <a:r>
-              <a:rPr lang="ko-KR" altLang="en-US" dirty="0" smtClean="0"/>
-              <a:t>미정</a:t>
-            </a:r>
-            <a:r>
-              <a:rPr lang="en-US" altLang="ko-KR" dirty="0" smtClean="0"/>
-              <a:t>) </a:t>
-            </a:r>
-            <a:r>
-              <a:rPr lang="ko-KR" altLang="en-US" dirty="0" smtClean="0"/>
-              <a:t>결과 창을 따로 만들 수도 </a:t>
-            </a:r>
-            <a:r>
-              <a:rPr lang="ko-KR" altLang="en-US" dirty="0" smtClean="0"/>
-              <a:t>있음</a:t>
-            </a:r>
-            <a:endParaRPr lang="en-US" altLang="ko-KR" dirty="0"/>
-          </a:p>
-          <a:p>
-            <a:pPr marL="342900" indent="-342900">
-              <a:buAutoNum type="arabicPeriod"/>
-            </a:pPr>
-            <a:endParaRPr lang="en-US" altLang="ko-KR" dirty="0" smtClean="0"/>
-          </a:p>
-          <a:p>
-            <a:pPr marL="342900" indent="-342900">
-              <a:buAutoNum type="arabicPeriod"/>
-            </a:pPr>
-            <a:r>
-              <a:rPr lang="ko-KR" altLang="en-US" dirty="0" smtClean="0"/>
-              <a:t>안 내면 부전 패</a:t>
-            </a:r>
-            <a:endParaRPr lang="en-US" altLang="ko-KR" dirty="0" smtClean="0"/>
-          </a:p>
-        </p:txBody>
-      </p:sp>
-      <p:sp>
-        <p:nvSpPr>
-          <p:cNvPr id="2" name="TextBox 1"/>
-          <p:cNvSpPr txBox="1"/>
-          <p:nvPr/>
-        </p:nvSpPr>
-        <p:spPr>
-          <a:xfrm>
-            <a:off x="2532185" y="3472962"/>
-            <a:ext cx="3112477" cy="923330"/>
+            <a:off x="3297115" y="3094892"/>
+            <a:ext cx="2013438" cy="369332"/>
           </a:xfrm>
           <a:prstGeom prst="rect">
             <a:avLst/>
@@ -11910,25 +13972,678 @@
           </a:bodyPr>
           <a:lstStyle/>
           <a:p>
+            <a:r>
+              <a:rPr lang="ko-KR" altLang="en-US" dirty="0" smtClean="0"/>
+              <a:t>닉네임</a:t>
+            </a:r>
+            <a:endParaRPr lang="ko-KR" altLang="en-US" dirty="0"/>
+          </a:p>
+        </p:txBody>
+      </p:sp>
+      <p:sp>
+        <p:nvSpPr>
+          <p:cNvPr id="17" name="TextBox 16"/>
+          <p:cNvSpPr txBox="1"/>
+          <p:nvPr/>
+        </p:nvSpPr>
+        <p:spPr>
+          <a:xfrm>
+            <a:off x="3297114" y="3492868"/>
+            <a:ext cx="2013439" cy="369332"/>
+          </a:xfrm>
+          <a:prstGeom prst="rect">
+            <a:avLst/>
+          </a:prstGeom>
+          <a:noFill/>
+          <a:ln>
+            <a:solidFill>
+              <a:schemeClr val="tx1"/>
+            </a:solidFill>
+          </a:ln>
+        </p:spPr>
+        <p:txBody>
+          <a:bodyPr wrap="square" rtlCol="0">
+            <a:spAutoFit/>
+          </a:bodyPr>
+          <a:lstStyle/>
+          <a:p>
+            <a:r>
+              <a:rPr lang="ko-KR" altLang="en-US" dirty="0" smtClean="0"/>
+              <a:t>비밀번호</a:t>
+            </a:r>
+            <a:endParaRPr lang="ko-KR" altLang="en-US" dirty="0"/>
+          </a:p>
+        </p:txBody>
+      </p:sp>
+      <p:sp>
+        <p:nvSpPr>
+          <p:cNvPr id="18" name="TextBox 17"/>
+          <p:cNvSpPr txBox="1"/>
+          <p:nvPr/>
+        </p:nvSpPr>
+        <p:spPr>
+          <a:xfrm>
+            <a:off x="3297114" y="4037964"/>
+            <a:ext cx="993533" cy="323165"/>
+          </a:xfrm>
+          <a:prstGeom prst="rect">
+            <a:avLst/>
+          </a:prstGeom>
+          <a:noFill/>
+          <a:ln>
+            <a:solidFill>
+              <a:schemeClr val="tx1"/>
+            </a:solidFill>
+          </a:ln>
+        </p:spPr>
+        <p:txBody>
+          <a:bodyPr wrap="square" rtlCol="0">
+            <a:spAutoFit/>
+          </a:bodyPr>
+          <a:lstStyle/>
+          <a:p>
+            <a:r>
+              <a:rPr lang="ko-KR" altLang="en-US" sz="1500" dirty="0" smtClean="0"/>
+              <a:t>로그인</a:t>
+            </a:r>
+            <a:endParaRPr lang="ko-KR" altLang="en-US" sz="1500" dirty="0"/>
+          </a:p>
+        </p:txBody>
+      </p:sp>
+      <p:sp>
+        <p:nvSpPr>
+          <p:cNvPr id="19" name="TextBox 18"/>
+          <p:cNvSpPr txBox="1"/>
+          <p:nvPr/>
+        </p:nvSpPr>
+        <p:spPr>
+          <a:xfrm>
+            <a:off x="5864468" y="5268888"/>
+            <a:ext cx="1138605" cy="369332"/>
+          </a:xfrm>
+          <a:prstGeom prst="rect">
+            <a:avLst/>
+          </a:prstGeom>
+          <a:noFill/>
+          <a:ln>
+            <a:solidFill>
+              <a:schemeClr val="tx1"/>
+            </a:solidFill>
+          </a:ln>
+        </p:spPr>
+        <p:txBody>
+          <a:bodyPr wrap="square" rtlCol="0">
+            <a:spAutoFit/>
+          </a:bodyPr>
+          <a:lstStyle/>
+          <a:p>
+            <a:r>
+              <a:rPr lang="ko-KR" altLang="en-US" dirty="0" smtClean="0"/>
+              <a:t>나가기</a:t>
+            </a:r>
+            <a:endParaRPr lang="ko-KR" altLang="en-US" dirty="0"/>
+          </a:p>
+        </p:txBody>
+      </p:sp>
+      <p:sp>
+        <p:nvSpPr>
+          <p:cNvPr id="21" name="TextBox 20"/>
+          <p:cNvSpPr txBox="1"/>
+          <p:nvPr/>
+        </p:nvSpPr>
+        <p:spPr>
+          <a:xfrm>
+            <a:off x="4290647" y="4033654"/>
+            <a:ext cx="1019906" cy="323165"/>
+          </a:xfrm>
+          <a:prstGeom prst="rect">
+            <a:avLst/>
+          </a:prstGeom>
+          <a:noFill/>
+          <a:ln>
+            <a:solidFill>
+              <a:schemeClr val="tx1"/>
+            </a:solidFill>
+          </a:ln>
+        </p:spPr>
+        <p:txBody>
+          <a:bodyPr wrap="square" rtlCol="0">
+            <a:spAutoFit/>
+          </a:bodyPr>
+          <a:lstStyle/>
+          <a:p>
+            <a:r>
+              <a:rPr lang="ko-KR" altLang="en-US" sz="1500" dirty="0" smtClean="0"/>
+              <a:t>회원가입</a:t>
+            </a:r>
+            <a:endParaRPr lang="ko-KR" altLang="en-US" sz="1500" dirty="0"/>
+          </a:p>
+        </p:txBody>
+      </p:sp>
+      <p:sp>
+        <p:nvSpPr>
+          <p:cNvPr id="2" name="직사각형 1"/>
+          <p:cNvSpPr/>
+          <p:nvPr/>
+        </p:nvSpPr>
+        <p:spPr>
+          <a:xfrm>
+            <a:off x="2725615" y="2611315"/>
+            <a:ext cx="3420208" cy="2497016"/>
+          </a:xfrm>
+          <a:prstGeom prst="rect">
+            <a:avLst/>
+          </a:prstGeom>
+          <a:solidFill>
+            <a:schemeClr val="tx1">
+              <a:lumMod val="50000"/>
+              <a:lumOff val="50000"/>
+            </a:schemeClr>
+          </a:solidFill>
+          <a:ln>
+            <a:solidFill>
+              <a:schemeClr val="bg2"/>
+            </a:solidFill>
+          </a:ln>
+        </p:spPr>
+        <p:style>
+          <a:lnRef idx="2">
+            <a:schemeClr val="accent1">
+              <a:shade val="50000"/>
+            </a:schemeClr>
+          </a:lnRef>
+          <a:fillRef idx="1">
+            <a:schemeClr val="accent1"/>
+          </a:fillRef>
+          <a:effectRef idx="0">
+            <a:schemeClr val="accent1"/>
+          </a:effectRef>
+          <a:fontRef idx="minor">
+            <a:schemeClr val="lt1"/>
+          </a:fontRef>
+        </p:style>
+        <p:txBody>
+          <a:bodyPr rtlCol="0" anchor="ctr"/>
+          <a:lstStyle/>
+          <a:p>
             <a:pPr algn="ctr"/>
+            <a:endParaRPr lang="ko-KR" altLang="en-US"/>
+          </a:p>
+        </p:txBody>
+      </p:sp>
+      <p:sp>
+        <p:nvSpPr>
+          <p:cNvPr id="8" name="TextBox 7"/>
+          <p:cNvSpPr txBox="1"/>
+          <p:nvPr/>
+        </p:nvSpPr>
+        <p:spPr>
+          <a:xfrm>
+            <a:off x="2945423" y="2910226"/>
+            <a:ext cx="1512276" cy="307777"/>
+          </a:xfrm>
+          <a:prstGeom prst="rect">
+            <a:avLst/>
+          </a:prstGeom>
+          <a:solidFill>
+            <a:schemeClr val="bg1"/>
+          </a:solidFill>
+        </p:spPr>
+        <p:txBody>
+          <a:bodyPr wrap="square" rtlCol="0">
+            <a:spAutoFit/>
+          </a:bodyPr>
+          <a:lstStyle/>
+          <a:p>
+            <a:r>
+              <a:rPr lang="en-US" altLang="ko-KR" sz="1400" dirty="0" smtClean="0"/>
+              <a:t>msh428</a:t>
+            </a:r>
+            <a:endParaRPr lang="ko-KR" altLang="en-US" sz="1400" dirty="0"/>
+          </a:p>
+        </p:txBody>
+      </p:sp>
+      <p:sp>
+        <p:nvSpPr>
+          <p:cNvPr id="24" name="TextBox 23"/>
+          <p:cNvSpPr txBox="1"/>
+          <p:nvPr/>
+        </p:nvSpPr>
+        <p:spPr>
+          <a:xfrm>
+            <a:off x="2945422" y="3317104"/>
+            <a:ext cx="1512277" cy="307777"/>
+          </a:xfrm>
+          <a:prstGeom prst="rect">
+            <a:avLst/>
+          </a:prstGeom>
+          <a:solidFill>
+            <a:schemeClr val="bg1"/>
+          </a:solidFill>
+        </p:spPr>
+        <p:txBody>
+          <a:bodyPr wrap="square" rtlCol="0">
+            <a:spAutoFit/>
+          </a:bodyPr>
+          <a:lstStyle/>
+          <a:p>
+            <a:r>
+              <a:rPr lang="en-US" altLang="ko-KR" sz="1400" dirty="0" smtClean="0"/>
+              <a:t>********</a:t>
+            </a:r>
+            <a:endParaRPr lang="ko-KR" altLang="en-US" sz="1400" dirty="0"/>
+          </a:p>
+        </p:txBody>
+      </p:sp>
+      <p:sp>
+        <p:nvSpPr>
+          <p:cNvPr id="26" name="TextBox 25"/>
+          <p:cNvSpPr txBox="1"/>
+          <p:nvPr/>
+        </p:nvSpPr>
+        <p:spPr>
+          <a:xfrm>
+            <a:off x="2998178" y="4350670"/>
+            <a:ext cx="1208942" cy="369332"/>
+          </a:xfrm>
+          <a:prstGeom prst="rect">
+            <a:avLst/>
+          </a:prstGeom>
+          <a:solidFill>
+            <a:schemeClr val="bg1"/>
+          </a:solidFill>
+        </p:spPr>
+        <p:txBody>
+          <a:bodyPr wrap="square" rtlCol="0">
+            <a:spAutoFit/>
+          </a:bodyPr>
+          <a:lstStyle/>
+          <a:p>
             <a:r>
               <a:rPr lang="ko-KR" altLang="en-US" dirty="0" smtClean="0"/>
-              <a:t>승리</a:t>
+              <a:t>회원 가입</a:t>
+            </a:r>
+            <a:endParaRPr lang="ko-KR" altLang="en-US" dirty="0"/>
+          </a:p>
+        </p:txBody>
+      </p:sp>
+      <p:sp>
+        <p:nvSpPr>
+          <p:cNvPr id="27" name="TextBox 26"/>
+          <p:cNvSpPr txBox="1"/>
+          <p:nvPr/>
+        </p:nvSpPr>
+        <p:spPr>
+          <a:xfrm>
+            <a:off x="4508257" y="4343454"/>
+            <a:ext cx="1208942" cy="369332"/>
+          </a:xfrm>
+          <a:prstGeom prst="rect">
+            <a:avLst/>
+          </a:prstGeom>
+          <a:solidFill>
+            <a:schemeClr val="bg1"/>
+          </a:solidFill>
+        </p:spPr>
+        <p:txBody>
+          <a:bodyPr wrap="square" rtlCol="0">
+            <a:spAutoFit/>
+          </a:bodyPr>
+          <a:lstStyle/>
+          <a:p>
+            <a:r>
+              <a:rPr lang="ko-KR" altLang="en-US" dirty="0" smtClean="0"/>
+              <a:t>닫기</a:t>
+            </a:r>
+            <a:endParaRPr lang="ko-KR" altLang="en-US" dirty="0"/>
+          </a:p>
+        </p:txBody>
+      </p:sp>
+      <p:sp>
+        <p:nvSpPr>
+          <p:cNvPr id="28" name="TextBox 27"/>
+          <p:cNvSpPr txBox="1"/>
+          <p:nvPr/>
+        </p:nvSpPr>
+        <p:spPr>
+          <a:xfrm>
+            <a:off x="2932235" y="3698239"/>
+            <a:ext cx="1525465" cy="307777"/>
+          </a:xfrm>
+          <a:prstGeom prst="rect">
+            <a:avLst/>
+          </a:prstGeom>
+          <a:solidFill>
+            <a:schemeClr val="bg1"/>
+          </a:solidFill>
+        </p:spPr>
+        <p:txBody>
+          <a:bodyPr wrap="square" rtlCol="0">
+            <a:spAutoFit/>
+          </a:bodyPr>
+          <a:lstStyle/>
+          <a:p>
+            <a:r>
+              <a:rPr lang="en-US" altLang="ko-KR" sz="1400" dirty="0"/>
+              <a:t>********</a:t>
+            </a:r>
+            <a:endParaRPr lang="ko-KR" altLang="en-US" sz="1400" dirty="0"/>
+          </a:p>
+        </p:txBody>
+      </p:sp>
+      <p:sp>
+        <p:nvSpPr>
+          <p:cNvPr id="29" name="TextBox 28"/>
+          <p:cNvSpPr txBox="1"/>
+          <p:nvPr/>
+        </p:nvSpPr>
+        <p:spPr>
+          <a:xfrm>
+            <a:off x="4787323" y="2907087"/>
+            <a:ext cx="1156277" cy="307777"/>
+          </a:xfrm>
+          <a:prstGeom prst="rect">
+            <a:avLst/>
+          </a:prstGeom>
+          <a:solidFill>
+            <a:schemeClr val="bg1"/>
+          </a:solidFill>
+        </p:spPr>
+        <p:txBody>
+          <a:bodyPr wrap="square" rtlCol="0">
+            <a:spAutoFit/>
+          </a:bodyPr>
+          <a:lstStyle/>
+          <a:p>
+            <a:r>
+              <a:rPr lang="ko-KR" altLang="en-US" sz="1400" dirty="0" smtClean="0"/>
+              <a:t>중복 검사</a:t>
+            </a:r>
+            <a:endParaRPr lang="ko-KR" altLang="en-US" sz="1400" dirty="0"/>
+          </a:p>
+        </p:txBody>
+      </p:sp>
+      <p:sp>
+        <p:nvSpPr>
+          <p:cNvPr id="3" name="직사각형 2"/>
+          <p:cNvSpPr/>
+          <p:nvPr/>
+        </p:nvSpPr>
+        <p:spPr>
+          <a:xfrm>
+            <a:off x="3367454" y="2907087"/>
+            <a:ext cx="2349745" cy="1682498"/>
+          </a:xfrm>
+          <a:prstGeom prst="rect">
+            <a:avLst/>
+          </a:prstGeom>
+        </p:spPr>
+        <p:style>
+          <a:lnRef idx="2">
+            <a:schemeClr val="accent1">
+              <a:shade val="50000"/>
+            </a:schemeClr>
+          </a:lnRef>
+          <a:fillRef idx="1">
+            <a:schemeClr val="accent1"/>
+          </a:fillRef>
+          <a:effectRef idx="0">
+            <a:schemeClr val="accent1"/>
+          </a:effectRef>
+          <a:fontRef idx="minor">
+            <a:schemeClr val="lt1"/>
+          </a:fontRef>
+        </p:style>
+        <p:txBody>
+          <a:bodyPr rtlCol="0" anchor="ctr"/>
+          <a:lstStyle/>
+          <a:p>
+            <a:pPr algn="ctr"/>
+            <a:endParaRPr lang="ko-KR" altLang="en-US"/>
+          </a:p>
+        </p:txBody>
+      </p:sp>
+      <p:sp>
+        <p:nvSpPr>
+          <p:cNvPr id="7" name="TextBox 6"/>
+          <p:cNvSpPr txBox="1"/>
+          <p:nvPr/>
+        </p:nvSpPr>
+        <p:spPr>
+          <a:xfrm>
+            <a:off x="3557608" y="3352916"/>
+            <a:ext cx="1940859" cy="369332"/>
+          </a:xfrm>
+          <a:prstGeom prst="rect">
+            <a:avLst/>
+          </a:prstGeom>
+          <a:noFill/>
+        </p:spPr>
+        <p:txBody>
+          <a:bodyPr wrap="square" rtlCol="0">
+            <a:spAutoFit/>
+          </a:bodyPr>
+          <a:lstStyle/>
+          <a:p>
+            <a:r>
+              <a:rPr lang="ko-KR" altLang="en-US" dirty="0" smtClean="0"/>
+              <a:t>회원 가입 완료</a:t>
             </a:r>
             <a:r>
               <a:rPr lang="en-US" altLang="ko-KR" dirty="0" smtClean="0"/>
-              <a:t>! (+10)</a:t>
-            </a:r>
-          </a:p>
+              <a:t>!</a:t>
+            </a:r>
+            <a:endParaRPr lang="ko-KR" altLang="en-US" dirty="0"/>
+          </a:p>
+        </p:txBody>
+      </p:sp>
+      <p:sp>
+        <p:nvSpPr>
+          <p:cNvPr id="9" name="TextBox 8"/>
+          <p:cNvSpPr txBox="1"/>
+          <p:nvPr/>
+        </p:nvSpPr>
+        <p:spPr>
+          <a:xfrm>
+            <a:off x="4199812" y="4123869"/>
+            <a:ext cx="750257" cy="369332"/>
+          </a:xfrm>
+          <a:prstGeom prst="rect">
+            <a:avLst/>
+          </a:prstGeom>
+          <a:solidFill>
+            <a:schemeClr val="bg2"/>
+          </a:solidFill>
+        </p:spPr>
+        <p:txBody>
+          <a:bodyPr wrap="square" rtlCol="0">
+            <a:spAutoFit/>
+          </a:bodyPr>
+          <a:lstStyle/>
+          <a:p>
+            <a:r>
+              <a:rPr lang="ko-KR" altLang="en-US" smtClean="0"/>
+              <a:t>확인</a:t>
+            </a:r>
+            <a:endParaRPr lang="ko-KR" altLang="en-US"/>
+          </a:p>
+        </p:txBody>
+      </p:sp>
+      <p:sp>
+        <p:nvSpPr>
+          <p:cNvPr id="20" name="TextBox 19"/>
+          <p:cNvSpPr txBox="1"/>
+          <p:nvPr/>
+        </p:nvSpPr>
+        <p:spPr>
+          <a:xfrm>
+            <a:off x="8528538" y="395652"/>
+            <a:ext cx="3270739" cy="6120000"/>
+          </a:xfrm>
+          <a:prstGeom prst="rect">
+            <a:avLst/>
+          </a:prstGeom>
+          <a:noFill/>
+          <a:ln>
+            <a:solidFill>
+              <a:schemeClr val="tx1"/>
+            </a:solidFill>
+          </a:ln>
+        </p:spPr>
+        <p:txBody>
+          <a:bodyPr wrap="square" rtlCol="0">
+            <a:spAutoFit/>
+          </a:bodyPr>
+          <a:lstStyle/>
+          <a:p>
+            <a:endParaRPr lang="en-US" altLang="ko-KR" dirty="0" smtClean="0"/>
+          </a:p>
+          <a:p>
+            <a:endParaRPr lang="ko-KR" altLang="en-US" dirty="0"/>
+          </a:p>
+        </p:txBody>
+      </p:sp>
+      <p:sp>
+        <p:nvSpPr>
+          <p:cNvPr id="22" name="TextBox 21"/>
+          <p:cNvSpPr txBox="1"/>
+          <p:nvPr/>
+        </p:nvSpPr>
+        <p:spPr>
+          <a:xfrm>
+            <a:off x="8634046" y="747374"/>
+            <a:ext cx="3015762" cy="1477328"/>
+          </a:xfrm>
+          <a:prstGeom prst="rect">
+            <a:avLst/>
+          </a:prstGeom>
+          <a:noFill/>
+        </p:spPr>
+        <p:txBody>
+          <a:bodyPr wrap="square" rtlCol="0">
+            <a:spAutoFit/>
+          </a:bodyPr>
+          <a:lstStyle/>
+          <a:p>
+            <a:pPr marL="342900" indent="-342900">
+              <a:buAutoNum type="arabicPeriod"/>
+            </a:pPr>
+            <a:r>
+              <a:rPr lang="ko-KR" altLang="en-US" dirty="0" smtClean="0"/>
+              <a:t>새 창</a:t>
+            </a:r>
+            <a:endParaRPr lang="en-US" altLang="ko-KR" dirty="0" smtClean="0"/>
+          </a:p>
+          <a:p>
+            <a:pPr marL="342900" indent="-342900">
+              <a:buAutoNum type="arabicPeriod"/>
+            </a:pPr>
+            <a:endParaRPr lang="en-US" altLang="ko-KR" dirty="0"/>
+          </a:p>
+          <a:p>
+            <a:pPr marL="342900" indent="-342900">
+              <a:buAutoNum type="arabicPeriod"/>
+            </a:pPr>
+            <a:r>
+              <a:rPr lang="ko-KR" altLang="en-US" dirty="0" smtClean="0"/>
+              <a:t>확인 버튼</a:t>
+            </a:r>
+            <a:endParaRPr lang="en-US" altLang="ko-KR" dirty="0" smtClean="0"/>
+          </a:p>
+          <a:p>
+            <a:pPr marL="342900" indent="-342900">
+              <a:buAutoNum type="arabicPeriod"/>
+            </a:pPr>
+            <a:endParaRPr lang="en-US" altLang="ko-KR" dirty="0"/>
+          </a:p>
+          <a:p>
+            <a:endParaRPr lang="en-US" altLang="ko-KR" dirty="0" smtClean="0"/>
+          </a:p>
+        </p:txBody>
+      </p:sp>
+      <p:sp>
+        <p:nvSpPr>
+          <p:cNvPr id="23" name="타원 22"/>
+          <p:cNvSpPr/>
+          <p:nvPr/>
+        </p:nvSpPr>
+        <p:spPr>
+          <a:xfrm>
+            <a:off x="3261944" y="2699312"/>
+            <a:ext cx="439616" cy="386861"/>
+          </a:xfrm>
+          <a:prstGeom prst="ellipse">
+            <a:avLst/>
+          </a:prstGeom>
+        </p:spPr>
+        <p:style>
+          <a:lnRef idx="2">
+            <a:schemeClr val="accent1">
+              <a:shade val="50000"/>
+            </a:schemeClr>
+          </a:lnRef>
+          <a:fillRef idx="1">
+            <a:schemeClr val="accent1"/>
+          </a:fillRef>
+          <a:effectRef idx="0">
+            <a:schemeClr val="accent1"/>
+          </a:effectRef>
+          <a:fontRef idx="minor">
+            <a:schemeClr val="lt1"/>
+          </a:fontRef>
+        </p:style>
+        <p:txBody>
+          <a:bodyPr rtlCol="0" anchor="ctr"/>
+          <a:lstStyle/>
           <a:p>
             <a:pPr algn="ctr"/>
-            <a:endParaRPr lang="en-US" altLang="ko-KR" dirty="0" smtClean="0"/>
-          </a:p>
+            <a:r>
+              <a:rPr lang="en-US" altLang="ko-KR" dirty="0" smtClean="0"/>
+              <a:t>1</a:t>
+            </a:r>
+            <a:endParaRPr lang="ko-KR" altLang="en-US" dirty="0"/>
+          </a:p>
+        </p:txBody>
+      </p:sp>
+      <p:sp>
+        <p:nvSpPr>
+          <p:cNvPr id="25" name="타원 24"/>
+          <p:cNvSpPr/>
+          <p:nvPr/>
+        </p:nvSpPr>
+        <p:spPr>
+          <a:xfrm>
+            <a:off x="4705339" y="4351376"/>
+            <a:ext cx="439616" cy="386861"/>
+          </a:xfrm>
+          <a:prstGeom prst="ellipse">
+            <a:avLst/>
+          </a:prstGeom>
+        </p:spPr>
+        <p:style>
+          <a:lnRef idx="2">
+            <a:schemeClr val="accent1">
+              <a:shade val="50000"/>
+            </a:schemeClr>
+          </a:lnRef>
+          <a:fillRef idx="1">
+            <a:schemeClr val="accent1"/>
+          </a:fillRef>
+          <a:effectRef idx="0">
+            <a:schemeClr val="accent1"/>
+          </a:effectRef>
+          <a:fontRef idx="minor">
+            <a:schemeClr val="lt1"/>
+          </a:fontRef>
+        </p:style>
+        <p:txBody>
+          <a:bodyPr rtlCol="0" anchor="ctr"/>
+          <a:lstStyle/>
           <a:p>
             <a:pPr algn="ctr"/>
             <a:r>
-              <a:rPr lang="ko-KR" altLang="en-US" dirty="0" smtClean="0"/>
-              <a:t>확인</a:t>
+              <a:rPr lang="en-US" altLang="ko-KR" dirty="0"/>
+              <a:t>2</a:t>
             </a:r>
             <a:endParaRPr lang="ko-KR" altLang="en-US" dirty="0"/>
           </a:p>
@@ -11937,7 +14652,7 @@
     </p:spTree>
     <p:extLst>
       <p:ext uri="{BB962C8B-B14F-4D97-AF65-F5344CB8AC3E}">
-        <p14:creationId xmlns:p14="http://schemas.microsoft.com/office/powerpoint/2010/main" val="1703385917"/>
+        <p14:creationId xmlns:p14="http://schemas.microsoft.com/office/powerpoint/2010/main" val="4204163747"/>
       </p:ext>
     </p:extLst>
   </p:cSld>
@@ -12049,7 +14764,7 @@
         <p:spPr>
           <a:xfrm>
             <a:off x="1301262" y="562708"/>
-            <a:ext cx="1189749" cy="369332"/>
+            <a:ext cx="3220753" cy="369332"/>
           </a:xfrm>
           <a:prstGeom prst="rect">
             <a:avLst/>
@@ -12063,8 +14778,24 @@
           <a:lstStyle/>
           <a:p>
             <a:r>
+              <a:rPr lang="en-US" altLang="ko-KR" dirty="0" smtClean="0"/>
+              <a:t>3. </a:t>
+            </a:r>
+            <a:r>
               <a:rPr lang="ko-KR" altLang="en-US" dirty="0" smtClean="0"/>
-              <a:t>랭킹 보드</a:t>
+              <a:t>게임 로비 </a:t>
+            </a:r>
+            <a:r>
+              <a:rPr lang="en-US" altLang="ko-KR" dirty="0" smtClean="0"/>
+              <a:t>(</a:t>
+            </a:r>
+            <a:r>
+              <a:rPr lang="ko-KR" altLang="en-US" dirty="0" smtClean="0"/>
+              <a:t>로그인 성공 시</a:t>
+            </a:r>
+            <a:r>
+              <a:rPr lang="en-US" altLang="ko-KR" dirty="0" smtClean="0"/>
+              <a:t>)</a:t>
             </a:r>
             <a:endParaRPr lang="ko-KR" altLang="en-US" dirty="0"/>
           </a:p>
@@ -12078,8 +14809,8 @@
         </p:nvSpPr>
         <p:spPr>
           <a:xfrm>
-            <a:off x="8827477" y="808892"/>
-            <a:ext cx="2767104" cy="369332"/>
+            <a:off x="8594500" y="808892"/>
+            <a:ext cx="3034953" cy="2862322"/>
           </a:xfrm>
           <a:prstGeom prst="rect">
             <a:avLst/>
@@ -12087,488 +14818,209 @@
           <a:noFill/>
         </p:spPr>
         <p:txBody>
-          <a:bodyPr wrap="none" rtlCol="0">
+          <a:bodyPr wrap="square" rtlCol="0">
             <a:spAutoFit/>
           </a:bodyPr>
           <a:lstStyle/>
           <a:p>
+            <a:pPr marL="342900" indent="-342900">
+              <a:buAutoNum type="arabicPeriod"/>
+            </a:pPr>
+            <a:r>
+              <a:rPr lang="ko-KR" altLang="en-US" dirty="0" smtClean="0"/>
+              <a:t>게임 플레이 버튼</a:t>
+            </a:r>
+            <a:r>
+              <a:rPr lang="en-US" altLang="ko-KR" dirty="0"/>
+              <a:t> </a:t>
+            </a:r>
             <a:r>
               <a:rPr lang="en-US" altLang="ko-KR" dirty="0" smtClean="0"/>
-              <a:t>1. </a:t>
+              <a:t>- 4</a:t>
             </a:r>
             <a:r>
               <a:rPr lang="ko-KR" altLang="en-US" dirty="0" smtClean="0"/>
-              <a:t>나가기 누르면 로비로 </a:t>
-            </a:r>
-            <a:endParaRPr lang="ko-KR" altLang="en-US" dirty="0"/>
-          </a:p>
-        </p:txBody>
-      </p:sp>
-      <p:graphicFrame>
-        <p:nvGraphicFramePr>
-          <p:cNvPr id="2" name="표 1"/>
-          <p:cNvGraphicFramePr>
-            <a:graphicFrameLocks noGrp="1"/>
-          </p:cNvGraphicFramePr>
-          <p:nvPr>
-            <p:extLst>
-              <p:ext uri="{D42A27DB-BD31-4B8C-83A1-F6EECF244321}">
-                <p14:modId xmlns:p14="http://schemas.microsoft.com/office/powerpoint/2010/main" val="43575448"/>
-              </p:ext>
-            </p:extLst>
-          </p:nvPr>
-        </p:nvGraphicFramePr>
-        <p:xfrm>
-          <a:off x="1301262" y="1898829"/>
-          <a:ext cx="6172200" cy="3877716"/>
-        </p:xfrm>
-        <a:graphic>
-          <a:graphicData uri="http://schemas.openxmlformats.org/drawingml/2006/table">
-            <a:tbl>
-              <a:tblPr firstRow="1" bandRow="1">
-                <a:tableStyleId>{5C22544A-7EE6-4342-B048-85BDC9FD1C3A}</a:tableStyleId>
-              </a:tblPr>
-              <a:tblGrid>
-                <a:gridCol w="1234440">
-                  <a:extLst>
-                    <a:ext uri="{9D8B030D-6E8A-4147-A177-3AD203B41FA5}">
-                      <a16:colId xmlns:a16="http://schemas.microsoft.com/office/drawing/2014/main" val="957695297"/>
-                    </a:ext>
-                  </a:extLst>
-                </a:gridCol>
-                <a:gridCol w="1234440">
-                  <a:extLst>
-                    <a:ext uri="{9D8B030D-6E8A-4147-A177-3AD203B41FA5}">
-                      <a16:colId xmlns:a16="http://schemas.microsoft.com/office/drawing/2014/main" val="3615728160"/>
-                    </a:ext>
-                  </a:extLst>
-                </a:gridCol>
-                <a:gridCol w="1234440">
-                  <a:extLst>
-                    <a:ext uri="{9D8B030D-6E8A-4147-A177-3AD203B41FA5}">
-                      <a16:colId xmlns:a16="http://schemas.microsoft.com/office/drawing/2014/main" val="42957125"/>
-                    </a:ext>
-                  </a:extLst>
-                </a:gridCol>
-                <a:gridCol w="1234440">
-                  <a:extLst>
-                    <a:ext uri="{9D8B030D-6E8A-4147-A177-3AD203B41FA5}">
-                      <a16:colId xmlns:a16="http://schemas.microsoft.com/office/drawing/2014/main" val="1611579007"/>
-                    </a:ext>
-                  </a:extLst>
-                </a:gridCol>
-                <a:gridCol w="1234440">
-                  <a:extLst>
-                    <a:ext uri="{9D8B030D-6E8A-4147-A177-3AD203B41FA5}">
-                      <a16:colId xmlns:a16="http://schemas.microsoft.com/office/drawing/2014/main" val="1457118245"/>
-                    </a:ext>
-                  </a:extLst>
-                </a:gridCol>
-              </a:tblGrid>
-              <a:tr h="646286">
-                <a:tc>
-                  <a:txBody>
-                    <a:bodyPr/>
-                    <a:lstStyle/>
-                    <a:p>
-                      <a:pPr latinLnBrk="1"/>
-                      <a:r>
-                        <a:rPr lang="ko-KR" altLang="en-US" dirty="0" smtClean="0"/>
-                        <a:t>순위</a:t>
-                      </a:r>
-                      <a:endParaRPr lang="ko-KR" altLang="en-US" dirty="0"/>
-                    </a:p>
-                  </a:txBody>
-                  <a:tcPr/>
-                </a:tc>
-                <a:tc>
-                  <a:txBody>
-                    <a:bodyPr/>
-                    <a:lstStyle/>
-                    <a:p>
-                      <a:pPr latinLnBrk="1"/>
-                      <a:r>
-                        <a:rPr lang="ko-KR" altLang="en-US" dirty="0" smtClean="0"/>
-                        <a:t>닉네임</a:t>
-                      </a:r>
-                      <a:endParaRPr lang="ko-KR" altLang="en-US" dirty="0"/>
-                    </a:p>
-                  </a:txBody>
-                  <a:tcPr/>
-                </a:tc>
-                <a:tc>
-                  <a:txBody>
-                    <a:bodyPr/>
-                    <a:lstStyle/>
-                    <a:p>
-                      <a:pPr latinLnBrk="1"/>
-                      <a:r>
-                        <a:rPr lang="ko-KR" altLang="en-US" dirty="0" smtClean="0"/>
-                        <a:t>점수</a:t>
-                      </a:r>
-                      <a:endParaRPr lang="ko-KR" altLang="en-US" dirty="0"/>
-                    </a:p>
-                  </a:txBody>
-                  <a:tcPr/>
-                </a:tc>
-                <a:tc>
-                  <a:txBody>
-                    <a:bodyPr/>
-                    <a:lstStyle/>
-                    <a:p>
-                      <a:pPr latinLnBrk="1"/>
-                      <a:r>
-                        <a:rPr lang="ko-KR" altLang="en-US" dirty="0" smtClean="0"/>
-                        <a:t>승률  </a:t>
-                      </a:r>
-                      <a:r>
-                        <a:rPr lang="en-US" altLang="ko-KR" dirty="0" smtClean="0"/>
-                        <a:t>| </a:t>
-                      </a:r>
-                      <a:r>
-                        <a:rPr lang="ko-KR" altLang="en-US" dirty="0" smtClean="0"/>
-                        <a:t>승</a:t>
-                      </a:r>
-                      <a:endParaRPr lang="ko-KR" altLang="en-US" dirty="0"/>
-                    </a:p>
-                  </a:txBody>
-                  <a:tcPr/>
-                </a:tc>
-                <a:tc>
-                  <a:txBody>
-                    <a:bodyPr/>
-                    <a:lstStyle/>
-                    <a:p>
-                      <a:pPr latinLnBrk="1"/>
-                      <a:r>
-                        <a:rPr lang="ko-KR" altLang="en-US" dirty="0" smtClean="0"/>
-                        <a:t>패</a:t>
-                      </a:r>
-                      <a:endParaRPr lang="ko-KR" altLang="en-US" dirty="0"/>
-                    </a:p>
-                  </a:txBody>
-                  <a:tcPr/>
-                </a:tc>
-                <a:extLst>
-                  <a:ext uri="{0D108BD9-81ED-4DB2-BD59-A6C34878D82A}">
-                    <a16:rowId xmlns:a16="http://schemas.microsoft.com/office/drawing/2014/main" val="2169483915"/>
-                  </a:ext>
-                </a:extLst>
-              </a:tr>
-              <a:tr h="646286">
-                <a:tc>
-                  <a:txBody>
-                    <a:bodyPr/>
-                    <a:lstStyle/>
-                    <a:p>
-                      <a:pPr latinLnBrk="1"/>
-                      <a:endParaRPr lang="ko-KR" altLang="en-US" dirty="0"/>
-                    </a:p>
-                  </a:txBody>
-                  <a:tcPr/>
-                </a:tc>
-                <a:tc>
-                  <a:txBody>
-                    <a:bodyPr/>
-                    <a:lstStyle/>
-                    <a:p>
-                      <a:pPr latinLnBrk="1"/>
-                      <a:endParaRPr lang="ko-KR" altLang="en-US"/>
-                    </a:p>
-                  </a:txBody>
-                  <a:tcPr/>
-                </a:tc>
-                <a:tc>
-                  <a:txBody>
-                    <a:bodyPr/>
-                    <a:lstStyle/>
-                    <a:p>
-                      <a:pPr latinLnBrk="1"/>
-                      <a:endParaRPr lang="ko-KR" altLang="en-US"/>
-                    </a:p>
-                  </a:txBody>
-                  <a:tcPr/>
-                </a:tc>
-                <a:tc>
-                  <a:txBody>
-                    <a:bodyPr/>
-                    <a:lstStyle/>
-                    <a:p>
-                      <a:pPr latinLnBrk="1"/>
-                      <a:endParaRPr lang="ko-KR" altLang="en-US" dirty="0"/>
-                    </a:p>
-                  </a:txBody>
-                  <a:tcPr/>
-                </a:tc>
-                <a:tc>
-                  <a:txBody>
-                    <a:bodyPr/>
-                    <a:lstStyle/>
-                    <a:p>
-                      <a:pPr latinLnBrk="1"/>
-                      <a:endParaRPr lang="ko-KR" altLang="en-US"/>
-                    </a:p>
-                  </a:txBody>
-                  <a:tcPr/>
-                </a:tc>
-                <a:extLst>
-                  <a:ext uri="{0D108BD9-81ED-4DB2-BD59-A6C34878D82A}">
-                    <a16:rowId xmlns:a16="http://schemas.microsoft.com/office/drawing/2014/main" val="1294278355"/>
-                  </a:ext>
-                </a:extLst>
-              </a:tr>
-              <a:tr h="646286">
-                <a:tc>
-                  <a:txBody>
-                    <a:bodyPr/>
-                    <a:lstStyle/>
-                    <a:p>
-                      <a:pPr latinLnBrk="1"/>
-                      <a:endParaRPr lang="ko-KR" altLang="en-US"/>
-                    </a:p>
-                  </a:txBody>
-                  <a:tcPr/>
-                </a:tc>
-                <a:tc>
-                  <a:txBody>
-                    <a:bodyPr/>
-                    <a:lstStyle/>
-                    <a:p>
-                      <a:pPr latinLnBrk="1"/>
-                      <a:endParaRPr lang="ko-KR" altLang="en-US"/>
-                    </a:p>
-                  </a:txBody>
-                  <a:tcPr/>
-                </a:tc>
-                <a:tc>
-                  <a:txBody>
-                    <a:bodyPr/>
-                    <a:lstStyle/>
-                    <a:p>
-                      <a:pPr latinLnBrk="1"/>
-                      <a:endParaRPr lang="ko-KR" altLang="en-US"/>
-                    </a:p>
-                  </a:txBody>
-                  <a:tcPr/>
-                </a:tc>
-                <a:tc>
-                  <a:txBody>
-                    <a:bodyPr/>
-                    <a:lstStyle/>
-                    <a:p>
-                      <a:pPr latinLnBrk="1"/>
-                      <a:endParaRPr lang="ko-KR" altLang="en-US" dirty="0"/>
-                    </a:p>
-                  </a:txBody>
-                  <a:tcPr/>
-                </a:tc>
-                <a:tc>
-                  <a:txBody>
-                    <a:bodyPr/>
-                    <a:lstStyle/>
-                    <a:p>
-                      <a:pPr latinLnBrk="1"/>
-                      <a:endParaRPr lang="ko-KR" altLang="en-US" dirty="0"/>
-                    </a:p>
-                  </a:txBody>
-                  <a:tcPr/>
-                </a:tc>
-                <a:extLst>
-                  <a:ext uri="{0D108BD9-81ED-4DB2-BD59-A6C34878D82A}">
-                    <a16:rowId xmlns:a16="http://schemas.microsoft.com/office/drawing/2014/main" val="2002086482"/>
-                  </a:ext>
-                </a:extLst>
-              </a:tr>
-              <a:tr h="646286">
-                <a:tc>
-                  <a:txBody>
-                    <a:bodyPr/>
-                    <a:lstStyle/>
-                    <a:p>
-                      <a:pPr latinLnBrk="1"/>
-                      <a:endParaRPr lang="ko-KR" altLang="en-US"/>
-                    </a:p>
-                  </a:txBody>
-                  <a:tcPr/>
-                </a:tc>
-                <a:tc>
-                  <a:txBody>
-                    <a:bodyPr/>
-                    <a:lstStyle/>
-                    <a:p>
-                      <a:pPr latinLnBrk="1"/>
-                      <a:endParaRPr lang="ko-KR" altLang="en-US"/>
-                    </a:p>
-                  </a:txBody>
-                  <a:tcPr/>
-                </a:tc>
-                <a:tc>
-                  <a:txBody>
-                    <a:bodyPr/>
-                    <a:lstStyle/>
-                    <a:p>
-                      <a:pPr latinLnBrk="1"/>
-                      <a:endParaRPr lang="ko-KR" altLang="en-US"/>
-                    </a:p>
-                  </a:txBody>
-                  <a:tcPr/>
-                </a:tc>
-                <a:tc>
-                  <a:txBody>
-                    <a:bodyPr/>
-                    <a:lstStyle/>
-                    <a:p>
-                      <a:pPr latinLnBrk="1"/>
-                      <a:endParaRPr lang="ko-KR" altLang="en-US" dirty="0"/>
-                    </a:p>
-                  </a:txBody>
-                  <a:tcPr/>
-                </a:tc>
-                <a:tc>
-                  <a:txBody>
-                    <a:bodyPr/>
-                    <a:lstStyle/>
-                    <a:p>
-                      <a:pPr latinLnBrk="1"/>
-                      <a:endParaRPr lang="ko-KR" altLang="en-US"/>
-                    </a:p>
-                  </a:txBody>
-                  <a:tcPr/>
-                </a:tc>
-                <a:extLst>
-                  <a:ext uri="{0D108BD9-81ED-4DB2-BD59-A6C34878D82A}">
-                    <a16:rowId xmlns:a16="http://schemas.microsoft.com/office/drawing/2014/main" val="4014150877"/>
-                  </a:ext>
-                </a:extLst>
-              </a:tr>
-              <a:tr h="646286">
-                <a:tc>
-                  <a:txBody>
-                    <a:bodyPr/>
-                    <a:lstStyle/>
-                    <a:p>
-                      <a:pPr latinLnBrk="1"/>
-                      <a:endParaRPr lang="ko-KR" altLang="en-US"/>
-                    </a:p>
-                  </a:txBody>
-                  <a:tcPr/>
-                </a:tc>
-                <a:tc>
-                  <a:txBody>
-                    <a:bodyPr/>
-                    <a:lstStyle/>
-                    <a:p>
-                      <a:pPr latinLnBrk="1"/>
-                      <a:endParaRPr lang="ko-KR" altLang="en-US"/>
-                    </a:p>
-                  </a:txBody>
-                  <a:tcPr/>
-                </a:tc>
-                <a:tc>
-                  <a:txBody>
-                    <a:bodyPr/>
-                    <a:lstStyle/>
-                    <a:p>
-                      <a:pPr latinLnBrk="1"/>
-                      <a:endParaRPr lang="ko-KR" altLang="en-US"/>
-                    </a:p>
-                  </a:txBody>
-                  <a:tcPr/>
-                </a:tc>
-                <a:tc>
-                  <a:txBody>
-                    <a:bodyPr/>
-                    <a:lstStyle/>
-                    <a:p>
-                      <a:pPr latinLnBrk="1"/>
-                      <a:endParaRPr lang="ko-KR" altLang="en-US"/>
-                    </a:p>
-                  </a:txBody>
-                  <a:tcPr/>
-                </a:tc>
-                <a:tc>
-                  <a:txBody>
-                    <a:bodyPr/>
-                    <a:lstStyle/>
-                    <a:p>
-                      <a:pPr latinLnBrk="1"/>
-                      <a:endParaRPr lang="ko-KR" altLang="en-US"/>
-                    </a:p>
-                  </a:txBody>
-                  <a:tcPr/>
-                </a:tc>
-                <a:extLst>
-                  <a:ext uri="{0D108BD9-81ED-4DB2-BD59-A6C34878D82A}">
-                    <a16:rowId xmlns:a16="http://schemas.microsoft.com/office/drawing/2014/main" val="3820137895"/>
-                  </a:ext>
-                </a:extLst>
-              </a:tr>
-              <a:tr h="646286">
-                <a:tc>
-                  <a:txBody>
-                    <a:bodyPr/>
-                    <a:lstStyle/>
-                    <a:p>
-                      <a:pPr latinLnBrk="1"/>
-                      <a:endParaRPr lang="ko-KR" altLang="en-US"/>
-                    </a:p>
-                  </a:txBody>
-                  <a:tcPr/>
-                </a:tc>
-                <a:tc>
-                  <a:txBody>
-                    <a:bodyPr/>
-                    <a:lstStyle/>
-                    <a:p>
-                      <a:pPr latinLnBrk="1"/>
-                      <a:endParaRPr lang="ko-KR" altLang="en-US"/>
-                    </a:p>
-                  </a:txBody>
-                  <a:tcPr/>
-                </a:tc>
-                <a:tc>
-                  <a:txBody>
-                    <a:bodyPr/>
-                    <a:lstStyle/>
-                    <a:p>
-                      <a:pPr latinLnBrk="1"/>
-                      <a:endParaRPr lang="ko-KR" altLang="en-US"/>
-                    </a:p>
-                  </a:txBody>
-                  <a:tcPr/>
-                </a:tc>
-                <a:tc>
-                  <a:txBody>
-                    <a:bodyPr/>
-                    <a:lstStyle/>
-                    <a:p>
-                      <a:pPr latinLnBrk="1"/>
-                      <a:endParaRPr lang="ko-KR" altLang="en-US"/>
-                    </a:p>
-                  </a:txBody>
-                  <a:tcPr/>
-                </a:tc>
-                <a:tc>
-                  <a:txBody>
-                    <a:bodyPr/>
-                    <a:lstStyle/>
-                    <a:p>
-                      <a:pPr latinLnBrk="1"/>
-                      <a:endParaRPr lang="ko-KR" altLang="en-US" dirty="0"/>
-                    </a:p>
-                  </a:txBody>
-                  <a:tcPr/>
-                </a:tc>
-                <a:extLst>
-                  <a:ext uri="{0D108BD9-81ED-4DB2-BD59-A6C34878D82A}">
-                    <a16:rowId xmlns:a16="http://schemas.microsoft.com/office/drawing/2014/main" val="1082447346"/>
-                  </a:ext>
-                </a:extLst>
-              </a:tr>
-            </a:tbl>
-          </a:graphicData>
-        </a:graphic>
-      </p:graphicFrame>
+              <a:t>번 화면으로 이동</a:t>
+            </a:r>
+            <a:endParaRPr lang="en-US" altLang="ko-KR" dirty="0" smtClean="0"/>
+          </a:p>
+          <a:p>
+            <a:pPr marL="342900" indent="-342900">
+              <a:buAutoNum type="arabicPeriod"/>
+            </a:pPr>
+            <a:endParaRPr lang="en-US" altLang="ko-KR" dirty="0"/>
+          </a:p>
+          <a:p>
+            <a:pPr marL="342900" indent="-342900">
+              <a:buAutoNum type="arabicPeriod"/>
+            </a:pPr>
+            <a:r>
+              <a:rPr lang="ko-KR" altLang="en-US" dirty="0" smtClean="0"/>
+              <a:t>랭킹 버튼 </a:t>
+            </a:r>
+            <a:r>
+              <a:rPr lang="en-US" altLang="ko-KR" dirty="0" smtClean="0"/>
+              <a:t>– (5</a:t>
+            </a:r>
+            <a:r>
+              <a:rPr lang="ko-KR" altLang="en-US" dirty="0" smtClean="0"/>
+              <a:t>번 화면으로</a:t>
+            </a:r>
+            <a:r>
+              <a:rPr lang="en-US" altLang="ko-KR" dirty="0" smtClean="0"/>
+              <a:t>)</a:t>
+            </a:r>
+            <a:endParaRPr lang="en-US" altLang="ko-KR" dirty="0" smtClean="0"/>
+          </a:p>
+          <a:p>
+            <a:pPr marL="342900" indent="-342900">
+              <a:buAutoNum type="arabicPeriod"/>
+            </a:pPr>
+            <a:endParaRPr lang="en-US" altLang="ko-KR" dirty="0"/>
+          </a:p>
+          <a:p>
+            <a:pPr marL="342900" indent="-342900">
+              <a:buAutoNum type="arabicPeriod"/>
+            </a:pPr>
+            <a:r>
+              <a:rPr lang="ko-KR" altLang="en-US" dirty="0" smtClean="0"/>
+              <a:t>종료 버튼</a:t>
+            </a:r>
+            <a:endParaRPr lang="en-US" altLang="ko-KR" dirty="0"/>
+          </a:p>
+          <a:p>
+            <a:pPr marL="342900" indent="-342900">
+              <a:buAutoNum type="arabicPeriod"/>
+            </a:pPr>
+            <a:endParaRPr lang="en-US" altLang="ko-KR" dirty="0"/>
+          </a:p>
+          <a:p>
+            <a:pPr marL="342900" indent="-342900">
+              <a:buAutoNum type="arabicPeriod"/>
+            </a:pPr>
+            <a:r>
+              <a:rPr lang="ko-KR" altLang="en-US" dirty="0" smtClean="0"/>
+              <a:t>서버 </a:t>
+            </a:r>
+            <a:r>
+              <a:rPr lang="ko-KR" altLang="en-US" dirty="0" smtClean="0"/>
+              <a:t>정보 </a:t>
+            </a:r>
+            <a:r>
+              <a:rPr lang="en-US" altLang="ko-KR" dirty="0" smtClean="0"/>
+              <a:t>– </a:t>
+            </a:r>
+            <a:r>
+              <a:rPr lang="ko-KR" altLang="en-US" dirty="0" smtClean="0"/>
+              <a:t>서버 </a:t>
+            </a:r>
+            <a:r>
+              <a:rPr lang="en-US" altLang="ko-KR" dirty="0" err="1" smtClean="0"/>
+              <a:t>ip</a:t>
+            </a:r>
+            <a:r>
+              <a:rPr lang="en-US" altLang="ko-KR" dirty="0" smtClean="0"/>
+              <a:t> </a:t>
+            </a:r>
+            <a:r>
+              <a:rPr lang="ko-KR" altLang="en-US" dirty="0" smtClean="0"/>
+              <a:t>표시</a:t>
+            </a:r>
+            <a:endParaRPr lang="en-US" altLang="ko-KR" dirty="0"/>
+          </a:p>
+        </p:txBody>
+      </p:sp>
+      <p:sp>
+        <p:nvSpPr>
+          <p:cNvPr id="2" name="TextBox 1"/>
+          <p:cNvSpPr txBox="1"/>
+          <p:nvPr/>
+        </p:nvSpPr>
+        <p:spPr>
+          <a:xfrm>
+            <a:off x="5810108" y="6031524"/>
+            <a:ext cx="1740876" cy="369332"/>
+          </a:xfrm>
+          <a:prstGeom prst="rect">
+            <a:avLst/>
+          </a:prstGeom>
+          <a:noFill/>
+        </p:spPr>
+        <p:txBody>
+          <a:bodyPr wrap="square" rtlCol="0">
+            <a:spAutoFit/>
+          </a:bodyPr>
+          <a:lstStyle/>
+          <a:p>
+            <a:r>
+              <a:rPr lang="ko-KR" altLang="en-US" dirty="0" smtClean="0"/>
+              <a:t>서버</a:t>
+            </a:r>
+            <a:r>
+              <a:rPr lang="en-US" altLang="ko-KR" dirty="0" err="1" smtClean="0"/>
+              <a:t>ip</a:t>
+            </a:r>
+            <a:r>
+              <a:rPr lang="ko-KR" altLang="en-US" dirty="0" smtClean="0"/>
+              <a:t> </a:t>
+            </a:r>
+            <a:r>
+              <a:rPr lang="en-US" altLang="ko-KR" dirty="0" smtClean="0"/>
+              <a:t>: </a:t>
+            </a:r>
+            <a:r>
+              <a:rPr lang="en-US" altLang="ko-KR" dirty="0" err="1" smtClean="0"/>
+              <a:t>xxx.xxx</a:t>
+            </a:r>
+            <a:endParaRPr lang="en-US" altLang="ko-KR" dirty="0" smtClean="0"/>
+          </a:p>
+        </p:txBody>
+      </p:sp>
+      <p:sp>
+        <p:nvSpPr>
+          <p:cNvPr id="9" name="직사각형 8"/>
+          <p:cNvSpPr/>
+          <p:nvPr/>
+        </p:nvSpPr>
+        <p:spPr>
+          <a:xfrm>
+            <a:off x="1949684" y="2637775"/>
+            <a:ext cx="1923908" cy="553915"/>
+          </a:xfrm>
+          <a:prstGeom prst="rect">
+            <a:avLst/>
+          </a:prstGeom>
+          <a:solidFill>
+            <a:schemeClr val="bg1">
+              <a:lumMod val="95000"/>
+            </a:schemeClr>
+          </a:solidFill>
+        </p:spPr>
+        <p:style>
+          <a:lnRef idx="2">
+            <a:schemeClr val="accent1">
+              <a:shade val="50000"/>
+            </a:schemeClr>
+          </a:lnRef>
+          <a:fillRef idx="1">
+            <a:schemeClr val="accent1"/>
+          </a:fillRef>
+          <a:effectRef idx="0">
+            <a:schemeClr val="accent1"/>
+          </a:effectRef>
+          <a:fontRef idx="minor">
+            <a:schemeClr val="lt1"/>
+          </a:fontRef>
+        </p:style>
+        <p:txBody>
+          <a:bodyPr rtlCol="0" anchor="ctr"/>
+          <a:lstStyle/>
+          <a:p>
+            <a:pPr algn="ctr"/>
+            <a:endParaRPr lang="ko-KR" altLang="en-US"/>
+          </a:p>
+        </p:txBody>
+      </p:sp>
       <p:sp>
         <p:nvSpPr>
           <p:cNvPr id="3" name="TextBox 2"/>
@@ -12577,18 +15029,13 @@
         </p:nvSpPr>
         <p:spPr>
           <a:xfrm>
-            <a:off x="4844562" y="5978769"/>
-            <a:ext cx="975946" cy="369332"/>
+            <a:off x="2214054" y="2730067"/>
+            <a:ext cx="2373923" cy="369332"/>
           </a:xfrm>
           <a:prstGeom prst="rect">
             <a:avLst/>
           </a:prstGeom>
           <a:noFill/>
-          <a:ln>
-            <a:solidFill>
-              <a:schemeClr val="tx1"/>
-            </a:solidFill>
-          </a:ln>
         </p:spPr>
         <p:txBody>
           <a:bodyPr wrap="square" rtlCol="0">
@@ -12598,7 +15045,333 @@
           <a:p>
             <a:r>
               <a:rPr lang="ko-KR" altLang="en-US" dirty="0" smtClean="0"/>
-              <a:t>나가기</a:t>
+              <a:t>플레이</a:t>
+            </a:r>
+            <a:endParaRPr lang="ko-KR" altLang="en-US" dirty="0"/>
+          </a:p>
+        </p:txBody>
+      </p:sp>
+      <p:sp>
+        <p:nvSpPr>
+          <p:cNvPr id="17" name="직사각형 16"/>
+          <p:cNvSpPr/>
+          <p:nvPr/>
+        </p:nvSpPr>
+        <p:spPr>
+          <a:xfrm>
+            <a:off x="1949684" y="3455652"/>
+            <a:ext cx="1923908" cy="553915"/>
+          </a:xfrm>
+          <a:prstGeom prst="rect">
+            <a:avLst/>
+          </a:prstGeom>
+          <a:solidFill>
+            <a:schemeClr val="bg1">
+              <a:lumMod val="95000"/>
+            </a:schemeClr>
+          </a:solidFill>
+        </p:spPr>
+        <p:style>
+          <a:lnRef idx="2">
+            <a:schemeClr val="accent1">
+              <a:shade val="50000"/>
+            </a:schemeClr>
+          </a:lnRef>
+          <a:fillRef idx="1">
+            <a:schemeClr val="accent1"/>
+          </a:fillRef>
+          <a:effectRef idx="0">
+            <a:schemeClr val="accent1"/>
+          </a:effectRef>
+          <a:fontRef idx="minor">
+            <a:schemeClr val="lt1"/>
+          </a:fontRef>
+        </p:style>
+        <p:txBody>
+          <a:bodyPr rtlCol="0" anchor="ctr"/>
+          <a:lstStyle/>
+          <a:p>
+            <a:pPr algn="ctr"/>
+            <a:endParaRPr lang="ko-KR" altLang="en-US"/>
+          </a:p>
+        </p:txBody>
+      </p:sp>
+      <p:sp>
+        <p:nvSpPr>
+          <p:cNvPr id="18" name="직사각형 17"/>
+          <p:cNvSpPr/>
+          <p:nvPr/>
+        </p:nvSpPr>
+        <p:spPr>
+          <a:xfrm>
+            <a:off x="1949684" y="4273529"/>
+            <a:ext cx="1923908" cy="553915"/>
+          </a:xfrm>
+          <a:prstGeom prst="rect">
+            <a:avLst/>
+          </a:prstGeom>
+          <a:solidFill>
+            <a:schemeClr val="bg1">
+              <a:lumMod val="95000"/>
+            </a:schemeClr>
+          </a:solidFill>
+        </p:spPr>
+        <p:style>
+          <a:lnRef idx="2">
+            <a:schemeClr val="accent1">
+              <a:shade val="50000"/>
+            </a:schemeClr>
+          </a:lnRef>
+          <a:fillRef idx="1">
+            <a:schemeClr val="accent1"/>
+          </a:fillRef>
+          <a:effectRef idx="0">
+            <a:schemeClr val="accent1"/>
+          </a:effectRef>
+          <a:fontRef idx="minor">
+            <a:schemeClr val="lt1"/>
+          </a:fontRef>
+        </p:style>
+        <p:txBody>
+          <a:bodyPr rtlCol="0" anchor="ctr"/>
+          <a:lstStyle/>
+          <a:p>
+            <a:pPr algn="ctr"/>
+            <a:endParaRPr lang="ko-KR" altLang="en-US"/>
+          </a:p>
+        </p:txBody>
+      </p:sp>
+      <p:sp>
+        <p:nvSpPr>
+          <p:cNvPr id="16" name="TextBox 15"/>
+          <p:cNvSpPr txBox="1"/>
+          <p:nvPr/>
+        </p:nvSpPr>
+        <p:spPr>
+          <a:xfrm>
+            <a:off x="2214054" y="4373647"/>
+            <a:ext cx="2373923" cy="369332"/>
+          </a:xfrm>
+          <a:prstGeom prst="rect">
+            <a:avLst/>
+          </a:prstGeom>
+          <a:noFill/>
+        </p:spPr>
+        <p:txBody>
+          <a:bodyPr wrap="square" rtlCol="0">
+            <a:spAutoFit/>
+          </a:bodyPr>
+          <a:lstStyle/>
+          <a:p>
+            <a:r>
+              <a:rPr lang="ko-KR" altLang="en-US" dirty="0" smtClean="0"/>
+              <a:t>종료</a:t>
+            </a:r>
+            <a:endParaRPr lang="ko-KR" altLang="en-US" dirty="0"/>
+          </a:p>
+        </p:txBody>
+      </p:sp>
+      <p:sp>
+        <p:nvSpPr>
+          <p:cNvPr id="14" name="TextBox 13"/>
+          <p:cNvSpPr txBox="1"/>
+          <p:nvPr/>
+        </p:nvSpPr>
+        <p:spPr>
+          <a:xfrm>
+            <a:off x="2214054" y="3551154"/>
+            <a:ext cx="2373923" cy="369332"/>
+          </a:xfrm>
+          <a:prstGeom prst="rect">
+            <a:avLst/>
+          </a:prstGeom>
+          <a:noFill/>
+        </p:spPr>
+        <p:txBody>
+          <a:bodyPr wrap="square" rtlCol="0">
+            <a:spAutoFit/>
+          </a:bodyPr>
+          <a:lstStyle/>
+          <a:p>
+            <a:r>
+              <a:rPr lang="ko-KR" altLang="en-US" dirty="0" smtClean="0"/>
+              <a:t>랭킹 보기</a:t>
+            </a:r>
+            <a:endParaRPr lang="ko-KR" altLang="en-US" dirty="0"/>
+          </a:p>
+        </p:txBody>
+      </p:sp>
+      <p:sp>
+        <p:nvSpPr>
+          <p:cNvPr id="19" name="타원 18"/>
+          <p:cNvSpPr/>
+          <p:nvPr/>
+        </p:nvSpPr>
+        <p:spPr>
+          <a:xfrm>
+            <a:off x="1729876" y="2484213"/>
+            <a:ext cx="439616" cy="386861"/>
+          </a:xfrm>
+          <a:prstGeom prst="ellipse">
+            <a:avLst/>
+          </a:prstGeom>
+        </p:spPr>
+        <p:style>
+          <a:lnRef idx="2">
+            <a:schemeClr val="accent1">
+              <a:shade val="50000"/>
+            </a:schemeClr>
+          </a:lnRef>
+          <a:fillRef idx="1">
+            <a:schemeClr val="accent1"/>
+          </a:fillRef>
+          <a:effectRef idx="0">
+            <a:schemeClr val="accent1"/>
+          </a:effectRef>
+          <a:fontRef idx="minor">
+            <a:schemeClr val="lt1"/>
+          </a:fontRef>
+        </p:style>
+        <p:txBody>
+          <a:bodyPr rtlCol="0" anchor="ctr"/>
+          <a:lstStyle/>
+          <a:p>
+            <a:pPr algn="ctr"/>
+            <a:r>
+              <a:rPr lang="en-US" altLang="ko-KR" dirty="0" smtClean="0"/>
+              <a:t>1</a:t>
+            </a:r>
+            <a:endParaRPr lang="ko-KR" altLang="en-US" dirty="0"/>
+          </a:p>
+        </p:txBody>
+      </p:sp>
+      <p:sp>
+        <p:nvSpPr>
+          <p:cNvPr id="20" name="타원 19"/>
+          <p:cNvSpPr/>
+          <p:nvPr/>
+        </p:nvSpPr>
+        <p:spPr>
+          <a:xfrm>
+            <a:off x="1729876" y="3345748"/>
+            <a:ext cx="439616" cy="386861"/>
+          </a:xfrm>
+          <a:prstGeom prst="ellipse">
+            <a:avLst/>
+          </a:prstGeom>
+        </p:spPr>
+        <p:style>
+          <a:lnRef idx="2">
+            <a:schemeClr val="accent1">
+              <a:shade val="50000"/>
+            </a:schemeClr>
+          </a:lnRef>
+          <a:fillRef idx="1">
+            <a:schemeClr val="accent1"/>
+          </a:fillRef>
+          <a:effectRef idx="0">
+            <a:schemeClr val="accent1"/>
+          </a:effectRef>
+          <a:fontRef idx="minor">
+            <a:schemeClr val="lt1"/>
+          </a:fontRef>
+        </p:style>
+        <p:txBody>
+          <a:bodyPr rtlCol="0" anchor="ctr"/>
+          <a:lstStyle/>
+          <a:p>
+            <a:pPr algn="ctr"/>
+            <a:r>
+              <a:rPr lang="en-US" altLang="ko-KR" dirty="0"/>
+              <a:t>2</a:t>
+            </a:r>
+            <a:endParaRPr lang="ko-KR" altLang="en-US" dirty="0"/>
+          </a:p>
+        </p:txBody>
+      </p:sp>
+      <p:sp>
+        <p:nvSpPr>
+          <p:cNvPr id="21" name="타원 20"/>
+          <p:cNvSpPr/>
+          <p:nvPr/>
+        </p:nvSpPr>
+        <p:spPr>
+          <a:xfrm>
+            <a:off x="1774438" y="4130158"/>
+            <a:ext cx="439616" cy="386861"/>
+          </a:xfrm>
+          <a:prstGeom prst="ellipse">
+            <a:avLst/>
+          </a:prstGeom>
+        </p:spPr>
+        <p:style>
+          <a:lnRef idx="2">
+            <a:schemeClr val="accent1">
+              <a:shade val="50000"/>
+            </a:schemeClr>
+          </a:lnRef>
+          <a:fillRef idx="1">
+            <a:schemeClr val="accent1"/>
+          </a:fillRef>
+          <a:effectRef idx="0">
+            <a:schemeClr val="accent1"/>
+          </a:effectRef>
+          <a:fontRef idx="minor">
+            <a:schemeClr val="lt1"/>
+          </a:fontRef>
+        </p:style>
+        <p:txBody>
+          <a:bodyPr rtlCol="0" anchor="ctr"/>
+          <a:lstStyle/>
+          <a:p>
+            <a:pPr algn="ctr"/>
+            <a:r>
+              <a:rPr lang="en-US" altLang="ko-KR" dirty="0"/>
+              <a:t>3</a:t>
+            </a:r>
+            <a:endParaRPr lang="ko-KR" altLang="en-US" dirty="0"/>
+          </a:p>
+        </p:txBody>
+      </p:sp>
+      <p:sp>
+        <p:nvSpPr>
+          <p:cNvPr id="22" name="타원 21"/>
+          <p:cNvSpPr/>
+          <p:nvPr/>
+        </p:nvSpPr>
+        <p:spPr>
+          <a:xfrm>
+            <a:off x="5662245" y="5723296"/>
+            <a:ext cx="439616" cy="386861"/>
+          </a:xfrm>
+          <a:prstGeom prst="ellipse">
+            <a:avLst/>
+          </a:prstGeom>
+        </p:spPr>
+        <p:style>
+          <a:lnRef idx="2">
+            <a:schemeClr val="accent1">
+              <a:shade val="50000"/>
+            </a:schemeClr>
+          </a:lnRef>
+          <a:fillRef idx="1">
+            <a:schemeClr val="accent1"/>
+          </a:fillRef>
+          <a:effectRef idx="0">
+            <a:schemeClr val="accent1"/>
+          </a:effectRef>
+          <a:fontRef idx="minor">
+            <a:schemeClr val="lt1"/>
+          </a:fontRef>
+        </p:style>
+        <p:txBody>
+          <a:bodyPr rtlCol="0" anchor="ctr"/>
+          <a:lstStyle/>
+          <a:p>
+            <a:pPr algn="ctr"/>
+            <a:r>
+              <a:rPr lang="en-US" altLang="ko-KR" dirty="0"/>
+              <a:t>4</a:t>
             </a:r>
             <a:endParaRPr lang="ko-KR" altLang="en-US" dirty="0"/>
           </a:p>
@@ -12607,7 +15380,7 @@
     </p:spTree>
     <p:extLst>
       <p:ext uri="{BB962C8B-B14F-4D97-AF65-F5344CB8AC3E}">
-        <p14:creationId xmlns:p14="http://schemas.microsoft.com/office/powerpoint/2010/main" val="2703949064"/>
+        <p14:creationId xmlns:p14="http://schemas.microsoft.com/office/powerpoint/2010/main" val="1432007771"/>
       </p:ext>
     </p:extLst>
   </p:cSld>
@@ -12643,22 +15416,106 @@
       </p:grpSpPr>
       <p:sp>
         <p:nvSpPr>
-          <p:cNvPr id="2" name="제목 1"/>
-          <p:cNvSpPr>
-            <a:spLocks noGrp="1"/>
+          <p:cNvPr id="4" name="TextBox 3"/>
+          <p:cNvSpPr txBox="1"/>
+          <p:nvPr/>
+        </p:nvSpPr>
+        <p:spPr>
+          <a:xfrm>
+            <a:off x="8528538" y="395652"/>
+            <a:ext cx="3270739" cy="6120000"/>
+          </a:xfrm>
+          <a:prstGeom prst="rect">
+            <a:avLst/>
+          </a:prstGeom>
+          <a:noFill/>
+          <a:ln>
+            <a:solidFill>
+              <a:schemeClr val="tx1"/>
+            </a:solidFill>
+          </a:ln>
+        </p:spPr>
+        <p:txBody>
+          <a:bodyPr wrap="square" rtlCol="0">
+            <a:spAutoFit/>
+          </a:bodyPr>
+          <a:lstStyle/>
+          <a:p>
+            <a:endParaRPr lang="en-US" altLang="ko-KR" dirty="0" smtClean="0"/>
+          </a:p>
+          <a:p>
+            <a:endParaRPr lang="ko-KR" altLang="en-US" dirty="0"/>
+          </a:p>
+        </p:txBody>
+      </p:sp>
+      <p:sp>
+        <p:nvSpPr>
+          <p:cNvPr id="5" name="TextBox 4"/>
+          <p:cNvSpPr txBox="1">
+            <a:spLocks/>
           </p:cNvSpPr>
-          <p:nvPr>
-            <p:ph type="title"/>
-          </p:nvPr>
-        </p:nvSpPr>
-        <p:spPr/>
-        <p:txBody>
-          <a:bodyPr/>
-          <a:lstStyle/>
-          <a:p>
+          <p:nvPr/>
+        </p:nvSpPr>
+        <p:spPr>
+          <a:xfrm>
+            <a:off x="1151791" y="1732085"/>
+            <a:ext cx="6471139" cy="4783568"/>
+          </a:xfrm>
+          <a:prstGeom prst="rect">
+            <a:avLst/>
+          </a:prstGeom>
+          <a:solidFill>
+            <a:schemeClr val="bg1"/>
+          </a:solidFill>
+          <a:ln>
+            <a:solidFill>
+              <a:schemeClr val="tx1"/>
+            </a:solidFill>
+          </a:ln>
+        </p:spPr>
+        <p:txBody>
+          <a:bodyPr wrap="square" rtlCol="0">
+            <a:spAutoFit/>
+          </a:bodyPr>
+          <a:lstStyle/>
+          <a:p>
+            <a:endParaRPr lang="ko-KR" altLang="en-US" dirty="0"/>
+          </a:p>
+        </p:txBody>
+      </p:sp>
+      <p:sp>
+        <p:nvSpPr>
+          <p:cNvPr id="11" name="TextBox 10"/>
+          <p:cNvSpPr txBox="1"/>
+          <p:nvPr/>
+        </p:nvSpPr>
+        <p:spPr>
+          <a:xfrm>
+            <a:off x="1301262" y="562708"/>
+            <a:ext cx="2223686" cy="369332"/>
+          </a:xfrm>
+          <a:prstGeom prst="rect">
+            <a:avLst/>
+          </a:prstGeom>
+          <a:noFill/>
+        </p:spPr>
+        <p:txBody>
+          <a:bodyPr wrap="none" rtlCol="0">
+            <a:spAutoFit/>
+          </a:bodyPr>
+          <a:lstStyle/>
+          <a:p>
+            <a:r>
+              <a:rPr lang="en-US" altLang="ko-KR" dirty="0" smtClean="0"/>
+              <a:t>4. </a:t>
+            </a:r>
             <a:r>
               <a:rPr lang="ko-KR" altLang="en-US" dirty="0" smtClean="0"/>
-              <a:t>서버</a:t>
+              <a:t>게임 </a:t>
+            </a:r>
+            <a:r>
+              <a:rPr lang="ko-KR" altLang="en-US" dirty="0" smtClean="0"/>
+              <a:t>플레이 화면</a:t>
             </a:r>
             <a:endParaRPr lang="ko-KR" altLang="en-US" dirty="0"/>
           </a:p>
@@ -12666,27 +15523,651 @@
       </p:sp>
       <p:sp>
         <p:nvSpPr>
-          <p:cNvPr id="3" name="내용 개체 틀 2"/>
-          <p:cNvSpPr>
-            <a:spLocks noGrp="1"/>
-          </p:cNvSpPr>
-          <p:nvPr>
-            <p:ph idx="1"/>
-          </p:nvPr>
-        </p:nvSpPr>
-        <p:spPr/>
-        <p:txBody>
-          <a:bodyPr/>
-          <a:lstStyle/>
-          <a:p>
-            <a:endParaRPr lang="ko-KR" altLang="en-US"/>
+          <p:cNvPr id="12" name="TextBox 11"/>
+          <p:cNvSpPr txBox="1"/>
+          <p:nvPr/>
+        </p:nvSpPr>
+        <p:spPr>
+          <a:xfrm>
+            <a:off x="8748345" y="501190"/>
+            <a:ext cx="2831123" cy="3139321"/>
+          </a:xfrm>
+          <a:prstGeom prst="rect">
+            <a:avLst/>
+          </a:prstGeom>
+          <a:noFill/>
+        </p:spPr>
+        <p:txBody>
+          <a:bodyPr wrap="square" rtlCol="0">
+            <a:spAutoFit/>
+          </a:bodyPr>
+          <a:lstStyle/>
+          <a:p>
+            <a:endParaRPr lang="en-US" altLang="ko-KR" dirty="0" smtClean="0"/>
+          </a:p>
+          <a:p>
+            <a:pPr marL="342900" indent="-342900">
+              <a:buAutoNum type="arabicPeriod"/>
+            </a:pPr>
+            <a:r>
+              <a:rPr lang="ko-KR" altLang="en-US" dirty="0" smtClean="0"/>
+              <a:t>상대</a:t>
+            </a:r>
+            <a:r>
+              <a:rPr lang="ko-KR" altLang="en-US" dirty="0" smtClean="0"/>
+              <a:t> 이미지 </a:t>
+            </a:r>
+            <a:r>
+              <a:rPr lang="en-US" altLang="ko-KR" dirty="0" smtClean="0"/>
+              <a:t>(</a:t>
+            </a:r>
+            <a:r>
+              <a:rPr lang="ko-KR" altLang="en-US" dirty="0" smtClean="0"/>
+              <a:t>컴퓨터</a:t>
+            </a:r>
+            <a:r>
+              <a:rPr lang="en-US" altLang="ko-KR" dirty="0" smtClean="0"/>
+              <a:t>)</a:t>
+            </a:r>
+          </a:p>
+          <a:p>
+            <a:pPr marL="342900" indent="-342900">
+              <a:buAutoNum type="arabicPeriod"/>
+            </a:pPr>
+            <a:endParaRPr lang="en-US" altLang="ko-KR" dirty="0" smtClean="0"/>
+          </a:p>
+          <a:p>
+            <a:pPr marL="342900" indent="-342900">
+              <a:buAutoNum type="arabicPeriod"/>
+            </a:pPr>
+            <a:r>
+              <a:rPr lang="ko-KR" altLang="en-US" dirty="0" smtClean="0"/>
+              <a:t>가위</a:t>
+            </a:r>
+            <a:r>
+              <a:rPr lang="en-US" altLang="ko-KR" dirty="0" smtClean="0"/>
+              <a:t>, </a:t>
+            </a:r>
+            <a:r>
+              <a:rPr lang="ko-KR" altLang="en-US" dirty="0" smtClean="0"/>
+              <a:t>바위</a:t>
+            </a:r>
+            <a:r>
+              <a:rPr lang="en-US" altLang="ko-KR" dirty="0" smtClean="0"/>
+              <a:t>, </a:t>
+            </a:r>
+            <a:r>
+              <a:rPr lang="ko-KR" altLang="en-US" dirty="0" smtClean="0"/>
+              <a:t>보 이미지가 있는 버튼 </a:t>
+            </a:r>
+            <a:r>
+              <a:rPr lang="en-US" altLang="ko-KR" dirty="0" smtClean="0"/>
+              <a:t>(4-1 </a:t>
+            </a:r>
+            <a:r>
+              <a:rPr lang="ko-KR" altLang="en-US" dirty="0" smtClean="0"/>
+              <a:t>화면으로</a:t>
+            </a:r>
+            <a:r>
+              <a:rPr lang="en-US" altLang="ko-KR" dirty="0" smtClean="0"/>
+              <a:t>)</a:t>
+            </a:r>
+          </a:p>
+          <a:p>
+            <a:pPr marL="342900" indent="-342900">
+              <a:buAutoNum type="arabicPeriod"/>
+            </a:pPr>
+            <a:endParaRPr lang="en-US" altLang="ko-KR" dirty="0" smtClean="0"/>
+          </a:p>
+          <a:p>
+            <a:pPr marL="342900" indent="-342900">
+              <a:buAutoNum type="arabicPeriod"/>
+            </a:pPr>
+            <a:r>
+              <a:rPr lang="ko-KR" altLang="en-US" dirty="0" smtClean="0"/>
+              <a:t>나가기 버튼</a:t>
+            </a:r>
+            <a:endParaRPr lang="en-US" altLang="ko-KR" dirty="0" smtClean="0"/>
+          </a:p>
+          <a:p>
+            <a:endParaRPr lang="en-US" altLang="ko-KR" dirty="0" smtClean="0"/>
+          </a:p>
+          <a:p>
+            <a:endParaRPr lang="en-US" altLang="ko-KR" dirty="0" smtClean="0"/>
+          </a:p>
+          <a:p>
+            <a:pPr marL="342900" indent="-342900">
+              <a:buAutoNum type="arabicPeriod"/>
+            </a:pPr>
+            <a:endParaRPr lang="en-US" altLang="ko-KR" dirty="0" smtClean="0"/>
+          </a:p>
+        </p:txBody>
+      </p:sp>
+      <p:sp>
+        <p:nvSpPr>
+          <p:cNvPr id="3" name="TextBox 2"/>
+          <p:cNvSpPr txBox="1"/>
+          <p:nvPr/>
+        </p:nvSpPr>
+        <p:spPr>
+          <a:xfrm>
+            <a:off x="6145823" y="3065277"/>
+            <a:ext cx="1134208" cy="369332"/>
+          </a:xfrm>
+          <a:prstGeom prst="rect">
+            <a:avLst/>
+          </a:prstGeom>
+          <a:noFill/>
+        </p:spPr>
+        <p:txBody>
+          <a:bodyPr wrap="square" rtlCol="0">
+            <a:spAutoFit/>
+          </a:bodyPr>
+          <a:lstStyle/>
+          <a:p>
+            <a:r>
+              <a:rPr lang="en-US" altLang="ko-KR" dirty="0" smtClean="0"/>
+              <a:t>com</a:t>
+            </a:r>
+            <a:endParaRPr lang="ko-KR" altLang="en-US" dirty="0"/>
+          </a:p>
+        </p:txBody>
+      </p:sp>
+      <p:sp>
+        <p:nvSpPr>
+          <p:cNvPr id="6" name="TextBox 5"/>
+          <p:cNvSpPr txBox="1"/>
+          <p:nvPr/>
+        </p:nvSpPr>
+        <p:spPr>
+          <a:xfrm>
+            <a:off x="6145823" y="4767801"/>
+            <a:ext cx="984739" cy="369332"/>
+          </a:xfrm>
+          <a:prstGeom prst="rect">
+            <a:avLst/>
+          </a:prstGeom>
+          <a:noFill/>
+        </p:spPr>
+        <p:txBody>
+          <a:bodyPr wrap="square" rtlCol="0">
+            <a:spAutoFit/>
+          </a:bodyPr>
+          <a:lstStyle/>
+          <a:p>
+            <a:r>
+              <a:rPr lang="ko-KR" altLang="en-US" dirty="0" smtClean="0"/>
+              <a:t>닉네임</a:t>
+            </a:r>
+            <a:endParaRPr lang="en-US" altLang="ko-KR" dirty="0" smtClean="0"/>
+          </a:p>
+        </p:txBody>
+      </p:sp>
+      <p:sp>
+        <p:nvSpPr>
+          <p:cNvPr id="20" name="직사각형 19"/>
+          <p:cNvSpPr/>
+          <p:nvPr/>
+        </p:nvSpPr>
+        <p:spPr>
+          <a:xfrm>
+            <a:off x="2522022" y="2426677"/>
+            <a:ext cx="1951892" cy="1037767"/>
+          </a:xfrm>
+          <a:prstGeom prst="rect">
+            <a:avLst/>
+          </a:prstGeom>
+        </p:spPr>
+        <p:style>
+          <a:lnRef idx="2">
+            <a:schemeClr val="accent1">
+              <a:shade val="50000"/>
+            </a:schemeClr>
+          </a:lnRef>
+          <a:fillRef idx="1">
+            <a:schemeClr val="accent1"/>
+          </a:fillRef>
+          <a:effectRef idx="0">
+            <a:schemeClr val="accent1"/>
+          </a:effectRef>
+          <a:fontRef idx="minor">
+            <a:schemeClr val="lt1"/>
+          </a:fontRef>
+        </p:style>
+        <p:txBody>
+          <a:bodyPr rtlCol="0" anchor="ctr"/>
+          <a:lstStyle/>
+          <a:p>
+            <a:pPr algn="ctr"/>
+            <a:r>
+              <a:rPr lang="ko-KR" altLang="en-US" dirty="0" smtClean="0"/>
+              <a:t>가위바위보</a:t>
+            </a:r>
+            <a:endParaRPr lang="ko-KR" altLang="en-US" dirty="0"/>
+          </a:p>
+        </p:txBody>
+      </p:sp>
+      <p:sp>
+        <p:nvSpPr>
+          <p:cNvPr id="21" name="직사각형 20"/>
+          <p:cNvSpPr/>
+          <p:nvPr/>
+        </p:nvSpPr>
+        <p:spPr>
+          <a:xfrm>
+            <a:off x="1626577" y="4396154"/>
+            <a:ext cx="1034753" cy="1002378"/>
+          </a:xfrm>
+          <a:prstGeom prst="rect">
+            <a:avLst/>
+          </a:prstGeom>
+        </p:spPr>
+        <p:style>
+          <a:lnRef idx="2">
+            <a:schemeClr val="accent1">
+              <a:shade val="50000"/>
+            </a:schemeClr>
+          </a:lnRef>
+          <a:fillRef idx="1">
+            <a:schemeClr val="accent1"/>
+          </a:fillRef>
+          <a:effectRef idx="0">
+            <a:schemeClr val="accent1"/>
+          </a:effectRef>
+          <a:fontRef idx="minor">
+            <a:schemeClr val="lt1"/>
+          </a:fontRef>
+        </p:style>
+        <p:txBody>
+          <a:bodyPr rtlCol="0" anchor="ctr"/>
+          <a:lstStyle/>
+          <a:p>
+            <a:pPr algn="ctr"/>
+            <a:r>
+              <a:rPr lang="ko-KR" altLang="en-US" dirty="0" smtClean="0"/>
+              <a:t>가위</a:t>
+            </a:r>
+            <a:endParaRPr lang="ko-KR" altLang="en-US" dirty="0"/>
+          </a:p>
+        </p:txBody>
+      </p:sp>
+      <p:sp>
+        <p:nvSpPr>
+          <p:cNvPr id="23" name="직사각형 22"/>
+          <p:cNvSpPr/>
+          <p:nvPr/>
+        </p:nvSpPr>
+        <p:spPr>
+          <a:xfrm>
+            <a:off x="2980592" y="4396154"/>
+            <a:ext cx="1034753" cy="1002378"/>
+          </a:xfrm>
+          <a:prstGeom prst="rect">
+            <a:avLst/>
+          </a:prstGeom>
+        </p:spPr>
+        <p:style>
+          <a:lnRef idx="2">
+            <a:schemeClr val="accent1">
+              <a:shade val="50000"/>
+            </a:schemeClr>
+          </a:lnRef>
+          <a:fillRef idx="1">
+            <a:schemeClr val="accent1"/>
+          </a:fillRef>
+          <a:effectRef idx="0">
+            <a:schemeClr val="accent1"/>
+          </a:effectRef>
+          <a:fontRef idx="minor">
+            <a:schemeClr val="lt1"/>
+          </a:fontRef>
+        </p:style>
+        <p:txBody>
+          <a:bodyPr rtlCol="0" anchor="ctr"/>
+          <a:lstStyle/>
+          <a:p>
+            <a:pPr algn="ctr"/>
+            <a:r>
+              <a:rPr lang="ko-KR" altLang="en-US" dirty="0" smtClean="0"/>
+              <a:t>바위</a:t>
+            </a:r>
+            <a:endParaRPr lang="ko-KR" altLang="en-US" dirty="0"/>
+          </a:p>
+        </p:txBody>
+      </p:sp>
+      <p:sp>
+        <p:nvSpPr>
+          <p:cNvPr id="24" name="직사각형 23"/>
+          <p:cNvSpPr/>
+          <p:nvPr/>
+        </p:nvSpPr>
+        <p:spPr>
+          <a:xfrm>
+            <a:off x="4274431" y="4396154"/>
+            <a:ext cx="1034753" cy="1002378"/>
+          </a:xfrm>
+          <a:prstGeom prst="rect">
+            <a:avLst/>
+          </a:prstGeom>
+        </p:spPr>
+        <p:style>
+          <a:lnRef idx="2">
+            <a:schemeClr val="accent1">
+              <a:shade val="50000"/>
+            </a:schemeClr>
+          </a:lnRef>
+          <a:fillRef idx="1">
+            <a:schemeClr val="accent1"/>
+          </a:fillRef>
+          <a:effectRef idx="0">
+            <a:schemeClr val="accent1"/>
+          </a:effectRef>
+          <a:fontRef idx="minor">
+            <a:schemeClr val="lt1"/>
+          </a:fontRef>
+        </p:style>
+        <p:txBody>
+          <a:bodyPr rtlCol="0" anchor="ctr"/>
+          <a:lstStyle/>
+          <a:p>
+            <a:pPr algn="ctr"/>
+            <a:r>
+              <a:rPr lang="ko-KR" altLang="en-US" dirty="0" smtClean="0"/>
+              <a:t>보</a:t>
+            </a:r>
+            <a:endParaRPr lang="ko-KR" altLang="en-US" dirty="0"/>
+          </a:p>
+        </p:txBody>
+      </p:sp>
+      <p:sp>
+        <p:nvSpPr>
+          <p:cNvPr id="25" name="TextBox 24"/>
+          <p:cNvSpPr txBox="1"/>
+          <p:nvPr/>
+        </p:nvSpPr>
+        <p:spPr>
+          <a:xfrm>
+            <a:off x="3353185" y="3719617"/>
+            <a:ext cx="568185" cy="369332"/>
+          </a:xfrm>
+          <a:prstGeom prst="rect">
+            <a:avLst/>
+          </a:prstGeom>
+          <a:noFill/>
+        </p:spPr>
+        <p:txBody>
+          <a:bodyPr wrap="square" rtlCol="0">
+            <a:spAutoFit/>
+          </a:bodyPr>
+          <a:lstStyle/>
+          <a:p>
+            <a:r>
+              <a:rPr lang="en-US" altLang="ko-KR" dirty="0" smtClean="0"/>
+              <a:t>vs</a:t>
+            </a:r>
+            <a:endParaRPr lang="ko-KR" altLang="en-US" dirty="0"/>
+          </a:p>
+        </p:txBody>
+      </p:sp>
+      <p:sp>
+        <p:nvSpPr>
+          <p:cNvPr id="26" name="TextBox 25"/>
+          <p:cNvSpPr txBox="1"/>
+          <p:nvPr/>
+        </p:nvSpPr>
+        <p:spPr>
+          <a:xfrm>
+            <a:off x="6603023" y="1840018"/>
+            <a:ext cx="945173" cy="369332"/>
+          </a:xfrm>
+          <a:prstGeom prst="rect">
+            <a:avLst/>
+          </a:prstGeom>
+          <a:noFill/>
+          <a:ln>
+            <a:solidFill>
+              <a:schemeClr val="tx1"/>
+            </a:solidFill>
+          </a:ln>
+        </p:spPr>
+        <p:txBody>
+          <a:bodyPr wrap="square" rtlCol="0">
+            <a:spAutoFit/>
+          </a:bodyPr>
+          <a:lstStyle/>
+          <a:p>
+            <a:r>
+              <a:rPr lang="ko-KR" altLang="en-US" dirty="0" smtClean="0"/>
+              <a:t>나가기</a:t>
+            </a:r>
+            <a:endParaRPr lang="ko-KR" altLang="en-US" dirty="0"/>
+          </a:p>
+        </p:txBody>
+      </p:sp>
+      <p:sp>
+        <p:nvSpPr>
+          <p:cNvPr id="15" name="타원 14"/>
+          <p:cNvSpPr/>
+          <p:nvPr/>
+        </p:nvSpPr>
+        <p:spPr>
+          <a:xfrm>
+            <a:off x="1466945" y="4123869"/>
+            <a:ext cx="439616" cy="386861"/>
+          </a:xfrm>
+          <a:prstGeom prst="ellipse">
+            <a:avLst/>
+          </a:prstGeom>
+        </p:spPr>
+        <p:style>
+          <a:lnRef idx="2">
+            <a:schemeClr val="accent1">
+              <a:shade val="50000"/>
+            </a:schemeClr>
+          </a:lnRef>
+          <a:fillRef idx="1">
+            <a:schemeClr val="accent1"/>
+          </a:fillRef>
+          <a:effectRef idx="0">
+            <a:schemeClr val="accent1"/>
+          </a:effectRef>
+          <a:fontRef idx="minor">
+            <a:schemeClr val="lt1"/>
+          </a:fontRef>
+        </p:style>
+        <p:txBody>
+          <a:bodyPr rtlCol="0" anchor="ctr"/>
+          <a:lstStyle/>
+          <a:p>
+            <a:pPr algn="ctr"/>
+            <a:r>
+              <a:rPr lang="en-US" altLang="ko-KR" dirty="0" smtClean="0"/>
+              <a:t>2</a:t>
+            </a:r>
+            <a:endParaRPr lang="ko-KR" altLang="en-US" dirty="0"/>
+          </a:p>
+        </p:txBody>
+      </p:sp>
+      <p:sp>
+        <p:nvSpPr>
+          <p:cNvPr id="16" name="타원 15"/>
+          <p:cNvSpPr/>
+          <p:nvPr/>
+        </p:nvSpPr>
+        <p:spPr>
+          <a:xfrm>
+            <a:off x="2707488" y="4123869"/>
+            <a:ext cx="439616" cy="386861"/>
+          </a:xfrm>
+          <a:prstGeom prst="ellipse">
+            <a:avLst/>
+          </a:prstGeom>
+        </p:spPr>
+        <p:style>
+          <a:lnRef idx="2">
+            <a:schemeClr val="accent1">
+              <a:shade val="50000"/>
+            </a:schemeClr>
+          </a:lnRef>
+          <a:fillRef idx="1">
+            <a:schemeClr val="accent1"/>
+          </a:fillRef>
+          <a:effectRef idx="0">
+            <a:schemeClr val="accent1"/>
+          </a:effectRef>
+          <a:fontRef idx="minor">
+            <a:schemeClr val="lt1"/>
+          </a:fontRef>
+        </p:style>
+        <p:txBody>
+          <a:bodyPr rtlCol="0" anchor="ctr"/>
+          <a:lstStyle/>
+          <a:p>
+            <a:pPr algn="ctr"/>
+            <a:r>
+              <a:rPr lang="en-US" altLang="ko-KR" dirty="0" smtClean="0"/>
+              <a:t>2</a:t>
+            </a:r>
+            <a:endParaRPr lang="ko-KR" altLang="en-US" dirty="0"/>
+          </a:p>
+        </p:txBody>
+      </p:sp>
+      <p:sp>
+        <p:nvSpPr>
+          <p:cNvPr id="17" name="타원 16"/>
+          <p:cNvSpPr/>
+          <p:nvPr/>
+        </p:nvSpPr>
+        <p:spPr>
+          <a:xfrm>
+            <a:off x="4015345" y="4123869"/>
+            <a:ext cx="439616" cy="386861"/>
+          </a:xfrm>
+          <a:prstGeom prst="ellipse">
+            <a:avLst/>
+          </a:prstGeom>
+        </p:spPr>
+        <p:style>
+          <a:lnRef idx="2">
+            <a:schemeClr val="accent1">
+              <a:shade val="50000"/>
+            </a:schemeClr>
+          </a:lnRef>
+          <a:fillRef idx="1">
+            <a:schemeClr val="accent1"/>
+          </a:fillRef>
+          <a:effectRef idx="0">
+            <a:schemeClr val="accent1"/>
+          </a:effectRef>
+          <a:fontRef idx="minor">
+            <a:schemeClr val="lt1"/>
+          </a:fontRef>
+        </p:style>
+        <p:txBody>
+          <a:bodyPr rtlCol="0" anchor="ctr"/>
+          <a:lstStyle/>
+          <a:p>
+            <a:pPr algn="ctr"/>
+            <a:r>
+              <a:rPr lang="en-US" altLang="ko-KR" dirty="0" smtClean="0"/>
+              <a:t>2</a:t>
+            </a:r>
+            <a:endParaRPr lang="ko-KR" altLang="en-US" dirty="0"/>
+          </a:p>
+        </p:txBody>
+      </p:sp>
+      <p:sp>
+        <p:nvSpPr>
+          <p:cNvPr id="18" name="타원 17"/>
+          <p:cNvSpPr/>
+          <p:nvPr/>
+        </p:nvSpPr>
+        <p:spPr>
+          <a:xfrm>
+            <a:off x="2221714" y="2171504"/>
+            <a:ext cx="439616" cy="386861"/>
+          </a:xfrm>
+          <a:prstGeom prst="ellipse">
+            <a:avLst/>
+          </a:prstGeom>
+        </p:spPr>
+        <p:style>
+          <a:lnRef idx="2">
+            <a:schemeClr val="accent1">
+              <a:shade val="50000"/>
+            </a:schemeClr>
+          </a:lnRef>
+          <a:fillRef idx="1">
+            <a:schemeClr val="accent1"/>
+          </a:fillRef>
+          <a:effectRef idx="0">
+            <a:schemeClr val="accent1"/>
+          </a:effectRef>
+          <a:fontRef idx="minor">
+            <a:schemeClr val="lt1"/>
+          </a:fontRef>
+        </p:style>
+        <p:txBody>
+          <a:bodyPr rtlCol="0" anchor="ctr"/>
+          <a:lstStyle/>
+          <a:p>
+            <a:pPr algn="ctr"/>
+            <a:r>
+              <a:rPr lang="en-US" altLang="ko-KR" dirty="0" smtClean="0"/>
+              <a:t>1</a:t>
+            </a:r>
+            <a:endParaRPr lang="ko-KR" altLang="en-US" dirty="0"/>
+          </a:p>
+        </p:txBody>
+      </p:sp>
+      <p:sp>
+        <p:nvSpPr>
+          <p:cNvPr id="19" name="타원 18"/>
+          <p:cNvSpPr/>
+          <p:nvPr/>
+        </p:nvSpPr>
+        <p:spPr>
+          <a:xfrm>
+            <a:off x="6308481" y="1637823"/>
+            <a:ext cx="439616" cy="386861"/>
+          </a:xfrm>
+          <a:prstGeom prst="ellipse">
+            <a:avLst/>
+          </a:prstGeom>
+        </p:spPr>
+        <p:style>
+          <a:lnRef idx="2">
+            <a:schemeClr val="accent1">
+              <a:shade val="50000"/>
+            </a:schemeClr>
+          </a:lnRef>
+          <a:fillRef idx="1">
+            <a:schemeClr val="accent1"/>
+          </a:fillRef>
+          <a:effectRef idx="0">
+            <a:schemeClr val="accent1"/>
+          </a:effectRef>
+          <a:fontRef idx="minor">
+            <a:schemeClr val="lt1"/>
+          </a:fontRef>
+        </p:style>
+        <p:txBody>
+          <a:bodyPr rtlCol="0" anchor="ctr"/>
+          <a:lstStyle/>
+          <a:p>
+            <a:pPr algn="ctr"/>
+            <a:r>
+              <a:rPr lang="en-US" altLang="ko-KR" dirty="0" smtClean="0"/>
+              <a:t>1</a:t>
+            </a:r>
+            <a:endParaRPr lang="ko-KR" altLang="en-US" dirty="0"/>
           </a:p>
         </p:txBody>
       </p:sp>
     </p:spTree>
     <p:extLst>
       <p:ext uri="{BB962C8B-B14F-4D97-AF65-F5344CB8AC3E}">
-        <p14:creationId xmlns:p14="http://schemas.microsoft.com/office/powerpoint/2010/main" val="2104821101"/>
+        <p14:creationId xmlns:p14="http://schemas.microsoft.com/office/powerpoint/2010/main" val="4284609772"/>
       </p:ext>
     </p:extLst>
   </p:cSld>

--- a/StoryBoard.pptx
+++ b/StoryBoard.pptx
@@ -8,20 +8,21 @@
     <p:sldMasterId id="2147483673" r:id="rId4"/>
   </p:sldMasterIdLst>
   <p:notesMasterIdLst>
-    <p:notesMasterId r:id="rId16"/>
+    <p:notesMasterId r:id="rId17"/>
   </p:notesMasterIdLst>
   <p:sldIdLst>
     <p:sldId id="256" r:id="rId5"/>
-    <p:sldId id="270" r:id="rId6"/>
-    <p:sldId id="275" r:id="rId7"/>
-    <p:sldId id="278" r:id="rId8"/>
-    <p:sldId id="280" r:id="rId9"/>
-    <p:sldId id="282" r:id="rId10"/>
-    <p:sldId id="283" r:id="rId11"/>
-    <p:sldId id="258" r:id="rId12"/>
-    <p:sldId id="259" r:id="rId13"/>
-    <p:sldId id="281" r:id="rId14"/>
-    <p:sldId id="260" r:id="rId15"/>
+    <p:sldId id="284" r:id="rId6"/>
+    <p:sldId id="270" r:id="rId7"/>
+    <p:sldId id="275" r:id="rId8"/>
+    <p:sldId id="278" r:id="rId9"/>
+    <p:sldId id="280" r:id="rId10"/>
+    <p:sldId id="282" r:id="rId11"/>
+    <p:sldId id="283" r:id="rId12"/>
+    <p:sldId id="258" r:id="rId13"/>
+    <p:sldId id="259" r:id="rId14"/>
+    <p:sldId id="281" r:id="rId15"/>
+    <p:sldId id="260" r:id="rId16"/>
   </p:sldIdLst>
   <p:sldSz cx="12192000" cy="6858000"/>
   <p:notesSz cx="6858000" cy="9144000"/>
@@ -8391,12 +8392,8 @@
           <a:lstStyle/>
           <a:p>
             <a:r>
-              <a:rPr lang="ko-KR" altLang="en-US" dirty="0" err="1" smtClean="0"/>
-              <a:t>소켓통신</a:t>
-            </a:r>
-            <a:r>
               <a:rPr lang="ko-KR" altLang="en-US" dirty="0" smtClean="0"/>
-              <a:t> 프로젝트</a:t>
+              <a:t>소켓 통신 프로젝트</a:t>
             </a:r>
             <a:endParaRPr lang="ko-KR" altLang="en-US" dirty="0"/>
           </a:p>
@@ -8477,7 +8474,7 @@
         <p:spPr>
           <a:xfrm>
             <a:off x="6884377" y="2875085"/>
-            <a:ext cx="3516923" cy="707886"/>
+            <a:ext cx="3516923" cy="400110"/>
           </a:xfrm>
           <a:prstGeom prst="rect">
             <a:avLst/>
@@ -8492,18 +8489,11 @@
           <a:p>
             <a:r>
               <a:rPr lang="ko-KR" altLang="en-US" sz="2000" dirty="0" err="1" smtClean="0"/>
-              <a:t>소켓통신을</a:t>
+              <a:t>묵찌빠</a:t>
             </a:r>
             <a:r>
               <a:rPr lang="ko-KR" altLang="en-US" sz="2000" dirty="0" smtClean="0"/>
-              <a:t> 활용하여</a:t>
-            </a:r>
-            <a:endParaRPr lang="en-US" altLang="ko-KR" sz="2000" dirty="0" smtClean="0"/>
-          </a:p>
-          <a:p>
-            <a:r>
-              <a:rPr lang="ko-KR" altLang="en-US" sz="2000" dirty="0" smtClean="0"/>
-              <a:t>가위바위보 게임 서버 운영</a:t>
+              <a:t> 온라인</a:t>
             </a:r>
             <a:endParaRPr lang="ko-KR" altLang="en-US" sz="2000" dirty="0"/>
           </a:p>
@@ -8624,7 +8614,7 @@
         <p:spPr>
           <a:xfrm>
             <a:off x="1301262" y="562708"/>
-            <a:ext cx="2319866" cy="369332"/>
+            <a:ext cx="2223686" cy="369332"/>
           </a:xfrm>
           <a:prstGeom prst="rect">
             <a:avLst/>
@@ -8639,21 +8629,131 @@
           <a:p>
             <a:r>
               <a:rPr lang="en-US" altLang="ko-KR" dirty="0" smtClean="0"/>
-              <a:t>4.1.</a:t>
+              <a:t>4. </a:t>
             </a:r>
             <a:r>
               <a:rPr lang="ko-KR" altLang="en-US" dirty="0" smtClean="0"/>
-              <a:t>게임 </a:t>
-            </a:r>
+              <a:t>게임 플레이 화면</a:t>
+            </a:r>
+            <a:endParaRPr lang="ko-KR" altLang="en-US" dirty="0"/>
+          </a:p>
+        </p:txBody>
+      </p:sp>
+      <p:sp>
+        <p:nvSpPr>
+          <p:cNvPr id="12" name="TextBox 11"/>
+          <p:cNvSpPr txBox="1"/>
+          <p:nvPr/>
+        </p:nvSpPr>
+        <p:spPr>
+          <a:xfrm>
+            <a:off x="8748345" y="501190"/>
+            <a:ext cx="2831123" cy="3139321"/>
+          </a:xfrm>
+          <a:prstGeom prst="rect">
+            <a:avLst/>
+          </a:prstGeom>
+          <a:noFill/>
+        </p:spPr>
+        <p:txBody>
+          <a:bodyPr wrap="square" rtlCol="0">
+            <a:spAutoFit/>
+          </a:bodyPr>
+          <a:lstStyle/>
+          <a:p>
+            <a:endParaRPr lang="en-US" altLang="ko-KR" dirty="0" smtClean="0"/>
+          </a:p>
+          <a:p>
+            <a:pPr marL="342900" indent="-342900">
+              <a:buAutoNum type="arabicPeriod"/>
+            </a:pPr>
             <a:r>
               <a:rPr lang="ko-KR" altLang="en-US" dirty="0" smtClean="0"/>
-              <a:t>플레이 </a:t>
+              <a:t>상대 이미지 </a:t>
+            </a:r>
+            <a:r>
+              <a:rPr lang="en-US" altLang="ko-KR" dirty="0" smtClean="0"/>
+              <a:t>(</a:t>
             </a:r>
             <a:r>
               <a:rPr lang="ko-KR" altLang="en-US" dirty="0" smtClean="0"/>
-              <a:t>결과</a:t>
-            </a:r>
-            <a:endParaRPr lang="ko-KR" altLang="en-US" dirty="0"/>
+              <a:t>컴퓨터</a:t>
+            </a:r>
+            <a:r>
+              <a:rPr lang="en-US" altLang="ko-KR" dirty="0" smtClean="0"/>
+              <a:t>)</a:t>
+            </a:r>
+          </a:p>
+          <a:p>
+            <a:pPr marL="342900" indent="-342900">
+              <a:buAutoNum type="arabicPeriod"/>
+            </a:pPr>
+            <a:endParaRPr lang="en-US" altLang="ko-KR" dirty="0" smtClean="0"/>
+          </a:p>
+          <a:p>
+            <a:pPr marL="342900" indent="-342900">
+              <a:buAutoNum type="arabicPeriod"/>
+            </a:pPr>
+            <a:r>
+              <a:rPr lang="ko-KR" altLang="en-US" dirty="0" smtClean="0"/>
+              <a:t>가위</a:t>
+            </a:r>
+            <a:r>
+              <a:rPr lang="en-US" altLang="ko-KR" dirty="0" smtClean="0"/>
+              <a:t>, </a:t>
+            </a:r>
+            <a:r>
+              <a:rPr lang="ko-KR" altLang="en-US" dirty="0" smtClean="0"/>
+              <a:t>바위</a:t>
+            </a:r>
+            <a:r>
+              <a:rPr lang="en-US" altLang="ko-KR" dirty="0" smtClean="0"/>
+              <a:t>, </a:t>
+            </a:r>
+            <a:r>
+              <a:rPr lang="ko-KR" altLang="en-US" dirty="0" smtClean="0"/>
+              <a:t>보 이미지가 있는 버튼 </a:t>
+            </a:r>
+            <a:r>
+              <a:rPr lang="en-US" altLang="ko-KR" dirty="0" smtClean="0"/>
+              <a:t>(4-1 </a:t>
+            </a:r>
+            <a:r>
+              <a:rPr lang="ko-KR" altLang="en-US" dirty="0" smtClean="0"/>
+              <a:t>화면으로</a:t>
+            </a:r>
+            <a:r>
+              <a:rPr lang="en-US" altLang="ko-KR" dirty="0" smtClean="0"/>
+              <a:t>)</a:t>
+            </a:r>
+          </a:p>
+          <a:p>
+            <a:pPr marL="342900" indent="-342900">
+              <a:buAutoNum type="arabicPeriod"/>
+            </a:pPr>
+            <a:endParaRPr lang="en-US" altLang="ko-KR" dirty="0" smtClean="0"/>
+          </a:p>
+          <a:p>
+            <a:pPr marL="342900" indent="-342900">
+              <a:buAutoNum type="arabicPeriod"/>
+            </a:pPr>
+            <a:r>
+              <a:rPr lang="ko-KR" altLang="en-US" dirty="0" smtClean="0"/>
+              <a:t>나가기 버튼</a:t>
+            </a:r>
+            <a:endParaRPr lang="en-US" altLang="ko-KR" dirty="0" smtClean="0"/>
+          </a:p>
+          <a:p>
+            <a:endParaRPr lang="en-US" altLang="ko-KR" dirty="0" smtClean="0"/>
+          </a:p>
+          <a:p>
+            <a:endParaRPr lang="en-US" altLang="ko-KR" dirty="0" smtClean="0"/>
+          </a:p>
+          <a:p>
+            <a:pPr marL="342900" indent="-342900">
+              <a:buAutoNum type="arabicPeriod"/>
+            </a:pPr>
+            <a:endParaRPr lang="en-US" altLang="ko-KR" dirty="0" smtClean="0"/>
           </a:p>
         </p:txBody>
       </p:sp>
@@ -8725,7 +8825,7 @@
         </p:nvSpPr>
         <p:spPr>
           <a:xfrm>
-            <a:off x="2522022" y="2417885"/>
+            <a:off x="2522022" y="2426677"/>
             <a:ext cx="1951892" cy="1037767"/>
           </a:xfrm>
           <a:prstGeom prst="rect">
@@ -8777,16 +8877,14 @@
           </a:prstGeom>
         </p:spPr>
         <p:style>
-          <a:lnRef idx="2">
-            <a:schemeClr val="accent1">
-              <a:shade val="50000"/>
-            </a:schemeClr>
+          <a:lnRef idx="0">
+            <a:schemeClr val="accent3"/>
           </a:lnRef>
-          <a:fillRef idx="1">
-            <a:schemeClr val="accent1"/>
+          <a:fillRef idx="3">
+            <a:schemeClr val="accent3"/>
           </a:fillRef>
-          <a:effectRef idx="0">
-            <a:schemeClr val="accent1"/>
+          <a:effectRef idx="3">
+            <a:schemeClr val="accent3"/>
           </a:effectRef>
           <a:fontRef idx="minor">
             <a:schemeClr val="lt1"/>
@@ -8817,6 +8915,155 @@
             <a:ext cx="1034753" cy="1002378"/>
           </a:xfrm>
           <a:prstGeom prst="rect">
+            <a:avLst/>
+          </a:prstGeom>
+        </p:spPr>
+        <p:style>
+          <a:lnRef idx="0">
+            <a:schemeClr val="accent3"/>
+          </a:lnRef>
+          <a:fillRef idx="3">
+            <a:schemeClr val="accent3"/>
+          </a:fillRef>
+          <a:effectRef idx="3">
+            <a:schemeClr val="accent3"/>
+          </a:effectRef>
+          <a:fontRef idx="minor">
+            <a:schemeClr val="lt1"/>
+          </a:fontRef>
+        </p:style>
+        <p:txBody>
+          <a:bodyPr rtlCol="0" anchor="ctr"/>
+          <a:lstStyle/>
+          <a:p>
+            <a:pPr algn="ctr"/>
+            <a:r>
+              <a:rPr lang="ko-KR" altLang="en-US" dirty="0" smtClean="0"/>
+              <a:t>바위</a:t>
+            </a:r>
+            <a:endParaRPr lang="ko-KR" altLang="en-US" dirty="0"/>
+          </a:p>
+        </p:txBody>
+      </p:sp>
+      <p:sp>
+        <p:nvSpPr>
+          <p:cNvPr id="24" name="직사각형 23"/>
+          <p:cNvSpPr/>
+          <p:nvPr/>
+        </p:nvSpPr>
+        <p:spPr>
+          <a:xfrm>
+            <a:off x="4274431" y="4396154"/>
+            <a:ext cx="1034753" cy="1002378"/>
+          </a:xfrm>
+          <a:prstGeom prst="rect">
+            <a:avLst/>
+          </a:prstGeom>
+        </p:spPr>
+        <p:style>
+          <a:lnRef idx="0">
+            <a:schemeClr val="accent3"/>
+          </a:lnRef>
+          <a:fillRef idx="3">
+            <a:schemeClr val="accent3"/>
+          </a:fillRef>
+          <a:effectRef idx="3">
+            <a:schemeClr val="accent3"/>
+          </a:effectRef>
+          <a:fontRef idx="minor">
+            <a:schemeClr val="lt1"/>
+          </a:fontRef>
+        </p:style>
+        <p:txBody>
+          <a:bodyPr rtlCol="0" anchor="ctr"/>
+          <a:lstStyle/>
+          <a:p>
+            <a:pPr algn="ctr"/>
+            <a:r>
+              <a:rPr lang="ko-KR" altLang="en-US" dirty="0" smtClean="0"/>
+              <a:t>보</a:t>
+            </a:r>
+            <a:endParaRPr lang="ko-KR" altLang="en-US" dirty="0"/>
+          </a:p>
+        </p:txBody>
+      </p:sp>
+      <p:sp>
+        <p:nvSpPr>
+          <p:cNvPr id="25" name="TextBox 24"/>
+          <p:cNvSpPr txBox="1"/>
+          <p:nvPr/>
+        </p:nvSpPr>
+        <p:spPr>
+          <a:xfrm>
+            <a:off x="3353185" y="3719617"/>
+            <a:ext cx="568185" cy="369332"/>
+          </a:xfrm>
+          <a:prstGeom prst="rect">
+            <a:avLst/>
+          </a:prstGeom>
+          <a:noFill/>
+        </p:spPr>
+        <p:txBody>
+          <a:bodyPr wrap="square" rtlCol="0">
+            <a:spAutoFit/>
+          </a:bodyPr>
+          <a:lstStyle/>
+          <a:p>
+            <a:r>
+              <a:rPr lang="en-US" altLang="ko-KR" dirty="0" smtClean="0"/>
+              <a:t>vs</a:t>
+            </a:r>
+            <a:endParaRPr lang="ko-KR" altLang="en-US" dirty="0"/>
+          </a:p>
+        </p:txBody>
+      </p:sp>
+      <p:sp>
+        <p:nvSpPr>
+          <p:cNvPr id="26" name="TextBox 25"/>
+          <p:cNvSpPr txBox="1"/>
+          <p:nvPr/>
+        </p:nvSpPr>
+        <p:spPr>
+          <a:xfrm>
+            <a:off x="6603023" y="1840018"/>
+            <a:ext cx="945173" cy="369332"/>
+          </a:xfrm>
+          <a:prstGeom prst="rect">
+            <a:avLst/>
+          </a:prstGeom>
+          <a:noFill/>
+          <a:ln>
+            <a:solidFill>
+              <a:schemeClr val="tx1"/>
+            </a:solidFill>
+          </a:ln>
+        </p:spPr>
+        <p:txBody>
+          <a:bodyPr wrap="square" rtlCol="0">
+            <a:spAutoFit/>
+          </a:bodyPr>
+          <a:lstStyle/>
+          <a:p>
+            <a:r>
+              <a:rPr lang="ko-KR" altLang="en-US" dirty="0" smtClean="0"/>
+              <a:t>나가기</a:t>
+            </a:r>
+            <a:endParaRPr lang="ko-KR" altLang="en-US" dirty="0"/>
+          </a:p>
+        </p:txBody>
+      </p:sp>
+      <p:sp>
+        <p:nvSpPr>
+          <p:cNvPr id="15" name="타원 14"/>
+          <p:cNvSpPr/>
+          <p:nvPr/>
+        </p:nvSpPr>
+        <p:spPr>
+          <a:xfrm>
+            <a:off x="1466945" y="4123869"/>
+            <a:ext cx="439616" cy="386861"/>
+          </a:xfrm>
+          <a:prstGeom prst="ellipse">
             <a:avLst/>
           </a:prstGeom>
         </p:spPr>
@@ -8842,8 +9089,8 @@
           <a:p>
             <a:pPr algn="ctr"/>
             <a:r>
-              <a:rPr lang="ko-KR" altLang="en-US" dirty="0" smtClean="0"/>
-              <a:t>바위</a:t>
+              <a:rPr lang="en-US" altLang="ko-KR" dirty="0" smtClean="0"/>
+              <a:t>2</a:t>
             </a:r>
             <a:endParaRPr lang="ko-KR" altLang="en-US" dirty="0"/>
           </a:p>
@@ -8851,16 +9098,16 @@
       </p:sp>
       <p:sp>
         <p:nvSpPr>
-          <p:cNvPr id="24" name="직사각형 23"/>
+          <p:cNvPr id="16" name="타원 15"/>
           <p:cNvSpPr/>
           <p:nvPr/>
         </p:nvSpPr>
         <p:spPr>
           <a:xfrm>
-            <a:off x="4274431" y="4396154"/>
-            <a:ext cx="1034753" cy="1002378"/>
-          </a:xfrm>
-          <a:prstGeom prst="rect">
+            <a:off x="2707488" y="4123869"/>
+            <a:ext cx="439616" cy="386861"/>
+          </a:xfrm>
+          <a:prstGeom prst="ellipse">
             <a:avLst/>
           </a:prstGeom>
         </p:spPr>
@@ -8886,8 +9133,8 @@
           <a:p>
             <a:pPr algn="ctr"/>
             <a:r>
-              <a:rPr lang="ko-KR" altLang="en-US" dirty="0" smtClean="0"/>
-              <a:t>보</a:t>
+              <a:rPr lang="en-US" altLang="ko-KR" dirty="0" smtClean="0"/>
+              <a:t>2</a:t>
             </a:r>
             <a:endParaRPr lang="ko-KR" altLang="en-US" dirty="0"/>
           </a:p>
@@ -8895,97 +9142,18 @@
       </p:sp>
       <p:sp>
         <p:nvSpPr>
-          <p:cNvPr id="25" name="TextBox 24"/>
-          <p:cNvSpPr txBox="1"/>
-          <p:nvPr/>
-        </p:nvSpPr>
-        <p:spPr>
-          <a:xfrm>
-            <a:off x="3353185" y="3719617"/>
-            <a:ext cx="568185" cy="369332"/>
-          </a:xfrm>
-          <a:prstGeom prst="rect">
-            <a:avLst/>
-          </a:prstGeom>
-          <a:noFill/>
-        </p:spPr>
-        <p:txBody>
-          <a:bodyPr wrap="square" rtlCol="0">
-            <a:spAutoFit/>
-          </a:bodyPr>
-          <a:lstStyle/>
-          <a:p>
-            <a:r>
-              <a:rPr lang="en-US" altLang="ko-KR" dirty="0" smtClean="0"/>
-              <a:t>vs</a:t>
-            </a:r>
-            <a:endParaRPr lang="ko-KR" altLang="en-US" dirty="0"/>
-          </a:p>
-        </p:txBody>
-      </p:sp>
-      <p:sp>
-        <p:nvSpPr>
-          <p:cNvPr id="26" name="TextBox 25"/>
-          <p:cNvSpPr txBox="1"/>
-          <p:nvPr/>
-        </p:nvSpPr>
-        <p:spPr>
-          <a:xfrm>
-            <a:off x="6603023" y="1840018"/>
-            <a:ext cx="945173" cy="369332"/>
-          </a:xfrm>
-          <a:prstGeom prst="rect">
-            <a:avLst/>
-          </a:prstGeom>
-          <a:noFill/>
-          <a:ln>
-            <a:solidFill>
-              <a:schemeClr val="tx1"/>
-            </a:solidFill>
-          </a:ln>
-        </p:spPr>
-        <p:txBody>
-          <a:bodyPr wrap="square" rtlCol="0">
-            <a:spAutoFit/>
-          </a:bodyPr>
-          <a:lstStyle/>
-          <a:p>
-            <a:r>
-              <a:rPr lang="ko-KR" altLang="en-US" dirty="0" smtClean="0"/>
-              <a:t>나가기</a:t>
-            </a:r>
-            <a:endParaRPr lang="ko-KR" altLang="en-US" dirty="0"/>
-          </a:p>
-        </p:txBody>
-      </p:sp>
-      <p:sp>
-        <p:nvSpPr>
-          <p:cNvPr id="14" name="직사각형 13"/>
+          <p:cNvPr id="17" name="타원 16"/>
           <p:cNvSpPr/>
           <p:nvPr/>
         </p:nvSpPr>
         <p:spPr>
           <a:xfrm>
-            <a:off x="2831409" y="2849410"/>
-            <a:ext cx="3636701" cy="2145268"/>
-          </a:xfrm>
-          <a:prstGeom prst="rect">
-            <a:avLst/>
-          </a:prstGeom>
-          <a:solidFill>
-            <a:schemeClr val="tx1">
-              <a:lumMod val="50000"/>
-              <a:lumOff val="50000"/>
-            </a:schemeClr>
-          </a:solidFill>
-          <a:ln>
-            <a:solidFill>
-              <a:schemeClr val="tx1">
-                <a:lumMod val="50000"/>
-                <a:lumOff val="50000"/>
-              </a:schemeClr>
-            </a:solidFill>
-          </a:ln>
+            <a:off x="4015345" y="4123869"/>
+            <a:ext cx="439616" cy="386861"/>
+          </a:xfrm>
+          <a:prstGeom prst="ellipse">
+            <a:avLst/>
+          </a:prstGeom>
         </p:spPr>
         <p:style>
           <a:lnRef idx="2">
@@ -9009,30 +9177,22 @@
           <a:p>
             <a:pPr algn="ctr"/>
             <a:r>
-              <a:rPr lang="ko-KR" altLang="en-US" dirty="0" smtClean="0"/>
-              <a:t>승</a:t>
-            </a:r>
-            <a:endParaRPr lang="en-US" altLang="ko-KR" dirty="0" smtClean="0"/>
-          </a:p>
-          <a:p>
-            <a:pPr algn="ctr"/>
-            <a:endParaRPr lang="en-US" altLang="ko-KR" dirty="0"/>
-          </a:p>
-          <a:p>
-            <a:pPr algn="ctr"/>
+              <a:rPr lang="en-US" altLang="ko-KR" dirty="0" smtClean="0"/>
+              <a:t>2</a:t>
+            </a:r>
             <a:endParaRPr lang="ko-KR" altLang="en-US" dirty="0"/>
           </a:p>
         </p:txBody>
       </p:sp>
       <p:sp>
         <p:nvSpPr>
-          <p:cNvPr id="15" name="타원 14"/>
+          <p:cNvPr id="18" name="타원 17"/>
           <p:cNvSpPr/>
           <p:nvPr/>
         </p:nvSpPr>
         <p:spPr>
           <a:xfrm>
-            <a:off x="6028494" y="2570482"/>
+            <a:off x="2221714" y="2171504"/>
             <a:ext cx="439616" cy="386861"/>
           </a:xfrm>
           <a:prstGeom prst="ellipse">
@@ -9070,45 +9230,13 @@
       </p:sp>
       <p:sp>
         <p:nvSpPr>
-          <p:cNvPr id="7" name="TextBox 6"/>
-          <p:cNvSpPr txBox="1"/>
-          <p:nvPr/>
-        </p:nvSpPr>
-        <p:spPr>
-          <a:xfrm>
-            <a:off x="4387360" y="4396154"/>
-            <a:ext cx="844063" cy="371647"/>
-          </a:xfrm>
-          <a:prstGeom prst="rect">
-            <a:avLst/>
-          </a:prstGeom>
-          <a:solidFill>
-            <a:schemeClr val="bg2"/>
-          </a:solidFill>
-        </p:spPr>
-        <p:txBody>
-          <a:bodyPr wrap="square" rtlCol="0">
-            <a:spAutoFit/>
-          </a:bodyPr>
-          <a:lstStyle/>
-          <a:p>
-            <a:r>
-              <a:rPr lang="ko-KR" altLang="en-US" smtClean="0"/>
-              <a:t>확인</a:t>
-            </a:r>
-            <a:endParaRPr lang="ko-KR" altLang="en-US"/>
-          </a:p>
-        </p:txBody>
-      </p:sp>
-      <p:sp>
-        <p:nvSpPr>
-          <p:cNvPr id="16" name="타원 15"/>
+          <p:cNvPr id="19" name="타원 18"/>
           <p:cNvSpPr/>
           <p:nvPr/>
         </p:nvSpPr>
         <p:spPr>
           <a:xfrm>
-            <a:off x="5035250" y="4169277"/>
+            <a:off x="6308481" y="1637823"/>
             <a:ext cx="439616" cy="386861"/>
           </a:xfrm>
           <a:prstGeom prst="ellipse">
@@ -9138,65 +9266,16 @@
             <a:pPr algn="ctr"/>
             <a:r>
               <a:rPr lang="en-US" altLang="ko-KR" dirty="0" smtClean="0"/>
-              <a:t>2</a:t>
+              <a:t>1</a:t>
             </a:r>
             <a:endParaRPr lang="ko-KR" altLang="en-US" dirty="0"/>
-          </a:p>
-        </p:txBody>
-      </p:sp>
-      <p:sp>
-        <p:nvSpPr>
-          <p:cNvPr id="8" name="TextBox 7"/>
-          <p:cNvSpPr txBox="1"/>
-          <p:nvPr/>
-        </p:nvSpPr>
-        <p:spPr>
-          <a:xfrm>
-            <a:off x="8686800" y="659423"/>
-            <a:ext cx="2866292" cy="923330"/>
-          </a:xfrm>
-          <a:prstGeom prst="rect">
-            <a:avLst/>
-          </a:prstGeom>
-          <a:noFill/>
-        </p:spPr>
-        <p:txBody>
-          <a:bodyPr wrap="square" rtlCol="0">
-            <a:spAutoFit/>
-          </a:bodyPr>
-          <a:lstStyle/>
-          <a:p>
-            <a:pPr marL="342900" indent="-342900">
-              <a:buAutoNum type="arabicPeriod"/>
-            </a:pPr>
-            <a:r>
-              <a:rPr lang="ko-KR" altLang="en-US" dirty="0" smtClean="0"/>
-              <a:t>새 결과 창</a:t>
-            </a:r>
-            <a:endParaRPr lang="en-US" altLang="ko-KR" dirty="0" smtClean="0"/>
-          </a:p>
-          <a:p>
-            <a:pPr marL="342900" indent="-342900">
-              <a:buAutoNum type="arabicPeriod"/>
-            </a:pPr>
-            <a:endParaRPr lang="en-US" altLang="ko-KR" dirty="0"/>
-          </a:p>
-          <a:p>
-            <a:pPr marL="342900" indent="-342900">
-              <a:buAutoNum type="arabicPeriod"/>
-            </a:pPr>
-            <a:r>
-              <a:rPr lang="ko-KR" altLang="en-US" dirty="0" smtClean="0"/>
-              <a:t>확인 버튼</a:t>
-            </a:r>
-            <a:endParaRPr lang="en-US" altLang="ko-KR" dirty="0" smtClean="0"/>
           </a:p>
         </p:txBody>
       </p:sp>
     </p:spTree>
     <p:extLst>
       <p:ext uri="{BB962C8B-B14F-4D97-AF65-F5344CB8AC3E}">
-        <p14:creationId xmlns:p14="http://schemas.microsoft.com/office/powerpoint/2010/main" val="3070258551"/>
+        <p14:creationId xmlns:p14="http://schemas.microsoft.com/office/powerpoint/2010/main" val="4284609772"/>
       </p:ext>
     </p:extLst>
   </p:cSld>
@@ -9308,7 +9387,7 @@
         <p:spPr>
           <a:xfrm>
             <a:off x="1301262" y="562708"/>
-            <a:ext cx="1449436" cy="369332"/>
+            <a:ext cx="2319866" cy="369332"/>
           </a:xfrm>
           <a:prstGeom prst="rect">
             <a:avLst/>
@@ -9323,65 +9402,11 @@
           <a:p>
             <a:r>
               <a:rPr lang="en-US" altLang="ko-KR" dirty="0" smtClean="0"/>
-              <a:t>5. </a:t>
+              <a:t>4.1.</a:t>
             </a:r>
             <a:r>
               <a:rPr lang="ko-KR" altLang="en-US" dirty="0" smtClean="0"/>
-              <a:t>랭킹 </a:t>
-            </a:r>
-            <a:r>
-              <a:rPr lang="ko-KR" altLang="en-US" dirty="0" smtClean="0"/>
-              <a:t>보드</a:t>
-            </a:r>
-            <a:endParaRPr lang="ko-KR" altLang="en-US" dirty="0"/>
-          </a:p>
-        </p:txBody>
-      </p:sp>
-      <p:sp>
-        <p:nvSpPr>
-          <p:cNvPr id="12" name="TextBox 11"/>
-          <p:cNvSpPr txBox="1"/>
-          <p:nvPr/>
-        </p:nvSpPr>
-        <p:spPr>
-          <a:xfrm>
-            <a:off x="8827477" y="808892"/>
-            <a:ext cx="2803973" cy="369332"/>
-          </a:xfrm>
-          <a:prstGeom prst="rect">
-            <a:avLst/>
-          </a:prstGeom>
-          <a:noFill/>
-        </p:spPr>
-        <p:txBody>
-          <a:bodyPr wrap="none" rtlCol="0">
-            <a:spAutoFit/>
-          </a:bodyPr>
-          <a:lstStyle/>
-          <a:p>
-            <a:r>
-              <a:rPr lang="en-US" altLang="ko-KR" dirty="0" smtClean="0"/>
-              <a:t>1</a:t>
-            </a:r>
-            <a:r>
-              <a:rPr lang="en-US" altLang="ko-KR" dirty="0" smtClean="0"/>
-              <a:t>. </a:t>
-            </a:r>
-            <a:r>
-              <a:rPr lang="ko-KR" altLang="en-US" dirty="0" smtClean="0"/>
-              <a:t>나가기 버튼 </a:t>
-            </a:r>
-            <a:r>
-              <a:rPr lang="en-US" altLang="ko-KR" dirty="0" smtClean="0"/>
-              <a:t>(3</a:t>
-            </a:r>
-            <a:r>
-              <a:rPr lang="ko-KR" altLang="en-US" dirty="0" smtClean="0"/>
-              <a:t>번 화면</a:t>
-            </a:r>
-            <a:r>
-              <a:rPr lang="en-US" altLang="ko-KR" dirty="0" smtClean="0"/>
-              <a:t>)</a:t>
+              <a:t>게임 플레이 결과</a:t>
             </a:r>
             <a:endParaRPr lang="ko-KR" altLang="en-US" dirty="0"/>
           </a:p>
@@ -9395,8 +9420,268 @@
         </p:nvSpPr>
         <p:spPr>
           <a:xfrm>
-            <a:off x="4844562" y="5978769"/>
-            <a:ext cx="975946" cy="369332"/>
+            <a:off x="6145823" y="3065277"/>
+            <a:ext cx="1134208" cy="369332"/>
+          </a:xfrm>
+          <a:prstGeom prst="rect">
+            <a:avLst/>
+          </a:prstGeom>
+          <a:noFill/>
+        </p:spPr>
+        <p:txBody>
+          <a:bodyPr wrap="square" rtlCol="0">
+            <a:spAutoFit/>
+          </a:bodyPr>
+          <a:lstStyle/>
+          <a:p>
+            <a:r>
+              <a:rPr lang="en-US" altLang="ko-KR" dirty="0" smtClean="0"/>
+              <a:t>com</a:t>
+            </a:r>
+            <a:endParaRPr lang="ko-KR" altLang="en-US" dirty="0"/>
+          </a:p>
+        </p:txBody>
+      </p:sp>
+      <p:sp>
+        <p:nvSpPr>
+          <p:cNvPr id="6" name="TextBox 5"/>
+          <p:cNvSpPr txBox="1"/>
+          <p:nvPr/>
+        </p:nvSpPr>
+        <p:spPr>
+          <a:xfrm>
+            <a:off x="6145823" y="4767801"/>
+            <a:ext cx="984739" cy="369332"/>
+          </a:xfrm>
+          <a:prstGeom prst="rect">
+            <a:avLst/>
+          </a:prstGeom>
+          <a:noFill/>
+        </p:spPr>
+        <p:txBody>
+          <a:bodyPr wrap="square" rtlCol="0">
+            <a:spAutoFit/>
+          </a:bodyPr>
+          <a:lstStyle/>
+          <a:p>
+            <a:r>
+              <a:rPr lang="ko-KR" altLang="en-US" dirty="0" smtClean="0"/>
+              <a:t>닉네임</a:t>
+            </a:r>
+            <a:endParaRPr lang="en-US" altLang="ko-KR" dirty="0" smtClean="0"/>
+          </a:p>
+        </p:txBody>
+      </p:sp>
+      <p:sp>
+        <p:nvSpPr>
+          <p:cNvPr id="20" name="직사각형 19"/>
+          <p:cNvSpPr/>
+          <p:nvPr/>
+        </p:nvSpPr>
+        <p:spPr>
+          <a:xfrm>
+            <a:off x="2522022" y="2417885"/>
+            <a:ext cx="1951892" cy="1037767"/>
+          </a:xfrm>
+          <a:prstGeom prst="rect">
+            <a:avLst/>
+          </a:prstGeom>
+        </p:spPr>
+        <p:style>
+          <a:lnRef idx="2">
+            <a:schemeClr val="accent1">
+              <a:shade val="50000"/>
+            </a:schemeClr>
+          </a:lnRef>
+          <a:fillRef idx="1">
+            <a:schemeClr val="accent1"/>
+          </a:fillRef>
+          <a:effectRef idx="0">
+            <a:schemeClr val="accent1"/>
+          </a:effectRef>
+          <a:fontRef idx="minor">
+            <a:schemeClr val="lt1"/>
+          </a:fontRef>
+        </p:style>
+        <p:txBody>
+          <a:bodyPr rtlCol="0" anchor="ctr"/>
+          <a:lstStyle/>
+          <a:p>
+            <a:pPr algn="ctr"/>
+            <a:r>
+              <a:rPr lang="ko-KR" altLang="en-US" dirty="0" smtClean="0"/>
+              <a:t>가위바위보</a:t>
+            </a:r>
+            <a:endParaRPr lang="ko-KR" altLang="en-US" dirty="0"/>
+          </a:p>
+        </p:txBody>
+      </p:sp>
+      <p:sp>
+        <p:nvSpPr>
+          <p:cNvPr id="21" name="직사각형 20"/>
+          <p:cNvSpPr/>
+          <p:nvPr/>
+        </p:nvSpPr>
+        <p:spPr>
+          <a:xfrm>
+            <a:off x="1626577" y="4396154"/>
+            <a:ext cx="1034753" cy="1002378"/>
+          </a:xfrm>
+          <a:prstGeom prst="rect">
+            <a:avLst/>
+          </a:prstGeom>
+        </p:spPr>
+        <p:style>
+          <a:lnRef idx="0">
+            <a:schemeClr val="accent3"/>
+          </a:lnRef>
+          <a:fillRef idx="3">
+            <a:schemeClr val="accent3"/>
+          </a:fillRef>
+          <a:effectRef idx="3">
+            <a:schemeClr val="accent3"/>
+          </a:effectRef>
+          <a:fontRef idx="minor">
+            <a:schemeClr val="lt1"/>
+          </a:fontRef>
+        </p:style>
+        <p:txBody>
+          <a:bodyPr rtlCol="0" anchor="ctr"/>
+          <a:lstStyle/>
+          <a:p>
+            <a:pPr algn="ctr"/>
+            <a:r>
+              <a:rPr lang="ko-KR" altLang="en-US" dirty="0" smtClean="0"/>
+              <a:t>가위</a:t>
+            </a:r>
+            <a:endParaRPr lang="ko-KR" altLang="en-US" dirty="0"/>
+          </a:p>
+        </p:txBody>
+      </p:sp>
+      <p:sp>
+        <p:nvSpPr>
+          <p:cNvPr id="23" name="직사각형 22"/>
+          <p:cNvSpPr/>
+          <p:nvPr/>
+        </p:nvSpPr>
+        <p:spPr>
+          <a:xfrm>
+            <a:off x="2980592" y="4396154"/>
+            <a:ext cx="1034753" cy="1002378"/>
+          </a:xfrm>
+          <a:prstGeom prst="rect">
+            <a:avLst/>
+          </a:prstGeom>
+        </p:spPr>
+        <p:style>
+          <a:lnRef idx="0">
+            <a:schemeClr val="accent3"/>
+          </a:lnRef>
+          <a:fillRef idx="3">
+            <a:schemeClr val="accent3"/>
+          </a:fillRef>
+          <a:effectRef idx="3">
+            <a:schemeClr val="accent3"/>
+          </a:effectRef>
+          <a:fontRef idx="minor">
+            <a:schemeClr val="lt1"/>
+          </a:fontRef>
+        </p:style>
+        <p:txBody>
+          <a:bodyPr rtlCol="0" anchor="ctr"/>
+          <a:lstStyle/>
+          <a:p>
+            <a:pPr algn="ctr"/>
+            <a:r>
+              <a:rPr lang="ko-KR" altLang="en-US" dirty="0" smtClean="0"/>
+              <a:t>바위</a:t>
+            </a:r>
+            <a:endParaRPr lang="ko-KR" altLang="en-US" dirty="0"/>
+          </a:p>
+        </p:txBody>
+      </p:sp>
+      <p:sp>
+        <p:nvSpPr>
+          <p:cNvPr id="24" name="직사각형 23"/>
+          <p:cNvSpPr/>
+          <p:nvPr/>
+        </p:nvSpPr>
+        <p:spPr>
+          <a:xfrm>
+            <a:off x="4274431" y="4396154"/>
+            <a:ext cx="1034753" cy="1002378"/>
+          </a:xfrm>
+          <a:prstGeom prst="rect">
+            <a:avLst/>
+          </a:prstGeom>
+        </p:spPr>
+        <p:style>
+          <a:lnRef idx="0">
+            <a:schemeClr val="accent3"/>
+          </a:lnRef>
+          <a:fillRef idx="3">
+            <a:schemeClr val="accent3"/>
+          </a:fillRef>
+          <a:effectRef idx="3">
+            <a:schemeClr val="accent3"/>
+          </a:effectRef>
+          <a:fontRef idx="minor">
+            <a:schemeClr val="lt1"/>
+          </a:fontRef>
+        </p:style>
+        <p:txBody>
+          <a:bodyPr rtlCol="0" anchor="ctr"/>
+          <a:lstStyle/>
+          <a:p>
+            <a:pPr algn="ctr"/>
+            <a:r>
+              <a:rPr lang="ko-KR" altLang="en-US" dirty="0" smtClean="0"/>
+              <a:t>보</a:t>
+            </a:r>
+            <a:endParaRPr lang="ko-KR" altLang="en-US" dirty="0"/>
+          </a:p>
+        </p:txBody>
+      </p:sp>
+      <p:sp>
+        <p:nvSpPr>
+          <p:cNvPr id="25" name="TextBox 24"/>
+          <p:cNvSpPr txBox="1"/>
+          <p:nvPr/>
+        </p:nvSpPr>
+        <p:spPr>
+          <a:xfrm>
+            <a:off x="3353185" y="3719617"/>
+            <a:ext cx="568185" cy="369332"/>
+          </a:xfrm>
+          <a:prstGeom prst="rect">
+            <a:avLst/>
+          </a:prstGeom>
+          <a:noFill/>
+        </p:spPr>
+        <p:txBody>
+          <a:bodyPr wrap="square" rtlCol="0">
+            <a:spAutoFit/>
+          </a:bodyPr>
+          <a:lstStyle/>
+          <a:p>
+            <a:r>
+              <a:rPr lang="en-US" altLang="ko-KR" dirty="0" smtClean="0"/>
+              <a:t>vs</a:t>
+            </a:r>
+            <a:endParaRPr lang="ko-KR" altLang="en-US" dirty="0"/>
+          </a:p>
+        </p:txBody>
+      </p:sp>
+      <p:sp>
+        <p:nvSpPr>
+          <p:cNvPr id="26" name="TextBox 25"/>
+          <p:cNvSpPr txBox="1"/>
+          <p:nvPr/>
+        </p:nvSpPr>
+        <p:spPr>
+          <a:xfrm>
+            <a:off x="6603023" y="1840018"/>
+            <a:ext cx="945173" cy="369332"/>
           </a:xfrm>
           <a:prstGeom prst="rect">
             <a:avLst/>
@@ -9408,6 +9693,482 @@
             </a:solidFill>
           </a:ln>
         </p:spPr>
+        <p:txBody>
+          <a:bodyPr wrap="square" rtlCol="0">
+            <a:spAutoFit/>
+          </a:bodyPr>
+          <a:lstStyle/>
+          <a:p>
+            <a:r>
+              <a:rPr lang="ko-KR" altLang="en-US" dirty="0" smtClean="0"/>
+              <a:t>나가기</a:t>
+            </a:r>
+            <a:endParaRPr lang="ko-KR" altLang="en-US" dirty="0"/>
+          </a:p>
+        </p:txBody>
+      </p:sp>
+      <p:sp>
+        <p:nvSpPr>
+          <p:cNvPr id="14" name="직사각형 13"/>
+          <p:cNvSpPr/>
+          <p:nvPr/>
+        </p:nvSpPr>
+        <p:spPr>
+          <a:xfrm>
+            <a:off x="2831409" y="2849410"/>
+            <a:ext cx="3636701" cy="2145268"/>
+          </a:xfrm>
+          <a:prstGeom prst="rect">
+            <a:avLst/>
+          </a:prstGeom>
+          <a:solidFill>
+            <a:schemeClr val="tx1">
+              <a:lumMod val="50000"/>
+              <a:lumOff val="50000"/>
+            </a:schemeClr>
+          </a:solidFill>
+          <a:ln>
+            <a:solidFill>
+              <a:schemeClr val="tx1">
+                <a:lumMod val="50000"/>
+                <a:lumOff val="50000"/>
+              </a:schemeClr>
+            </a:solidFill>
+          </a:ln>
+        </p:spPr>
+        <p:style>
+          <a:lnRef idx="2">
+            <a:schemeClr val="accent1">
+              <a:shade val="50000"/>
+            </a:schemeClr>
+          </a:lnRef>
+          <a:fillRef idx="1">
+            <a:schemeClr val="accent1"/>
+          </a:fillRef>
+          <a:effectRef idx="0">
+            <a:schemeClr val="accent1"/>
+          </a:effectRef>
+          <a:fontRef idx="minor">
+            <a:schemeClr val="lt1"/>
+          </a:fontRef>
+        </p:style>
+        <p:txBody>
+          <a:bodyPr rtlCol="0" anchor="ctr"/>
+          <a:lstStyle/>
+          <a:p>
+            <a:pPr algn="ctr"/>
+            <a:r>
+              <a:rPr lang="ko-KR" altLang="en-US" dirty="0" smtClean="0"/>
+              <a:t>승</a:t>
+            </a:r>
+            <a:endParaRPr lang="en-US" altLang="ko-KR" dirty="0" smtClean="0"/>
+          </a:p>
+          <a:p>
+            <a:pPr algn="ctr"/>
+            <a:endParaRPr lang="en-US" altLang="ko-KR" dirty="0"/>
+          </a:p>
+          <a:p>
+            <a:pPr algn="ctr"/>
+            <a:endParaRPr lang="ko-KR" altLang="en-US" dirty="0"/>
+          </a:p>
+        </p:txBody>
+      </p:sp>
+      <p:sp>
+        <p:nvSpPr>
+          <p:cNvPr id="15" name="타원 14"/>
+          <p:cNvSpPr/>
+          <p:nvPr/>
+        </p:nvSpPr>
+        <p:spPr>
+          <a:xfrm>
+            <a:off x="6028494" y="2570482"/>
+            <a:ext cx="439616" cy="386861"/>
+          </a:xfrm>
+          <a:prstGeom prst="ellipse">
+            <a:avLst/>
+          </a:prstGeom>
+        </p:spPr>
+        <p:style>
+          <a:lnRef idx="2">
+            <a:schemeClr val="accent1">
+              <a:shade val="50000"/>
+            </a:schemeClr>
+          </a:lnRef>
+          <a:fillRef idx="1">
+            <a:schemeClr val="accent1"/>
+          </a:fillRef>
+          <a:effectRef idx="0">
+            <a:schemeClr val="accent1"/>
+          </a:effectRef>
+          <a:fontRef idx="minor">
+            <a:schemeClr val="lt1"/>
+          </a:fontRef>
+        </p:style>
+        <p:txBody>
+          <a:bodyPr rtlCol="0" anchor="ctr"/>
+          <a:lstStyle/>
+          <a:p>
+            <a:pPr algn="ctr"/>
+            <a:r>
+              <a:rPr lang="en-US" altLang="ko-KR" dirty="0" smtClean="0"/>
+              <a:t>1</a:t>
+            </a:r>
+            <a:endParaRPr lang="ko-KR" altLang="en-US" dirty="0"/>
+          </a:p>
+        </p:txBody>
+      </p:sp>
+      <p:sp>
+        <p:nvSpPr>
+          <p:cNvPr id="7" name="TextBox 6"/>
+          <p:cNvSpPr txBox="1"/>
+          <p:nvPr/>
+        </p:nvSpPr>
+        <p:spPr>
+          <a:xfrm>
+            <a:off x="4387360" y="4396154"/>
+            <a:ext cx="844063" cy="371647"/>
+          </a:xfrm>
+          <a:prstGeom prst="rect">
+            <a:avLst/>
+          </a:prstGeom>
+        </p:spPr>
+        <p:style>
+          <a:lnRef idx="0">
+            <a:schemeClr val="accent3"/>
+          </a:lnRef>
+          <a:fillRef idx="3">
+            <a:schemeClr val="accent3"/>
+          </a:fillRef>
+          <a:effectRef idx="3">
+            <a:schemeClr val="accent3"/>
+          </a:effectRef>
+          <a:fontRef idx="minor">
+            <a:schemeClr val="lt1"/>
+          </a:fontRef>
+        </p:style>
+        <p:txBody>
+          <a:bodyPr wrap="square" rtlCol="0">
+            <a:spAutoFit/>
+          </a:bodyPr>
+          <a:lstStyle/>
+          <a:p>
+            <a:r>
+              <a:rPr lang="ko-KR" altLang="en-US" dirty="0" smtClean="0"/>
+              <a:t>확인</a:t>
+            </a:r>
+            <a:endParaRPr lang="ko-KR" altLang="en-US" dirty="0"/>
+          </a:p>
+        </p:txBody>
+      </p:sp>
+      <p:sp>
+        <p:nvSpPr>
+          <p:cNvPr id="16" name="타원 15"/>
+          <p:cNvSpPr/>
+          <p:nvPr/>
+        </p:nvSpPr>
+        <p:spPr>
+          <a:xfrm>
+            <a:off x="5035250" y="4169277"/>
+            <a:ext cx="439616" cy="386861"/>
+          </a:xfrm>
+          <a:prstGeom prst="ellipse">
+            <a:avLst/>
+          </a:prstGeom>
+        </p:spPr>
+        <p:style>
+          <a:lnRef idx="2">
+            <a:schemeClr val="accent1">
+              <a:shade val="50000"/>
+            </a:schemeClr>
+          </a:lnRef>
+          <a:fillRef idx="1">
+            <a:schemeClr val="accent1"/>
+          </a:fillRef>
+          <a:effectRef idx="0">
+            <a:schemeClr val="accent1"/>
+          </a:effectRef>
+          <a:fontRef idx="minor">
+            <a:schemeClr val="lt1"/>
+          </a:fontRef>
+        </p:style>
+        <p:txBody>
+          <a:bodyPr rtlCol="0" anchor="ctr"/>
+          <a:lstStyle/>
+          <a:p>
+            <a:pPr algn="ctr"/>
+            <a:r>
+              <a:rPr lang="en-US" altLang="ko-KR" dirty="0" smtClean="0"/>
+              <a:t>2</a:t>
+            </a:r>
+            <a:endParaRPr lang="ko-KR" altLang="en-US" dirty="0"/>
+          </a:p>
+        </p:txBody>
+      </p:sp>
+      <p:sp>
+        <p:nvSpPr>
+          <p:cNvPr id="8" name="TextBox 7"/>
+          <p:cNvSpPr txBox="1"/>
+          <p:nvPr/>
+        </p:nvSpPr>
+        <p:spPr>
+          <a:xfrm>
+            <a:off x="8686800" y="659423"/>
+            <a:ext cx="2866292" cy="923330"/>
+          </a:xfrm>
+          <a:prstGeom prst="rect">
+            <a:avLst/>
+          </a:prstGeom>
+          <a:noFill/>
+        </p:spPr>
+        <p:txBody>
+          <a:bodyPr wrap="square" rtlCol="0">
+            <a:spAutoFit/>
+          </a:bodyPr>
+          <a:lstStyle/>
+          <a:p>
+            <a:pPr marL="342900" indent="-342900">
+              <a:buAutoNum type="arabicPeriod"/>
+            </a:pPr>
+            <a:r>
+              <a:rPr lang="ko-KR" altLang="en-US" dirty="0" smtClean="0"/>
+              <a:t>새 결과 창</a:t>
+            </a:r>
+            <a:endParaRPr lang="en-US" altLang="ko-KR" dirty="0" smtClean="0"/>
+          </a:p>
+          <a:p>
+            <a:pPr marL="342900" indent="-342900">
+              <a:buAutoNum type="arabicPeriod"/>
+            </a:pPr>
+            <a:endParaRPr lang="en-US" altLang="ko-KR" dirty="0"/>
+          </a:p>
+          <a:p>
+            <a:pPr marL="342900" indent="-342900">
+              <a:buAutoNum type="arabicPeriod"/>
+            </a:pPr>
+            <a:r>
+              <a:rPr lang="ko-KR" altLang="en-US" dirty="0" smtClean="0"/>
+              <a:t>확인 버튼</a:t>
+            </a:r>
+            <a:endParaRPr lang="en-US" altLang="ko-KR" dirty="0" smtClean="0"/>
+          </a:p>
+        </p:txBody>
+      </p:sp>
+    </p:spTree>
+    <p:extLst>
+      <p:ext uri="{BB962C8B-B14F-4D97-AF65-F5344CB8AC3E}">
+        <p14:creationId xmlns:p14="http://schemas.microsoft.com/office/powerpoint/2010/main" val="3070258551"/>
+      </p:ext>
+    </p:extLst>
+  </p:cSld>
+  <p:clrMapOvr>
+    <a:masterClrMapping/>
+  </p:clrMapOvr>
+  <p:timing>
+    <p:tnLst>
+      <p:par>
+        <p:cTn id="1" dur="indefinite" restart="never" nodeType="tmRoot"/>
+      </p:par>
+    </p:tnLst>
+  </p:timing>
+</p:sld>
+</file>
+
+<file path=ppt/slides/slide12.xml><?xml version="1.0" encoding="utf-8"?>
+<p:sld xmlns:a="http://schemas.openxmlformats.org/drawingml/2006/main" xmlns:r="http://schemas.openxmlformats.org/officeDocument/2006/relationships" xmlns:p="http://schemas.openxmlformats.org/presentationml/2006/main">
+  <p:cSld>
+    <p:spTree>
+      <p:nvGrpSpPr>
+        <p:cNvPr id="1" name=""/>
+        <p:cNvGrpSpPr/>
+        <p:nvPr/>
+      </p:nvGrpSpPr>
+      <p:grpSpPr>
+        <a:xfrm>
+          <a:off x="0" y="0"/>
+          <a:ext cx="0" cy="0"/>
+          <a:chOff x="0" y="0"/>
+          <a:chExt cx="0" cy="0"/>
+        </a:xfrm>
+      </p:grpSpPr>
+      <p:sp>
+        <p:nvSpPr>
+          <p:cNvPr id="4" name="TextBox 3"/>
+          <p:cNvSpPr txBox="1"/>
+          <p:nvPr/>
+        </p:nvSpPr>
+        <p:spPr>
+          <a:xfrm>
+            <a:off x="8528538" y="395652"/>
+            <a:ext cx="3270739" cy="6120000"/>
+          </a:xfrm>
+          <a:prstGeom prst="rect">
+            <a:avLst/>
+          </a:prstGeom>
+          <a:noFill/>
+          <a:ln>
+            <a:solidFill>
+              <a:schemeClr val="tx1"/>
+            </a:solidFill>
+          </a:ln>
+        </p:spPr>
+        <p:txBody>
+          <a:bodyPr wrap="square" rtlCol="0">
+            <a:spAutoFit/>
+          </a:bodyPr>
+          <a:lstStyle/>
+          <a:p>
+            <a:endParaRPr lang="en-US" altLang="ko-KR" dirty="0" smtClean="0"/>
+          </a:p>
+          <a:p>
+            <a:endParaRPr lang="ko-KR" altLang="en-US" dirty="0"/>
+          </a:p>
+        </p:txBody>
+      </p:sp>
+      <p:sp>
+        <p:nvSpPr>
+          <p:cNvPr id="5" name="TextBox 4"/>
+          <p:cNvSpPr txBox="1">
+            <a:spLocks/>
+          </p:cNvSpPr>
+          <p:nvPr/>
+        </p:nvSpPr>
+        <p:spPr>
+          <a:xfrm>
+            <a:off x="1151791" y="1732085"/>
+            <a:ext cx="6471139" cy="4783568"/>
+          </a:xfrm>
+          <a:prstGeom prst="rect">
+            <a:avLst/>
+          </a:prstGeom>
+          <a:solidFill>
+            <a:schemeClr val="bg1"/>
+          </a:solidFill>
+          <a:ln>
+            <a:solidFill>
+              <a:schemeClr val="tx1"/>
+            </a:solidFill>
+          </a:ln>
+        </p:spPr>
+        <p:txBody>
+          <a:bodyPr wrap="square" rtlCol="0">
+            <a:spAutoFit/>
+          </a:bodyPr>
+          <a:lstStyle/>
+          <a:p>
+            <a:endParaRPr lang="ko-KR" altLang="en-US" dirty="0"/>
+          </a:p>
+        </p:txBody>
+      </p:sp>
+      <p:sp>
+        <p:nvSpPr>
+          <p:cNvPr id="11" name="TextBox 10"/>
+          <p:cNvSpPr txBox="1"/>
+          <p:nvPr/>
+        </p:nvSpPr>
+        <p:spPr>
+          <a:xfrm>
+            <a:off x="1301262" y="562708"/>
+            <a:ext cx="1449436" cy="369332"/>
+          </a:xfrm>
+          <a:prstGeom prst="rect">
+            <a:avLst/>
+          </a:prstGeom>
+          <a:noFill/>
+        </p:spPr>
+        <p:txBody>
+          <a:bodyPr wrap="none" rtlCol="0">
+            <a:spAutoFit/>
+          </a:bodyPr>
+          <a:lstStyle/>
+          <a:p>
+            <a:r>
+              <a:rPr lang="en-US" altLang="ko-KR" dirty="0" smtClean="0"/>
+              <a:t>5. </a:t>
+            </a:r>
+            <a:r>
+              <a:rPr lang="ko-KR" altLang="en-US" dirty="0" smtClean="0"/>
+              <a:t>랭킹 보드</a:t>
+            </a:r>
+            <a:endParaRPr lang="ko-KR" altLang="en-US" dirty="0"/>
+          </a:p>
+        </p:txBody>
+      </p:sp>
+      <p:sp>
+        <p:nvSpPr>
+          <p:cNvPr id="12" name="TextBox 11"/>
+          <p:cNvSpPr txBox="1"/>
+          <p:nvPr/>
+        </p:nvSpPr>
+        <p:spPr>
+          <a:xfrm>
+            <a:off x="8827477" y="808892"/>
+            <a:ext cx="2803973" cy="369332"/>
+          </a:xfrm>
+          <a:prstGeom prst="rect">
+            <a:avLst/>
+          </a:prstGeom>
+          <a:noFill/>
+        </p:spPr>
+        <p:txBody>
+          <a:bodyPr wrap="none" rtlCol="0">
+            <a:spAutoFit/>
+          </a:bodyPr>
+          <a:lstStyle/>
+          <a:p>
+            <a:r>
+              <a:rPr lang="en-US" altLang="ko-KR" dirty="0" smtClean="0"/>
+              <a:t>1. </a:t>
+            </a:r>
+            <a:r>
+              <a:rPr lang="ko-KR" altLang="en-US" dirty="0" smtClean="0"/>
+              <a:t>나가기 버튼 </a:t>
+            </a:r>
+            <a:r>
+              <a:rPr lang="en-US" altLang="ko-KR" dirty="0" smtClean="0"/>
+              <a:t>(3</a:t>
+            </a:r>
+            <a:r>
+              <a:rPr lang="ko-KR" altLang="en-US" dirty="0" smtClean="0"/>
+              <a:t>번 화면</a:t>
+            </a:r>
+            <a:r>
+              <a:rPr lang="en-US" altLang="ko-KR" dirty="0" smtClean="0"/>
+              <a:t>)</a:t>
+            </a:r>
+            <a:endParaRPr lang="ko-KR" altLang="en-US" dirty="0"/>
+          </a:p>
+        </p:txBody>
+      </p:sp>
+      <p:sp>
+        <p:nvSpPr>
+          <p:cNvPr id="3" name="TextBox 2"/>
+          <p:cNvSpPr txBox="1"/>
+          <p:nvPr/>
+        </p:nvSpPr>
+        <p:spPr>
+          <a:xfrm>
+            <a:off x="4844562" y="5978769"/>
+            <a:ext cx="975946" cy="369332"/>
+          </a:xfrm>
+          <a:prstGeom prst="rect">
+            <a:avLst/>
+          </a:prstGeom>
+          <a:ln/>
+        </p:spPr>
+        <p:style>
+          <a:lnRef idx="0">
+            <a:schemeClr val="accent3"/>
+          </a:lnRef>
+          <a:fillRef idx="3">
+            <a:schemeClr val="accent3"/>
+          </a:fillRef>
+          <a:effectRef idx="3">
+            <a:schemeClr val="accent3"/>
+          </a:effectRef>
+          <a:fontRef idx="minor">
+            <a:schemeClr val="lt1"/>
+          </a:fontRef>
+        </p:style>
         <p:txBody>
           <a:bodyPr wrap="square" rtlCol="0">
             <a:spAutoFit/>
@@ -10457,7 +11218,7 @@
       </p:grpSpPr>
       <p:sp>
         <p:nvSpPr>
-          <p:cNvPr id="4" name="제목 3"/>
+          <p:cNvPr id="2" name="제목 1"/>
           <p:cNvSpPr>
             <a:spLocks noGrp="1"/>
           </p:cNvSpPr>
@@ -10465,335 +11226,105 @@
             <p:ph type="title"/>
           </p:nvPr>
         </p:nvSpPr>
-        <p:spPr>
-          <a:xfrm>
-            <a:off x="1312984" y="760780"/>
-            <a:ext cx="10515600" cy="355844"/>
-          </a:xfrm>
-        </p:spPr>
-        <p:txBody>
-          <a:bodyPr>
-            <a:noAutofit/>
-          </a:bodyPr>
-          <a:lstStyle/>
-          <a:p>
-            <a:r>
-              <a:rPr lang="ko-KR" altLang="en-US" sz="2000" dirty="0" smtClean="0"/>
-              <a:t>화면 </a:t>
-            </a:r>
-            <a:r>
-              <a:rPr lang="ko-KR" altLang="en-US" sz="2000" dirty="0" smtClean="0"/>
-              <a:t>구성</a:t>
-            </a:r>
-            <a:endParaRPr lang="ko-KR" altLang="en-US" sz="2000" dirty="0"/>
-          </a:p>
-        </p:txBody>
-      </p:sp>
-      <p:sp>
-        <p:nvSpPr>
-          <p:cNvPr id="5" name="TextBox 4"/>
-          <p:cNvSpPr txBox="1"/>
-          <p:nvPr/>
-        </p:nvSpPr>
-        <p:spPr>
-          <a:xfrm>
-            <a:off x="838200" y="1705708"/>
-            <a:ext cx="8701453" cy="4247317"/>
-          </a:xfrm>
-          <a:prstGeom prst="rect">
-            <a:avLst/>
-          </a:prstGeom>
-          <a:noFill/>
-        </p:spPr>
-        <p:txBody>
-          <a:bodyPr wrap="square" numCol="1" rtlCol="0">
-            <a:spAutoFit/>
-          </a:bodyPr>
-          <a:lstStyle/>
-          <a:p>
-            <a:pPr lvl="1"/>
-            <a:r>
-              <a:rPr lang="en-US" altLang="ko-KR" dirty="0" smtClean="0"/>
-              <a:t>0. </a:t>
-            </a:r>
+        <p:spPr/>
+        <p:txBody>
+          <a:bodyPr/>
+          <a:lstStyle/>
+          <a:p>
             <a:r>
               <a:rPr lang="ko-KR" altLang="en-US" dirty="0" smtClean="0"/>
-              <a:t>첫 화면</a:t>
+              <a:t>개요 및 기능</a:t>
+            </a:r>
+            <a:endParaRPr lang="ko-KR" altLang="en-US" dirty="0"/>
+          </a:p>
+        </p:txBody>
+      </p:sp>
+      <p:sp>
+        <p:nvSpPr>
+          <p:cNvPr id="3" name="내용 개체 틀 2"/>
+          <p:cNvSpPr>
+            <a:spLocks noGrp="1"/>
+          </p:cNvSpPr>
+          <p:nvPr>
+            <p:ph idx="1"/>
+          </p:nvPr>
+        </p:nvSpPr>
+        <p:spPr/>
+        <p:txBody>
+          <a:bodyPr/>
+          <a:lstStyle/>
+          <a:p>
+            <a:r>
+              <a:rPr lang="ko-KR" altLang="en-US" dirty="0" smtClean="0"/>
+              <a:t> 사용자들은 컴퓨터와 가위 바위 보 게임을 할 수 있다</a:t>
             </a:r>
             <a:endParaRPr lang="en-US" altLang="ko-KR" dirty="0" smtClean="0"/>
           </a:p>
           <a:p>
-            <a:pPr lvl="1"/>
+            <a:pPr marL="0" indent="0">
+              <a:buNone/>
+            </a:pPr>
+            <a:r>
+              <a:rPr lang="en-US" altLang="ko-KR" dirty="0"/>
+              <a:t> </a:t>
+            </a:r>
             <a:endParaRPr lang="en-US" altLang="ko-KR" dirty="0" smtClean="0"/>
           </a:p>
           <a:p>
-            <a:pPr marL="800100" lvl="1" indent="-342900">
-              <a:buAutoNum type="arabicPeriod"/>
-            </a:pPr>
+            <a:r>
+              <a:rPr lang="ko-KR" altLang="en-US" dirty="0"/>
+              <a:t> </a:t>
+            </a:r>
             <a:r>
               <a:rPr lang="ko-KR" altLang="en-US" dirty="0" smtClean="0"/>
-              <a:t>로그인 </a:t>
-            </a:r>
-            <a:r>
-              <a:rPr lang="ko-KR" altLang="en-US" dirty="0"/>
-              <a:t>성공</a:t>
-            </a:r>
-            <a:r>
-              <a:rPr lang="en-US" altLang="ko-KR" dirty="0"/>
-              <a:t>/</a:t>
+              <a:t>게임 </a:t>
             </a:r>
             <a:r>
               <a:rPr lang="ko-KR" altLang="en-US" dirty="0" smtClean="0"/>
-              <a:t>실패</a:t>
+              <a:t>결과는 서버에 전송된다</a:t>
             </a:r>
             <a:endParaRPr lang="en-US" altLang="ko-KR" dirty="0" smtClean="0"/>
           </a:p>
           <a:p>
-            <a:pPr marL="800100" lvl="1" indent="-342900">
-              <a:buAutoNum type="arabicPeriod"/>
+            <a:pPr marL="0" indent="0">
+              <a:buNone/>
             </a:pPr>
             <a:endParaRPr lang="en-US" altLang="ko-KR" dirty="0" smtClean="0"/>
           </a:p>
           <a:p>
-            <a:pPr lvl="1"/>
+            <a:r>
+              <a:rPr lang="ko-KR" altLang="en-US" dirty="0" smtClean="0"/>
+              <a:t> 아이디</a:t>
+            </a:r>
             <a:r>
               <a:rPr lang="en-US" altLang="ko-KR" dirty="0" smtClean="0"/>
-              <a:t>2. </a:t>
-            </a:r>
-            <a:r>
-              <a:rPr lang="ko-KR" altLang="en-US" dirty="0"/>
-              <a:t>회원 </a:t>
+              <a:t>, </a:t>
             </a:r>
             <a:r>
               <a:rPr lang="ko-KR" altLang="en-US" dirty="0" smtClean="0"/>
-              <a:t>가입</a:t>
+              <a:t>비밀번호를 사용하여 로그인 할 수 있다</a:t>
             </a:r>
             <a:endParaRPr lang="en-US" altLang="ko-KR" dirty="0" smtClean="0"/>
           </a:p>
           <a:p>
-            <a:pPr lvl="1"/>
-            <a:r>
-              <a:rPr lang="en-US" altLang="ko-KR" dirty="0"/>
-              <a:t>	</a:t>
-            </a:r>
-            <a:r>
-              <a:rPr lang="en-US" altLang="ko-KR" dirty="0" smtClean="0"/>
-              <a:t>2-1. </a:t>
-            </a:r>
-            <a:r>
-              <a:rPr lang="ko-KR" altLang="en-US" dirty="0"/>
-              <a:t>회원 가입 </a:t>
-            </a:r>
-            <a:r>
-              <a:rPr lang="en-US" altLang="ko-KR" dirty="0"/>
-              <a:t>(</a:t>
-            </a:r>
-            <a:r>
-              <a:rPr lang="ko-KR" altLang="en-US" dirty="0"/>
-              <a:t>중복 검사</a:t>
-            </a:r>
-            <a:r>
-              <a:rPr lang="en-US" altLang="ko-KR" dirty="0" smtClean="0"/>
-              <a:t>)</a:t>
-            </a:r>
-          </a:p>
-          <a:p>
-            <a:pPr lvl="1"/>
-            <a:r>
-              <a:rPr lang="en-US" altLang="ko-KR" dirty="0" smtClean="0"/>
-              <a:t>	2-2</a:t>
-            </a:r>
-            <a:r>
-              <a:rPr lang="en-US" altLang="ko-KR" dirty="0"/>
-              <a:t>. </a:t>
-            </a:r>
-            <a:r>
-              <a:rPr lang="ko-KR" altLang="en-US" dirty="0"/>
-              <a:t>회원 가입 </a:t>
-            </a:r>
+            <a:pPr marL="0" indent="0">
+              <a:buNone/>
+            </a:pPr>
+            <a:endParaRPr lang="en-US" altLang="ko-KR" dirty="0" smtClean="0"/>
+          </a:p>
+          <a:p>
             <a:r>
               <a:rPr lang="ko-KR" altLang="en-US" dirty="0" smtClean="0"/>
-              <a:t>완료</a:t>
+              <a:t> 서버로부터 랭킹 정보를 받아 와 확인 할 수 있다</a:t>
             </a:r>
             <a:endParaRPr lang="en-US" altLang="ko-KR" dirty="0" smtClean="0"/>
-          </a:p>
-          <a:p>
-            <a:pPr lvl="1"/>
-            <a:endParaRPr lang="en-US" altLang="ko-KR" dirty="0" smtClean="0"/>
-          </a:p>
-          <a:p>
-            <a:pPr lvl="1"/>
-            <a:r>
-              <a:rPr lang="en-US" altLang="ko-KR" dirty="0" smtClean="0"/>
-              <a:t>3.</a:t>
-            </a:r>
-            <a:r>
-              <a:rPr lang="ko-KR" altLang="en-US" dirty="0"/>
-              <a:t> 게임 로비 </a:t>
-            </a:r>
-            <a:r>
-              <a:rPr lang="en-US" altLang="ko-KR" dirty="0"/>
-              <a:t>(</a:t>
-            </a:r>
-            <a:r>
-              <a:rPr lang="ko-KR" altLang="en-US" dirty="0"/>
-              <a:t>로그인 성공 </a:t>
-            </a:r>
-            <a:r>
-              <a:rPr lang="ko-KR" altLang="en-US" dirty="0" smtClean="0"/>
-              <a:t>시</a:t>
-            </a:r>
-            <a:r>
-              <a:rPr lang="en-US" altLang="ko-KR" dirty="0" smtClean="0"/>
-              <a:t>)</a:t>
-            </a:r>
-          </a:p>
-          <a:p>
-            <a:pPr lvl="1"/>
-            <a:endParaRPr lang="en-US" altLang="ko-KR" dirty="0" smtClean="0"/>
-          </a:p>
-          <a:p>
-            <a:pPr lvl="1"/>
-            <a:r>
-              <a:rPr lang="en-US" altLang="ko-KR" dirty="0" smtClean="0"/>
-              <a:t>4.</a:t>
-            </a:r>
-            <a:r>
-              <a:rPr lang="ko-KR" altLang="en-US" dirty="0"/>
-              <a:t> 게임 플레이 </a:t>
-            </a:r>
-            <a:r>
-              <a:rPr lang="ko-KR" altLang="en-US" dirty="0" smtClean="0"/>
-              <a:t>화면</a:t>
-            </a:r>
-            <a:endParaRPr lang="en-US" altLang="ko-KR" dirty="0" smtClean="0"/>
-          </a:p>
-          <a:p>
-            <a:pPr lvl="1"/>
-            <a:r>
-              <a:rPr lang="en-US" altLang="ko-KR" dirty="0"/>
-              <a:t>	4.1.</a:t>
-            </a:r>
-            <a:r>
-              <a:rPr lang="ko-KR" altLang="en-US" dirty="0"/>
-              <a:t>게임 플레이 </a:t>
-            </a:r>
-            <a:r>
-              <a:rPr lang="ko-KR" altLang="en-US" dirty="0" smtClean="0"/>
-              <a:t>결과</a:t>
-            </a:r>
-            <a:endParaRPr lang="en-US" altLang="ko-KR" dirty="0" smtClean="0"/>
-          </a:p>
-          <a:p>
-            <a:pPr lvl="1"/>
-            <a:endParaRPr lang="en-US" altLang="ko-KR" dirty="0" smtClean="0"/>
-          </a:p>
-          <a:p>
-            <a:pPr lvl="1"/>
-            <a:r>
-              <a:rPr lang="en-US" altLang="ko-KR" dirty="0" smtClean="0"/>
-              <a:t>5.</a:t>
-            </a:r>
-            <a:r>
-              <a:rPr lang="ko-KR" altLang="en-US" dirty="0"/>
-              <a:t> 랭킹 </a:t>
-            </a:r>
-            <a:r>
-              <a:rPr lang="ko-KR" altLang="en-US" dirty="0" smtClean="0"/>
-              <a:t>보드</a:t>
-            </a:r>
-            <a:endParaRPr lang="en-US" altLang="ko-KR" dirty="0" smtClean="0"/>
-          </a:p>
-          <a:p>
-            <a:pPr lvl="1" algn="dist"/>
-            <a:endParaRPr lang="en-US" altLang="ko-KR" dirty="0" smtClean="0"/>
-          </a:p>
-        </p:txBody>
-      </p:sp>
-      <p:sp>
-        <p:nvSpPr>
-          <p:cNvPr id="8" name="TextBox 7"/>
-          <p:cNvSpPr txBox="1"/>
-          <p:nvPr/>
-        </p:nvSpPr>
-        <p:spPr>
-          <a:xfrm>
-            <a:off x="6172201" y="694593"/>
-            <a:ext cx="5011614" cy="646331"/>
-          </a:xfrm>
-          <a:prstGeom prst="rect">
-            <a:avLst/>
-          </a:prstGeom>
-          <a:noFill/>
-        </p:spPr>
-        <p:txBody>
-          <a:bodyPr wrap="square" numCol="2" rtlCol="0">
-            <a:spAutoFit/>
-          </a:bodyPr>
-          <a:lstStyle/>
-          <a:p>
-            <a:pPr marL="342900" marR="0" lvl="0" indent="-342900" algn="l" defTabSz="914400" rtl="0" eaLnBrk="1" fontAlgn="auto" latinLnBrk="1" hangingPunct="1">
-              <a:lnSpc>
-                <a:spcPct val="100000"/>
-              </a:lnSpc>
-              <a:spcBef>
-                <a:spcPts val="0"/>
-              </a:spcBef>
-              <a:spcAft>
-                <a:spcPts val="0"/>
-              </a:spcAft>
-              <a:buClrTx/>
-              <a:buSzTx/>
-              <a:buFontTx/>
-              <a:buAutoNum type="arabicPeriod"/>
-              <a:tabLst/>
-              <a:defRPr/>
-            </a:pPr>
-            <a:endParaRPr lang="en-US" altLang="ko-KR" noProof="0" dirty="0" smtClean="0">
-              <a:solidFill>
-                <a:prstClr val="black"/>
-              </a:solidFill>
-              <a:latin typeface="맑은 고딕" panose="020F0502020204030204"/>
-              <a:ea typeface="맑은 고딕" panose="020B0503020000020004" pitchFamily="50" charset="-127"/>
-            </a:endParaRPr>
-          </a:p>
-          <a:p>
-            <a:pPr marR="0" lvl="0" algn="l" defTabSz="914400" rtl="0" eaLnBrk="1" fontAlgn="auto" latinLnBrk="1" hangingPunct="1">
-              <a:lnSpc>
-                <a:spcPct val="100000"/>
-              </a:lnSpc>
-              <a:spcBef>
-                <a:spcPts val="0"/>
-              </a:spcBef>
-              <a:spcAft>
-                <a:spcPts val="0"/>
-              </a:spcAft>
-              <a:buClrTx/>
-              <a:buSzTx/>
-              <a:tabLst/>
-              <a:defRPr/>
-            </a:pPr>
-            <a:endParaRPr kumimoji="0" lang="en-US" altLang="ko-KR" sz="1800" b="0" i="0" u="none" strike="noStrike" kern="1200" cap="none" spc="0" normalizeH="0" baseline="0" noProof="0" dirty="0" smtClean="0">
-              <a:ln>
-                <a:noFill/>
-              </a:ln>
-              <a:solidFill>
-                <a:prstClr val="black"/>
-              </a:solidFill>
-              <a:effectLst/>
-              <a:uLnTx/>
-              <a:uFillTx/>
-              <a:latin typeface="맑은 고딕" panose="020F0502020204030204"/>
-              <a:ea typeface="맑은 고딕" panose="020B0503020000020004" pitchFamily="50" charset="-127"/>
-              <a:cs typeface="+mn-cs"/>
-            </a:endParaRPr>
           </a:p>
         </p:txBody>
       </p:sp>
     </p:spTree>
     <p:extLst>
       <p:ext uri="{BB962C8B-B14F-4D97-AF65-F5344CB8AC3E}">
-        <p14:creationId xmlns:p14="http://schemas.microsoft.com/office/powerpoint/2010/main" val="660184480"/>
+        <p14:creationId xmlns:p14="http://schemas.microsoft.com/office/powerpoint/2010/main" val="1766821915"/>
       </p:ext>
     </p:extLst>
   </p:cSld>
@@ -10829,24 +11360,312 @@
       </p:grpSpPr>
       <p:sp>
         <p:nvSpPr>
-          <p:cNvPr id="4" name="TextBox 3"/>
+          <p:cNvPr id="19" name="직사각형 18"/>
+          <p:cNvSpPr/>
+          <p:nvPr/>
+        </p:nvSpPr>
+        <p:spPr>
+          <a:xfrm>
+            <a:off x="8860328" y="3559945"/>
+            <a:ext cx="2565646" cy="2645546"/>
+          </a:xfrm>
+          <a:prstGeom prst="rect">
+            <a:avLst/>
+          </a:prstGeom>
+        </p:spPr>
+        <p:style>
+          <a:lnRef idx="2">
+            <a:schemeClr val="dk1"/>
+          </a:lnRef>
+          <a:fillRef idx="1">
+            <a:schemeClr val="lt1"/>
+          </a:fillRef>
+          <a:effectRef idx="0">
+            <a:schemeClr val="dk1"/>
+          </a:effectRef>
+          <a:fontRef idx="minor">
+            <a:schemeClr val="dk1"/>
+          </a:fontRef>
+        </p:style>
+        <p:txBody>
+          <a:bodyPr rtlCol="0" anchor="ctr"/>
+          <a:lstStyle/>
+          <a:p>
+            <a:pPr algn="ctr"/>
+            <a:endParaRPr lang="ko-KR" altLang="en-US"/>
+          </a:p>
+        </p:txBody>
+      </p:sp>
+      <p:sp>
+        <p:nvSpPr>
+          <p:cNvPr id="10" name="직사각형 9"/>
+          <p:cNvSpPr/>
+          <p:nvPr/>
+        </p:nvSpPr>
+        <p:spPr>
+          <a:xfrm>
+            <a:off x="8791854" y="599221"/>
+            <a:ext cx="2565646" cy="2645546"/>
+          </a:xfrm>
+          <a:prstGeom prst="rect">
+            <a:avLst/>
+          </a:prstGeom>
+        </p:spPr>
+        <p:style>
+          <a:lnRef idx="2">
+            <a:schemeClr val="dk1"/>
+          </a:lnRef>
+          <a:fillRef idx="1">
+            <a:schemeClr val="lt1"/>
+          </a:fillRef>
+          <a:effectRef idx="0">
+            <a:schemeClr val="dk1"/>
+          </a:effectRef>
+          <a:fontRef idx="minor">
+            <a:schemeClr val="dk1"/>
+          </a:fontRef>
+        </p:style>
+        <p:txBody>
+          <a:bodyPr rtlCol="0" anchor="ctr"/>
+          <a:lstStyle/>
+          <a:p>
+            <a:pPr algn="ctr"/>
+            <a:endParaRPr lang="ko-KR" altLang="en-US"/>
+          </a:p>
+        </p:txBody>
+      </p:sp>
+      <p:sp>
+        <p:nvSpPr>
+          <p:cNvPr id="3" name="직사각형 2"/>
+          <p:cNvSpPr/>
+          <p:nvPr/>
+        </p:nvSpPr>
+        <p:spPr>
+          <a:xfrm>
+            <a:off x="4654512" y="1921994"/>
+            <a:ext cx="2565646" cy="2645546"/>
+          </a:xfrm>
+          <a:prstGeom prst="rect">
+            <a:avLst/>
+          </a:prstGeom>
+        </p:spPr>
+        <p:style>
+          <a:lnRef idx="2">
+            <a:schemeClr val="dk1"/>
+          </a:lnRef>
+          <a:fillRef idx="1">
+            <a:schemeClr val="lt1"/>
+          </a:fillRef>
+          <a:effectRef idx="0">
+            <a:schemeClr val="dk1"/>
+          </a:effectRef>
+          <a:fontRef idx="minor">
+            <a:schemeClr val="dk1"/>
+          </a:fontRef>
+        </p:style>
+        <p:txBody>
+          <a:bodyPr rtlCol="0" anchor="ctr"/>
+          <a:lstStyle/>
+          <a:p>
+            <a:pPr algn="ctr"/>
+            <a:endParaRPr lang="ko-KR" altLang="en-US"/>
+          </a:p>
+        </p:txBody>
+      </p:sp>
+      <p:sp>
+        <p:nvSpPr>
+          <p:cNvPr id="7" name="직사각형 6"/>
+          <p:cNvSpPr/>
+          <p:nvPr/>
+        </p:nvSpPr>
+        <p:spPr>
+          <a:xfrm>
+            <a:off x="520867" y="1924166"/>
+            <a:ext cx="2708540" cy="2727518"/>
+          </a:xfrm>
+          <a:prstGeom prst="rect">
+            <a:avLst/>
+          </a:prstGeom>
+        </p:spPr>
+        <p:style>
+          <a:lnRef idx="2">
+            <a:schemeClr val="dk1"/>
+          </a:lnRef>
+          <a:fillRef idx="1">
+            <a:schemeClr val="lt1"/>
+          </a:fillRef>
+          <a:effectRef idx="0">
+            <a:schemeClr val="dk1"/>
+          </a:effectRef>
+          <a:fontRef idx="minor">
+            <a:schemeClr val="dk1"/>
+          </a:fontRef>
+        </p:style>
+        <p:txBody>
+          <a:bodyPr rtlCol="0" anchor="ctr"/>
+          <a:lstStyle/>
+          <a:p>
+            <a:pPr algn="ctr"/>
+            <a:endParaRPr lang="ko-KR" altLang="en-US"/>
+          </a:p>
+        </p:txBody>
+      </p:sp>
+      <p:sp>
+        <p:nvSpPr>
+          <p:cNvPr id="4" name="제목 3"/>
+          <p:cNvSpPr>
+            <a:spLocks noGrp="1"/>
+          </p:cNvSpPr>
+          <p:nvPr>
+            <p:ph type="title"/>
+          </p:nvPr>
+        </p:nvSpPr>
+        <p:spPr>
+          <a:xfrm>
+            <a:off x="2333132" y="655907"/>
+            <a:ext cx="2425299" cy="355844"/>
+          </a:xfrm>
+        </p:spPr>
+        <p:txBody>
+          <a:bodyPr>
+            <a:noAutofit/>
+          </a:bodyPr>
+          <a:lstStyle/>
+          <a:p>
+            <a:r>
+              <a:rPr lang="ko-KR" altLang="en-US" sz="3000" dirty="0" smtClean="0"/>
+              <a:t>화면 구성</a:t>
+            </a:r>
+            <a:endParaRPr lang="ko-KR" altLang="en-US" sz="3000" dirty="0"/>
+          </a:p>
+        </p:txBody>
+      </p:sp>
+      <p:sp>
+        <p:nvSpPr>
+          <p:cNvPr id="5" name="TextBox 4"/>
           <p:cNvSpPr txBox="1"/>
           <p:nvPr/>
         </p:nvSpPr>
         <p:spPr>
           <a:xfrm>
-            <a:off x="8528538" y="395652"/>
-            <a:ext cx="3270739" cy="6120000"/>
+            <a:off x="858237" y="2955143"/>
+            <a:ext cx="3875782" cy="461665"/>
           </a:xfrm>
           <a:prstGeom prst="rect">
             <a:avLst/>
           </a:prstGeom>
           <a:noFill/>
-          <a:ln>
-            <a:solidFill>
-              <a:schemeClr val="tx1"/>
-            </a:solidFill>
-          </a:ln>
+        </p:spPr>
+        <p:txBody>
+          <a:bodyPr wrap="square" numCol="1" rtlCol="0">
+            <a:spAutoFit/>
+          </a:bodyPr>
+          <a:lstStyle/>
+          <a:p>
+            <a:pPr lvl="1"/>
+            <a:r>
+              <a:rPr lang="ko-KR" altLang="en-US" sz="2400" dirty="0" smtClean="0"/>
+              <a:t>첫 화면</a:t>
+            </a:r>
+            <a:endParaRPr lang="en-US" altLang="ko-KR" sz="2400" dirty="0" smtClean="0"/>
+          </a:p>
+        </p:txBody>
+      </p:sp>
+      <p:sp>
+        <p:nvSpPr>
+          <p:cNvPr id="8" name="TextBox 7"/>
+          <p:cNvSpPr txBox="1"/>
+          <p:nvPr/>
+        </p:nvSpPr>
+        <p:spPr>
+          <a:xfrm>
+            <a:off x="2763176" y="510664"/>
+            <a:ext cx="5011614" cy="646331"/>
+          </a:xfrm>
+          <a:prstGeom prst="rect">
+            <a:avLst/>
+          </a:prstGeom>
+          <a:noFill/>
+        </p:spPr>
+        <p:txBody>
+          <a:bodyPr wrap="square" numCol="2" rtlCol="0">
+            <a:spAutoFit/>
+          </a:bodyPr>
+          <a:lstStyle/>
+          <a:p>
+            <a:pPr marL="342900" marR="0" lvl="0" indent="-342900" algn="l" defTabSz="914400" rtl="0" eaLnBrk="1" fontAlgn="auto" latinLnBrk="1" hangingPunct="1">
+              <a:lnSpc>
+                <a:spcPct val="100000"/>
+              </a:lnSpc>
+              <a:spcBef>
+                <a:spcPts val="0"/>
+              </a:spcBef>
+              <a:spcAft>
+                <a:spcPts val="0"/>
+              </a:spcAft>
+              <a:buClrTx/>
+              <a:buSzTx/>
+              <a:buFontTx/>
+              <a:buAutoNum type="arabicPeriod"/>
+              <a:tabLst/>
+              <a:defRPr/>
+            </a:pPr>
+            <a:endParaRPr lang="en-US" altLang="ko-KR" noProof="0" dirty="0" smtClean="0">
+              <a:solidFill>
+                <a:prstClr val="black"/>
+              </a:solidFill>
+              <a:latin typeface="맑은 고딕" panose="020F0502020204030204"/>
+              <a:ea typeface="맑은 고딕" panose="020B0503020000020004" pitchFamily="50" charset="-127"/>
+            </a:endParaRPr>
+          </a:p>
+          <a:p>
+            <a:pPr marR="0" lvl="0" algn="l" defTabSz="914400" rtl="0" eaLnBrk="1" fontAlgn="auto" latinLnBrk="1" hangingPunct="1">
+              <a:lnSpc>
+                <a:spcPct val="100000"/>
+              </a:lnSpc>
+              <a:spcBef>
+                <a:spcPts val="0"/>
+              </a:spcBef>
+              <a:spcAft>
+                <a:spcPts val="0"/>
+              </a:spcAft>
+              <a:buClrTx/>
+              <a:buSzTx/>
+              <a:tabLst/>
+              <a:defRPr/>
+            </a:pPr>
+            <a:endParaRPr kumimoji="0" lang="en-US" altLang="ko-KR" sz="1800" b="0" i="0" u="none" strike="noStrike" kern="1200" cap="none" spc="0" normalizeH="0" baseline="0" noProof="0" dirty="0" smtClean="0">
+              <a:ln>
+                <a:noFill/>
+              </a:ln>
+              <a:solidFill>
+                <a:prstClr val="black"/>
+              </a:solidFill>
+              <a:effectLst/>
+              <a:uLnTx/>
+              <a:uFillTx/>
+              <a:latin typeface="맑은 고딕" panose="020F0502020204030204"/>
+              <a:ea typeface="맑은 고딕" panose="020B0503020000020004" pitchFamily="50" charset="-127"/>
+              <a:cs typeface="+mn-cs"/>
+            </a:endParaRPr>
+          </a:p>
+        </p:txBody>
+      </p:sp>
+      <p:sp>
+        <p:nvSpPr>
+          <p:cNvPr id="6" name="TextBox 5"/>
+          <p:cNvSpPr txBox="1"/>
+          <p:nvPr/>
+        </p:nvSpPr>
+        <p:spPr>
+          <a:xfrm>
+            <a:off x="8405109" y="1686986"/>
+            <a:ext cx="3339136" cy="461665"/>
+          </a:xfrm>
+          <a:prstGeom prst="rect">
+            <a:avLst/>
+          </a:prstGeom>
+          <a:noFill/>
         </p:spPr>
         <p:txBody>
           <a:bodyPr wrap="square" rtlCol="0">
@@ -10854,269 +11673,27 @@
           </a:bodyPr>
           <a:lstStyle/>
           <a:p>
-            <a:endParaRPr lang="en-US" altLang="ko-KR" dirty="0" smtClean="0"/>
-          </a:p>
-          <a:p>
-            <a:endParaRPr lang="ko-KR" altLang="en-US" dirty="0"/>
-          </a:p>
-        </p:txBody>
-      </p:sp>
-      <p:sp>
-        <p:nvSpPr>
-          <p:cNvPr id="5" name="TextBox 4"/>
-          <p:cNvSpPr txBox="1">
-            <a:spLocks/>
-          </p:cNvSpPr>
-          <p:nvPr/>
-        </p:nvSpPr>
-        <p:spPr>
-          <a:xfrm>
-            <a:off x="1151791" y="1732085"/>
-            <a:ext cx="6471139" cy="4783568"/>
-          </a:xfrm>
-          <a:prstGeom prst="rect">
-            <a:avLst/>
-          </a:prstGeom>
-          <a:solidFill>
-            <a:schemeClr val="bg1"/>
-          </a:solidFill>
-          <a:ln>
-            <a:solidFill>
-              <a:schemeClr val="tx1"/>
-            </a:solidFill>
-          </a:ln>
-        </p:spPr>
-        <p:txBody>
-          <a:bodyPr wrap="square" rtlCol="0">
-            <a:spAutoFit/>
-          </a:bodyPr>
-          <a:lstStyle/>
-          <a:p>
-            <a:endParaRPr lang="ko-KR" altLang="en-US" dirty="0"/>
-          </a:p>
-        </p:txBody>
-      </p:sp>
-      <p:sp>
-        <p:nvSpPr>
-          <p:cNvPr id="11" name="TextBox 10"/>
-          <p:cNvSpPr txBox="1"/>
-          <p:nvPr/>
-        </p:nvSpPr>
-        <p:spPr>
-          <a:xfrm>
-            <a:off x="1301262" y="562708"/>
-            <a:ext cx="1218603" cy="369332"/>
-          </a:xfrm>
-          <a:prstGeom prst="rect">
-            <a:avLst/>
-          </a:prstGeom>
-          <a:noFill/>
-        </p:spPr>
-        <p:txBody>
-          <a:bodyPr wrap="none" rtlCol="0">
-            <a:spAutoFit/>
-          </a:bodyPr>
-          <a:lstStyle/>
-          <a:p>
-            <a:r>
-              <a:rPr lang="en-US" altLang="ko-KR" dirty="0" smtClean="0"/>
-              <a:t>0. </a:t>
-            </a:r>
-            <a:r>
-              <a:rPr lang="ko-KR" altLang="en-US" dirty="0" smtClean="0"/>
-              <a:t>첫 화면</a:t>
-            </a:r>
-            <a:endParaRPr lang="ko-KR" altLang="en-US" dirty="0"/>
-          </a:p>
-        </p:txBody>
-      </p:sp>
-      <p:sp>
-        <p:nvSpPr>
-          <p:cNvPr id="6" name="TextBox 5"/>
-          <p:cNvSpPr txBox="1"/>
-          <p:nvPr/>
-        </p:nvSpPr>
-        <p:spPr>
-          <a:xfrm>
-            <a:off x="3297115" y="3094892"/>
-            <a:ext cx="2013438" cy="369332"/>
-          </a:xfrm>
-          <a:prstGeom prst="rect">
-            <a:avLst/>
-          </a:prstGeom>
-          <a:noFill/>
-          <a:ln>
-            <a:solidFill>
-              <a:schemeClr val="tx1"/>
-            </a:solidFill>
-          </a:ln>
-        </p:spPr>
-        <p:txBody>
-          <a:bodyPr wrap="square" rtlCol="0">
-            <a:spAutoFit/>
-          </a:bodyPr>
-          <a:lstStyle/>
-          <a:p>
-            <a:r>
-              <a:rPr lang="ko-KR" altLang="en-US" dirty="0" smtClean="0"/>
-              <a:t>닉네임</a:t>
-            </a:r>
-            <a:endParaRPr lang="ko-KR" altLang="en-US" dirty="0"/>
-          </a:p>
-        </p:txBody>
-      </p:sp>
-      <p:sp>
-        <p:nvSpPr>
-          <p:cNvPr id="17" name="TextBox 16"/>
-          <p:cNvSpPr txBox="1"/>
-          <p:nvPr/>
-        </p:nvSpPr>
-        <p:spPr>
-          <a:xfrm>
-            <a:off x="3297114" y="3492868"/>
-            <a:ext cx="2013439" cy="369332"/>
-          </a:xfrm>
-          <a:prstGeom prst="rect">
-            <a:avLst/>
-          </a:prstGeom>
-          <a:noFill/>
-          <a:ln>
-            <a:solidFill>
-              <a:schemeClr val="tx1"/>
-            </a:solidFill>
-          </a:ln>
-        </p:spPr>
-        <p:txBody>
-          <a:bodyPr wrap="square" rtlCol="0">
-            <a:spAutoFit/>
-          </a:bodyPr>
-          <a:lstStyle/>
-          <a:p>
-            <a:r>
-              <a:rPr lang="ko-KR" altLang="en-US" dirty="0" smtClean="0"/>
-              <a:t>비밀번호</a:t>
-            </a:r>
-            <a:endParaRPr lang="ko-KR" altLang="en-US" dirty="0"/>
-          </a:p>
-        </p:txBody>
-      </p:sp>
-      <p:sp>
-        <p:nvSpPr>
-          <p:cNvPr id="18" name="TextBox 17"/>
-          <p:cNvSpPr txBox="1"/>
-          <p:nvPr/>
-        </p:nvSpPr>
-        <p:spPr>
-          <a:xfrm>
-            <a:off x="3297114" y="4037964"/>
-            <a:ext cx="993533" cy="323165"/>
-          </a:xfrm>
-          <a:prstGeom prst="rect">
-            <a:avLst/>
-          </a:prstGeom>
-          <a:noFill/>
-          <a:ln>
-            <a:solidFill>
-              <a:schemeClr val="tx1"/>
-            </a:solidFill>
-          </a:ln>
-        </p:spPr>
-        <p:txBody>
-          <a:bodyPr wrap="square" rtlCol="0">
-            <a:spAutoFit/>
-          </a:bodyPr>
-          <a:lstStyle/>
-          <a:p>
-            <a:r>
-              <a:rPr lang="ko-KR" altLang="en-US" sz="1500" dirty="0" smtClean="0"/>
-              <a:t>로그인</a:t>
-            </a:r>
-            <a:endParaRPr lang="ko-KR" altLang="en-US" sz="1500" dirty="0"/>
-          </a:p>
-        </p:txBody>
-      </p:sp>
-      <p:sp>
-        <p:nvSpPr>
-          <p:cNvPr id="19" name="TextBox 18"/>
-          <p:cNvSpPr txBox="1"/>
-          <p:nvPr/>
-        </p:nvSpPr>
-        <p:spPr>
-          <a:xfrm>
-            <a:off x="5864468" y="5268888"/>
-            <a:ext cx="1138605" cy="369332"/>
-          </a:xfrm>
-          <a:prstGeom prst="rect">
-            <a:avLst/>
-          </a:prstGeom>
-          <a:noFill/>
-          <a:ln>
-            <a:solidFill>
-              <a:schemeClr val="tx1"/>
-            </a:solidFill>
-          </a:ln>
-        </p:spPr>
-        <p:txBody>
-          <a:bodyPr wrap="square" rtlCol="0">
-            <a:spAutoFit/>
-          </a:bodyPr>
-          <a:lstStyle/>
-          <a:p>
-            <a:r>
-              <a:rPr lang="ko-KR" altLang="en-US" dirty="0" smtClean="0"/>
-              <a:t>나가기</a:t>
-            </a:r>
-            <a:endParaRPr lang="ko-KR" altLang="en-US" dirty="0"/>
-          </a:p>
-        </p:txBody>
-      </p:sp>
-      <p:sp>
-        <p:nvSpPr>
-          <p:cNvPr id="21" name="TextBox 20"/>
-          <p:cNvSpPr txBox="1"/>
-          <p:nvPr/>
-        </p:nvSpPr>
-        <p:spPr>
-          <a:xfrm>
-            <a:off x="4290647" y="4033654"/>
-            <a:ext cx="1019906" cy="323165"/>
-          </a:xfrm>
-          <a:prstGeom prst="rect">
-            <a:avLst/>
-          </a:prstGeom>
-          <a:noFill/>
-          <a:ln>
-            <a:solidFill>
-              <a:schemeClr val="tx1"/>
-            </a:solidFill>
-          </a:ln>
-        </p:spPr>
-        <p:txBody>
-          <a:bodyPr wrap="square" rtlCol="0">
-            <a:spAutoFit/>
-          </a:bodyPr>
-          <a:lstStyle/>
-          <a:p>
-            <a:r>
-              <a:rPr lang="ko-KR" altLang="en-US" sz="1500" dirty="0" smtClean="0"/>
-              <a:t>회원가입</a:t>
-            </a:r>
-            <a:endParaRPr lang="ko-KR" altLang="en-US" sz="1500" dirty="0"/>
-          </a:p>
-        </p:txBody>
-      </p:sp>
-      <p:sp>
-        <p:nvSpPr>
-          <p:cNvPr id="16" name="타원 15"/>
+            <a:pPr lvl="1"/>
+            <a:r>
+              <a:rPr lang="ko-KR" altLang="en-US" sz="2400" dirty="0" smtClean="0"/>
+              <a:t>게임 플레이 화면</a:t>
+            </a:r>
+            <a:endParaRPr lang="en-US" altLang="ko-KR" sz="2400" dirty="0"/>
+          </a:p>
+        </p:txBody>
+      </p:sp>
+      <p:sp>
+        <p:nvSpPr>
+          <p:cNvPr id="16" name="오른쪽 화살표 15"/>
           <p:cNvSpPr/>
           <p:nvPr/>
         </p:nvSpPr>
         <p:spPr>
           <a:xfrm>
-            <a:off x="4870937" y="3077363"/>
-            <a:ext cx="439616" cy="386861"/>
-          </a:xfrm>
-          <a:prstGeom prst="ellipse">
+            <a:off x="3746876" y="2864607"/>
+            <a:ext cx="630314" cy="760320"/>
+          </a:xfrm>
+          <a:prstGeom prst="rightArrow">
             <a:avLst/>
           </a:prstGeom>
         </p:spPr>
@@ -11141,26 +11718,22 @@
           <a:lstStyle/>
           <a:p>
             <a:pPr algn="ctr"/>
-            <a:r>
-              <a:rPr lang="en-US" altLang="ko-KR" dirty="0" smtClean="0"/>
-              <a:t>1</a:t>
-            </a:r>
-            <a:endParaRPr lang="ko-KR" altLang="en-US" dirty="0"/>
-          </a:p>
-        </p:txBody>
-      </p:sp>
-      <p:sp>
-        <p:nvSpPr>
-          <p:cNvPr id="12" name="타원 11"/>
+            <a:endParaRPr lang="ko-KR" altLang="en-US"/>
+          </a:p>
+        </p:txBody>
+      </p:sp>
+      <p:sp>
+        <p:nvSpPr>
+          <p:cNvPr id="17" name="오른쪽 화살표 16"/>
           <p:cNvSpPr/>
           <p:nvPr/>
         </p:nvSpPr>
         <p:spPr>
-          <a:xfrm>
-            <a:off x="4884125" y="3475339"/>
-            <a:ext cx="439616" cy="386861"/>
-          </a:xfrm>
-          <a:prstGeom prst="ellipse">
+          <a:xfrm rot="18214854">
+            <a:off x="7738155" y="1891772"/>
+            <a:ext cx="630314" cy="760320"/>
+          </a:xfrm>
+          <a:prstGeom prst="rightArrow">
             <a:avLst/>
           </a:prstGeom>
         </p:spPr>
@@ -11185,26 +11758,22 @@
           <a:lstStyle/>
           <a:p>
             <a:pPr algn="ctr"/>
-            <a:r>
-              <a:rPr lang="en-US" altLang="ko-KR" dirty="0" smtClean="0"/>
-              <a:t>2</a:t>
-            </a:r>
-            <a:endParaRPr lang="ko-KR" altLang="en-US" dirty="0"/>
-          </a:p>
-        </p:txBody>
-      </p:sp>
-      <p:sp>
-        <p:nvSpPr>
-          <p:cNvPr id="13" name="타원 12"/>
+            <a:endParaRPr lang="ko-KR" altLang="en-US"/>
+          </a:p>
+        </p:txBody>
+      </p:sp>
+      <p:sp>
+        <p:nvSpPr>
+          <p:cNvPr id="18" name="오른쪽 화살표 17"/>
           <p:cNvSpPr/>
           <p:nvPr/>
         </p:nvSpPr>
         <p:spPr>
-          <a:xfrm>
-            <a:off x="2857498" y="4000499"/>
-            <a:ext cx="439616" cy="386861"/>
-          </a:xfrm>
-          <a:prstGeom prst="ellipse">
+          <a:xfrm rot="2498193">
+            <a:off x="7741067" y="4338313"/>
+            <a:ext cx="630314" cy="760320"/>
+          </a:xfrm>
+          <a:prstGeom prst="rightArrow">
             <a:avLst/>
           </a:prstGeom>
         </p:spPr>
@@ -11229,112 +11798,20 @@
           <a:lstStyle/>
           <a:p>
             <a:pPr algn="ctr"/>
-            <a:r>
-              <a:rPr lang="en-US" altLang="ko-KR" dirty="0" smtClean="0"/>
-              <a:t>3</a:t>
-            </a:r>
-            <a:endParaRPr lang="ko-KR" altLang="en-US" dirty="0"/>
-          </a:p>
-        </p:txBody>
-      </p:sp>
-      <p:sp>
-        <p:nvSpPr>
-          <p:cNvPr id="14" name="타원 13"/>
-          <p:cNvSpPr/>
-          <p:nvPr/>
-        </p:nvSpPr>
-        <p:spPr>
-          <a:xfrm>
-            <a:off x="5284180" y="4000498"/>
-            <a:ext cx="439616" cy="386861"/>
-          </a:xfrm>
-          <a:prstGeom prst="ellipse">
-            <a:avLst/>
-          </a:prstGeom>
-        </p:spPr>
-        <p:style>
-          <a:lnRef idx="2">
-            <a:schemeClr val="accent1">
-              <a:shade val="50000"/>
-            </a:schemeClr>
-          </a:lnRef>
-          <a:fillRef idx="1">
-            <a:schemeClr val="accent1"/>
-          </a:fillRef>
-          <a:effectRef idx="0">
-            <a:schemeClr val="accent1"/>
-          </a:effectRef>
-          <a:fontRef idx="minor">
-            <a:schemeClr val="lt1"/>
-          </a:fontRef>
-        </p:style>
-        <p:txBody>
-          <a:bodyPr rtlCol="0" anchor="ctr"/>
-          <a:lstStyle/>
-          <a:p>
-            <a:pPr algn="ctr"/>
-            <a:r>
-              <a:rPr lang="en-US" altLang="ko-KR" dirty="0"/>
-              <a:t>4</a:t>
-            </a:r>
-            <a:endParaRPr lang="ko-KR" altLang="en-US" dirty="0"/>
-          </a:p>
-        </p:txBody>
-      </p:sp>
-      <p:sp>
-        <p:nvSpPr>
-          <p:cNvPr id="15" name="타원 14"/>
-          <p:cNvSpPr/>
-          <p:nvPr/>
-        </p:nvSpPr>
-        <p:spPr>
-          <a:xfrm>
-            <a:off x="6873385" y="5075457"/>
-            <a:ext cx="439616" cy="386861"/>
-          </a:xfrm>
-          <a:prstGeom prst="ellipse">
-            <a:avLst/>
-          </a:prstGeom>
-        </p:spPr>
-        <p:style>
-          <a:lnRef idx="2">
-            <a:schemeClr val="accent1">
-              <a:shade val="50000"/>
-            </a:schemeClr>
-          </a:lnRef>
-          <a:fillRef idx="1">
-            <a:schemeClr val="accent1"/>
-          </a:fillRef>
-          <a:effectRef idx="0">
-            <a:schemeClr val="accent1"/>
-          </a:effectRef>
-          <a:fontRef idx="minor">
-            <a:schemeClr val="lt1"/>
-          </a:fontRef>
-        </p:style>
-        <p:txBody>
-          <a:bodyPr rtlCol="0" anchor="ctr"/>
-          <a:lstStyle/>
-          <a:p>
-            <a:pPr algn="ctr"/>
-            <a:r>
-              <a:rPr lang="en-US" altLang="ko-KR" dirty="0"/>
-              <a:t>5</a:t>
-            </a:r>
-            <a:endParaRPr lang="ko-KR" altLang="en-US" dirty="0"/>
-          </a:p>
-        </p:txBody>
-      </p:sp>
-      <p:sp>
-        <p:nvSpPr>
-          <p:cNvPr id="2" name="TextBox 1"/>
+            <a:endParaRPr lang="ko-KR" altLang="en-US"/>
+          </a:p>
+        </p:txBody>
+      </p:sp>
+      <p:sp>
+        <p:nvSpPr>
+          <p:cNvPr id="20" name="TextBox 19"/>
           <p:cNvSpPr txBox="1"/>
           <p:nvPr/>
         </p:nvSpPr>
         <p:spPr>
           <a:xfrm>
-            <a:off x="8792308" y="817685"/>
-            <a:ext cx="2822330" cy="3139321"/>
+            <a:off x="8987163" y="4567540"/>
+            <a:ext cx="3339136" cy="461665"/>
           </a:xfrm>
           <a:prstGeom prst="rect">
             <a:avLst/>
@@ -11347,117 +11824,54 @@
           </a:bodyPr>
           <a:lstStyle/>
           <a:p>
-            <a:pPr marL="342900" indent="-342900">
-              <a:buAutoNum type="arabicPeriod"/>
-            </a:pPr>
-            <a:r>
-              <a:rPr lang="ko-KR" altLang="en-US" dirty="0" smtClean="0"/>
-              <a:t>닉네임 입력</a:t>
-            </a:r>
-            <a:endParaRPr lang="en-US" altLang="ko-KR" dirty="0" smtClean="0"/>
-          </a:p>
-          <a:p>
-            <a:pPr marL="342900" indent="-342900">
-              <a:buAutoNum type="arabicPeriod"/>
-            </a:pPr>
-            <a:endParaRPr lang="en-US" altLang="ko-KR" dirty="0" smtClean="0"/>
-          </a:p>
-          <a:p>
-            <a:pPr marL="342900" indent="-342900">
-              <a:buAutoNum type="arabicPeriod"/>
-            </a:pPr>
-            <a:r>
-              <a:rPr lang="ko-KR" altLang="en-US" dirty="0" smtClean="0"/>
-              <a:t>비밀번호 입력</a:t>
-            </a:r>
-            <a:endParaRPr lang="en-US" altLang="ko-KR" dirty="0" smtClean="0"/>
-          </a:p>
-          <a:p>
-            <a:pPr marL="342900" indent="-342900">
-              <a:buAutoNum type="arabicPeriod"/>
-            </a:pPr>
-            <a:endParaRPr lang="en-US" altLang="ko-KR" dirty="0" smtClean="0"/>
-          </a:p>
-          <a:p>
-            <a:pPr marL="342900" indent="-342900">
-              <a:buAutoNum type="arabicPeriod"/>
-            </a:pPr>
-            <a:r>
-              <a:rPr lang="ko-KR" altLang="en-US" dirty="0" smtClean="0"/>
-              <a:t>로그인 버튼 </a:t>
-            </a:r>
-            <a:r>
-              <a:rPr lang="en-US" altLang="ko-KR" dirty="0" smtClean="0"/>
-              <a:t>–</a:t>
-            </a:r>
-            <a:r>
-              <a:rPr lang="ko-KR" altLang="en-US" dirty="0" smtClean="0"/>
-              <a:t> </a:t>
-            </a:r>
-            <a:r>
-              <a:rPr lang="en-US" altLang="ko-KR" dirty="0" smtClean="0"/>
-              <a:t>1</a:t>
-            </a:r>
-            <a:r>
-              <a:rPr lang="ko-KR" altLang="en-US" dirty="0" smtClean="0"/>
-              <a:t>번 화면</a:t>
-            </a:r>
-            <a:endParaRPr lang="en-US" altLang="ko-KR" dirty="0" smtClean="0"/>
-          </a:p>
-          <a:p>
-            <a:pPr marL="342900" indent="-342900">
-              <a:buAutoNum type="arabicPeriod"/>
-            </a:pPr>
-            <a:endParaRPr lang="en-US" altLang="ko-KR" dirty="0" smtClean="0"/>
-          </a:p>
-          <a:p>
-            <a:pPr marL="342900" indent="-342900">
-              <a:buAutoNum type="arabicPeriod"/>
-            </a:pPr>
-            <a:r>
-              <a:rPr lang="ko-KR" altLang="en-US" dirty="0" smtClean="0"/>
-              <a:t>회원가입 버튼 </a:t>
-            </a:r>
-            <a:r>
-              <a:rPr lang="en-US" altLang="ko-KR" dirty="0" smtClean="0"/>
-              <a:t>–</a:t>
-            </a:r>
-            <a:r>
-              <a:rPr lang="ko-KR" altLang="en-US" dirty="0" smtClean="0"/>
-              <a:t> </a:t>
-            </a:r>
-            <a:r>
-              <a:rPr lang="en-US" altLang="ko-KR" dirty="0" smtClean="0"/>
-              <a:t>2</a:t>
-            </a:r>
-            <a:r>
-              <a:rPr lang="ko-KR" altLang="en-US" dirty="0" smtClean="0"/>
-              <a:t>번 화면</a:t>
-            </a:r>
-            <a:endParaRPr lang="en-US" altLang="ko-KR" dirty="0" smtClean="0"/>
-          </a:p>
-          <a:p>
-            <a:pPr marL="342900" indent="-342900">
-              <a:buAutoNum type="arabicPeriod"/>
-            </a:pPr>
-            <a:endParaRPr lang="en-US" altLang="ko-KR" dirty="0" smtClean="0"/>
-          </a:p>
-          <a:p>
-            <a:pPr marL="342900" indent="-342900">
-              <a:buAutoNum type="arabicPeriod"/>
-            </a:pPr>
-            <a:r>
-              <a:rPr lang="ko-KR" altLang="en-US" dirty="0" smtClean="0"/>
-              <a:t>종료 버튼</a:t>
-            </a:r>
-            <a:endParaRPr lang="ko-KR" altLang="en-US" dirty="0"/>
+            <a:pPr lvl="1"/>
+            <a:r>
+              <a:rPr lang="ko-KR" altLang="en-US" sz="2400" dirty="0" smtClean="0"/>
+              <a:t>랭킹 보</a:t>
+            </a:r>
+            <a:r>
+              <a:rPr lang="ko-KR" altLang="en-US" sz="2400" dirty="0" smtClean="0"/>
+              <a:t>드</a:t>
+            </a:r>
+            <a:endParaRPr lang="en-US" altLang="ko-KR" sz="2400" dirty="0"/>
+          </a:p>
+        </p:txBody>
+      </p:sp>
+      <p:sp>
+        <p:nvSpPr>
+          <p:cNvPr id="15" name="TextBox 14"/>
+          <p:cNvSpPr txBox="1"/>
+          <p:nvPr/>
+        </p:nvSpPr>
+        <p:spPr>
+          <a:xfrm>
+            <a:off x="4801103" y="2913650"/>
+            <a:ext cx="3875782" cy="461665"/>
+          </a:xfrm>
+          <a:prstGeom prst="rect">
+            <a:avLst/>
+          </a:prstGeom>
+          <a:noFill/>
+        </p:spPr>
+        <p:txBody>
+          <a:bodyPr wrap="square" numCol="1" rtlCol="0">
+            <a:spAutoFit/>
+          </a:bodyPr>
+          <a:lstStyle/>
+          <a:p>
+            <a:pPr lvl="1"/>
+            <a:r>
+              <a:rPr lang="ko-KR" altLang="en-US" sz="2400" dirty="0" smtClean="0"/>
+              <a:t>게임 로비</a:t>
+            </a:r>
+            <a:endParaRPr lang="en-US" altLang="ko-KR" sz="2400" dirty="0" smtClean="0"/>
           </a:p>
         </p:txBody>
       </p:sp>
     </p:spTree>
     <p:extLst>
       <p:ext uri="{BB962C8B-B14F-4D97-AF65-F5344CB8AC3E}">
-        <p14:creationId xmlns:p14="http://schemas.microsoft.com/office/powerpoint/2010/main" val="1093616353"/>
+        <p14:creationId xmlns:p14="http://schemas.microsoft.com/office/powerpoint/2010/main" val="660184480"/>
       </p:ext>
     </p:extLst>
   </p:cSld>
@@ -11569,7 +11983,7 @@
         <p:spPr>
           <a:xfrm>
             <a:off x="1301262" y="562708"/>
-            <a:ext cx="2233304" cy="369332"/>
+            <a:ext cx="1218603" cy="369332"/>
           </a:xfrm>
           <a:prstGeom prst="rect">
             <a:avLst/>
@@ -11584,19 +11998,11 @@
           <a:p>
             <a:r>
               <a:rPr lang="en-US" altLang="ko-KR" dirty="0" smtClean="0"/>
-              <a:t>1. </a:t>
+              <a:t>0. </a:t>
             </a:r>
             <a:r>
               <a:rPr lang="ko-KR" altLang="en-US" dirty="0" smtClean="0"/>
-              <a:t>로그인 성공</a:t>
-            </a:r>
-            <a:r>
-              <a:rPr lang="en-US" altLang="ko-KR" dirty="0" smtClean="0"/>
-              <a:t>/</a:t>
-            </a:r>
-            <a:r>
-              <a:rPr lang="ko-KR" altLang="en-US" dirty="0" smtClean="0"/>
-              <a:t>실패</a:t>
+              <a:t>첫 화면</a:t>
             </a:r>
             <a:endParaRPr lang="ko-KR" altLang="en-US" dirty="0"/>
           </a:p>
@@ -11686,13 +12092,22 @@
           <a:prstGeom prst="rect">
             <a:avLst/>
           </a:prstGeom>
-          <a:noFill/>
-          <a:ln>
-            <a:solidFill>
-              <a:schemeClr val="tx1"/>
-            </a:solidFill>
-          </a:ln>
-        </p:spPr>
+          <a:ln/>
+        </p:spPr>
+        <p:style>
+          <a:lnRef idx="0">
+            <a:schemeClr val="accent3"/>
+          </a:lnRef>
+          <a:fillRef idx="3">
+            <a:schemeClr val="accent3"/>
+          </a:fillRef>
+          <a:effectRef idx="3">
+            <a:schemeClr val="accent3"/>
+          </a:effectRef>
+          <a:fontRef idx="minor">
+            <a:schemeClr val="lt1"/>
+          </a:fontRef>
+        </p:style>
         <p:txBody>
           <a:bodyPr wrap="square" rtlCol="0">
             <a:spAutoFit/>
@@ -11721,13 +12136,22 @@
           <a:prstGeom prst="rect">
             <a:avLst/>
           </a:prstGeom>
-          <a:noFill/>
-          <a:ln>
-            <a:solidFill>
-              <a:schemeClr val="tx1"/>
-            </a:solidFill>
-          </a:ln>
-        </p:spPr>
+          <a:ln/>
+        </p:spPr>
+        <p:style>
+          <a:lnRef idx="0">
+            <a:schemeClr val="accent3"/>
+          </a:lnRef>
+          <a:fillRef idx="3">
+            <a:schemeClr val="accent3"/>
+          </a:fillRef>
+          <a:effectRef idx="3">
+            <a:schemeClr val="accent3"/>
+          </a:effectRef>
+          <a:fontRef idx="minor">
+            <a:schemeClr val="lt1"/>
+          </a:fontRef>
+        </p:style>
         <p:txBody>
           <a:bodyPr wrap="square" rtlCol="0">
             <a:spAutoFit/>
@@ -11756,13 +12180,22 @@
           <a:prstGeom prst="rect">
             <a:avLst/>
           </a:prstGeom>
-          <a:noFill/>
-          <a:ln>
-            <a:solidFill>
-              <a:schemeClr val="tx1"/>
-            </a:solidFill>
-          </a:ln>
-        </p:spPr>
+          <a:ln/>
+        </p:spPr>
+        <p:style>
+          <a:lnRef idx="0">
+            <a:schemeClr val="accent3"/>
+          </a:lnRef>
+          <a:fillRef idx="3">
+            <a:schemeClr val="accent3"/>
+          </a:fillRef>
+          <a:effectRef idx="3">
+            <a:schemeClr val="accent3"/>
+          </a:effectRef>
+          <a:fontRef idx="minor">
+            <a:schemeClr val="lt1"/>
+          </a:fontRef>
+        </p:style>
         <p:txBody>
           <a:bodyPr wrap="square" rtlCol="0">
             <a:spAutoFit/>
@@ -11779,24 +12212,18 @@
       </p:sp>
       <p:sp>
         <p:nvSpPr>
-          <p:cNvPr id="2" name="직사각형 1"/>
+          <p:cNvPr id="16" name="타원 15"/>
           <p:cNvSpPr/>
           <p:nvPr/>
         </p:nvSpPr>
         <p:spPr>
           <a:xfrm>
-            <a:off x="2725615" y="2611315"/>
-            <a:ext cx="3420208" cy="2321170"/>
-          </a:xfrm>
-          <a:prstGeom prst="rect">
-            <a:avLst/>
-          </a:prstGeom>
-          <a:solidFill>
-            <a:schemeClr val="tx1">
-              <a:lumMod val="50000"/>
-              <a:lumOff val="50000"/>
-            </a:schemeClr>
-          </a:solidFill>
+            <a:off x="4870937" y="3077363"/>
+            <a:ext cx="439616" cy="386861"/>
+          </a:xfrm>
+          <a:prstGeom prst="ellipse">
+            <a:avLst/>
+          </a:prstGeom>
         </p:spPr>
         <p:style>
           <a:lnRef idx="2">
@@ -11819,43 +12246,9 @@
           <a:lstStyle/>
           <a:p>
             <a:pPr algn="ctr"/>
-            <a:endParaRPr lang="ko-KR" altLang="en-US"/>
-          </a:p>
-        </p:txBody>
-      </p:sp>
-      <p:sp>
-        <p:nvSpPr>
-          <p:cNvPr id="3" name="TextBox 2"/>
-          <p:cNvSpPr txBox="1"/>
-          <p:nvPr/>
-        </p:nvSpPr>
-        <p:spPr>
-          <a:xfrm>
-            <a:off x="3688374" y="3512585"/>
-            <a:ext cx="1916723" cy="369332"/>
-          </a:xfrm>
-          <a:prstGeom prst="rect">
-            <a:avLst/>
-          </a:prstGeom>
-          <a:noFill/>
-        </p:spPr>
-        <p:txBody>
-          <a:bodyPr wrap="square" rtlCol="0">
-            <a:spAutoFit/>
-          </a:bodyPr>
-          <a:lstStyle/>
-          <a:p>
-            <a:r>
-              <a:rPr lang="ko-KR" altLang="en-US" dirty="0" smtClean="0"/>
-              <a:t>로그인 성</a:t>
-            </a:r>
-            <a:r>
-              <a:rPr lang="ko-KR" altLang="en-US" dirty="0" smtClean="0"/>
-              <a:t>공</a:t>
-            </a:r>
             <a:r>
               <a:rPr lang="en-US" altLang="ko-KR" dirty="0" smtClean="0"/>
-              <a:t>!</a:t>
+              <a:t>1</a:t>
             </a:r>
             <a:endParaRPr lang="ko-KR" altLang="en-US" dirty="0"/>
           </a:p>
@@ -11863,13 +12256,13 @@
       </p:sp>
       <p:sp>
         <p:nvSpPr>
-          <p:cNvPr id="16" name="타원 15"/>
+          <p:cNvPr id="12" name="타원 11"/>
           <p:cNvSpPr/>
           <p:nvPr/>
         </p:nvSpPr>
         <p:spPr>
           <a:xfrm>
-            <a:off x="2417914" y="2417884"/>
+            <a:off x="4884125" y="3475339"/>
             <a:ext cx="439616" cy="386861"/>
           </a:xfrm>
           <a:prstGeom prst="ellipse">
@@ -11899,7 +12292,7 @@
             <a:pPr algn="ctr"/>
             <a:r>
               <a:rPr lang="en-US" altLang="ko-KR" dirty="0" smtClean="0"/>
-              <a:t>1</a:t>
+              <a:t>2</a:t>
             </a:r>
             <a:endParaRPr lang="ko-KR" altLang="en-US" dirty="0"/>
           </a:p>
@@ -11907,128 +12300,13 @@
       </p:sp>
       <p:sp>
         <p:nvSpPr>
-          <p:cNvPr id="8" name="TextBox 7"/>
-          <p:cNvSpPr txBox="1"/>
-          <p:nvPr/>
-        </p:nvSpPr>
-        <p:spPr>
-          <a:xfrm>
-            <a:off x="8616463" y="650631"/>
-            <a:ext cx="2989383" cy="1477328"/>
-          </a:xfrm>
-          <a:prstGeom prst="rect">
-            <a:avLst/>
-          </a:prstGeom>
-          <a:noFill/>
-        </p:spPr>
-        <p:txBody>
-          <a:bodyPr wrap="square" rtlCol="0">
-            <a:spAutoFit/>
-          </a:bodyPr>
-          <a:lstStyle/>
-          <a:p>
-            <a:pPr marL="342900" indent="-342900">
-              <a:buAutoNum type="arabicPeriod"/>
-            </a:pPr>
-            <a:r>
-              <a:rPr lang="ko-KR" altLang="en-US" dirty="0" smtClean="0"/>
-              <a:t>새 창</a:t>
-            </a:r>
-            <a:endParaRPr lang="en-US" altLang="ko-KR" dirty="0" smtClean="0"/>
-          </a:p>
-          <a:p>
-            <a:pPr marL="342900" indent="-342900">
-              <a:buAutoNum type="arabicPeriod"/>
-            </a:pPr>
-            <a:endParaRPr lang="en-US" altLang="ko-KR" dirty="0"/>
-          </a:p>
-          <a:p>
-            <a:pPr marL="342900" indent="-342900">
-              <a:buAutoNum type="arabicPeriod"/>
-            </a:pPr>
-            <a:r>
-              <a:rPr lang="ko-KR" altLang="en-US" dirty="0" smtClean="0"/>
-              <a:t>확인 버튼</a:t>
-            </a:r>
-            <a:r>
-              <a:rPr lang="en-US" altLang="ko-KR" dirty="0" smtClean="0"/>
-              <a:t> - (</a:t>
-            </a:r>
-            <a:r>
-              <a:rPr lang="ko-KR" altLang="en-US" dirty="0" err="1" smtClean="0"/>
-              <a:t>성공시</a:t>
-            </a:r>
-            <a:r>
-              <a:rPr lang="ko-KR" altLang="en-US" dirty="0" smtClean="0"/>
-              <a:t> </a:t>
-            </a:r>
-            <a:r>
-              <a:rPr lang="en-US" altLang="ko-KR" dirty="0" smtClean="0"/>
-              <a:t>3</a:t>
-            </a:r>
-            <a:r>
-              <a:rPr lang="ko-KR" altLang="en-US" dirty="0" smtClean="0"/>
-              <a:t>번</a:t>
-            </a:r>
-            <a:r>
-              <a:rPr lang="en-US" altLang="ko-KR" dirty="0"/>
-              <a:t> </a:t>
-            </a:r>
-            <a:r>
-              <a:rPr lang="ko-KR" altLang="en-US" dirty="0" smtClean="0"/>
-              <a:t>화면</a:t>
-            </a:r>
-            <a:r>
-              <a:rPr lang="en-US" altLang="ko-KR" dirty="0" smtClean="0"/>
-              <a:t>)</a:t>
-            </a:r>
-          </a:p>
-          <a:p>
-            <a:endParaRPr lang="ko-KR" altLang="en-US" dirty="0"/>
-          </a:p>
-        </p:txBody>
-      </p:sp>
-      <p:sp>
-        <p:nvSpPr>
-          <p:cNvPr id="9" name="TextBox 8"/>
-          <p:cNvSpPr txBox="1"/>
-          <p:nvPr/>
-        </p:nvSpPr>
-        <p:spPr>
-          <a:xfrm>
-            <a:off x="4070838" y="4114800"/>
-            <a:ext cx="729762" cy="369332"/>
-          </a:xfrm>
-          <a:prstGeom prst="rect">
-            <a:avLst/>
-          </a:prstGeom>
-          <a:solidFill>
-            <a:schemeClr val="bg1"/>
-          </a:solidFill>
-        </p:spPr>
-        <p:txBody>
-          <a:bodyPr wrap="square" rtlCol="0">
-            <a:spAutoFit/>
-          </a:bodyPr>
-          <a:lstStyle/>
-          <a:p>
-            <a:r>
-              <a:rPr lang="ko-KR" altLang="en-US" smtClean="0"/>
-              <a:t>확인</a:t>
-            </a:r>
-            <a:endParaRPr lang="ko-KR" altLang="en-US"/>
-          </a:p>
-        </p:txBody>
-      </p:sp>
-      <p:sp>
-        <p:nvSpPr>
-          <p:cNvPr id="20" name="타원 19"/>
+          <p:cNvPr id="13" name="타원 12"/>
           <p:cNvSpPr/>
           <p:nvPr/>
         </p:nvSpPr>
         <p:spPr>
           <a:xfrm>
-            <a:off x="4598378" y="4194053"/>
+            <a:off x="2857498" y="4000499"/>
             <a:ext cx="439616" cy="386861"/>
           </a:xfrm>
           <a:prstGeom prst="ellipse">
@@ -12058,7 +12336,224 @@
             <a:pPr algn="ctr"/>
             <a:r>
               <a:rPr lang="en-US" altLang="ko-KR" dirty="0" smtClean="0"/>
+              <a:t>3</a:t>
+            </a:r>
+            <a:endParaRPr lang="ko-KR" altLang="en-US" dirty="0"/>
+          </a:p>
+        </p:txBody>
+      </p:sp>
+      <p:sp>
+        <p:nvSpPr>
+          <p:cNvPr id="14" name="타원 13"/>
+          <p:cNvSpPr/>
+          <p:nvPr/>
+        </p:nvSpPr>
+        <p:spPr>
+          <a:xfrm>
+            <a:off x="5284180" y="4000498"/>
+            <a:ext cx="439616" cy="386861"/>
+          </a:xfrm>
+          <a:prstGeom prst="ellipse">
+            <a:avLst/>
+          </a:prstGeom>
+        </p:spPr>
+        <p:style>
+          <a:lnRef idx="2">
+            <a:schemeClr val="accent1">
+              <a:shade val="50000"/>
+            </a:schemeClr>
+          </a:lnRef>
+          <a:fillRef idx="1">
+            <a:schemeClr val="accent1"/>
+          </a:fillRef>
+          <a:effectRef idx="0">
+            <a:schemeClr val="accent1"/>
+          </a:effectRef>
+          <a:fontRef idx="minor">
+            <a:schemeClr val="lt1"/>
+          </a:fontRef>
+        </p:style>
+        <p:txBody>
+          <a:bodyPr rtlCol="0" anchor="ctr"/>
+          <a:lstStyle/>
+          <a:p>
+            <a:pPr algn="ctr"/>
+            <a:r>
+              <a:rPr lang="en-US" altLang="ko-KR" dirty="0"/>
+              <a:t>4</a:t>
+            </a:r>
+            <a:endParaRPr lang="ko-KR" altLang="en-US" dirty="0"/>
+          </a:p>
+        </p:txBody>
+      </p:sp>
+      <p:sp>
+        <p:nvSpPr>
+          <p:cNvPr id="15" name="타원 14"/>
+          <p:cNvSpPr/>
+          <p:nvPr/>
+        </p:nvSpPr>
+        <p:spPr>
+          <a:xfrm>
+            <a:off x="6873385" y="5075457"/>
+            <a:ext cx="439616" cy="386861"/>
+          </a:xfrm>
+          <a:prstGeom prst="ellipse">
+            <a:avLst/>
+          </a:prstGeom>
+        </p:spPr>
+        <p:style>
+          <a:lnRef idx="2">
+            <a:schemeClr val="accent1">
+              <a:shade val="50000"/>
+            </a:schemeClr>
+          </a:lnRef>
+          <a:fillRef idx="1">
+            <a:schemeClr val="accent1"/>
+          </a:fillRef>
+          <a:effectRef idx="0">
+            <a:schemeClr val="accent1"/>
+          </a:effectRef>
+          <a:fontRef idx="minor">
+            <a:schemeClr val="lt1"/>
+          </a:fontRef>
+        </p:style>
+        <p:txBody>
+          <a:bodyPr rtlCol="0" anchor="ctr"/>
+          <a:lstStyle/>
+          <a:p>
+            <a:pPr algn="ctr"/>
+            <a:r>
+              <a:rPr lang="en-US" altLang="ko-KR" dirty="0"/>
+              <a:t>5</a:t>
+            </a:r>
+            <a:endParaRPr lang="ko-KR" altLang="en-US" dirty="0"/>
+          </a:p>
+        </p:txBody>
+      </p:sp>
+      <p:sp>
+        <p:nvSpPr>
+          <p:cNvPr id="2" name="TextBox 1"/>
+          <p:cNvSpPr txBox="1"/>
+          <p:nvPr/>
+        </p:nvSpPr>
+        <p:spPr>
+          <a:xfrm>
+            <a:off x="8792308" y="817685"/>
+            <a:ext cx="2822330" cy="3139321"/>
+          </a:xfrm>
+          <a:prstGeom prst="rect">
+            <a:avLst/>
+          </a:prstGeom>
+          <a:noFill/>
+        </p:spPr>
+        <p:txBody>
+          <a:bodyPr wrap="square" rtlCol="0">
+            <a:spAutoFit/>
+          </a:bodyPr>
+          <a:lstStyle/>
+          <a:p>
+            <a:pPr marL="342900" indent="-342900">
+              <a:buAutoNum type="arabicPeriod"/>
+            </a:pPr>
+            <a:r>
+              <a:rPr lang="ko-KR" altLang="en-US" dirty="0" smtClean="0"/>
+              <a:t>닉네임 입력</a:t>
+            </a:r>
+            <a:endParaRPr lang="en-US" altLang="ko-KR" dirty="0" smtClean="0"/>
+          </a:p>
+          <a:p>
+            <a:pPr marL="342900" indent="-342900">
+              <a:buAutoNum type="arabicPeriod"/>
+            </a:pPr>
+            <a:endParaRPr lang="en-US" altLang="ko-KR" dirty="0" smtClean="0"/>
+          </a:p>
+          <a:p>
+            <a:pPr marL="342900" indent="-342900">
+              <a:buAutoNum type="arabicPeriod"/>
+            </a:pPr>
+            <a:r>
+              <a:rPr lang="ko-KR" altLang="en-US" dirty="0" smtClean="0"/>
+              <a:t>비밀번호 입력</a:t>
+            </a:r>
+            <a:endParaRPr lang="en-US" altLang="ko-KR" dirty="0" smtClean="0"/>
+          </a:p>
+          <a:p>
+            <a:pPr marL="342900" indent="-342900">
+              <a:buAutoNum type="arabicPeriod"/>
+            </a:pPr>
+            <a:endParaRPr lang="en-US" altLang="ko-KR" dirty="0" smtClean="0"/>
+          </a:p>
+          <a:p>
+            <a:pPr marL="342900" indent="-342900">
+              <a:buAutoNum type="arabicPeriod"/>
+            </a:pPr>
+            <a:r>
+              <a:rPr lang="ko-KR" altLang="en-US" dirty="0" smtClean="0"/>
+              <a:t>로그인 버튼 </a:t>
+            </a:r>
+            <a:r>
+              <a:rPr lang="en-US" altLang="ko-KR" dirty="0" smtClean="0"/>
+              <a:t>–</a:t>
+            </a:r>
+            <a:r>
+              <a:rPr lang="ko-KR" altLang="en-US" dirty="0" smtClean="0"/>
+              <a:t> </a:t>
+            </a:r>
+            <a:r>
+              <a:rPr lang="en-US" altLang="ko-KR" dirty="0" smtClean="0"/>
+              <a:t>1</a:t>
+            </a:r>
+            <a:r>
+              <a:rPr lang="ko-KR" altLang="en-US" dirty="0" smtClean="0"/>
+              <a:t>번 화면</a:t>
+            </a:r>
+            <a:endParaRPr lang="en-US" altLang="ko-KR" dirty="0" smtClean="0"/>
+          </a:p>
+          <a:p>
+            <a:pPr marL="342900" indent="-342900">
+              <a:buAutoNum type="arabicPeriod"/>
+            </a:pPr>
+            <a:endParaRPr lang="en-US" altLang="ko-KR" dirty="0" smtClean="0"/>
+          </a:p>
+          <a:p>
+            <a:pPr marL="342900" indent="-342900">
+              <a:buAutoNum type="arabicPeriod"/>
+            </a:pPr>
+            <a:r>
+              <a:rPr lang="ko-KR" altLang="en-US" dirty="0" smtClean="0"/>
+              <a:t>회원가입 버튼 </a:t>
+            </a:r>
+            <a:r>
+              <a:rPr lang="en-US" altLang="ko-KR" dirty="0" smtClean="0"/>
+              <a:t>–</a:t>
+            </a:r>
+            <a:r>
+              <a:rPr lang="ko-KR" altLang="en-US" dirty="0" smtClean="0"/>
+              <a:t> </a:t>
+            </a:r>
+            <a:r>
+              <a:rPr lang="en-US" altLang="ko-KR" dirty="0" smtClean="0"/>
               <a:t>2</a:t>
+            </a:r>
+            <a:r>
+              <a:rPr lang="ko-KR" altLang="en-US" dirty="0" smtClean="0"/>
+              <a:t>번 화면</a:t>
+            </a:r>
+            <a:endParaRPr lang="en-US" altLang="ko-KR" dirty="0" smtClean="0"/>
+          </a:p>
+          <a:p>
+            <a:pPr marL="342900" indent="-342900">
+              <a:buAutoNum type="arabicPeriod"/>
+            </a:pPr>
+            <a:endParaRPr lang="en-US" altLang="ko-KR" dirty="0" smtClean="0"/>
+          </a:p>
+          <a:p>
+            <a:pPr marL="342900" indent="-342900">
+              <a:buAutoNum type="arabicPeriod"/>
+            </a:pPr>
+            <a:r>
+              <a:rPr lang="ko-KR" altLang="en-US" dirty="0" smtClean="0"/>
+              <a:t>종료 버튼</a:t>
             </a:r>
             <a:endParaRPr lang="ko-KR" altLang="en-US" dirty="0"/>
           </a:p>
@@ -12067,7 +12562,7 @@
     </p:spTree>
     <p:extLst>
       <p:ext uri="{BB962C8B-B14F-4D97-AF65-F5344CB8AC3E}">
-        <p14:creationId xmlns:p14="http://schemas.microsoft.com/office/powerpoint/2010/main" val="2470681915"/>
+        <p14:creationId xmlns:p14="http://schemas.microsoft.com/office/powerpoint/2010/main" val="1093616353"/>
       </p:ext>
     </p:extLst>
   </p:cSld>
@@ -12179,7 +12674,7 @@
         <p:spPr>
           <a:xfrm>
             <a:off x="1301262" y="562708"/>
-            <a:ext cx="1449436" cy="369332"/>
+            <a:ext cx="2233304" cy="369332"/>
           </a:xfrm>
           <a:prstGeom prst="rect">
             <a:avLst/>
@@ -12194,11 +12689,19 @@
           <a:p>
             <a:r>
               <a:rPr lang="en-US" altLang="ko-KR" dirty="0" smtClean="0"/>
-              <a:t>2. </a:t>
+              <a:t>1. </a:t>
             </a:r>
             <a:r>
               <a:rPr lang="ko-KR" altLang="en-US" dirty="0" smtClean="0"/>
-              <a:t>회원 가입</a:t>
+              <a:t>로그인 성공</a:t>
+            </a:r>
+            <a:r>
+              <a:rPr lang="en-US" altLang="ko-KR" dirty="0" smtClean="0"/>
+              <a:t>/</a:t>
+            </a:r>
+            <a:r>
+              <a:rPr lang="ko-KR" altLang="en-US" dirty="0" smtClean="0"/>
+              <a:t>실패</a:t>
             </a:r>
             <a:endParaRPr lang="ko-KR" altLang="en-US" dirty="0"/>
           </a:p>
@@ -12323,6 +12826,50 @@
           <a:prstGeom prst="rect">
             <a:avLst/>
           </a:prstGeom>
+          <a:ln/>
+        </p:spPr>
+        <p:style>
+          <a:lnRef idx="0">
+            <a:schemeClr val="accent3"/>
+          </a:lnRef>
+          <a:fillRef idx="3">
+            <a:schemeClr val="accent3"/>
+          </a:fillRef>
+          <a:effectRef idx="3">
+            <a:schemeClr val="accent3"/>
+          </a:effectRef>
+          <a:fontRef idx="minor">
+            <a:schemeClr val="lt1"/>
+          </a:fontRef>
+        </p:style>
+        <p:txBody>
+          <a:bodyPr wrap="square" rtlCol="0">
+            <a:spAutoFit/>
+          </a:bodyPr>
+          <a:lstStyle/>
+          <a:p>
+            <a:r>
+              <a:rPr lang="ko-KR" altLang="en-US" dirty="0" smtClean="0"/>
+              <a:t>나가기</a:t>
+            </a:r>
+            <a:endParaRPr lang="ko-KR" altLang="en-US" dirty="0"/>
+          </a:p>
+        </p:txBody>
+      </p:sp>
+      <p:sp>
+        <p:nvSpPr>
+          <p:cNvPr id="21" name="TextBox 20"/>
+          <p:cNvSpPr txBox="1"/>
+          <p:nvPr/>
+        </p:nvSpPr>
+        <p:spPr>
+          <a:xfrm>
+            <a:off x="4290647" y="4033654"/>
+            <a:ext cx="1019906" cy="323165"/>
+          </a:xfrm>
+          <a:prstGeom prst="rect">
+            <a:avLst/>
+          </a:prstGeom>
           <a:noFill/>
           <a:ln>
             <a:solidFill>
@@ -12337,41 +12884,6 @@
           <a:lstStyle/>
           <a:p>
             <a:r>
-              <a:rPr lang="ko-KR" altLang="en-US" dirty="0" smtClean="0"/>
-              <a:t>나가기</a:t>
-            </a:r>
-            <a:endParaRPr lang="ko-KR" altLang="en-US" dirty="0"/>
-          </a:p>
-        </p:txBody>
-      </p:sp>
-      <p:sp>
-        <p:nvSpPr>
-          <p:cNvPr id="21" name="TextBox 20"/>
-          <p:cNvSpPr txBox="1"/>
-          <p:nvPr/>
-        </p:nvSpPr>
-        <p:spPr>
-          <a:xfrm>
-            <a:off x="4290647" y="4033654"/>
-            <a:ext cx="1019906" cy="323165"/>
-          </a:xfrm>
-          <a:prstGeom prst="rect">
-            <a:avLst/>
-          </a:prstGeom>
-          <a:noFill/>
-          <a:ln>
-            <a:solidFill>
-              <a:schemeClr val="tx1"/>
-            </a:solidFill>
-          </a:ln>
-        </p:spPr>
-        <p:txBody>
-          <a:bodyPr wrap="square" rtlCol="0">
-            <a:spAutoFit/>
-          </a:bodyPr>
-          <a:lstStyle/>
-          <a:p>
-            <a:r>
               <a:rPr lang="ko-KR" altLang="en-US" sz="1500" dirty="0" smtClean="0"/>
               <a:t>회원가입</a:t>
             </a:r>
@@ -12388,7 +12900,7 @@
         <p:spPr>
           <a:xfrm>
             <a:off x="2725615" y="2611315"/>
-            <a:ext cx="3420208" cy="2497016"/>
+            <a:ext cx="3420208" cy="2321170"/>
           </a:xfrm>
           <a:prstGeom prst="rect">
             <a:avLst/>
@@ -12399,11 +12911,6 @@
               <a:lumOff val="50000"/>
             </a:schemeClr>
           </a:solidFill>
-          <a:ln>
-            <a:solidFill>
-              <a:schemeClr val="bg2"/>
-            </a:solidFill>
-          </a:ln>
         </p:spPr>
         <p:style>
           <a:lnRef idx="2">
@@ -12432,21 +12939,19 @@
       </p:sp>
       <p:sp>
         <p:nvSpPr>
-          <p:cNvPr id="8" name="TextBox 7"/>
+          <p:cNvPr id="3" name="TextBox 2"/>
           <p:cNvSpPr txBox="1"/>
           <p:nvPr/>
         </p:nvSpPr>
         <p:spPr>
           <a:xfrm>
-            <a:off x="2945423" y="2910226"/>
-            <a:ext cx="1512276" cy="307777"/>
+            <a:off x="3688374" y="3512585"/>
+            <a:ext cx="1916723" cy="369332"/>
           </a:xfrm>
           <a:prstGeom prst="rect">
             <a:avLst/>
           </a:prstGeom>
-          <a:solidFill>
-            <a:schemeClr val="bg1"/>
-          </a:solidFill>
+          <a:noFill/>
         </p:spPr>
         <p:txBody>
           <a:bodyPr wrap="square" rtlCol="0">
@@ -12455,170 +12960,14 @@
           <a:lstStyle/>
           <a:p>
             <a:r>
-              <a:rPr lang="ko-KR" altLang="en-US" sz="1400" dirty="0" smtClean="0"/>
-              <a:t>닉네임</a:t>
-            </a:r>
-            <a:endParaRPr lang="ko-KR" altLang="en-US" sz="1400" dirty="0"/>
-          </a:p>
-        </p:txBody>
-      </p:sp>
-      <p:sp>
-        <p:nvSpPr>
-          <p:cNvPr id="24" name="TextBox 23"/>
-          <p:cNvSpPr txBox="1"/>
-          <p:nvPr/>
-        </p:nvSpPr>
-        <p:spPr>
-          <a:xfrm>
-            <a:off x="2945422" y="3317104"/>
-            <a:ext cx="1512277" cy="307777"/>
-          </a:xfrm>
-          <a:prstGeom prst="rect">
-            <a:avLst/>
-          </a:prstGeom>
-          <a:solidFill>
-            <a:schemeClr val="bg1"/>
-          </a:solidFill>
-        </p:spPr>
-        <p:txBody>
-          <a:bodyPr wrap="square" rtlCol="0">
-            <a:spAutoFit/>
-          </a:bodyPr>
-          <a:lstStyle/>
-          <a:p>
-            <a:r>
-              <a:rPr lang="ko-KR" altLang="en-US" sz="1400" dirty="0" smtClean="0"/>
-              <a:t>비밀번호</a:t>
-            </a:r>
-            <a:endParaRPr lang="ko-KR" altLang="en-US" sz="1400" dirty="0"/>
-          </a:p>
-        </p:txBody>
-      </p:sp>
-      <p:sp>
-        <p:nvSpPr>
-          <p:cNvPr id="26" name="TextBox 25"/>
-          <p:cNvSpPr txBox="1"/>
-          <p:nvPr/>
-        </p:nvSpPr>
-        <p:spPr>
-          <a:xfrm>
-            <a:off x="2998178" y="4350670"/>
-            <a:ext cx="1208942" cy="369332"/>
-          </a:xfrm>
-          <a:prstGeom prst="rect">
-            <a:avLst/>
-          </a:prstGeom>
-          <a:solidFill>
-            <a:schemeClr val="bg1"/>
-          </a:solidFill>
-        </p:spPr>
-        <p:txBody>
-          <a:bodyPr wrap="square" rtlCol="0">
-            <a:spAutoFit/>
-          </a:bodyPr>
-          <a:lstStyle/>
-          <a:p>
-            <a:r>
               <a:rPr lang="ko-KR" altLang="en-US" dirty="0" smtClean="0"/>
-              <a:t>회원 가입</a:t>
+              <a:t>로그인 성공</a:t>
+            </a:r>
+            <a:r>
+              <a:rPr lang="en-US" altLang="ko-KR" dirty="0" smtClean="0"/>
+              <a:t>!</a:t>
             </a:r>
             <a:endParaRPr lang="ko-KR" altLang="en-US" dirty="0"/>
-          </a:p>
-        </p:txBody>
-      </p:sp>
-      <p:sp>
-        <p:nvSpPr>
-          <p:cNvPr id="27" name="TextBox 26"/>
-          <p:cNvSpPr txBox="1"/>
-          <p:nvPr/>
-        </p:nvSpPr>
-        <p:spPr>
-          <a:xfrm>
-            <a:off x="4508257" y="4343454"/>
-            <a:ext cx="1208942" cy="369332"/>
-          </a:xfrm>
-          <a:prstGeom prst="rect">
-            <a:avLst/>
-          </a:prstGeom>
-          <a:solidFill>
-            <a:schemeClr val="bg1"/>
-          </a:solidFill>
-        </p:spPr>
-        <p:txBody>
-          <a:bodyPr wrap="square" rtlCol="0">
-            <a:spAutoFit/>
-          </a:bodyPr>
-          <a:lstStyle/>
-          <a:p>
-            <a:r>
-              <a:rPr lang="ko-KR" altLang="en-US" dirty="0" smtClean="0"/>
-              <a:t>닫기</a:t>
-            </a:r>
-            <a:endParaRPr lang="ko-KR" altLang="en-US" dirty="0"/>
-          </a:p>
-        </p:txBody>
-      </p:sp>
-      <p:sp>
-        <p:nvSpPr>
-          <p:cNvPr id="28" name="TextBox 27"/>
-          <p:cNvSpPr txBox="1"/>
-          <p:nvPr/>
-        </p:nvSpPr>
-        <p:spPr>
-          <a:xfrm>
-            <a:off x="2932235" y="3698239"/>
-            <a:ext cx="1525465" cy="307777"/>
-          </a:xfrm>
-          <a:prstGeom prst="rect">
-            <a:avLst/>
-          </a:prstGeom>
-          <a:solidFill>
-            <a:schemeClr val="bg1"/>
-          </a:solidFill>
-        </p:spPr>
-        <p:txBody>
-          <a:bodyPr wrap="square" rtlCol="0">
-            <a:spAutoFit/>
-          </a:bodyPr>
-          <a:lstStyle/>
-          <a:p>
-            <a:r>
-              <a:rPr lang="ko-KR" altLang="en-US" sz="1400" dirty="0" smtClean="0"/>
-              <a:t>비밀번호 확인</a:t>
-            </a:r>
-            <a:endParaRPr lang="ko-KR" altLang="en-US" sz="1400" dirty="0"/>
-          </a:p>
-        </p:txBody>
-      </p:sp>
-      <p:sp>
-        <p:nvSpPr>
-          <p:cNvPr id="29" name="TextBox 28"/>
-          <p:cNvSpPr txBox="1"/>
-          <p:nvPr/>
-        </p:nvSpPr>
-        <p:spPr>
-          <a:xfrm>
-            <a:off x="4787323" y="2907087"/>
-            <a:ext cx="1156277" cy="307777"/>
-          </a:xfrm>
-          <a:prstGeom prst="rect">
-            <a:avLst/>
-          </a:prstGeom>
-          <a:solidFill>
-            <a:schemeClr val="bg1"/>
-          </a:solidFill>
-        </p:spPr>
-        <p:txBody>
-          <a:bodyPr wrap="square" rtlCol="0">
-            <a:spAutoFit/>
-          </a:bodyPr>
-          <a:lstStyle/>
-          <a:p>
-            <a:r>
-              <a:rPr lang="ko-KR" altLang="en-US" sz="1400" dirty="0" smtClean="0"/>
-              <a:t>중복 검사</a:t>
-            </a:r>
-            <a:endParaRPr lang="ko-KR" altLang="en-US" sz="1400" dirty="0"/>
           </a:p>
         </p:txBody>
       </p:sp>
@@ -12630,7 +12979,7 @@
         </p:nvSpPr>
         <p:spPr>
           <a:xfrm>
-            <a:off x="3908091" y="2850686"/>
+            <a:off x="2417914" y="2417884"/>
             <a:ext cx="439616" cy="386861"/>
           </a:xfrm>
           <a:prstGeom prst="ellipse">
@@ -12668,13 +13017,139 @@
       </p:sp>
       <p:sp>
         <p:nvSpPr>
-          <p:cNvPr id="30" name="타원 29"/>
+          <p:cNvPr id="8" name="TextBox 7"/>
+          <p:cNvSpPr txBox="1"/>
+          <p:nvPr/>
+        </p:nvSpPr>
+        <p:spPr>
+          <a:xfrm>
+            <a:off x="8616463" y="650631"/>
+            <a:ext cx="2989383" cy="1477328"/>
+          </a:xfrm>
+          <a:prstGeom prst="rect">
+            <a:avLst/>
+          </a:prstGeom>
+          <a:noFill/>
+        </p:spPr>
+        <p:txBody>
+          <a:bodyPr wrap="square" rtlCol="0">
+            <a:spAutoFit/>
+          </a:bodyPr>
+          <a:lstStyle/>
+          <a:p>
+            <a:pPr marL="342900" indent="-342900">
+              <a:buAutoNum type="arabicPeriod"/>
+            </a:pPr>
+            <a:r>
+              <a:rPr lang="ko-KR" altLang="en-US" dirty="0" smtClean="0"/>
+              <a:t>새 창</a:t>
+            </a:r>
+            <a:endParaRPr lang="en-US" altLang="ko-KR" dirty="0" smtClean="0"/>
+          </a:p>
+          <a:p>
+            <a:pPr marL="342900" indent="-342900">
+              <a:buAutoNum type="arabicPeriod"/>
+            </a:pPr>
+            <a:endParaRPr lang="en-US" altLang="ko-KR" dirty="0"/>
+          </a:p>
+          <a:p>
+            <a:pPr marL="342900" indent="-342900">
+              <a:buAutoNum type="arabicPeriod"/>
+            </a:pPr>
+            <a:r>
+              <a:rPr lang="ko-KR" altLang="en-US" dirty="0" smtClean="0"/>
+              <a:t>확인 버튼</a:t>
+            </a:r>
+            <a:r>
+              <a:rPr lang="en-US" altLang="ko-KR" dirty="0" smtClean="0"/>
+              <a:t> - (</a:t>
+            </a:r>
+            <a:r>
+              <a:rPr lang="ko-KR" altLang="en-US" dirty="0" err="1" smtClean="0"/>
+              <a:t>성공시</a:t>
+            </a:r>
+            <a:r>
+              <a:rPr lang="ko-KR" altLang="en-US" dirty="0" smtClean="0"/>
+              <a:t> </a:t>
+            </a:r>
+            <a:r>
+              <a:rPr lang="en-US" altLang="ko-KR" dirty="0" smtClean="0"/>
+              <a:t>3</a:t>
+            </a:r>
+            <a:r>
+              <a:rPr lang="ko-KR" altLang="en-US" dirty="0" smtClean="0"/>
+              <a:t>번</a:t>
+            </a:r>
+            <a:r>
+              <a:rPr lang="en-US" altLang="ko-KR" dirty="0"/>
+              <a:t> </a:t>
+            </a:r>
+            <a:r>
+              <a:rPr lang="ko-KR" altLang="en-US" dirty="0" smtClean="0"/>
+              <a:t>화면</a:t>
+            </a:r>
+            <a:r>
+              <a:rPr lang="en-US" altLang="ko-KR" dirty="0" smtClean="0"/>
+              <a:t>)</a:t>
+            </a:r>
+          </a:p>
+          <a:p>
+            <a:endParaRPr lang="ko-KR" altLang="en-US" dirty="0"/>
+          </a:p>
+        </p:txBody>
+      </p:sp>
+      <p:sp>
+        <p:nvSpPr>
+          <p:cNvPr id="9" name="TextBox 8"/>
+          <p:cNvSpPr txBox="1"/>
+          <p:nvPr/>
+        </p:nvSpPr>
+        <p:spPr>
+          <a:xfrm>
+            <a:off x="4070838" y="4114800"/>
+            <a:ext cx="729762" cy="369332"/>
+          </a:xfrm>
+          <a:prstGeom prst="rect">
+            <a:avLst/>
+          </a:prstGeom>
+        </p:spPr>
+        <p:style>
+          <a:lnRef idx="0">
+            <a:schemeClr val="accent3"/>
+          </a:lnRef>
+          <a:fillRef idx="3">
+            <a:schemeClr val="accent3"/>
+          </a:fillRef>
+          <a:effectRef idx="3">
+            <a:schemeClr val="accent3"/>
+          </a:effectRef>
+          <a:fontRef idx="minor">
+            <a:schemeClr val="lt1"/>
+          </a:fontRef>
+        </p:style>
+        <p:txBody>
+          <a:bodyPr wrap="square" rtlCol="0">
+            <a:spAutoFit/>
+          </a:bodyPr>
+          <a:lstStyle/>
+          <a:p>
+            <a:r>
+              <a:rPr lang="ko-KR" altLang="en-US" dirty="0" smtClean="0"/>
+              <a:t>확인</a:t>
+            </a:r>
+            <a:endParaRPr lang="ko-KR" altLang="en-US" dirty="0"/>
+          </a:p>
+        </p:txBody>
+      </p:sp>
+      <p:sp>
+        <p:nvSpPr>
+          <p:cNvPr id="20" name="타원 19"/>
           <p:cNvSpPr/>
           <p:nvPr/>
         </p:nvSpPr>
         <p:spPr>
           <a:xfrm>
-            <a:off x="3936709" y="3265186"/>
+            <a:off x="4598378" y="4194053"/>
             <a:ext cx="439616" cy="386861"/>
           </a:xfrm>
           <a:prstGeom prst="ellipse">
@@ -12710,321 +13185,10 @@
           </a:p>
         </p:txBody>
       </p:sp>
-      <p:sp>
-        <p:nvSpPr>
-          <p:cNvPr id="31" name="타원 30"/>
-          <p:cNvSpPr/>
-          <p:nvPr/>
-        </p:nvSpPr>
-        <p:spPr>
-          <a:xfrm>
-            <a:off x="4177401" y="3670943"/>
-            <a:ext cx="439616" cy="386861"/>
-          </a:xfrm>
-          <a:prstGeom prst="ellipse">
-            <a:avLst/>
-          </a:prstGeom>
-        </p:spPr>
-        <p:style>
-          <a:lnRef idx="2">
-            <a:schemeClr val="accent1">
-              <a:shade val="50000"/>
-            </a:schemeClr>
-          </a:lnRef>
-          <a:fillRef idx="1">
-            <a:schemeClr val="accent1"/>
-          </a:fillRef>
-          <a:effectRef idx="0">
-            <a:schemeClr val="accent1"/>
-          </a:effectRef>
-          <a:fontRef idx="minor">
-            <a:schemeClr val="lt1"/>
-          </a:fontRef>
-        </p:style>
-        <p:txBody>
-          <a:bodyPr rtlCol="0" anchor="ctr"/>
-          <a:lstStyle/>
-          <a:p>
-            <a:pPr algn="ctr"/>
-            <a:r>
-              <a:rPr lang="en-US" altLang="ko-KR" dirty="0" smtClean="0"/>
-              <a:t>3</a:t>
-            </a:r>
-            <a:endParaRPr lang="ko-KR" altLang="en-US" dirty="0"/>
-          </a:p>
-        </p:txBody>
-      </p:sp>
-      <p:sp>
-        <p:nvSpPr>
-          <p:cNvPr id="32" name="타원 31"/>
-          <p:cNvSpPr/>
-          <p:nvPr/>
-        </p:nvSpPr>
-        <p:spPr>
-          <a:xfrm>
-            <a:off x="5651211" y="2712898"/>
-            <a:ext cx="439616" cy="386861"/>
-          </a:xfrm>
-          <a:prstGeom prst="ellipse">
-            <a:avLst/>
-          </a:prstGeom>
-        </p:spPr>
-        <p:style>
-          <a:lnRef idx="2">
-            <a:schemeClr val="accent1">
-              <a:shade val="50000"/>
-            </a:schemeClr>
-          </a:lnRef>
-          <a:fillRef idx="1">
-            <a:schemeClr val="accent1"/>
-          </a:fillRef>
-          <a:effectRef idx="0">
-            <a:schemeClr val="accent1"/>
-          </a:effectRef>
-          <a:fontRef idx="minor">
-            <a:schemeClr val="lt1"/>
-          </a:fontRef>
-        </p:style>
-        <p:txBody>
-          <a:bodyPr rtlCol="0" anchor="ctr"/>
-          <a:lstStyle/>
-          <a:p>
-            <a:pPr algn="ctr"/>
-            <a:r>
-              <a:rPr lang="en-US" altLang="ko-KR" dirty="0" smtClean="0"/>
-              <a:t>4</a:t>
-            </a:r>
-            <a:endParaRPr lang="ko-KR" altLang="en-US" dirty="0"/>
-          </a:p>
-        </p:txBody>
-      </p:sp>
-      <p:sp>
-        <p:nvSpPr>
-          <p:cNvPr id="33" name="타원 32"/>
-          <p:cNvSpPr/>
-          <p:nvPr/>
-        </p:nvSpPr>
-        <p:spPr>
-          <a:xfrm>
-            <a:off x="2670660" y="4167698"/>
-            <a:ext cx="439616" cy="386861"/>
-          </a:xfrm>
-          <a:prstGeom prst="ellipse">
-            <a:avLst/>
-          </a:prstGeom>
-        </p:spPr>
-        <p:style>
-          <a:lnRef idx="2">
-            <a:schemeClr val="accent1">
-              <a:shade val="50000"/>
-            </a:schemeClr>
-          </a:lnRef>
-          <a:fillRef idx="1">
-            <a:schemeClr val="accent1"/>
-          </a:fillRef>
-          <a:effectRef idx="0">
-            <a:schemeClr val="accent1"/>
-          </a:effectRef>
-          <a:fontRef idx="minor">
-            <a:schemeClr val="lt1"/>
-          </a:fontRef>
-        </p:style>
-        <p:txBody>
-          <a:bodyPr rtlCol="0" anchor="ctr"/>
-          <a:lstStyle/>
-          <a:p>
-            <a:pPr algn="ctr"/>
-            <a:r>
-              <a:rPr lang="en-US" altLang="ko-KR" dirty="0" smtClean="0"/>
-              <a:t>5</a:t>
-            </a:r>
-            <a:endParaRPr lang="ko-KR" altLang="en-US" dirty="0"/>
-          </a:p>
-        </p:txBody>
-      </p:sp>
-      <p:sp>
-        <p:nvSpPr>
-          <p:cNvPr id="34" name="타원 33"/>
-          <p:cNvSpPr/>
-          <p:nvPr/>
-        </p:nvSpPr>
-        <p:spPr>
-          <a:xfrm>
-            <a:off x="5402829" y="4069745"/>
-            <a:ext cx="439616" cy="386861"/>
-          </a:xfrm>
-          <a:prstGeom prst="ellipse">
-            <a:avLst/>
-          </a:prstGeom>
-        </p:spPr>
-        <p:style>
-          <a:lnRef idx="2">
-            <a:schemeClr val="accent1">
-              <a:shade val="50000"/>
-            </a:schemeClr>
-          </a:lnRef>
-          <a:fillRef idx="1">
-            <a:schemeClr val="accent1"/>
-          </a:fillRef>
-          <a:effectRef idx="0">
-            <a:schemeClr val="accent1"/>
-          </a:effectRef>
-          <a:fontRef idx="minor">
-            <a:schemeClr val="lt1"/>
-          </a:fontRef>
-        </p:style>
-        <p:txBody>
-          <a:bodyPr rtlCol="0" anchor="ctr"/>
-          <a:lstStyle/>
-          <a:p>
-            <a:pPr algn="ctr"/>
-            <a:r>
-              <a:rPr lang="en-US" altLang="ko-KR" dirty="0" smtClean="0"/>
-              <a:t>6</a:t>
-            </a:r>
-            <a:endParaRPr lang="ko-KR" altLang="en-US" dirty="0"/>
-          </a:p>
-        </p:txBody>
-      </p:sp>
-      <p:sp>
-        <p:nvSpPr>
-          <p:cNvPr id="12" name="TextBox 11"/>
-          <p:cNvSpPr txBox="1"/>
-          <p:nvPr/>
-        </p:nvSpPr>
-        <p:spPr>
-          <a:xfrm>
-            <a:off x="8642838" y="562708"/>
-            <a:ext cx="3015762" cy="3416320"/>
-          </a:xfrm>
-          <a:prstGeom prst="rect">
-            <a:avLst/>
-          </a:prstGeom>
-          <a:noFill/>
-        </p:spPr>
-        <p:txBody>
-          <a:bodyPr wrap="square" rtlCol="0">
-            <a:spAutoFit/>
-          </a:bodyPr>
-          <a:lstStyle/>
-          <a:p>
-            <a:pPr marL="342900" indent="-342900">
-              <a:buAutoNum type="arabicPeriod"/>
-            </a:pPr>
-            <a:r>
-              <a:rPr lang="ko-KR" altLang="en-US" dirty="0" smtClean="0"/>
-              <a:t>닉네임 입력 창</a:t>
-            </a:r>
-            <a:endParaRPr lang="en-US" altLang="ko-KR" dirty="0" smtClean="0"/>
-          </a:p>
-          <a:p>
-            <a:pPr marL="342900" indent="-342900">
-              <a:buAutoNum type="arabicPeriod"/>
-            </a:pPr>
-            <a:endParaRPr lang="en-US" altLang="ko-KR" dirty="0" smtClean="0"/>
-          </a:p>
-          <a:p>
-            <a:pPr marL="342900" indent="-342900">
-              <a:buAutoNum type="arabicPeriod"/>
-            </a:pPr>
-            <a:r>
-              <a:rPr lang="ko-KR" altLang="en-US" dirty="0" smtClean="0"/>
-              <a:t>비밀번호 입력 창</a:t>
-            </a:r>
-            <a:endParaRPr lang="en-US" altLang="ko-KR" dirty="0" smtClean="0"/>
-          </a:p>
-          <a:p>
-            <a:pPr marL="342900" indent="-342900">
-              <a:buAutoNum type="arabicPeriod"/>
-            </a:pPr>
-            <a:endParaRPr lang="en-US" altLang="ko-KR" dirty="0" smtClean="0"/>
-          </a:p>
-          <a:p>
-            <a:pPr marL="342900" indent="-342900">
-              <a:buAutoNum type="arabicPeriod"/>
-            </a:pPr>
-            <a:r>
-              <a:rPr lang="ko-KR" altLang="en-US" dirty="0" smtClean="0"/>
-              <a:t>동일 비밀번호 확인</a:t>
-            </a:r>
-            <a:endParaRPr lang="en-US" altLang="ko-KR" dirty="0" smtClean="0"/>
-          </a:p>
-          <a:p>
-            <a:pPr marL="342900" indent="-342900">
-              <a:buAutoNum type="arabicPeriod"/>
-            </a:pPr>
-            <a:endParaRPr lang="en-US" altLang="ko-KR" dirty="0" smtClean="0"/>
-          </a:p>
-          <a:p>
-            <a:pPr marL="342900" indent="-342900">
-              <a:buAutoNum type="arabicPeriod"/>
-            </a:pPr>
-            <a:r>
-              <a:rPr lang="ko-KR" altLang="en-US" dirty="0" smtClean="0"/>
-              <a:t>닉네임 중복 검사 버튼</a:t>
-            </a:r>
-            <a:r>
-              <a:rPr lang="en-US" altLang="ko-KR" dirty="0" smtClean="0"/>
-              <a:t> (2-1 </a:t>
-            </a:r>
-            <a:r>
-              <a:rPr lang="ko-KR" altLang="en-US" dirty="0" smtClean="0"/>
-              <a:t>화면</a:t>
-            </a:r>
-            <a:r>
-              <a:rPr lang="en-US" altLang="ko-KR" dirty="0" smtClean="0"/>
-              <a:t>)</a:t>
-            </a:r>
-          </a:p>
-          <a:p>
-            <a:pPr marL="342900" indent="-342900">
-              <a:buAutoNum type="arabicPeriod"/>
-            </a:pPr>
-            <a:endParaRPr lang="en-US" altLang="ko-KR" dirty="0"/>
-          </a:p>
-          <a:p>
-            <a:pPr marL="342900" indent="-342900">
-              <a:buAutoNum type="arabicPeriod"/>
-            </a:pPr>
-            <a:r>
-              <a:rPr lang="ko-KR" altLang="en-US" dirty="0" smtClean="0"/>
-              <a:t>회원가입 버튼 </a:t>
-            </a:r>
-            <a:r>
-              <a:rPr lang="en-US" altLang="ko-KR" dirty="0" smtClean="0"/>
-              <a:t>(2-2 </a:t>
-            </a:r>
-            <a:r>
-              <a:rPr lang="ko-KR" altLang="en-US" dirty="0" smtClean="0"/>
-              <a:t>화면</a:t>
-            </a:r>
-            <a:r>
-              <a:rPr lang="en-US" altLang="ko-KR" dirty="0" smtClean="0"/>
-              <a:t>)</a:t>
-            </a:r>
-          </a:p>
-          <a:p>
-            <a:pPr marL="342900" indent="-342900">
-              <a:buAutoNum type="arabicPeriod"/>
-            </a:pPr>
-            <a:endParaRPr lang="en-US" altLang="ko-KR" dirty="0"/>
-          </a:p>
-          <a:p>
-            <a:pPr marL="342900" indent="-342900">
-              <a:buAutoNum type="arabicPeriod"/>
-            </a:pPr>
-            <a:r>
-              <a:rPr lang="ko-KR" altLang="en-US" dirty="0" smtClean="0"/>
-              <a:t>창 닫기 버튼</a:t>
-            </a:r>
-            <a:endParaRPr lang="en-US" altLang="ko-KR" dirty="0" smtClean="0"/>
-          </a:p>
-        </p:txBody>
-      </p:sp>
     </p:spTree>
     <p:extLst>
       <p:ext uri="{BB962C8B-B14F-4D97-AF65-F5344CB8AC3E}">
-        <p14:creationId xmlns:p14="http://schemas.microsoft.com/office/powerpoint/2010/main" val="4078713772"/>
+        <p14:creationId xmlns:p14="http://schemas.microsoft.com/office/powerpoint/2010/main" val="2470681915"/>
       </p:ext>
     </p:extLst>
   </p:cSld>
@@ -13136,7 +13300,7 @@
         <p:spPr>
           <a:xfrm>
             <a:off x="1301262" y="562708"/>
-            <a:ext cx="2898550" cy="369332"/>
+            <a:ext cx="1449436" cy="369332"/>
           </a:xfrm>
           <a:prstGeom prst="rect">
             <a:avLst/>
@@ -13151,23 +13315,11 @@
           <a:p>
             <a:r>
               <a:rPr lang="en-US" altLang="ko-KR" dirty="0" smtClean="0"/>
-              <a:t>2-1. </a:t>
+              <a:t>2. </a:t>
             </a:r>
             <a:r>
               <a:rPr lang="ko-KR" altLang="en-US" dirty="0" smtClean="0"/>
-              <a:t>회원 가입 </a:t>
-            </a:r>
-            <a:r>
-              <a:rPr lang="en-US" altLang="ko-KR" dirty="0" smtClean="0"/>
-              <a:t>(</a:t>
-            </a:r>
-            <a:r>
-              <a:rPr lang="ko-KR" altLang="en-US" dirty="0" smtClean="0"/>
-              <a:t>중복 검사</a:t>
-            </a:r>
-            <a:r>
-              <a:rPr lang="en-US" altLang="ko-KR" dirty="0" smtClean="0"/>
-              <a:t>)</a:t>
+              <a:t>회원 가입</a:t>
             </a:r>
             <a:endParaRPr lang="ko-KR" altLang="en-US" dirty="0"/>
           </a:p>
@@ -13292,13 +13444,22 @@
           <a:prstGeom prst="rect">
             <a:avLst/>
           </a:prstGeom>
-          <a:noFill/>
-          <a:ln>
-            <a:solidFill>
-              <a:schemeClr val="tx1"/>
-            </a:solidFill>
-          </a:ln>
-        </p:spPr>
+          <a:ln/>
+        </p:spPr>
+        <p:style>
+          <a:lnRef idx="0">
+            <a:schemeClr val="accent3"/>
+          </a:lnRef>
+          <a:fillRef idx="3">
+            <a:schemeClr val="accent3"/>
+          </a:fillRef>
+          <a:effectRef idx="3">
+            <a:schemeClr val="accent3"/>
+          </a:effectRef>
+          <a:fontRef idx="minor">
+            <a:schemeClr val="lt1"/>
+          </a:fontRef>
+        </p:style>
         <p:txBody>
           <a:bodyPr wrap="square" rtlCol="0">
             <a:spAutoFit/>
@@ -13424,8 +13585,8 @@
           <a:lstStyle/>
           <a:p>
             <a:r>
-              <a:rPr lang="en-US" altLang="ko-KR" sz="1400" dirty="0" smtClean="0"/>
-              <a:t>msh428</a:t>
+              <a:rPr lang="ko-KR" altLang="en-US" sz="1400" dirty="0" smtClean="0"/>
+              <a:t>닉네임</a:t>
             </a:r>
             <a:endParaRPr lang="ko-KR" altLang="en-US" sz="1400" dirty="0"/>
           </a:p>
@@ -13456,8 +13617,8 @@
           <a:lstStyle/>
           <a:p>
             <a:r>
-              <a:rPr lang="en-US" altLang="ko-KR" sz="1400" dirty="0" smtClean="0"/>
-              <a:t>********</a:t>
+              <a:rPr lang="ko-KR" altLang="en-US" sz="1400" dirty="0" smtClean="0"/>
+              <a:t>비밀번호</a:t>
             </a:r>
             <a:endParaRPr lang="ko-KR" altLang="en-US" sz="1400" dirty="0"/>
           </a:p>
@@ -13477,6 +13638,92 @@
           <a:prstGeom prst="rect">
             <a:avLst/>
           </a:prstGeom>
+        </p:spPr>
+        <p:style>
+          <a:lnRef idx="0">
+            <a:schemeClr val="accent3"/>
+          </a:lnRef>
+          <a:fillRef idx="3">
+            <a:schemeClr val="accent3"/>
+          </a:fillRef>
+          <a:effectRef idx="3">
+            <a:schemeClr val="accent3"/>
+          </a:effectRef>
+          <a:fontRef idx="minor">
+            <a:schemeClr val="lt1"/>
+          </a:fontRef>
+        </p:style>
+        <p:txBody>
+          <a:bodyPr wrap="square" rtlCol="0">
+            <a:spAutoFit/>
+          </a:bodyPr>
+          <a:lstStyle/>
+          <a:p>
+            <a:r>
+              <a:rPr lang="ko-KR" altLang="en-US" dirty="0" smtClean="0"/>
+              <a:t>회원 가입</a:t>
+            </a:r>
+            <a:endParaRPr lang="ko-KR" altLang="en-US" dirty="0"/>
+          </a:p>
+        </p:txBody>
+      </p:sp>
+      <p:sp>
+        <p:nvSpPr>
+          <p:cNvPr id="27" name="TextBox 26"/>
+          <p:cNvSpPr txBox="1"/>
+          <p:nvPr/>
+        </p:nvSpPr>
+        <p:spPr>
+          <a:xfrm>
+            <a:off x="4508257" y="4343454"/>
+            <a:ext cx="1208942" cy="369332"/>
+          </a:xfrm>
+          <a:prstGeom prst="rect">
+            <a:avLst/>
+          </a:prstGeom>
+        </p:spPr>
+        <p:style>
+          <a:lnRef idx="0">
+            <a:schemeClr val="accent3"/>
+          </a:lnRef>
+          <a:fillRef idx="3">
+            <a:schemeClr val="accent3"/>
+          </a:fillRef>
+          <a:effectRef idx="3">
+            <a:schemeClr val="accent3"/>
+          </a:effectRef>
+          <a:fontRef idx="minor">
+            <a:schemeClr val="lt1"/>
+          </a:fontRef>
+        </p:style>
+        <p:txBody>
+          <a:bodyPr wrap="square" rtlCol="0">
+            <a:spAutoFit/>
+          </a:bodyPr>
+          <a:lstStyle/>
+          <a:p>
+            <a:r>
+              <a:rPr lang="ko-KR" altLang="en-US" dirty="0" smtClean="0"/>
+              <a:t>닫기</a:t>
+            </a:r>
+            <a:endParaRPr lang="ko-KR" altLang="en-US" dirty="0"/>
+          </a:p>
+        </p:txBody>
+      </p:sp>
+      <p:sp>
+        <p:nvSpPr>
+          <p:cNvPr id="28" name="TextBox 27"/>
+          <p:cNvSpPr txBox="1"/>
+          <p:nvPr/>
+        </p:nvSpPr>
+        <p:spPr>
+          <a:xfrm>
+            <a:off x="2932235" y="3698239"/>
+            <a:ext cx="1525465" cy="307777"/>
+          </a:xfrm>
+          <a:prstGeom prst="rect">
+            <a:avLst/>
+          </a:prstGeom>
           <a:solidFill>
             <a:schemeClr val="bg1"/>
           </a:solidFill>
@@ -13488,31 +13735,42 @@
           <a:lstStyle/>
           <a:p>
             <a:r>
-              <a:rPr lang="ko-KR" altLang="en-US" dirty="0" smtClean="0"/>
-              <a:t>회원 가입</a:t>
-            </a:r>
-            <a:endParaRPr lang="ko-KR" altLang="en-US" dirty="0"/>
-          </a:p>
-        </p:txBody>
-      </p:sp>
-      <p:sp>
-        <p:nvSpPr>
-          <p:cNvPr id="27" name="TextBox 26"/>
+              <a:rPr lang="ko-KR" altLang="en-US" sz="1400" dirty="0" smtClean="0"/>
+              <a:t>비밀번호 확인</a:t>
+            </a:r>
+            <a:endParaRPr lang="ko-KR" altLang="en-US" sz="1400" dirty="0"/>
+          </a:p>
+        </p:txBody>
+      </p:sp>
+      <p:sp>
+        <p:nvSpPr>
+          <p:cNvPr id="29" name="TextBox 28"/>
           <p:cNvSpPr txBox="1"/>
           <p:nvPr/>
         </p:nvSpPr>
         <p:spPr>
           <a:xfrm>
-            <a:off x="4508257" y="4343454"/>
-            <a:ext cx="1208942" cy="369332"/>
+            <a:off x="4787323" y="2907087"/>
+            <a:ext cx="1156277" cy="307777"/>
           </a:xfrm>
           <a:prstGeom prst="rect">
             <a:avLst/>
           </a:prstGeom>
-          <a:solidFill>
-            <a:schemeClr val="bg1"/>
-          </a:solidFill>
-        </p:spPr>
+        </p:spPr>
+        <p:style>
+          <a:lnRef idx="0">
+            <a:schemeClr val="accent3"/>
+          </a:lnRef>
+          <a:fillRef idx="3">
+            <a:schemeClr val="accent3"/>
+          </a:fillRef>
+          <a:effectRef idx="3">
+            <a:schemeClr val="accent3"/>
+          </a:effectRef>
+          <a:fontRef idx="minor">
+            <a:schemeClr val="lt1"/>
+          </a:fontRef>
+        </p:style>
         <p:txBody>
           <a:bodyPr wrap="square" rtlCol="0">
             <a:spAutoFit/>
@@ -13520,70 +13778,6 @@
           <a:lstStyle/>
           <a:p>
             <a:r>
-              <a:rPr lang="ko-KR" altLang="en-US" dirty="0" smtClean="0"/>
-              <a:t>닫기</a:t>
-            </a:r>
-            <a:endParaRPr lang="ko-KR" altLang="en-US" dirty="0"/>
-          </a:p>
-        </p:txBody>
-      </p:sp>
-      <p:sp>
-        <p:nvSpPr>
-          <p:cNvPr id="28" name="TextBox 27"/>
-          <p:cNvSpPr txBox="1"/>
-          <p:nvPr/>
-        </p:nvSpPr>
-        <p:spPr>
-          <a:xfrm>
-            <a:off x="2932235" y="3698239"/>
-            <a:ext cx="1525465" cy="307777"/>
-          </a:xfrm>
-          <a:prstGeom prst="rect">
-            <a:avLst/>
-          </a:prstGeom>
-          <a:solidFill>
-            <a:schemeClr val="bg1"/>
-          </a:solidFill>
-        </p:spPr>
-        <p:txBody>
-          <a:bodyPr wrap="square" rtlCol="0">
-            <a:spAutoFit/>
-          </a:bodyPr>
-          <a:lstStyle/>
-          <a:p>
-            <a:r>
-              <a:rPr lang="en-US" altLang="ko-KR" sz="1400" dirty="0"/>
-              <a:t>********</a:t>
-            </a:r>
-            <a:endParaRPr lang="ko-KR" altLang="en-US" sz="1400" dirty="0"/>
-          </a:p>
-        </p:txBody>
-      </p:sp>
-      <p:sp>
-        <p:nvSpPr>
-          <p:cNvPr id="29" name="TextBox 28"/>
-          <p:cNvSpPr txBox="1"/>
-          <p:nvPr/>
-        </p:nvSpPr>
-        <p:spPr>
-          <a:xfrm>
-            <a:off x="4787323" y="2907087"/>
-            <a:ext cx="1156277" cy="307777"/>
-          </a:xfrm>
-          <a:prstGeom prst="rect">
-            <a:avLst/>
-          </a:prstGeom>
-          <a:solidFill>
-            <a:schemeClr val="bg1"/>
-          </a:solidFill>
-        </p:spPr>
-        <p:txBody>
-          <a:bodyPr wrap="square" rtlCol="0">
-            <a:spAutoFit/>
-          </a:bodyPr>
-          <a:lstStyle/>
-          <a:p>
-            <a:r>
               <a:rPr lang="ko-KR" altLang="en-US" sz="1400" dirty="0" smtClean="0"/>
               <a:t>중복 검사</a:t>
             </a:r>
@@ -13593,16 +13787,16 @@
       </p:sp>
       <p:sp>
         <p:nvSpPr>
-          <p:cNvPr id="3" name="직사각형 2"/>
+          <p:cNvPr id="16" name="타원 15"/>
           <p:cNvSpPr/>
           <p:nvPr/>
         </p:nvSpPr>
         <p:spPr>
           <a:xfrm>
-            <a:off x="3367454" y="2907087"/>
-            <a:ext cx="2349745" cy="1682498"/>
-          </a:xfrm>
-          <a:prstGeom prst="rect">
+            <a:off x="3908091" y="2850686"/>
+            <a:ext cx="439616" cy="386861"/>
+          </a:xfrm>
+          <a:prstGeom prst="ellipse">
             <a:avLst/>
           </a:prstGeom>
         </p:spPr>
@@ -13627,35 +13821,9 @@
           <a:lstStyle/>
           <a:p>
             <a:pPr algn="ctr"/>
-            <a:endParaRPr lang="ko-KR" altLang="en-US"/>
-          </a:p>
-        </p:txBody>
-      </p:sp>
-      <p:sp>
-        <p:nvSpPr>
-          <p:cNvPr id="7" name="TextBox 6"/>
-          <p:cNvSpPr txBox="1"/>
-          <p:nvPr/>
-        </p:nvSpPr>
-        <p:spPr>
-          <a:xfrm>
-            <a:off x="3778451" y="3150504"/>
-            <a:ext cx="1688123" cy="646331"/>
-          </a:xfrm>
-          <a:prstGeom prst="rect">
-            <a:avLst/>
-          </a:prstGeom>
-          <a:noFill/>
-        </p:spPr>
-        <p:txBody>
-          <a:bodyPr wrap="square" rtlCol="0">
-            <a:spAutoFit/>
-          </a:bodyPr>
-          <a:lstStyle/>
-          <a:p>
-            <a:r>
-              <a:rPr lang="ko-KR" altLang="en-US" dirty="0" smtClean="0"/>
-              <a:t>사용 가능한 닉네임 입니다</a:t>
+            <a:r>
+              <a:rPr lang="en-US" altLang="ko-KR" dirty="0" smtClean="0"/>
+              <a:t>1</a:t>
             </a:r>
             <a:endParaRPr lang="ko-KR" altLang="en-US" dirty="0"/>
           </a:p>
@@ -13663,45 +13831,13 @@
       </p:sp>
       <p:sp>
         <p:nvSpPr>
-          <p:cNvPr id="9" name="TextBox 8"/>
-          <p:cNvSpPr txBox="1"/>
-          <p:nvPr/>
-        </p:nvSpPr>
-        <p:spPr>
-          <a:xfrm>
-            <a:off x="4199812" y="4123869"/>
-            <a:ext cx="750257" cy="369332"/>
-          </a:xfrm>
-          <a:prstGeom prst="rect">
-            <a:avLst/>
-          </a:prstGeom>
-          <a:solidFill>
-            <a:schemeClr val="bg2"/>
-          </a:solidFill>
-        </p:spPr>
-        <p:txBody>
-          <a:bodyPr wrap="square" rtlCol="0">
-            <a:spAutoFit/>
-          </a:bodyPr>
-          <a:lstStyle/>
-          <a:p>
-            <a:r>
-              <a:rPr lang="ko-KR" altLang="en-US" smtClean="0"/>
-              <a:t>확인</a:t>
-            </a:r>
-            <a:endParaRPr lang="ko-KR" altLang="en-US"/>
-          </a:p>
-        </p:txBody>
-      </p:sp>
-      <p:sp>
-        <p:nvSpPr>
-          <p:cNvPr id="35" name="타원 34"/>
+          <p:cNvPr id="30" name="타원 29"/>
           <p:cNvSpPr/>
           <p:nvPr/>
         </p:nvSpPr>
         <p:spPr>
           <a:xfrm>
-            <a:off x="3261944" y="2699312"/>
+            <a:off x="3936709" y="3265186"/>
             <a:ext cx="439616" cy="386861"/>
           </a:xfrm>
           <a:prstGeom prst="ellipse">
@@ -13731,7 +13867,7 @@
             <a:pPr algn="ctr"/>
             <a:r>
               <a:rPr lang="en-US" altLang="ko-KR" dirty="0" smtClean="0"/>
-              <a:t>1</a:t>
+              <a:t>2</a:t>
             </a:r>
             <a:endParaRPr lang="ko-KR" altLang="en-US" dirty="0"/>
           </a:p>
@@ -13739,13 +13875,13 @@
       </p:sp>
       <p:sp>
         <p:nvSpPr>
-          <p:cNvPr id="36" name="타원 35"/>
+          <p:cNvPr id="31" name="타원 30"/>
           <p:cNvSpPr/>
           <p:nvPr/>
         </p:nvSpPr>
         <p:spPr>
           <a:xfrm>
-            <a:off x="4705339" y="4351376"/>
+            <a:off x="4177401" y="3670943"/>
             <a:ext cx="439616" cy="386861"/>
           </a:xfrm>
           <a:prstGeom prst="ellipse">
@@ -13774,8 +13910,8 @@
           <a:p>
             <a:pPr algn="ctr"/>
             <a:r>
-              <a:rPr lang="en-US" altLang="ko-KR" dirty="0"/>
-              <a:t>2</a:t>
+              <a:rPr lang="en-US" altLang="ko-KR" dirty="0" smtClean="0"/>
+              <a:t>3</a:t>
             </a:r>
             <a:endParaRPr lang="ko-KR" altLang="en-US" dirty="0"/>
           </a:p>
@@ -13783,14 +13919,146 @@
       </p:sp>
       <p:sp>
         <p:nvSpPr>
-          <p:cNvPr id="10" name="TextBox 9"/>
+          <p:cNvPr id="32" name="타원 31"/>
+          <p:cNvSpPr/>
+          <p:nvPr/>
+        </p:nvSpPr>
+        <p:spPr>
+          <a:xfrm>
+            <a:off x="5651211" y="2712898"/>
+            <a:ext cx="439616" cy="386861"/>
+          </a:xfrm>
+          <a:prstGeom prst="ellipse">
+            <a:avLst/>
+          </a:prstGeom>
+        </p:spPr>
+        <p:style>
+          <a:lnRef idx="2">
+            <a:schemeClr val="accent1">
+              <a:shade val="50000"/>
+            </a:schemeClr>
+          </a:lnRef>
+          <a:fillRef idx="1">
+            <a:schemeClr val="accent1"/>
+          </a:fillRef>
+          <a:effectRef idx="0">
+            <a:schemeClr val="accent1"/>
+          </a:effectRef>
+          <a:fontRef idx="minor">
+            <a:schemeClr val="lt1"/>
+          </a:fontRef>
+        </p:style>
+        <p:txBody>
+          <a:bodyPr rtlCol="0" anchor="ctr"/>
+          <a:lstStyle/>
+          <a:p>
+            <a:pPr algn="ctr"/>
+            <a:r>
+              <a:rPr lang="en-US" altLang="ko-KR" dirty="0" smtClean="0"/>
+              <a:t>4</a:t>
+            </a:r>
+            <a:endParaRPr lang="ko-KR" altLang="en-US" dirty="0"/>
+          </a:p>
+        </p:txBody>
+      </p:sp>
+      <p:sp>
+        <p:nvSpPr>
+          <p:cNvPr id="33" name="타원 32"/>
+          <p:cNvSpPr/>
+          <p:nvPr/>
+        </p:nvSpPr>
+        <p:spPr>
+          <a:xfrm>
+            <a:off x="2670660" y="4167698"/>
+            <a:ext cx="439616" cy="386861"/>
+          </a:xfrm>
+          <a:prstGeom prst="ellipse">
+            <a:avLst/>
+          </a:prstGeom>
+        </p:spPr>
+        <p:style>
+          <a:lnRef idx="2">
+            <a:schemeClr val="accent1">
+              <a:shade val="50000"/>
+            </a:schemeClr>
+          </a:lnRef>
+          <a:fillRef idx="1">
+            <a:schemeClr val="accent1"/>
+          </a:fillRef>
+          <a:effectRef idx="0">
+            <a:schemeClr val="accent1"/>
+          </a:effectRef>
+          <a:fontRef idx="minor">
+            <a:schemeClr val="lt1"/>
+          </a:fontRef>
+        </p:style>
+        <p:txBody>
+          <a:bodyPr rtlCol="0" anchor="ctr"/>
+          <a:lstStyle/>
+          <a:p>
+            <a:pPr algn="ctr"/>
+            <a:r>
+              <a:rPr lang="en-US" altLang="ko-KR" dirty="0" smtClean="0"/>
+              <a:t>5</a:t>
+            </a:r>
+            <a:endParaRPr lang="ko-KR" altLang="en-US" dirty="0"/>
+          </a:p>
+        </p:txBody>
+      </p:sp>
+      <p:sp>
+        <p:nvSpPr>
+          <p:cNvPr id="34" name="타원 33"/>
+          <p:cNvSpPr/>
+          <p:nvPr/>
+        </p:nvSpPr>
+        <p:spPr>
+          <a:xfrm>
+            <a:off x="5402829" y="4069745"/>
+            <a:ext cx="439616" cy="386861"/>
+          </a:xfrm>
+          <a:prstGeom prst="ellipse">
+            <a:avLst/>
+          </a:prstGeom>
+        </p:spPr>
+        <p:style>
+          <a:lnRef idx="2">
+            <a:schemeClr val="accent1">
+              <a:shade val="50000"/>
+            </a:schemeClr>
+          </a:lnRef>
+          <a:fillRef idx="1">
+            <a:schemeClr val="accent1"/>
+          </a:fillRef>
+          <a:effectRef idx="0">
+            <a:schemeClr val="accent1"/>
+          </a:effectRef>
+          <a:fontRef idx="minor">
+            <a:schemeClr val="lt1"/>
+          </a:fontRef>
+        </p:style>
+        <p:txBody>
+          <a:bodyPr rtlCol="0" anchor="ctr"/>
+          <a:lstStyle/>
+          <a:p>
+            <a:pPr algn="ctr"/>
+            <a:r>
+              <a:rPr lang="en-US" altLang="ko-KR" dirty="0" smtClean="0"/>
+              <a:t>6</a:t>
+            </a:r>
+            <a:endParaRPr lang="ko-KR" altLang="en-US" dirty="0"/>
+          </a:p>
+        </p:txBody>
+      </p:sp>
+      <p:sp>
+        <p:nvSpPr>
+          <p:cNvPr id="12" name="TextBox 11"/>
           <p:cNvSpPr txBox="1"/>
           <p:nvPr/>
         </p:nvSpPr>
         <p:spPr>
           <a:xfrm>
-            <a:off x="8634046" y="747374"/>
-            <a:ext cx="3015762" cy="1477328"/>
+            <a:off x="8642838" y="562708"/>
+            <a:ext cx="3015762" cy="3693319"/>
           </a:xfrm>
           <a:prstGeom prst="rect">
             <a:avLst/>
@@ -13808,9 +14076,68 @@
             </a:pPr>
             <a:r>
               <a:rPr lang="ko-KR" altLang="en-US" dirty="0" smtClean="0"/>
-              <a:t>새 창</a:t>
+              <a:t>닉네임 입력 창</a:t>
             </a:r>
             <a:endParaRPr lang="en-US" altLang="ko-KR" dirty="0" smtClean="0"/>
+          </a:p>
+          <a:p>
+            <a:pPr marL="342900" indent="-342900">
+              <a:buAutoNum type="arabicPeriod"/>
+            </a:pPr>
+            <a:endParaRPr lang="en-US" altLang="ko-KR" dirty="0" smtClean="0"/>
+          </a:p>
+          <a:p>
+            <a:pPr marL="342900" indent="-342900">
+              <a:buAutoNum type="arabicPeriod"/>
+            </a:pPr>
+            <a:r>
+              <a:rPr lang="ko-KR" altLang="en-US" dirty="0" smtClean="0"/>
+              <a:t>비밀번호 입력 창</a:t>
+            </a:r>
+            <a:endParaRPr lang="en-US" altLang="ko-KR" dirty="0" smtClean="0"/>
+          </a:p>
+          <a:p>
+            <a:pPr marL="342900" indent="-342900">
+              <a:buAutoNum type="arabicPeriod"/>
+            </a:pPr>
+            <a:endParaRPr lang="en-US" altLang="ko-KR" dirty="0" smtClean="0"/>
+          </a:p>
+          <a:p>
+            <a:pPr marL="342900" indent="-342900">
+              <a:buAutoNum type="arabicPeriod"/>
+            </a:pPr>
+            <a:r>
+              <a:rPr lang="ko-KR" altLang="en-US" dirty="0" smtClean="0"/>
+              <a:t>동일 비밀번호 확인 버튼</a:t>
+            </a:r>
+            <a:endParaRPr lang="en-US" altLang="ko-KR" dirty="0" smtClean="0"/>
+          </a:p>
+          <a:p>
+            <a:pPr marL="342900" indent="-342900">
+              <a:buAutoNum type="arabicPeriod"/>
+            </a:pPr>
+            <a:endParaRPr lang="en-US" altLang="ko-KR" dirty="0" smtClean="0"/>
+          </a:p>
+          <a:p>
+            <a:pPr marL="342900" indent="-342900">
+              <a:buAutoNum type="arabicPeriod"/>
+            </a:pPr>
+            <a:r>
+              <a:rPr lang="ko-KR" altLang="en-US" dirty="0" smtClean="0"/>
+              <a:t>닉네임 중복 검사 버튼</a:t>
+            </a:r>
+            <a:r>
+              <a:rPr lang="en-US" altLang="ko-KR" dirty="0" smtClean="0"/>
+              <a:t> (2-1 </a:t>
+            </a:r>
+            <a:r>
+              <a:rPr lang="ko-KR" altLang="en-US" dirty="0" smtClean="0"/>
+              <a:t>화면</a:t>
+            </a:r>
+            <a:r>
+              <a:rPr lang="en-US" altLang="ko-KR" dirty="0" smtClean="0"/>
+              <a:t>)</a:t>
+            </a:r>
           </a:p>
           <a:p>
             <a:pPr marL="342900" indent="-342900">
@@ -13824,9 +14151,20 @@
             </a:pPr>
             <a:r>
               <a:rPr lang="ko-KR" altLang="en-US" dirty="0" smtClean="0"/>
-              <a:t>확인 버튼</a:t>
-            </a:r>
-            <a:endParaRPr lang="en-US" altLang="ko-KR" dirty="0" smtClean="0"/>
+              <a:t>회원가입 버튼 </a:t>
+            </a:r>
+            <a:r>
+              <a:rPr lang="en-US" altLang="ko-KR" dirty="0" smtClean="0"/>
+              <a:t>(2-2 </a:t>
+            </a:r>
+            <a:r>
+              <a:rPr lang="ko-KR" altLang="en-US" dirty="0" smtClean="0"/>
+              <a:t>화면</a:t>
+            </a:r>
+            <a:r>
+              <a:rPr lang="en-US" altLang="ko-KR" dirty="0" smtClean="0"/>
+              <a:t>)</a:t>
+            </a:r>
           </a:p>
           <a:p>
             <a:pPr marL="342900" indent="-342900">
@@ -13835,6 +14173,13 @@
             <a:endParaRPr lang="en-US" altLang="ko-KR" dirty="0"/>
           </a:p>
           <a:p>
+            <a:pPr marL="342900" indent="-342900">
+              <a:buAutoNum type="arabicPeriod"/>
+            </a:pPr>
+            <a:r>
+              <a:rPr lang="ko-KR" altLang="en-US" dirty="0" smtClean="0"/>
+              <a:t>창 닫기 버튼</a:t>
+            </a:r>
             <a:endParaRPr lang="en-US" altLang="ko-KR" dirty="0" smtClean="0"/>
           </a:p>
         </p:txBody>
@@ -13842,7 +14187,7 @@
     </p:spTree>
     <p:extLst>
       <p:ext uri="{BB962C8B-B14F-4D97-AF65-F5344CB8AC3E}">
-        <p14:creationId xmlns:p14="http://schemas.microsoft.com/office/powerpoint/2010/main" val="4267408102"/>
+        <p14:creationId xmlns:p14="http://schemas.microsoft.com/office/powerpoint/2010/main" val="4078713772"/>
       </p:ext>
     </p:extLst>
   </p:cSld>
@@ -13878,6 +14223,40 @@
       </p:grpSpPr>
       <p:sp>
         <p:nvSpPr>
+          <p:cNvPr id="4" name="TextBox 3"/>
+          <p:cNvSpPr txBox="1"/>
+          <p:nvPr/>
+        </p:nvSpPr>
+        <p:spPr>
+          <a:xfrm>
+            <a:off x="8528538" y="395652"/>
+            <a:ext cx="3270739" cy="6120000"/>
+          </a:xfrm>
+          <a:prstGeom prst="rect">
+            <a:avLst/>
+          </a:prstGeom>
+          <a:noFill/>
+          <a:ln>
+            <a:solidFill>
+              <a:schemeClr val="tx1"/>
+            </a:solidFill>
+          </a:ln>
+        </p:spPr>
+        <p:txBody>
+          <a:bodyPr wrap="square" rtlCol="0">
+            <a:spAutoFit/>
+          </a:bodyPr>
+          <a:lstStyle/>
+          <a:p>
+            <a:endParaRPr lang="en-US" altLang="ko-KR" dirty="0" smtClean="0"/>
+          </a:p>
+          <a:p>
+            <a:endParaRPr lang="ko-KR" altLang="en-US" dirty="0"/>
+          </a:p>
+        </p:txBody>
+      </p:sp>
+      <p:sp>
+        <p:nvSpPr>
           <p:cNvPr id="5" name="TextBox 4"/>
           <p:cNvSpPr txBox="1">
             <a:spLocks/>
@@ -13920,7 +14299,7 @@
         <p:spPr>
           <a:xfrm>
             <a:off x="1301262" y="562708"/>
-            <a:ext cx="2214068" cy="369332"/>
+            <a:ext cx="2898550" cy="369332"/>
           </a:xfrm>
           <a:prstGeom prst="rect">
             <a:avLst/>
@@ -13935,11 +14314,23 @@
           <a:p>
             <a:r>
               <a:rPr lang="en-US" altLang="ko-KR" dirty="0" smtClean="0"/>
-              <a:t>2-2. </a:t>
+              <a:t>2-1. </a:t>
             </a:r>
             <a:r>
               <a:rPr lang="ko-KR" altLang="en-US" dirty="0" smtClean="0"/>
-              <a:t>회원 가입 완료</a:t>
+              <a:t>회원 가입 </a:t>
+            </a:r>
+            <a:r>
+              <a:rPr lang="en-US" altLang="ko-KR" dirty="0" smtClean="0"/>
+              <a:t>(</a:t>
+            </a:r>
+            <a:r>
+              <a:rPr lang="ko-KR" altLang="en-US" dirty="0" smtClean="0"/>
+              <a:t>중복 검사</a:t>
+            </a:r>
+            <a:r>
+              <a:rPr lang="en-US" altLang="ko-KR" dirty="0" smtClean="0"/>
+              <a:t>)</a:t>
             </a:r>
             <a:endParaRPr lang="ko-KR" altLang="en-US" dirty="0"/>
           </a:p>
@@ -14064,13 +14455,22 @@
           <a:prstGeom prst="rect">
             <a:avLst/>
           </a:prstGeom>
-          <a:noFill/>
-          <a:ln>
-            <a:solidFill>
-              <a:schemeClr val="tx1"/>
-            </a:solidFill>
-          </a:ln>
-        </p:spPr>
+          <a:ln/>
+        </p:spPr>
+        <p:style>
+          <a:lnRef idx="0">
+            <a:schemeClr val="accent3"/>
+          </a:lnRef>
+          <a:fillRef idx="3">
+            <a:schemeClr val="accent3"/>
+          </a:fillRef>
+          <a:effectRef idx="3">
+            <a:schemeClr val="accent3"/>
+          </a:effectRef>
+          <a:fontRef idx="minor">
+            <a:schemeClr val="lt1"/>
+          </a:fontRef>
+        </p:style>
         <p:txBody>
           <a:bodyPr wrap="square" rtlCol="0">
             <a:spAutoFit/>
@@ -14249,6 +14649,92 @@
           <a:prstGeom prst="rect">
             <a:avLst/>
           </a:prstGeom>
+        </p:spPr>
+        <p:style>
+          <a:lnRef idx="0">
+            <a:schemeClr val="accent3"/>
+          </a:lnRef>
+          <a:fillRef idx="3">
+            <a:schemeClr val="accent3"/>
+          </a:fillRef>
+          <a:effectRef idx="3">
+            <a:schemeClr val="accent3"/>
+          </a:effectRef>
+          <a:fontRef idx="minor">
+            <a:schemeClr val="lt1"/>
+          </a:fontRef>
+        </p:style>
+        <p:txBody>
+          <a:bodyPr wrap="square" rtlCol="0">
+            <a:spAutoFit/>
+          </a:bodyPr>
+          <a:lstStyle/>
+          <a:p>
+            <a:r>
+              <a:rPr lang="ko-KR" altLang="en-US" dirty="0" smtClean="0"/>
+              <a:t>회원 가입</a:t>
+            </a:r>
+            <a:endParaRPr lang="ko-KR" altLang="en-US" dirty="0"/>
+          </a:p>
+        </p:txBody>
+      </p:sp>
+      <p:sp>
+        <p:nvSpPr>
+          <p:cNvPr id="27" name="TextBox 26"/>
+          <p:cNvSpPr txBox="1"/>
+          <p:nvPr/>
+        </p:nvSpPr>
+        <p:spPr>
+          <a:xfrm>
+            <a:off x="4508257" y="4343454"/>
+            <a:ext cx="1208942" cy="369332"/>
+          </a:xfrm>
+          <a:prstGeom prst="rect">
+            <a:avLst/>
+          </a:prstGeom>
+        </p:spPr>
+        <p:style>
+          <a:lnRef idx="0">
+            <a:schemeClr val="accent3"/>
+          </a:lnRef>
+          <a:fillRef idx="3">
+            <a:schemeClr val="accent3"/>
+          </a:fillRef>
+          <a:effectRef idx="3">
+            <a:schemeClr val="accent3"/>
+          </a:effectRef>
+          <a:fontRef idx="minor">
+            <a:schemeClr val="lt1"/>
+          </a:fontRef>
+        </p:style>
+        <p:txBody>
+          <a:bodyPr wrap="square" rtlCol="0">
+            <a:spAutoFit/>
+          </a:bodyPr>
+          <a:lstStyle/>
+          <a:p>
+            <a:r>
+              <a:rPr lang="ko-KR" altLang="en-US" dirty="0" smtClean="0"/>
+              <a:t>닫기</a:t>
+            </a:r>
+            <a:endParaRPr lang="ko-KR" altLang="en-US" dirty="0"/>
+          </a:p>
+        </p:txBody>
+      </p:sp>
+      <p:sp>
+        <p:nvSpPr>
+          <p:cNvPr id="28" name="TextBox 27"/>
+          <p:cNvSpPr txBox="1"/>
+          <p:nvPr/>
+        </p:nvSpPr>
+        <p:spPr>
+          <a:xfrm>
+            <a:off x="2932235" y="3698239"/>
+            <a:ext cx="1525465" cy="307777"/>
+          </a:xfrm>
+          <a:prstGeom prst="rect">
+            <a:avLst/>
+          </a:prstGeom>
           <a:solidFill>
             <a:schemeClr val="bg1"/>
           </a:solidFill>
@@ -14260,70 +14746,6 @@
           <a:lstStyle/>
           <a:p>
             <a:r>
-              <a:rPr lang="ko-KR" altLang="en-US" dirty="0" smtClean="0"/>
-              <a:t>회원 가입</a:t>
-            </a:r>
-            <a:endParaRPr lang="ko-KR" altLang="en-US" dirty="0"/>
-          </a:p>
-        </p:txBody>
-      </p:sp>
-      <p:sp>
-        <p:nvSpPr>
-          <p:cNvPr id="27" name="TextBox 26"/>
-          <p:cNvSpPr txBox="1"/>
-          <p:nvPr/>
-        </p:nvSpPr>
-        <p:spPr>
-          <a:xfrm>
-            <a:off x="4508257" y="4343454"/>
-            <a:ext cx="1208942" cy="369332"/>
-          </a:xfrm>
-          <a:prstGeom prst="rect">
-            <a:avLst/>
-          </a:prstGeom>
-          <a:solidFill>
-            <a:schemeClr val="bg1"/>
-          </a:solidFill>
-        </p:spPr>
-        <p:txBody>
-          <a:bodyPr wrap="square" rtlCol="0">
-            <a:spAutoFit/>
-          </a:bodyPr>
-          <a:lstStyle/>
-          <a:p>
-            <a:r>
-              <a:rPr lang="ko-KR" altLang="en-US" dirty="0" smtClean="0"/>
-              <a:t>닫기</a:t>
-            </a:r>
-            <a:endParaRPr lang="ko-KR" altLang="en-US" dirty="0"/>
-          </a:p>
-        </p:txBody>
-      </p:sp>
-      <p:sp>
-        <p:nvSpPr>
-          <p:cNvPr id="28" name="TextBox 27"/>
-          <p:cNvSpPr txBox="1"/>
-          <p:nvPr/>
-        </p:nvSpPr>
-        <p:spPr>
-          <a:xfrm>
-            <a:off x="2932235" y="3698239"/>
-            <a:ext cx="1525465" cy="307777"/>
-          </a:xfrm>
-          <a:prstGeom prst="rect">
-            <a:avLst/>
-          </a:prstGeom>
-          <a:solidFill>
-            <a:schemeClr val="bg1"/>
-          </a:solidFill>
-        </p:spPr>
-        <p:txBody>
-          <a:bodyPr wrap="square" rtlCol="0">
-            <a:spAutoFit/>
-          </a:bodyPr>
-          <a:lstStyle/>
-          <a:p>
-            <a:r>
               <a:rPr lang="en-US" altLang="ko-KR" sz="1400" dirty="0"/>
               <a:t>********</a:t>
             </a:r>
@@ -14345,10 +14767,21 @@
           <a:prstGeom prst="rect">
             <a:avLst/>
           </a:prstGeom>
-          <a:solidFill>
-            <a:schemeClr val="bg1"/>
-          </a:solidFill>
-        </p:spPr>
+        </p:spPr>
+        <p:style>
+          <a:lnRef idx="0">
+            <a:schemeClr val="accent3"/>
+          </a:lnRef>
+          <a:fillRef idx="3">
+            <a:schemeClr val="accent3"/>
+          </a:fillRef>
+          <a:effectRef idx="3">
+            <a:schemeClr val="accent3"/>
+          </a:effectRef>
+          <a:fontRef idx="minor">
+            <a:schemeClr val="lt1"/>
+          </a:fontRef>
+        </p:style>
         <p:txBody>
           <a:bodyPr wrap="square" rtlCol="0">
             <a:spAutoFit/>
@@ -14411,8 +14844,8 @@
         </p:nvSpPr>
         <p:spPr>
           <a:xfrm>
-            <a:off x="3557608" y="3352916"/>
-            <a:ext cx="1940859" cy="369332"/>
+            <a:off x="3778451" y="3150504"/>
+            <a:ext cx="1688123" cy="646331"/>
           </a:xfrm>
           <a:prstGeom prst="rect">
             <a:avLst/>
@@ -14427,11 +14860,7 @@
           <a:p>
             <a:r>
               <a:rPr lang="ko-KR" altLang="en-US" dirty="0" smtClean="0"/>
-              <a:t>회원 가입 완료</a:t>
-            </a:r>
-            <a:r>
-              <a:rPr lang="en-US" altLang="ko-KR" dirty="0" smtClean="0"/>
-              <a:t>!</a:t>
+              <a:t>사용 가능한 닉네임 입니다</a:t>
             </a:r>
             <a:endParaRPr lang="ko-KR" altLang="en-US" dirty="0"/>
           </a:p>
@@ -14451,10 +14880,21 @@
           <a:prstGeom prst="rect">
             <a:avLst/>
           </a:prstGeom>
-          <a:solidFill>
-            <a:schemeClr val="bg2"/>
-          </a:solidFill>
-        </p:spPr>
+        </p:spPr>
+        <p:style>
+          <a:lnRef idx="0">
+            <a:schemeClr val="accent3"/>
+          </a:lnRef>
+          <a:fillRef idx="3">
+            <a:schemeClr val="accent3"/>
+          </a:fillRef>
+          <a:effectRef idx="3">
+            <a:schemeClr val="accent3"/>
+          </a:effectRef>
+          <a:fontRef idx="minor">
+            <a:schemeClr val="lt1"/>
+          </a:fontRef>
+        </p:style>
         <p:txBody>
           <a:bodyPr wrap="square" rtlCol="0">
             <a:spAutoFit/>
@@ -14462,108 +14902,16 @@
           <a:lstStyle/>
           <a:p>
             <a:r>
-              <a:rPr lang="ko-KR" altLang="en-US" smtClean="0"/>
+              <a:rPr lang="ko-KR" altLang="en-US" dirty="0" smtClean="0"/>
               <a:t>확인</a:t>
             </a:r>
-            <a:endParaRPr lang="ko-KR" altLang="en-US"/>
-          </a:p>
-        </p:txBody>
-      </p:sp>
-      <p:sp>
-        <p:nvSpPr>
-          <p:cNvPr id="20" name="TextBox 19"/>
-          <p:cNvSpPr txBox="1"/>
-          <p:nvPr/>
-        </p:nvSpPr>
-        <p:spPr>
-          <a:xfrm>
-            <a:off x="8528538" y="395652"/>
-            <a:ext cx="3270739" cy="6120000"/>
-          </a:xfrm>
-          <a:prstGeom prst="rect">
-            <a:avLst/>
-          </a:prstGeom>
-          <a:noFill/>
-          <a:ln>
-            <a:solidFill>
-              <a:schemeClr val="tx1"/>
-            </a:solidFill>
-          </a:ln>
-        </p:spPr>
-        <p:txBody>
-          <a:bodyPr wrap="square" rtlCol="0">
-            <a:spAutoFit/>
-          </a:bodyPr>
-          <a:lstStyle/>
-          <a:p>
-            <a:endParaRPr lang="en-US" altLang="ko-KR" dirty="0" smtClean="0"/>
-          </a:p>
-          <a:p>
             <a:endParaRPr lang="ko-KR" altLang="en-US" dirty="0"/>
           </a:p>
         </p:txBody>
       </p:sp>
       <p:sp>
         <p:nvSpPr>
-          <p:cNvPr id="22" name="TextBox 21"/>
-          <p:cNvSpPr txBox="1"/>
-          <p:nvPr/>
-        </p:nvSpPr>
-        <p:spPr>
-          <a:xfrm>
-            <a:off x="8634046" y="747374"/>
-            <a:ext cx="3015762" cy="1477328"/>
-          </a:xfrm>
-          <a:prstGeom prst="rect">
-            <a:avLst/>
-          </a:prstGeom>
-          <a:noFill/>
-        </p:spPr>
-        <p:txBody>
-          <a:bodyPr wrap="square" rtlCol="0">
-            <a:spAutoFit/>
-          </a:bodyPr>
-          <a:lstStyle/>
-          <a:p>
-            <a:pPr marL="342900" indent="-342900">
-              <a:buAutoNum type="arabicPeriod"/>
-            </a:pPr>
-            <a:r>
-              <a:rPr lang="ko-KR" altLang="en-US" dirty="0" smtClean="0"/>
-              <a:t>새 창</a:t>
-            </a:r>
-            <a:endParaRPr lang="en-US" altLang="ko-KR" dirty="0" smtClean="0"/>
-          </a:p>
-          <a:p>
-            <a:pPr marL="342900" indent="-342900">
-              <a:buAutoNum type="arabicPeriod"/>
-            </a:pPr>
-            <a:endParaRPr lang="en-US" altLang="ko-KR" dirty="0"/>
-          </a:p>
-          <a:p>
-            <a:pPr marL="342900" indent="-342900">
-              <a:buAutoNum type="arabicPeriod"/>
-            </a:pPr>
-            <a:r>
-              <a:rPr lang="ko-KR" altLang="en-US" dirty="0" smtClean="0"/>
-              <a:t>확인 버튼</a:t>
-            </a:r>
-            <a:endParaRPr lang="en-US" altLang="ko-KR" dirty="0" smtClean="0"/>
-          </a:p>
-          <a:p>
-            <a:pPr marL="342900" indent="-342900">
-              <a:buAutoNum type="arabicPeriod"/>
-            </a:pPr>
-            <a:endParaRPr lang="en-US" altLang="ko-KR" dirty="0"/>
-          </a:p>
-          <a:p>
-            <a:endParaRPr lang="en-US" altLang="ko-KR" dirty="0" smtClean="0"/>
-          </a:p>
-        </p:txBody>
-      </p:sp>
-      <p:sp>
-        <p:nvSpPr>
-          <p:cNvPr id="23" name="타원 22"/>
+          <p:cNvPr id="35" name="타원 34"/>
           <p:cNvSpPr/>
           <p:nvPr/>
         </p:nvSpPr>
@@ -14607,7 +14955,7 @@
       </p:sp>
       <p:sp>
         <p:nvSpPr>
-          <p:cNvPr id="25" name="타원 24"/>
+          <p:cNvPr id="36" name="타원 35"/>
           <p:cNvSpPr/>
           <p:nvPr/>
         </p:nvSpPr>
@@ -14649,10 +14997,68 @@
           </a:p>
         </p:txBody>
       </p:sp>
+      <p:sp>
+        <p:nvSpPr>
+          <p:cNvPr id="10" name="TextBox 9"/>
+          <p:cNvSpPr txBox="1"/>
+          <p:nvPr/>
+        </p:nvSpPr>
+        <p:spPr>
+          <a:xfrm>
+            <a:off x="8634046" y="747374"/>
+            <a:ext cx="3015762" cy="1477328"/>
+          </a:xfrm>
+          <a:prstGeom prst="rect">
+            <a:avLst/>
+          </a:prstGeom>
+          <a:noFill/>
+        </p:spPr>
+        <p:txBody>
+          <a:bodyPr wrap="square" rtlCol="0">
+            <a:spAutoFit/>
+          </a:bodyPr>
+          <a:lstStyle/>
+          <a:p>
+            <a:pPr marL="342900" indent="-342900">
+              <a:buAutoNum type="arabicPeriod"/>
+            </a:pPr>
+            <a:r>
+              <a:rPr lang="ko-KR" altLang="en-US" dirty="0" smtClean="0"/>
+              <a:t>새 창</a:t>
+            </a:r>
+            <a:endParaRPr lang="en-US" altLang="ko-KR" dirty="0" smtClean="0"/>
+          </a:p>
+          <a:p>
+            <a:pPr marL="342900" indent="-342900">
+              <a:buAutoNum type="arabicPeriod"/>
+            </a:pPr>
+            <a:endParaRPr lang="en-US" altLang="ko-KR" dirty="0"/>
+          </a:p>
+          <a:p>
+            <a:pPr marL="342900" indent="-342900">
+              <a:buAutoNum type="arabicPeriod"/>
+            </a:pPr>
+            <a:r>
+              <a:rPr lang="ko-KR" altLang="en-US" dirty="0" smtClean="0"/>
+              <a:t>확인 버튼</a:t>
+            </a:r>
+            <a:endParaRPr lang="en-US" altLang="ko-KR" dirty="0" smtClean="0"/>
+          </a:p>
+          <a:p>
+            <a:pPr marL="342900" indent="-342900">
+              <a:buAutoNum type="arabicPeriod"/>
+            </a:pPr>
+            <a:endParaRPr lang="en-US" altLang="ko-KR" dirty="0"/>
+          </a:p>
+          <a:p>
+            <a:endParaRPr lang="en-US" altLang="ko-KR" dirty="0" smtClean="0"/>
+          </a:p>
+        </p:txBody>
+      </p:sp>
     </p:spTree>
     <p:extLst>
       <p:ext uri="{BB962C8B-B14F-4D97-AF65-F5344CB8AC3E}">
-        <p14:creationId xmlns:p14="http://schemas.microsoft.com/office/powerpoint/2010/main" val="4204163747"/>
+        <p14:creationId xmlns:p14="http://schemas.microsoft.com/office/powerpoint/2010/main" val="4267408102"/>
       </p:ext>
     </p:extLst>
   </p:cSld>
@@ -14688,40 +15094,6 @@
       </p:grpSpPr>
       <p:sp>
         <p:nvSpPr>
-          <p:cNvPr id="4" name="TextBox 3"/>
-          <p:cNvSpPr txBox="1"/>
-          <p:nvPr/>
-        </p:nvSpPr>
-        <p:spPr>
-          <a:xfrm>
-            <a:off x="8528538" y="395652"/>
-            <a:ext cx="3270739" cy="6120000"/>
-          </a:xfrm>
-          <a:prstGeom prst="rect">
-            <a:avLst/>
-          </a:prstGeom>
-          <a:noFill/>
-          <a:ln>
-            <a:solidFill>
-              <a:schemeClr val="tx1"/>
-            </a:solidFill>
-          </a:ln>
-        </p:spPr>
-        <p:txBody>
-          <a:bodyPr wrap="square" rtlCol="0">
-            <a:spAutoFit/>
-          </a:bodyPr>
-          <a:lstStyle/>
-          <a:p>
-            <a:endParaRPr lang="en-US" altLang="ko-KR" dirty="0" smtClean="0"/>
-          </a:p>
-          <a:p>
-            <a:endParaRPr lang="ko-KR" altLang="en-US" dirty="0"/>
-          </a:p>
-        </p:txBody>
-      </p:sp>
-      <p:sp>
-        <p:nvSpPr>
           <p:cNvPr id="5" name="TextBox 4"/>
           <p:cNvSpPr txBox="1">
             <a:spLocks/>
@@ -14764,7 +15136,7 @@
         <p:spPr>
           <a:xfrm>
             <a:off x="1301262" y="562708"/>
-            <a:ext cx="3220753" cy="369332"/>
+            <a:ext cx="2214068" cy="369332"/>
           </a:xfrm>
           <a:prstGeom prst="rect">
             <a:avLst/>
@@ -14779,23 +15151,11 @@
           <a:p>
             <a:r>
               <a:rPr lang="en-US" altLang="ko-KR" dirty="0" smtClean="0"/>
-              <a:t>3. </a:t>
+              <a:t>2-2. </a:t>
             </a:r>
             <a:r>
               <a:rPr lang="ko-KR" altLang="en-US" dirty="0" smtClean="0"/>
-              <a:t>게임 로비 </a:t>
-            </a:r>
-            <a:r>
-              <a:rPr lang="en-US" altLang="ko-KR" dirty="0" smtClean="0"/>
-              <a:t>(</a:t>
-            </a:r>
-            <a:r>
-              <a:rPr lang="ko-KR" altLang="en-US" dirty="0" smtClean="0"/>
-              <a:t>로그인 성공 시</a:t>
-            </a:r>
-            <a:r>
-              <a:rPr lang="en-US" altLang="ko-KR" dirty="0" smtClean="0"/>
-              <a:t>)</a:t>
+              <a:t>회원 가입 완료</a:t>
             </a:r>
             <a:endParaRPr lang="ko-KR" altLang="en-US" dirty="0"/>
           </a:p>
@@ -14803,19 +15163,24 @@
       </p:sp>
       <p:sp>
         <p:nvSpPr>
-          <p:cNvPr id="12" name="TextBox 11"/>
+          <p:cNvPr id="6" name="TextBox 5"/>
           <p:cNvSpPr txBox="1"/>
           <p:nvPr/>
         </p:nvSpPr>
         <p:spPr>
           <a:xfrm>
-            <a:off x="8594500" y="808892"/>
-            <a:ext cx="3034953" cy="2862322"/>
+            <a:off x="3297115" y="3094892"/>
+            <a:ext cx="2013438" cy="369332"/>
           </a:xfrm>
           <a:prstGeom prst="rect">
             <a:avLst/>
           </a:prstGeom>
           <a:noFill/>
+          <a:ln>
+            <a:solidFill>
+              <a:schemeClr val="tx1"/>
+            </a:solidFill>
+          </a:ln>
         </p:spPr>
         <p:txBody>
           <a:bodyPr wrap="square" rtlCol="0">
@@ -14823,128 +15188,34 @@
           </a:bodyPr>
           <a:lstStyle/>
           <a:p>
-            <a:pPr marL="342900" indent="-342900">
-              <a:buAutoNum type="arabicPeriod"/>
-            </a:pPr>
             <a:r>
               <a:rPr lang="ko-KR" altLang="en-US" dirty="0" smtClean="0"/>
-              <a:t>게임 플레이 버튼</a:t>
-            </a:r>
-            <a:r>
-              <a:rPr lang="en-US" altLang="ko-KR" dirty="0"/>
-              <a:t> </a:t>
-            </a:r>
-            <a:r>
-              <a:rPr lang="en-US" altLang="ko-KR" dirty="0" smtClean="0"/>
-              <a:t>- 4</a:t>
-            </a:r>
-            <a:r>
-              <a:rPr lang="ko-KR" altLang="en-US" dirty="0" smtClean="0"/>
-              <a:t>번 화면으로 이동</a:t>
-            </a:r>
-            <a:endParaRPr lang="en-US" altLang="ko-KR" dirty="0" smtClean="0"/>
-          </a:p>
-          <a:p>
-            <a:pPr marL="342900" indent="-342900">
-              <a:buAutoNum type="arabicPeriod"/>
-            </a:pPr>
-            <a:endParaRPr lang="en-US" altLang="ko-KR" dirty="0"/>
-          </a:p>
-          <a:p>
-            <a:pPr marL="342900" indent="-342900">
-              <a:buAutoNum type="arabicPeriod"/>
-            </a:pPr>
-            <a:r>
-              <a:rPr lang="ko-KR" altLang="en-US" dirty="0" smtClean="0"/>
-              <a:t>랭킹 버튼 </a:t>
-            </a:r>
-            <a:r>
-              <a:rPr lang="en-US" altLang="ko-KR" dirty="0" smtClean="0"/>
-              <a:t>– (5</a:t>
-            </a:r>
-            <a:r>
-              <a:rPr lang="ko-KR" altLang="en-US" dirty="0" smtClean="0"/>
-              <a:t>번 화면으로</a:t>
-            </a:r>
-            <a:r>
-              <a:rPr lang="en-US" altLang="ko-KR" dirty="0" smtClean="0"/>
-              <a:t>)</a:t>
-            </a:r>
-            <a:endParaRPr lang="en-US" altLang="ko-KR" dirty="0" smtClean="0"/>
-          </a:p>
-          <a:p>
-            <a:pPr marL="342900" indent="-342900">
-              <a:buAutoNum type="arabicPeriod"/>
-            </a:pPr>
-            <a:endParaRPr lang="en-US" altLang="ko-KR" dirty="0"/>
-          </a:p>
-          <a:p>
-            <a:pPr marL="342900" indent="-342900">
-              <a:buAutoNum type="arabicPeriod"/>
-            </a:pPr>
-            <a:r>
-              <a:rPr lang="ko-KR" altLang="en-US" dirty="0" smtClean="0"/>
-              <a:t>종료 버튼</a:t>
-            </a:r>
-            <a:endParaRPr lang="en-US" altLang="ko-KR" dirty="0"/>
-          </a:p>
-          <a:p>
-            <a:pPr marL="342900" indent="-342900">
-              <a:buAutoNum type="arabicPeriod"/>
-            </a:pPr>
-            <a:endParaRPr lang="en-US" altLang="ko-KR" dirty="0"/>
-          </a:p>
-          <a:p>
-            <a:pPr marL="342900" indent="-342900">
-              <a:buAutoNum type="arabicPeriod"/>
-            </a:pPr>
-            <a:r>
-              <a:rPr lang="ko-KR" altLang="en-US" dirty="0" smtClean="0"/>
-              <a:t>서버 </a:t>
-            </a:r>
-            <a:r>
-              <a:rPr lang="ko-KR" altLang="en-US" dirty="0" smtClean="0"/>
-              <a:t>정보 </a:t>
-            </a:r>
-            <a:r>
-              <a:rPr lang="en-US" altLang="ko-KR" dirty="0" smtClean="0"/>
-              <a:t>– </a:t>
-            </a:r>
-            <a:r>
-              <a:rPr lang="ko-KR" altLang="en-US" dirty="0" smtClean="0"/>
-              <a:t>서버 </a:t>
-            </a:r>
-            <a:r>
-              <a:rPr lang="en-US" altLang="ko-KR" dirty="0" err="1" smtClean="0"/>
-              <a:t>ip</a:t>
-            </a:r>
-            <a:r>
-              <a:rPr lang="en-US" altLang="ko-KR" dirty="0" smtClean="0"/>
-              <a:t> </a:t>
-            </a:r>
-            <a:r>
-              <a:rPr lang="ko-KR" altLang="en-US" dirty="0" smtClean="0"/>
-              <a:t>표시</a:t>
-            </a:r>
-            <a:endParaRPr lang="en-US" altLang="ko-KR" dirty="0"/>
-          </a:p>
-        </p:txBody>
-      </p:sp>
-      <p:sp>
-        <p:nvSpPr>
-          <p:cNvPr id="2" name="TextBox 1"/>
+              <a:t>닉네임</a:t>
+            </a:r>
+            <a:endParaRPr lang="ko-KR" altLang="en-US" dirty="0"/>
+          </a:p>
+        </p:txBody>
+      </p:sp>
+      <p:sp>
+        <p:nvSpPr>
+          <p:cNvPr id="17" name="TextBox 16"/>
           <p:cNvSpPr txBox="1"/>
           <p:nvPr/>
         </p:nvSpPr>
         <p:spPr>
           <a:xfrm>
-            <a:off x="5810108" y="6031524"/>
-            <a:ext cx="1740876" cy="369332"/>
+            <a:off x="3297114" y="3492868"/>
+            <a:ext cx="2013439" cy="369332"/>
           </a:xfrm>
           <a:prstGeom prst="rect">
             <a:avLst/>
           </a:prstGeom>
           <a:noFill/>
+          <a:ln>
+            <a:solidFill>
+              <a:schemeClr val="tx1"/>
+            </a:solidFill>
+          </a:ln>
         </p:spPr>
         <p:txBody>
           <a:bodyPr wrap="square" rtlCol="0">
@@ -14954,47 +15225,151 @@
           <a:p>
             <a:r>
               <a:rPr lang="ko-KR" altLang="en-US" dirty="0" smtClean="0"/>
-              <a:t>서버</a:t>
-            </a:r>
-            <a:r>
-              <a:rPr lang="en-US" altLang="ko-KR" dirty="0" err="1" smtClean="0"/>
-              <a:t>ip</a:t>
-            </a:r>
+              <a:t>비밀번호</a:t>
+            </a:r>
+            <a:endParaRPr lang="ko-KR" altLang="en-US" dirty="0"/>
+          </a:p>
+        </p:txBody>
+      </p:sp>
+      <p:sp>
+        <p:nvSpPr>
+          <p:cNvPr id="18" name="TextBox 17"/>
+          <p:cNvSpPr txBox="1"/>
+          <p:nvPr/>
+        </p:nvSpPr>
+        <p:spPr>
+          <a:xfrm>
+            <a:off x="3297114" y="4037964"/>
+            <a:ext cx="993533" cy="323165"/>
+          </a:xfrm>
+          <a:prstGeom prst="rect">
+            <a:avLst/>
+          </a:prstGeom>
+          <a:noFill/>
+          <a:ln>
+            <a:solidFill>
+              <a:schemeClr val="tx1"/>
+            </a:solidFill>
+          </a:ln>
+        </p:spPr>
+        <p:txBody>
+          <a:bodyPr wrap="square" rtlCol="0">
+            <a:spAutoFit/>
+          </a:bodyPr>
+          <a:lstStyle/>
+          <a:p>
+            <a:r>
+              <a:rPr lang="ko-KR" altLang="en-US" sz="1500" dirty="0" smtClean="0"/>
+              <a:t>로그인</a:t>
+            </a:r>
+            <a:endParaRPr lang="ko-KR" altLang="en-US" sz="1500" dirty="0"/>
+          </a:p>
+        </p:txBody>
+      </p:sp>
+      <p:sp>
+        <p:nvSpPr>
+          <p:cNvPr id="19" name="TextBox 18"/>
+          <p:cNvSpPr txBox="1"/>
+          <p:nvPr/>
+        </p:nvSpPr>
+        <p:spPr>
+          <a:xfrm>
+            <a:off x="5864468" y="5268888"/>
+            <a:ext cx="1138605" cy="369332"/>
+          </a:xfrm>
+          <a:prstGeom prst="rect">
+            <a:avLst/>
+          </a:prstGeom>
+          <a:ln/>
+        </p:spPr>
+        <p:style>
+          <a:lnRef idx="0">
+            <a:schemeClr val="accent3"/>
+          </a:lnRef>
+          <a:fillRef idx="3">
+            <a:schemeClr val="accent3"/>
+          </a:fillRef>
+          <a:effectRef idx="3">
+            <a:schemeClr val="accent3"/>
+          </a:effectRef>
+          <a:fontRef idx="minor">
+            <a:schemeClr val="lt1"/>
+          </a:fontRef>
+        </p:style>
+        <p:txBody>
+          <a:bodyPr wrap="square" rtlCol="0">
+            <a:spAutoFit/>
+          </a:bodyPr>
+          <a:lstStyle/>
+          <a:p>
             <a:r>
               <a:rPr lang="ko-KR" altLang="en-US" dirty="0" smtClean="0"/>
-              <a:t> </a:t>
-            </a:r>
-            <a:r>
-              <a:rPr lang="en-US" altLang="ko-KR" dirty="0" smtClean="0"/>
-              <a:t>: </a:t>
-            </a:r>
-            <a:r>
-              <a:rPr lang="en-US" altLang="ko-KR" dirty="0" err="1" smtClean="0"/>
-              <a:t>xxx.xxx</a:t>
-            </a:r>
-            <a:endParaRPr lang="en-US" altLang="ko-KR" dirty="0" smtClean="0"/>
-          </a:p>
-        </p:txBody>
-      </p:sp>
-      <p:sp>
-        <p:nvSpPr>
-          <p:cNvPr id="9" name="직사각형 8"/>
+              <a:t>나가기</a:t>
+            </a:r>
+            <a:endParaRPr lang="ko-KR" altLang="en-US" dirty="0"/>
+          </a:p>
+        </p:txBody>
+      </p:sp>
+      <p:sp>
+        <p:nvSpPr>
+          <p:cNvPr id="21" name="TextBox 20"/>
+          <p:cNvSpPr txBox="1"/>
+          <p:nvPr/>
+        </p:nvSpPr>
+        <p:spPr>
+          <a:xfrm>
+            <a:off x="4290647" y="4033654"/>
+            <a:ext cx="1019906" cy="323165"/>
+          </a:xfrm>
+          <a:prstGeom prst="rect">
+            <a:avLst/>
+          </a:prstGeom>
+          <a:noFill/>
+          <a:ln>
+            <a:solidFill>
+              <a:schemeClr val="tx1"/>
+            </a:solidFill>
+          </a:ln>
+        </p:spPr>
+        <p:txBody>
+          <a:bodyPr wrap="square" rtlCol="0">
+            <a:spAutoFit/>
+          </a:bodyPr>
+          <a:lstStyle/>
+          <a:p>
+            <a:r>
+              <a:rPr lang="ko-KR" altLang="en-US" sz="1500" dirty="0" smtClean="0"/>
+              <a:t>회원가입</a:t>
+            </a:r>
+            <a:endParaRPr lang="ko-KR" altLang="en-US" sz="1500" dirty="0"/>
+          </a:p>
+        </p:txBody>
+      </p:sp>
+      <p:sp>
+        <p:nvSpPr>
+          <p:cNvPr id="2" name="직사각형 1"/>
           <p:cNvSpPr/>
           <p:nvPr/>
         </p:nvSpPr>
         <p:spPr>
           <a:xfrm>
-            <a:off x="1949684" y="2637775"/>
-            <a:ext cx="1923908" cy="553915"/>
+            <a:off x="2725615" y="2611315"/>
+            <a:ext cx="3420208" cy="2497016"/>
           </a:xfrm>
           <a:prstGeom prst="rect">
             <a:avLst/>
           </a:prstGeom>
           <a:solidFill>
-            <a:schemeClr val="bg1">
-              <a:lumMod val="95000"/>
+            <a:schemeClr val="tx1">
+              <a:lumMod val="50000"/>
+              <a:lumOff val="50000"/>
             </a:schemeClr>
           </a:solidFill>
+          <a:ln>
+            <a:solidFill>
+              <a:schemeClr val="bg2"/>
+            </a:solidFill>
+          </a:ln>
         </p:spPr>
         <p:style>
           <a:lnRef idx="2">
@@ -15023,19 +15398,21 @@
       </p:sp>
       <p:sp>
         <p:nvSpPr>
-          <p:cNvPr id="3" name="TextBox 2"/>
+          <p:cNvPr id="8" name="TextBox 7"/>
           <p:cNvSpPr txBox="1"/>
           <p:nvPr/>
         </p:nvSpPr>
         <p:spPr>
           <a:xfrm>
-            <a:off x="2214054" y="2730067"/>
-            <a:ext cx="2373923" cy="369332"/>
+            <a:off x="2945423" y="2910226"/>
+            <a:ext cx="1512276" cy="307777"/>
           </a:xfrm>
           <a:prstGeom prst="rect">
             <a:avLst/>
           </a:prstGeom>
-          <a:noFill/>
+          <a:solidFill>
+            <a:schemeClr val="bg1"/>
+          </a:solidFill>
         </p:spPr>
         <p:txBody>
           <a:bodyPr wrap="square" rtlCol="0">
@@ -15044,8 +15421,83 @@
           <a:lstStyle/>
           <a:p>
             <a:r>
+              <a:rPr lang="en-US" altLang="ko-KR" sz="1400" dirty="0" smtClean="0"/>
+              <a:t>msh428</a:t>
+            </a:r>
+            <a:endParaRPr lang="ko-KR" altLang="en-US" sz="1400" dirty="0"/>
+          </a:p>
+        </p:txBody>
+      </p:sp>
+      <p:sp>
+        <p:nvSpPr>
+          <p:cNvPr id="24" name="TextBox 23"/>
+          <p:cNvSpPr txBox="1"/>
+          <p:nvPr/>
+        </p:nvSpPr>
+        <p:spPr>
+          <a:xfrm>
+            <a:off x="2945422" y="3317104"/>
+            <a:ext cx="1512277" cy="307777"/>
+          </a:xfrm>
+          <a:prstGeom prst="rect">
+            <a:avLst/>
+          </a:prstGeom>
+          <a:solidFill>
+            <a:schemeClr val="bg1"/>
+          </a:solidFill>
+        </p:spPr>
+        <p:txBody>
+          <a:bodyPr wrap="square" rtlCol="0">
+            <a:spAutoFit/>
+          </a:bodyPr>
+          <a:lstStyle/>
+          <a:p>
+            <a:r>
+              <a:rPr lang="en-US" altLang="ko-KR" sz="1400" dirty="0" smtClean="0"/>
+              <a:t>********</a:t>
+            </a:r>
+            <a:endParaRPr lang="ko-KR" altLang="en-US" sz="1400" dirty="0"/>
+          </a:p>
+        </p:txBody>
+      </p:sp>
+      <p:sp>
+        <p:nvSpPr>
+          <p:cNvPr id="26" name="TextBox 25"/>
+          <p:cNvSpPr txBox="1"/>
+          <p:nvPr/>
+        </p:nvSpPr>
+        <p:spPr>
+          <a:xfrm>
+            <a:off x="2998178" y="4350670"/>
+            <a:ext cx="1208942" cy="369332"/>
+          </a:xfrm>
+          <a:prstGeom prst="rect">
+            <a:avLst/>
+          </a:prstGeom>
+        </p:spPr>
+        <p:style>
+          <a:lnRef idx="0">
+            <a:schemeClr val="accent3"/>
+          </a:lnRef>
+          <a:fillRef idx="3">
+            <a:schemeClr val="accent3"/>
+          </a:fillRef>
+          <a:effectRef idx="3">
+            <a:schemeClr val="accent3"/>
+          </a:effectRef>
+          <a:fontRef idx="minor">
+            <a:schemeClr val="lt1"/>
+          </a:fontRef>
+        </p:style>
+        <p:txBody>
+          <a:bodyPr wrap="square" rtlCol="0">
+            <a:spAutoFit/>
+          </a:bodyPr>
+          <a:lstStyle/>
+          <a:p>
+            <a:r>
               <a:rPr lang="ko-KR" altLang="en-US" dirty="0" smtClean="0"/>
-              <a:t>플레이</a:t>
+              <a:t>회원 가입</a:t>
             </a:r>
             <a:endParaRPr lang="ko-KR" altLang="en-US" dirty="0"/>
           </a:p>
@@ -15053,23 +15505,136 @@
       </p:sp>
       <p:sp>
         <p:nvSpPr>
-          <p:cNvPr id="17" name="직사각형 16"/>
+          <p:cNvPr id="27" name="TextBox 26"/>
+          <p:cNvSpPr txBox="1"/>
+          <p:nvPr/>
+        </p:nvSpPr>
+        <p:spPr>
+          <a:xfrm>
+            <a:off x="4508257" y="4343454"/>
+            <a:ext cx="1208942" cy="369332"/>
+          </a:xfrm>
+          <a:prstGeom prst="rect">
+            <a:avLst/>
+          </a:prstGeom>
+        </p:spPr>
+        <p:style>
+          <a:lnRef idx="0">
+            <a:schemeClr val="accent3"/>
+          </a:lnRef>
+          <a:fillRef idx="3">
+            <a:schemeClr val="accent3"/>
+          </a:fillRef>
+          <a:effectRef idx="3">
+            <a:schemeClr val="accent3"/>
+          </a:effectRef>
+          <a:fontRef idx="minor">
+            <a:schemeClr val="lt1"/>
+          </a:fontRef>
+        </p:style>
+        <p:txBody>
+          <a:bodyPr wrap="square" rtlCol="0">
+            <a:spAutoFit/>
+          </a:bodyPr>
+          <a:lstStyle/>
+          <a:p>
+            <a:r>
+              <a:rPr lang="ko-KR" altLang="en-US" dirty="0" smtClean="0"/>
+              <a:t>닫기</a:t>
+            </a:r>
+            <a:endParaRPr lang="ko-KR" altLang="en-US" dirty="0"/>
+          </a:p>
+        </p:txBody>
+      </p:sp>
+      <p:sp>
+        <p:nvSpPr>
+          <p:cNvPr id="28" name="TextBox 27"/>
+          <p:cNvSpPr txBox="1"/>
+          <p:nvPr/>
+        </p:nvSpPr>
+        <p:spPr>
+          <a:xfrm>
+            <a:off x="2932235" y="3698239"/>
+            <a:ext cx="1525465" cy="307777"/>
+          </a:xfrm>
+          <a:prstGeom prst="rect">
+            <a:avLst/>
+          </a:prstGeom>
+          <a:solidFill>
+            <a:schemeClr val="bg1"/>
+          </a:solidFill>
+        </p:spPr>
+        <p:txBody>
+          <a:bodyPr wrap="square" rtlCol="0">
+            <a:spAutoFit/>
+          </a:bodyPr>
+          <a:lstStyle/>
+          <a:p>
+            <a:r>
+              <a:rPr lang="en-US" altLang="ko-KR" sz="1400" dirty="0"/>
+              <a:t>********</a:t>
+            </a:r>
+            <a:endParaRPr lang="ko-KR" altLang="en-US" sz="1400" dirty="0"/>
+          </a:p>
+        </p:txBody>
+      </p:sp>
+      <p:sp>
+        <p:nvSpPr>
+          <p:cNvPr id="29" name="TextBox 28"/>
+          <p:cNvSpPr txBox="1"/>
+          <p:nvPr/>
+        </p:nvSpPr>
+        <p:spPr>
+          <a:xfrm>
+            <a:off x="4787323" y="2907087"/>
+            <a:ext cx="1156277" cy="307777"/>
+          </a:xfrm>
+          <a:prstGeom prst="rect">
+            <a:avLst/>
+          </a:prstGeom>
+        </p:spPr>
+        <p:style>
+          <a:lnRef idx="0">
+            <a:schemeClr val="accent3"/>
+          </a:lnRef>
+          <a:fillRef idx="3">
+            <a:schemeClr val="accent3"/>
+          </a:fillRef>
+          <a:effectRef idx="3">
+            <a:schemeClr val="accent3"/>
+          </a:effectRef>
+          <a:fontRef idx="minor">
+            <a:schemeClr val="lt1"/>
+          </a:fontRef>
+        </p:style>
+        <p:txBody>
+          <a:bodyPr wrap="square" rtlCol="0">
+            <a:spAutoFit/>
+          </a:bodyPr>
+          <a:lstStyle/>
+          <a:p>
+            <a:r>
+              <a:rPr lang="ko-KR" altLang="en-US" sz="1400" dirty="0" smtClean="0"/>
+              <a:t>중복 검사</a:t>
+            </a:r>
+            <a:endParaRPr lang="ko-KR" altLang="en-US" sz="1400" dirty="0"/>
+          </a:p>
+        </p:txBody>
+      </p:sp>
+      <p:sp>
+        <p:nvSpPr>
+          <p:cNvPr id="3" name="직사각형 2"/>
           <p:cNvSpPr/>
           <p:nvPr/>
         </p:nvSpPr>
         <p:spPr>
           <a:xfrm>
-            <a:off x="1949684" y="3455652"/>
-            <a:ext cx="1923908" cy="553915"/>
+            <a:off x="3367454" y="2907087"/>
+            <a:ext cx="2349745" cy="1682498"/>
           </a:xfrm>
           <a:prstGeom prst="rect">
             <a:avLst/>
           </a:prstGeom>
-          <a:solidFill>
-            <a:schemeClr val="bg1">
-              <a:lumMod val="95000"/>
-            </a:schemeClr>
-          </a:solidFill>
         </p:spPr>
         <p:style>
           <a:lnRef idx="2">
@@ -15098,23 +15663,187 @@
       </p:sp>
       <p:sp>
         <p:nvSpPr>
-          <p:cNvPr id="18" name="직사각형 17"/>
+          <p:cNvPr id="7" name="TextBox 6"/>
+          <p:cNvSpPr txBox="1"/>
+          <p:nvPr/>
+        </p:nvSpPr>
+        <p:spPr>
+          <a:xfrm>
+            <a:off x="3557608" y="3352916"/>
+            <a:ext cx="1940859" cy="369332"/>
+          </a:xfrm>
+          <a:prstGeom prst="rect">
+            <a:avLst/>
+          </a:prstGeom>
+          <a:noFill/>
+        </p:spPr>
+        <p:txBody>
+          <a:bodyPr wrap="square" rtlCol="0">
+            <a:spAutoFit/>
+          </a:bodyPr>
+          <a:lstStyle/>
+          <a:p>
+            <a:r>
+              <a:rPr lang="ko-KR" altLang="en-US" dirty="0" smtClean="0"/>
+              <a:t>회원 가입 완료</a:t>
+            </a:r>
+            <a:r>
+              <a:rPr lang="en-US" altLang="ko-KR" dirty="0" smtClean="0"/>
+              <a:t>!</a:t>
+            </a:r>
+            <a:endParaRPr lang="ko-KR" altLang="en-US" dirty="0"/>
+          </a:p>
+        </p:txBody>
+      </p:sp>
+      <p:sp>
+        <p:nvSpPr>
+          <p:cNvPr id="9" name="TextBox 8"/>
+          <p:cNvSpPr txBox="1"/>
+          <p:nvPr/>
+        </p:nvSpPr>
+        <p:spPr>
+          <a:xfrm>
+            <a:off x="4199812" y="4123869"/>
+            <a:ext cx="750257" cy="369332"/>
+          </a:xfrm>
+          <a:prstGeom prst="rect">
+            <a:avLst/>
+          </a:prstGeom>
+        </p:spPr>
+        <p:style>
+          <a:lnRef idx="0">
+            <a:schemeClr val="accent3"/>
+          </a:lnRef>
+          <a:fillRef idx="3">
+            <a:schemeClr val="accent3"/>
+          </a:fillRef>
+          <a:effectRef idx="3">
+            <a:schemeClr val="accent3"/>
+          </a:effectRef>
+          <a:fontRef idx="minor">
+            <a:schemeClr val="lt1"/>
+          </a:fontRef>
+        </p:style>
+        <p:txBody>
+          <a:bodyPr wrap="square" rtlCol="0">
+            <a:spAutoFit/>
+          </a:bodyPr>
+          <a:lstStyle/>
+          <a:p>
+            <a:r>
+              <a:rPr lang="ko-KR" altLang="en-US" dirty="0" smtClean="0"/>
+              <a:t>확인</a:t>
+            </a:r>
+            <a:endParaRPr lang="ko-KR" altLang="en-US" dirty="0"/>
+          </a:p>
+        </p:txBody>
+      </p:sp>
+      <p:sp>
+        <p:nvSpPr>
+          <p:cNvPr id="20" name="TextBox 19"/>
+          <p:cNvSpPr txBox="1"/>
+          <p:nvPr/>
+        </p:nvSpPr>
+        <p:spPr>
+          <a:xfrm>
+            <a:off x="8528538" y="395652"/>
+            <a:ext cx="3270739" cy="6120000"/>
+          </a:xfrm>
+          <a:prstGeom prst="rect">
+            <a:avLst/>
+          </a:prstGeom>
+          <a:noFill/>
+          <a:ln>
+            <a:solidFill>
+              <a:schemeClr val="tx1"/>
+            </a:solidFill>
+          </a:ln>
+        </p:spPr>
+        <p:txBody>
+          <a:bodyPr wrap="square" rtlCol="0">
+            <a:spAutoFit/>
+          </a:bodyPr>
+          <a:lstStyle/>
+          <a:p>
+            <a:endParaRPr lang="en-US" altLang="ko-KR" dirty="0" smtClean="0"/>
+          </a:p>
+          <a:p>
+            <a:endParaRPr lang="ko-KR" altLang="en-US" dirty="0"/>
+          </a:p>
+        </p:txBody>
+      </p:sp>
+      <p:sp>
+        <p:nvSpPr>
+          <p:cNvPr id="22" name="TextBox 21"/>
+          <p:cNvSpPr txBox="1"/>
+          <p:nvPr/>
+        </p:nvSpPr>
+        <p:spPr>
+          <a:xfrm>
+            <a:off x="8634046" y="747374"/>
+            <a:ext cx="3015762" cy="1477328"/>
+          </a:xfrm>
+          <a:prstGeom prst="rect">
+            <a:avLst/>
+          </a:prstGeom>
+          <a:noFill/>
+        </p:spPr>
+        <p:txBody>
+          <a:bodyPr wrap="square" rtlCol="0">
+            <a:spAutoFit/>
+          </a:bodyPr>
+          <a:lstStyle/>
+          <a:p>
+            <a:pPr marL="342900" indent="-342900">
+              <a:buAutoNum type="arabicPeriod"/>
+            </a:pPr>
+            <a:r>
+              <a:rPr lang="ko-KR" altLang="en-US" dirty="0" smtClean="0"/>
+              <a:t>새 창</a:t>
+            </a:r>
+            <a:endParaRPr lang="en-US" altLang="ko-KR" dirty="0" smtClean="0"/>
+          </a:p>
+          <a:p>
+            <a:pPr marL="342900" indent="-342900">
+              <a:buAutoNum type="arabicPeriod"/>
+            </a:pPr>
+            <a:endParaRPr lang="en-US" altLang="ko-KR" dirty="0"/>
+          </a:p>
+          <a:p>
+            <a:pPr marL="342900" indent="-342900">
+              <a:buAutoNum type="arabicPeriod"/>
+            </a:pPr>
+            <a:r>
+              <a:rPr lang="ko-KR" altLang="en-US" dirty="0" smtClean="0"/>
+              <a:t>확인 버튼</a:t>
+            </a:r>
+            <a:endParaRPr lang="en-US" altLang="ko-KR" dirty="0" smtClean="0"/>
+          </a:p>
+          <a:p>
+            <a:pPr marL="342900" indent="-342900">
+              <a:buAutoNum type="arabicPeriod"/>
+            </a:pPr>
+            <a:endParaRPr lang="en-US" altLang="ko-KR" dirty="0"/>
+          </a:p>
+          <a:p>
+            <a:endParaRPr lang="en-US" altLang="ko-KR" dirty="0" smtClean="0"/>
+          </a:p>
+        </p:txBody>
+      </p:sp>
+      <p:sp>
+        <p:nvSpPr>
+          <p:cNvPr id="23" name="타원 22"/>
           <p:cNvSpPr/>
           <p:nvPr/>
         </p:nvSpPr>
         <p:spPr>
           <a:xfrm>
-            <a:off x="1949684" y="4273529"/>
-            <a:ext cx="1923908" cy="553915"/>
-          </a:xfrm>
-          <a:prstGeom prst="rect">
-            <a:avLst/>
-          </a:prstGeom>
-          <a:solidFill>
-            <a:schemeClr val="bg1">
-              <a:lumMod val="95000"/>
-            </a:schemeClr>
-          </a:solidFill>
+            <a:off x="3261944" y="2699312"/>
+            <a:ext cx="439616" cy="386861"/>
+          </a:xfrm>
+          <a:prstGeom prst="ellipse">
+            <a:avLst/>
+          </a:prstGeom>
         </p:spPr>
         <p:style>
           <a:lnRef idx="2">
@@ -15137,35 +15866,9 @@
           <a:lstStyle/>
           <a:p>
             <a:pPr algn="ctr"/>
-            <a:endParaRPr lang="ko-KR" altLang="en-US"/>
-          </a:p>
-        </p:txBody>
-      </p:sp>
-      <p:sp>
-        <p:nvSpPr>
-          <p:cNvPr id="16" name="TextBox 15"/>
-          <p:cNvSpPr txBox="1"/>
-          <p:nvPr/>
-        </p:nvSpPr>
-        <p:spPr>
-          <a:xfrm>
-            <a:off x="2214054" y="4373647"/>
-            <a:ext cx="2373923" cy="369332"/>
-          </a:xfrm>
-          <a:prstGeom prst="rect">
-            <a:avLst/>
-          </a:prstGeom>
-          <a:noFill/>
-        </p:spPr>
-        <p:txBody>
-          <a:bodyPr wrap="square" rtlCol="0">
-            <a:spAutoFit/>
-          </a:bodyPr>
-          <a:lstStyle/>
-          <a:p>
-            <a:r>
-              <a:rPr lang="ko-KR" altLang="en-US" dirty="0" smtClean="0"/>
-              <a:t>종료</a:t>
+            <a:r>
+              <a:rPr lang="en-US" altLang="ko-KR" dirty="0" smtClean="0"/>
+              <a:t>1</a:t>
             </a:r>
             <a:endParaRPr lang="ko-KR" altLang="en-US" dirty="0"/>
           </a:p>
@@ -15173,43 +15876,13 @@
       </p:sp>
       <p:sp>
         <p:nvSpPr>
-          <p:cNvPr id="14" name="TextBox 13"/>
-          <p:cNvSpPr txBox="1"/>
-          <p:nvPr/>
-        </p:nvSpPr>
-        <p:spPr>
-          <a:xfrm>
-            <a:off x="2214054" y="3551154"/>
-            <a:ext cx="2373923" cy="369332"/>
-          </a:xfrm>
-          <a:prstGeom prst="rect">
-            <a:avLst/>
-          </a:prstGeom>
-          <a:noFill/>
-        </p:spPr>
-        <p:txBody>
-          <a:bodyPr wrap="square" rtlCol="0">
-            <a:spAutoFit/>
-          </a:bodyPr>
-          <a:lstStyle/>
-          <a:p>
-            <a:r>
-              <a:rPr lang="ko-KR" altLang="en-US" dirty="0" smtClean="0"/>
-              <a:t>랭킹 보기</a:t>
-            </a:r>
-            <a:endParaRPr lang="ko-KR" altLang="en-US" dirty="0"/>
-          </a:p>
-        </p:txBody>
-      </p:sp>
-      <p:sp>
-        <p:nvSpPr>
-          <p:cNvPr id="19" name="타원 18"/>
+          <p:cNvPr id="25" name="타원 24"/>
           <p:cNvSpPr/>
           <p:nvPr/>
         </p:nvSpPr>
         <p:spPr>
           <a:xfrm>
-            <a:off x="1729876" y="2484213"/>
+            <a:off x="4705339" y="4351376"/>
             <a:ext cx="439616" cy="386861"/>
           </a:xfrm>
           <a:prstGeom prst="ellipse">
@@ -15238,140 +15911,8 @@
           <a:p>
             <a:pPr algn="ctr"/>
             <a:r>
-              <a:rPr lang="en-US" altLang="ko-KR" dirty="0" smtClean="0"/>
-              <a:t>1</a:t>
-            </a:r>
-            <a:endParaRPr lang="ko-KR" altLang="en-US" dirty="0"/>
-          </a:p>
-        </p:txBody>
-      </p:sp>
-      <p:sp>
-        <p:nvSpPr>
-          <p:cNvPr id="20" name="타원 19"/>
-          <p:cNvSpPr/>
-          <p:nvPr/>
-        </p:nvSpPr>
-        <p:spPr>
-          <a:xfrm>
-            <a:off x="1729876" y="3345748"/>
-            <a:ext cx="439616" cy="386861"/>
-          </a:xfrm>
-          <a:prstGeom prst="ellipse">
-            <a:avLst/>
-          </a:prstGeom>
-        </p:spPr>
-        <p:style>
-          <a:lnRef idx="2">
-            <a:schemeClr val="accent1">
-              <a:shade val="50000"/>
-            </a:schemeClr>
-          </a:lnRef>
-          <a:fillRef idx="1">
-            <a:schemeClr val="accent1"/>
-          </a:fillRef>
-          <a:effectRef idx="0">
-            <a:schemeClr val="accent1"/>
-          </a:effectRef>
-          <a:fontRef idx="minor">
-            <a:schemeClr val="lt1"/>
-          </a:fontRef>
-        </p:style>
-        <p:txBody>
-          <a:bodyPr rtlCol="0" anchor="ctr"/>
-          <a:lstStyle/>
-          <a:p>
-            <a:pPr algn="ctr"/>
-            <a:r>
               <a:rPr lang="en-US" altLang="ko-KR" dirty="0"/>
               <a:t>2</a:t>
-            </a:r>
-            <a:endParaRPr lang="ko-KR" altLang="en-US" dirty="0"/>
-          </a:p>
-        </p:txBody>
-      </p:sp>
-      <p:sp>
-        <p:nvSpPr>
-          <p:cNvPr id="21" name="타원 20"/>
-          <p:cNvSpPr/>
-          <p:nvPr/>
-        </p:nvSpPr>
-        <p:spPr>
-          <a:xfrm>
-            <a:off x="1774438" y="4130158"/>
-            <a:ext cx="439616" cy="386861"/>
-          </a:xfrm>
-          <a:prstGeom prst="ellipse">
-            <a:avLst/>
-          </a:prstGeom>
-        </p:spPr>
-        <p:style>
-          <a:lnRef idx="2">
-            <a:schemeClr val="accent1">
-              <a:shade val="50000"/>
-            </a:schemeClr>
-          </a:lnRef>
-          <a:fillRef idx="1">
-            <a:schemeClr val="accent1"/>
-          </a:fillRef>
-          <a:effectRef idx="0">
-            <a:schemeClr val="accent1"/>
-          </a:effectRef>
-          <a:fontRef idx="minor">
-            <a:schemeClr val="lt1"/>
-          </a:fontRef>
-        </p:style>
-        <p:txBody>
-          <a:bodyPr rtlCol="0" anchor="ctr"/>
-          <a:lstStyle/>
-          <a:p>
-            <a:pPr algn="ctr"/>
-            <a:r>
-              <a:rPr lang="en-US" altLang="ko-KR" dirty="0"/>
-              <a:t>3</a:t>
-            </a:r>
-            <a:endParaRPr lang="ko-KR" altLang="en-US" dirty="0"/>
-          </a:p>
-        </p:txBody>
-      </p:sp>
-      <p:sp>
-        <p:nvSpPr>
-          <p:cNvPr id="22" name="타원 21"/>
-          <p:cNvSpPr/>
-          <p:nvPr/>
-        </p:nvSpPr>
-        <p:spPr>
-          <a:xfrm>
-            <a:off x="5662245" y="5723296"/>
-            <a:ext cx="439616" cy="386861"/>
-          </a:xfrm>
-          <a:prstGeom prst="ellipse">
-            <a:avLst/>
-          </a:prstGeom>
-        </p:spPr>
-        <p:style>
-          <a:lnRef idx="2">
-            <a:schemeClr val="accent1">
-              <a:shade val="50000"/>
-            </a:schemeClr>
-          </a:lnRef>
-          <a:fillRef idx="1">
-            <a:schemeClr val="accent1"/>
-          </a:fillRef>
-          <a:effectRef idx="0">
-            <a:schemeClr val="accent1"/>
-          </a:effectRef>
-          <a:fontRef idx="minor">
-            <a:schemeClr val="lt1"/>
-          </a:fontRef>
-        </p:style>
-        <p:txBody>
-          <a:bodyPr rtlCol="0" anchor="ctr"/>
-          <a:lstStyle/>
-          <a:p>
-            <a:pPr algn="ctr"/>
-            <a:r>
-              <a:rPr lang="en-US" altLang="ko-KR" dirty="0"/>
-              <a:t>4</a:t>
             </a:r>
             <a:endParaRPr lang="ko-KR" altLang="en-US" dirty="0"/>
           </a:p>
@@ -15380,7 +15921,7 @@
     </p:spTree>
     <p:extLst>
       <p:ext uri="{BB962C8B-B14F-4D97-AF65-F5344CB8AC3E}">
-        <p14:creationId xmlns:p14="http://schemas.microsoft.com/office/powerpoint/2010/main" val="1432007771"/>
+        <p14:creationId xmlns:p14="http://schemas.microsoft.com/office/powerpoint/2010/main" val="4204163747"/>
       </p:ext>
     </p:extLst>
   </p:cSld>
@@ -15492,7 +16033,7 @@
         <p:spPr>
           <a:xfrm>
             <a:off x="1301262" y="562708"/>
-            <a:ext cx="2223686" cy="369332"/>
+            <a:ext cx="3220753" cy="369332"/>
           </a:xfrm>
           <a:prstGeom prst="rect">
             <a:avLst/>
@@ -15507,15 +16048,23 @@
           <a:p>
             <a:r>
               <a:rPr lang="en-US" altLang="ko-KR" dirty="0" smtClean="0"/>
-              <a:t>4. </a:t>
+              <a:t>3. </a:t>
             </a:r>
             <a:r>
               <a:rPr lang="ko-KR" altLang="en-US" dirty="0" smtClean="0"/>
-              <a:t>게임 </a:t>
+              <a:t>게임 로비 </a:t>
+            </a:r>
+            <a:r>
+              <a:rPr lang="en-US" altLang="ko-KR" dirty="0" smtClean="0"/>
+              <a:t>(</a:t>
             </a:r>
             <a:r>
               <a:rPr lang="ko-KR" altLang="en-US" dirty="0" smtClean="0"/>
-              <a:t>플레이 화면</a:t>
+              <a:t>로그인 성공 시</a:t>
+            </a:r>
+            <a:r>
+              <a:rPr lang="en-US" altLang="ko-KR" dirty="0" smtClean="0"/>
+              <a:t>)</a:t>
             </a:r>
             <a:endParaRPr lang="ko-KR" altLang="en-US" dirty="0"/>
           </a:p>
@@ -15529,8 +16078,8 @@
         </p:nvSpPr>
         <p:spPr>
           <a:xfrm>
-            <a:off x="8748345" y="501190"/>
-            <a:ext cx="2831123" cy="3139321"/>
+            <a:off x="8594500" y="808892"/>
+            <a:ext cx="3034953" cy="2862322"/>
           </a:xfrm>
           <a:prstGeom prst="rect">
             <a:avLst/>
@@ -15543,38 +16092,32 @@
           </a:bodyPr>
           <a:lstStyle/>
           <a:p>
-            <a:endParaRPr lang="en-US" altLang="ko-KR" dirty="0" smtClean="0"/>
-          </a:p>
-          <a:p>
             <a:pPr marL="342900" indent="-342900">
               <a:buAutoNum type="arabicPeriod"/>
             </a:pPr>
             <a:r>
               <a:rPr lang="ko-KR" altLang="en-US" dirty="0" smtClean="0"/>
-              <a:t>상대</a:t>
+              <a:t>게임 플레이 버튼</a:t>
+            </a:r>
+            <a:r>
+              <a:rPr lang="en-US" altLang="ko-KR" dirty="0"/>
+              <a:t> </a:t>
+            </a:r>
+            <a:r>
+              <a:rPr lang="en-US" altLang="ko-KR" dirty="0" smtClean="0"/>
+              <a:t>- 4</a:t>
             </a:r>
             <a:r>
               <a:rPr lang="ko-KR" altLang="en-US" dirty="0" smtClean="0"/>
-              <a:t> 이미지 </a:t>
-            </a:r>
-            <a:r>
-              <a:rPr lang="en-US" altLang="ko-KR" dirty="0" smtClean="0"/>
-              <a:t>(</a:t>
-            </a:r>
-            <a:r>
-              <a:rPr lang="ko-KR" altLang="en-US" dirty="0" smtClean="0"/>
-              <a:t>컴퓨터</a:t>
-            </a:r>
-            <a:r>
-              <a:rPr lang="en-US" altLang="ko-KR" dirty="0" smtClean="0"/>
-              <a:t>)</a:t>
-            </a:r>
+              <a:t>번 화면으로 이동</a:t>
+            </a:r>
+            <a:endParaRPr lang="en-US" altLang="ko-KR" dirty="0" smtClean="0"/>
           </a:p>
           <a:p>
             <a:pPr marL="342900" indent="-342900">
               <a:buAutoNum type="arabicPeriod"/>
             </a:pPr>
-            <a:endParaRPr lang="en-US" altLang="ko-KR" dirty="0" smtClean="0"/>
+            <a:endParaRPr lang="en-US" altLang="ko-KR" dirty="0"/>
           </a:p>
           <a:p>
             <a:pPr marL="342900" indent="-342900">
@@ -15582,31 +16125,15 @@
             </a:pPr>
             <a:r>
               <a:rPr lang="ko-KR" altLang="en-US" dirty="0" smtClean="0"/>
-              <a:t>가위</a:t>
+              <a:t>랭킹 버튼 </a:t>
             </a:r>
             <a:r>
               <a:rPr lang="en-US" altLang="ko-KR" dirty="0" smtClean="0"/>
-              <a:t>, </a:t>
+              <a:t>– (5</a:t>
             </a:r>
             <a:r>
               <a:rPr lang="ko-KR" altLang="en-US" dirty="0" smtClean="0"/>
-              <a:t>바위</a:t>
-            </a:r>
-            <a:r>
-              <a:rPr lang="en-US" altLang="ko-KR" dirty="0" smtClean="0"/>
-              <a:t>, </a:t>
-            </a:r>
-            <a:r>
-              <a:rPr lang="ko-KR" altLang="en-US" dirty="0" smtClean="0"/>
-              <a:t>보 이미지가 있는 버튼 </a:t>
-            </a:r>
-            <a:r>
-              <a:rPr lang="en-US" altLang="ko-KR" dirty="0" smtClean="0"/>
-              <a:t>(4-1 </a:t>
-            </a:r>
-            <a:r>
-              <a:rPr lang="ko-KR" altLang="en-US" dirty="0" smtClean="0"/>
-              <a:t>화면으로</a:t>
+              <a:t>번 화면으로</a:t>
             </a:r>
             <a:r>
               <a:rPr lang="en-US" altLang="ko-KR" dirty="0" smtClean="0"/>
@@ -15617,7 +16144,7 @@
             <a:pPr marL="342900" indent="-342900">
               <a:buAutoNum type="arabicPeriod"/>
             </a:pPr>
-            <a:endParaRPr lang="en-US" altLang="ko-KR" dirty="0" smtClean="0"/>
+            <a:endParaRPr lang="en-US" altLang="ko-KR" dirty="0"/>
           </a:p>
           <a:p>
             <a:pPr marL="342900" indent="-342900">
@@ -15625,21 +16152,129 @@
             </a:pPr>
             <a:r>
               <a:rPr lang="ko-KR" altLang="en-US" dirty="0" smtClean="0"/>
-              <a:t>나가기 버튼</a:t>
-            </a:r>
-            <a:endParaRPr lang="en-US" altLang="ko-KR" dirty="0" smtClean="0"/>
-          </a:p>
-          <a:p>
-            <a:endParaRPr lang="en-US" altLang="ko-KR" dirty="0" smtClean="0"/>
-          </a:p>
-          <a:p>
-            <a:endParaRPr lang="en-US" altLang="ko-KR" dirty="0" smtClean="0"/>
+              <a:t>종료 버튼</a:t>
+            </a:r>
+            <a:endParaRPr lang="en-US" altLang="ko-KR" dirty="0"/>
           </a:p>
           <a:p>
             <a:pPr marL="342900" indent="-342900">
               <a:buAutoNum type="arabicPeriod"/>
             </a:pPr>
+            <a:endParaRPr lang="en-US" altLang="ko-KR" dirty="0"/>
+          </a:p>
+          <a:p>
+            <a:pPr marL="342900" indent="-342900">
+              <a:buAutoNum type="arabicPeriod"/>
+            </a:pPr>
+            <a:r>
+              <a:rPr lang="ko-KR" altLang="en-US" dirty="0" smtClean="0"/>
+              <a:t>서버 정보 </a:t>
+            </a:r>
+            <a:r>
+              <a:rPr lang="en-US" altLang="ko-KR" dirty="0" smtClean="0"/>
+              <a:t>– </a:t>
+            </a:r>
+            <a:r>
+              <a:rPr lang="ko-KR" altLang="en-US" dirty="0" smtClean="0"/>
+              <a:t>서버 </a:t>
+            </a:r>
+            <a:r>
+              <a:rPr lang="en-US" altLang="ko-KR" dirty="0" err="1" smtClean="0"/>
+              <a:t>ip</a:t>
+            </a:r>
+            <a:r>
+              <a:rPr lang="en-US" altLang="ko-KR" dirty="0" smtClean="0"/>
+              <a:t> </a:t>
+            </a:r>
+            <a:r>
+              <a:rPr lang="ko-KR" altLang="en-US" dirty="0" smtClean="0"/>
+              <a:t>표시</a:t>
+            </a:r>
+            <a:endParaRPr lang="en-US" altLang="ko-KR" dirty="0"/>
+          </a:p>
+        </p:txBody>
+      </p:sp>
+      <p:sp>
+        <p:nvSpPr>
+          <p:cNvPr id="2" name="TextBox 1"/>
+          <p:cNvSpPr txBox="1"/>
+          <p:nvPr/>
+        </p:nvSpPr>
+        <p:spPr>
+          <a:xfrm>
+            <a:off x="5810108" y="6031524"/>
+            <a:ext cx="1740876" cy="369332"/>
+          </a:xfrm>
+          <a:prstGeom prst="rect">
+            <a:avLst/>
+          </a:prstGeom>
+          <a:noFill/>
+        </p:spPr>
+        <p:txBody>
+          <a:bodyPr wrap="square" rtlCol="0">
+            <a:spAutoFit/>
+          </a:bodyPr>
+          <a:lstStyle/>
+          <a:p>
+            <a:r>
+              <a:rPr lang="ko-KR" altLang="en-US" dirty="0" smtClean="0"/>
+              <a:t>서버</a:t>
+            </a:r>
+            <a:r>
+              <a:rPr lang="en-US" altLang="ko-KR" dirty="0" err="1" smtClean="0"/>
+              <a:t>ip</a:t>
+            </a:r>
+            <a:r>
+              <a:rPr lang="ko-KR" altLang="en-US" dirty="0" smtClean="0"/>
+              <a:t> </a:t>
+            </a:r>
+            <a:r>
+              <a:rPr lang="en-US" altLang="ko-KR" dirty="0" smtClean="0"/>
+              <a:t>: </a:t>
+            </a:r>
+            <a:r>
+              <a:rPr lang="en-US" altLang="ko-KR" dirty="0" err="1" smtClean="0"/>
+              <a:t>xxx.xxx</a:t>
+            </a:r>
             <a:endParaRPr lang="en-US" altLang="ko-KR" dirty="0" smtClean="0"/>
+          </a:p>
+        </p:txBody>
+      </p:sp>
+      <p:sp>
+        <p:nvSpPr>
+          <p:cNvPr id="9" name="직사각형 8"/>
+          <p:cNvSpPr/>
+          <p:nvPr/>
+        </p:nvSpPr>
+        <p:spPr>
+          <a:xfrm>
+            <a:off x="1949684" y="2637775"/>
+            <a:ext cx="1923908" cy="553915"/>
+          </a:xfrm>
+          <a:prstGeom prst="rect">
+            <a:avLst/>
+          </a:prstGeom>
+        </p:spPr>
+        <p:style>
+          <a:lnRef idx="0">
+            <a:schemeClr val="accent3"/>
+          </a:lnRef>
+          <a:fillRef idx="3">
+            <a:schemeClr val="accent3"/>
+          </a:fillRef>
+          <a:effectRef idx="3">
+            <a:schemeClr val="accent3"/>
+          </a:effectRef>
+          <a:fontRef idx="minor">
+            <a:schemeClr val="lt1"/>
+          </a:fontRef>
+        </p:style>
+        <p:txBody>
+          <a:bodyPr rtlCol="0" anchor="ctr"/>
+          <a:lstStyle/>
+          <a:p>
+            <a:pPr algn="ctr"/>
+            <a:endParaRPr lang="ko-KR" altLang="en-US"/>
           </a:p>
         </p:txBody>
       </p:sp>
@@ -15651,8 +16286,8 @@
         </p:nvSpPr>
         <p:spPr>
           <a:xfrm>
-            <a:off x="6145823" y="3065277"/>
-            <a:ext cx="1134208" cy="369332"/>
+            <a:off x="2214054" y="2730067"/>
+            <a:ext cx="2373923" cy="369332"/>
           </a:xfrm>
           <a:prstGeom prst="rect">
             <a:avLst/>
@@ -15666,8 +16301,8 @@
           <a:lstStyle/>
           <a:p>
             <a:r>
-              <a:rPr lang="en-US" altLang="ko-KR" dirty="0" smtClean="0"/>
-              <a:t>com</a:t>
+              <a:rPr lang="ko-KR" altLang="en-US" dirty="0" smtClean="0"/>
+              <a:t>플레이</a:t>
             </a:r>
             <a:endParaRPr lang="ko-KR" altLang="en-US" dirty="0"/>
           </a:p>
@@ -15675,14 +16310,90 @@
       </p:sp>
       <p:sp>
         <p:nvSpPr>
-          <p:cNvPr id="6" name="TextBox 5"/>
+          <p:cNvPr id="17" name="직사각형 16"/>
+          <p:cNvSpPr/>
+          <p:nvPr/>
+        </p:nvSpPr>
+        <p:spPr>
+          <a:xfrm>
+            <a:off x="1949684" y="3455652"/>
+            <a:ext cx="1923908" cy="553915"/>
+          </a:xfrm>
+          <a:prstGeom prst="rect">
+            <a:avLst/>
+          </a:prstGeom>
+        </p:spPr>
+        <p:style>
+          <a:lnRef idx="0">
+            <a:schemeClr val="accent3"/>
+          </a:lnRef>
+          <a:fillRef idx="3">
+            <a:schemeClr val="accent3"/>
+          </a:fillRef>
+          <a:effectRef idx="3">
+            <a:schemeClr val="accent3"/>
+          </a:effectRef>
+          <a:fontRef idx="minor">
+            <a:schemeClr val="lt1"/>
+          </a:fontRef>
+        </p:style>
+        <p:txBody>
+          <a:bodyPr rtlCol="0" anchor="ctr"/>
+          <a:lstStyle/>
+          <a:p>
+            <a:pPr algn="ctr"/>
+            <a:endParaRPr lang="ko-KR" altLang="en-US"/>
+          </a:p>
+        </p:txBody>
+      </p:sp>
+      <p:sp>
+        <p:nvSpPr>
+          <p:cNvPr id="18" name="직사각형 17"/>
+          <p:cNvSpPr/>
+          <p:nvPr/>
+        </p:nvSpPr>
+        <p:spPr>
+          <a:xfrm>
+            <a:off x="1949684" y="4273529"/>
+            <a:ext cx="1923908" cy="553915"/>
+          </a:xfrm>
+          <a:prstGeom prst="rect">
+            <a:avLst/>
+          </a:prstGeom>
+        </p:spPr>
+        <p:style>
+          <a:lnRef idx="0">
+            <a:schemeClr val="accent3"/>
+          </a:lnRef>
+          <a:fillRef idx="3">
+            <a:schemeClr val="accent3"/>
+          </a:fillRef>
+          <a:effectRef idx="3">
+            <a:schemeClr val="accent3"/>
+          </a:effectRef>
+          <a:fontRef idx="minor">
+            <a:schemeClr val="lt1"/>
+          </a:fontRef>
+        </p:style>
+        <p:txBody>
+          <a:bodyPr rtlCol="0" anchor="ctr"/>
+          <a:lstStyle/>
+          <a:p>
+            <a:pPr algn="ctr"/>
+            <a:endParaRPr lang="ko-KR" altLang="en-US"/>
+          </a:p>
+        </p:txBody>
+      </p:sp>
+      <p:sp>
+        <p:nvSpPr>
+          <p:cNvPr id="16" name="TextBox 15"/>
           <p:cNvSpPr txBox="1"/>
           <p:nvPr/>
         </p:nvSpPr>
         <p:spPr>
           <a:xfrm>
-            <a:off x="6145823" y="4767801"/>
-            <a:ext cx="984739" cy="369332"/>
+            <a:off x="2214054" y="4373647"/>
+            <a:ext cx="2373923" cy="369332"/>
           </a:xfrm>
           <a:prstGeom prst="rect">
             <a:avLst/>
@@ -15697,24 +16408,54 @@
           <a:p>
             <a:r>
               <a:rPr lang="ko-KR" altLang="en-US" dirty="0" smtClean="0"/>
-              <a:t>닉네임</a:t>
-            </a:r>
-            <a:endParaRPr lang="en-US" altLang="ko-KR" dirty="0" smtClean="0"/>
-          </a:p>
-        </p:txBody>
-      </p:sp>
-      <p:sp>
-        <p:nvSpPr>
-          <p:cNvPr id="20" name="직사각형 19"/>
+              <a:t>종료</a:t>
+            </a:r>
+            <a:endParaRPr lang="ko-KR" altLang="en-US" dirty="0"/>
+          </a:p>
+        </p:txBody>
+      </p:sp>
+      <p:sp>
+        <p:nvSpPr>
+          <p:cNvPr id="14" name="TextBox 13"/>
+          <p:cNvSpPr txBox="1"/>
+          <p:nvPr/>
+        </p:nvSpPr>
+        <p:spPr>
+          <a:xfrm>
+            <a:off x="2214054" y="3551154"/>
+            <a:ext cx="2373923" cy="369332"/>
+          </a:xfrm>
+          <a:prstGeom prst="rect">
+            <a:avLst/>
+          </a:prstGeom>
+          <a:noFill/>
+        </p:spPr>
+        <p:txBody>
+          <a:bodyPr wrap="square" rtlCol="0">
+            <a:spAutoFit/>
+          </a:bodyPr>
+          <a:lstStyle/>
+          <a:p>
+            <a:r>
+              <a:rPr lang="ko-KR" altLang="en-US" dirty="0" smtClean="0"/>
+              <a:t>랭킹 보기</a:t>
+            </a:r>
+            <a:endParaRPr lang="ko-KR" altLang="en-US" dirty="0"/>
+          </a:p>
+        </p:txBody>
+      </p:sp>
+      <p:sp>
+        <p:nvSpPr>
+          <p:cNvPr id="19" name="타원 18"/>
           <p:cNvSpPr/>
           <p:nvPr/>
         </p:nvSpPr>
         <p:spPr>
           <a:xfrm>
-            <a:off x="2522022" y="2426677"/>
-            <a:ext cx="1951892" cy="1037767"/>
-          </a:xfrm>
-          <a:prstGeom prst="rect">
+            <a:off x="1729876" y="2484213"/>
+            <a:ext cx="439616" cy="386861"/>
+          </a:xfrm>
+          <a:prstGeom prst="ellipse">
             <a:avLst/>
           </a:prstGeom>
         </p:spPr>
@@ -15740,8 +16481,8 @@
           <a:p>
             <a:pPr algn="ctr"/>
             <a:r>
-              <a:rPr lang="ko-KR" altLang="en-US" dirty="0" smtClean="0"/>
-              <a:t>가위바위보</a:t>
+              <a:rPr lang="en-US" altLang="ko-KR" dirty="0" smtClean="0"/>
+              <a:t>1</a:t>
             </a:r>
             <a:endParaRPr lang="ko-KR" altLang="en-US" dirty="0"/>
           </a:p>
@@ -15749,16 +16490,16 @@
       </p:sp>
       <p:sp>
         <p:nvSpPr>
-          <p:cNvPr id="21" name="직사각형 20"/>
+          <p:cNvPr id="20" name="타원 19"/>
           <p:cNvSpPr/>
           <p:nvPr/>
         </p:nvSpPr>
         <p:spPr>
           <a:xfrm>
-            <a:off x="1626577" y="4396154"/>
-            <a:ext cx="1034753" cy="1002378"/>
-          </a:xfrm>
-          <a:prstGeom prst="rect">
+            <a:off x="1729876" y="3345748"/>
+            <a:ext cx="439616" cy="386861"/>
+          </a:xfrm>
+          <a:prstGeom prst="ellipse">
             <a:avLst/>
           </a:prstGeom>
         </p:spPr>
@@ -15784,8 +16525,8 @@
           <a:p>
             <a:pPr algn="ctr"/>
             <a:r>
-              <a:rPr lang="ko-KR" altLang="en-US" dirty="0" smtClean="0"/>
-              <a:t>가위</a:t>
+              <a:rPr lang="en-US" altLang="ko-KR" dirty="0"/>
+              <a:t>2</a:t>
             </a:r>
             <a:endParaRPr lang="ko-KR" altLang="en-US" dirty="0"/>
           </a:p>
@@ -15793,16 +16534,16 @@
       </p:sp>
       <p:sp>
         <p:nvSpPr>
-          <p:cNvPr id="23" name="직사각형 22"/>
+          <p:cNvPr id="21" name="타원 20"/>
           <p:cNvSpPr/>
           <p:nvPr/>
         </p:nvSpPr>
         <p:spPr>
           <a:xfrm>
-            <a:off x="2980592" y="4396154"/>
-            <a:ext cx="1034753" cy="1002378"/>
-          </a:xfrm>
-          <a:prstGeom prst="rect">
+            <a:off x="1774438" y="4130158"/>
+            <a:ext cx="439616" cy="386861"/>
+          </a:xfrm>
+          <a:prstGeom prst="ellipse">
             <a:avLst/>
           </a:prstGeom>
         </p:spPr>
@@ -15828,8 +16569,8 @@
           <a:p>
             <a:pPr algn="ctr"/>
             <a:r>
-              <a:rPr lang="ko-KR" altLang="en-US" dirty="0" smtClean="0"/>
-              <a:t>바위</a:t>
+              <a:rPr lang="en-US" altLang="ko-KR" dirty="0"/>
+              <a:t>3</a:t>
             </a:r>
             <a:endParaRPr lang="ko-KR" altLang="en-US" dirty="0"/>
           </a:p>
@@ -15837,16 +16578,16 @@
       </p:sp>
       <p:sp>
         <p:nvSpPr>
-          <p:cNvPr id="24" name="직사각형 23"/>
+          <p:cNvPr id="22" name="타원 21"/>
           <p:cNvSpPr/>
           <p:nvPr/>
         </p:nvSpPr>
         <p:spPr>
           <a:xfrm>
-            <a:off x="4274431" y="4396154"/>
-            <a:ext cx="1034753" cy="1002378"/>
-          </a:xfrm>
-          <a:prstGeom prst="rect">
+            <a:off x="5662245" y="5723296"/>
+            <a:ext cx="439616" cy="386861"/>
+          </a:xfrm>
+          <a:prstGeom prst="ellipse">
             <a:avLst/>
           </a:prstGeom>
         </p:spPr>
@@ -15872,293 +16613,8 @@
           <a:p>
             <a:pPr algn="ctr"/>
             <a:r>
-              <a:rPr lang="ko-KR" altLang="en-US" dirty="0" smtClean="0"/>
-              <a:t>보</a:t>
-            </a:r>
-            <a:endParaRPr lang="ko-KR" altLang="en-US" dirty="0"/>
-          </a:p>
-        </p:txBody>
-      </p:sp>
-      <p:sp>
-        <p:nvSpPr>
-          <p:cNvPr id="25" name="TextBox 24"/>
-          <p:cNvSpPr txBox="1"/>
-          <p:nvPr/>
-        </p:nvSpPr>
-        <p:spPr>
-          <a:xfrm>
-            <a:off x="3353185" y="3719617"/>
-            <a:ext cx="568185" cy="369332"/>
-          </a:xfrm>
-          <a:prstGeom prst="rect">
-            <a:avLst/>
-          </a:prstGeom>
-          <a:noFill/>
-        </p:spPr>
-        <p:txBody>
-          <a:bodyPr wrap="square" rtlCol="0">
-            <a:spAutoFit/>
-          </a:bodyPr>
-          <a:lstStyle/>
-          <a:p>
-            <a:r>
-              <a:rPr lang="en-US" altLang="ko-KR" dirty="0" smtClean="0"/>
-              <a:t>vs</a:t>
-            </a:r>
-            <a:endParaRPr lang="ko-KR" altLang="en-US" dirty="0"/>
-          </a:p>
-        </p:txBody>
-      </p:sp>
-      <p:sp>
-        <p:nvSpPr>
-          <p:cNvPr id="26" name="TextBox 25"/>
-          <p:cNvSpPr txBox="1"/>
-          <p:nvPr/>
-        </p:nvSpPr>
-        <p:spPr>
-          <a:xfrm>
-            <a:off x="6603023" y="1840018"/>
-            <a:ext cx="945173" cy="369332"/>
-          </a:xfrm>
-          <a:prstGeom prst="rect">
-            <a:avLst/>
-          </a:prstGeom>
-          <a:noFill/>
-          <a:ln>
-            <a:solidFill>
-              <a:schemeClr val="tx1"/>
-            </a:solidFill>
-          </a:ln>
-        </p:spPr>
-        <p:txBody>
-          <a:bodyPr wrap="square" rtlCol="0">
-            <a:spAutoFit/>
-          </a:bodyPr>
-          <a:lstStyle/>
-          <a:p>
-            <a:r>
-              <a:rPr lang="ko-KR" altLang="en-US" dirty="0" smtClean="0"/>
-              <a:t>나가기</a:t>
-            </a:r>
-            <a:endParaRPr lang="ko-KR" altLang="en-US" dirty="0"/>
-          </a:p>
-        </p:txBody>
-      </p:sp>
-      <p:sp>
-        <p:nvSpPr>
-          <p:cNvPr id="15" name="타원 14"/>
-          <p:cNvSpPr/>
-          <p:nvPr/>
-        </p:nvSpPr>
-        <p:spPr>
-          <a:xfrm>
-            <a:off x="1466945" y="4123869"/>
-            <a:ext cx="439616" cy="386861"/>
-          </a:xfrm>
-          <a:prstGeom prst="ellipse">
-            <a:avLst/>
-          </a:prstGeom>
-        </p:spPr>
-        <p:style>
-          <a:lnRef idx="2">
-            <a:schemeClr val="accent1">
-              <a:shade val="50000"/>
-            </a:schemeClr>
-          </a:lnRef>
-          <a:fillRef idx="1">
-            <a:schemeClr val="accent1"/>
-          </a:fillRef>
-          <a:effectRef idx="0">
-            <a:schemeClr val="accent1"/>
-          </a:effectRef>
-          <a:fontRef idx="minor">
-            <a:schemeClr val="lt1"/>
-          </a:fontRef>
-        </p:style>
-        <p:txBody>
-          <a:bodyPr rtlCol="0" anchor="ctr"/>
-          <a:lstStyle/>
-          <a:p>
-            <a:pPr algn="ctr"/>
-            <a:r>
-              <a:rPr lang="en-US" altLang="ko-KR" dirty="0" smtClean="0"/>
-              <a:t>2</a:t>
-            </a:r>
-            <a:endParaRPr lang="ko-KR" altLang="en-US" dirty="0"/>
-          </a:p>
-        </p:txBody>
-      </p:sp>
-      <p:sp>
-        <p:nvSpPr>
-          <p:cNvPr id="16" name="타원 15"/>
-          <p:cNvSpPr/>
-          <p:nvPr/>
-        </p:nvSpPr>
-        <p:spPr>
-          <a:xfrm>
-            <a:off x="2707488" y="4123869"/>
-            <a:ext cx="439616" cy="386861"/>
-          </a:xfrm>
-          <a:prstGeom prst="ellipse">
-            <a:avLst/>
-          </a:prstGeom>
-        </p:spPr>
-        <p:style>
-          <a:lnRef idx="2">
-            <a:schemeClr val="accent1">
-              <a:shade val="50000"/>
-            </a:schemeClr>
-          </a:lnRef>
-          <a:fillRef idx="1">
-            <a:schemeClr val="accent1"/>
-          </a:fillRef>
-          <a:effectRef idx="0">
-            <a:schemeClr val="accent1"/>
-          </a:effectRef>
-          <a:fontRef idx="minor">
-            <a:schemeClr val="lt1"/>
-          </a:fontRef>
-        </p:style>
-        <p:txBody>
-          <a:bodyPr rtlCol="0" anchor="ctr"/>
-          <a:lstStyle/>
-          <a:p>
-            <a:pPr algn="ctr"/>
-            <a:r>
-              <a:rPr lang="en-US" altLang="ko-KR" dirty="0" smtClean="0"/>
-              <a:t>2</a:t>
-            </a:r>
-            <a:endParaRPr lang="ko-KR" altLang="en-US" dirty="0"/>
-          </a:p>
-        </p:txBody>
-      </p:sp>
-      <p:sp>
-        <p:nvSpPr>
-          <p:cNvPr id="17" name="타원 16"/>
-          <p:cNvSpPr/>
-          <p:nvPr/>
-        </p:nvSpPr>
-        <p:spPr>
-          <a:xfrm>
-            <a:off x="4015345" y="4123869"/>
-            <a:ext cx="439616" cy="386861"/>
-          </a:xfrm>
-          <a:prstGeom prst="ellipse">
-            <a:avLst/>
-          </a:prstGeom>
-        </p:spPr>
-        <p:style>
-          <a:lnRef idx="2">
-            <a:schemeClr val="accent1">
-              <a:shade val="50000"/>
-            </a:schemeClr>
-          </a:lnRef>
-          <a:fillRef idx="1">
-            <a:schemeClr val="accent1"/>
-          </a:fillRef>
-          <a:effectRef idx="0">
-            <a:schemeClr val="accent1"/>
-          </a:effectRef>
-          <a:fontRef idx="minor">
-            <a:schemeClr val="lt1"/>
-          </a:fontRef>
-        </p:style>
-        <p:txBody>
-          <a:bodyPr rtlCol="0" anchor="ctr"/>
-          <a:lstStyle/>
-          <a:p>
-            <a:pPr algn="ctr"/>
-            <a:r>
-              <a:rPr lang="en-US" altLang="ko-KR" dirty="0" smtClean="0"/>
-              <a:t>2</a:t>
-            </a:r>
-            <a:endParaRPr lang="ko-KR" altLang="en-US" dirty="0"/>
-          </a:p>
-        </p:txBody>
-      </p:sp>
-      <p:sp>
-        <p:nvSpPr>
-          <p:cNvPr id="18" name="타원 17"/>
-          <p:cNvSpPr/>
-          <p:nvPr/>
-        </p:nvSpPr>
-        <p:spPr>
-          <a:xfrm>
-            <a:off x="2221714" y="2171504"/>
-            <a:ext cx="439616" cy="386861"/>
-          </a:xfrm>
-          <a:prstGeom prst="ellipse">
-            <a:avLst/>
-          </a:prstGeom>
-        </p:spPr>
-        <p:style>
-          <a:lnRef idx="2">
-            <a:schemeClr val="accent1">
-              <a:shade val="50000"/>
-            </a:schemeClr>
-          </a:lnRef>
-          <a:fillRef idx="1">
-            <a:schemeClr val="accent1"/>
-          </a:fillRef>
-          <a:effectRef idx="0">
-            <a:schemeClr val="accent1"/>
-          </a:effectRef>
-          <a:fontRef idx="minor">
-            <a:schemeClr val="lt1"/>
-          </a:fontRef>
-        </p:style>
-        <p:txBody>
-          <a:bodyPr rtlCol="0" anchor="ctr"/>
-          <a:lstStyle/>
-          <a:p>
-            <a:pPr algn="ctr"/>
-            <a:r>
-              <a:rPr lang="en-US" altLang="ko-KR" dirty="0" smtClean="0"/>
-              <a:t>1</a:t>
-            </a:r>
-            <a:endParaRPr lang="ko-KR" altLang="en-US" dirty="0"/>
-          </a:p>
-        </p:txBody>
-      </p:sp>
-      <p:sp>
-        <p:nvSpPr>
-          <p:cNvPr id="19" name="타원 18"/>
-          <p:cNvSpPr/>
-          <p:nvPr/>
-        </p:nvSpPr>
-        <p:spPr>
-          <a:xfrm>
-            <a:off x="6308481" y="1637823"/>
-            <a:ext cx="439616" cy="386861"/>
-          </a:xfrm>
-          <a:prstGeom prst="ellipse">
-            <a:avLst/>
-          </a:prstGeom>
-        </p:spPr>
-        <p:style>
-          <a:lnRef idx="2">
-            <a:schemeClr val="accent1">
-              <a:shade val="50000"/>
-            </a:schemeClr>
-          </a:lnRef>
-          <a:fillRef idx="1">
-            <a:schemeClr val="accent1"/>
-          </a:fillRef>
-          <a:effectRef idx="0">
-            <a:schemeClr val="accent1"/>
-          </a:effectRef>
-          <a:fontRef idx="minor">
-            <a:schemeClr val="lt1"/>
-          </a:fontRef>
-        </p:style>
-        <p:txBody>
-          <a:bodyPr rtlCol="0" anchor="ctr"/>
-          <a:lstStyle/>
-          <a:p>
-            <a:pPr algn="ctr"/>
-            <a:r>
-              <a:rPr lang="en-US" altLang="ko-KR" dirty="0" smtClean="0"/>
-              <a:t>1</a:t>
+              <a:rPr lang="en-US" altLang="ko-KR" dirty="0"/>
+              <a:t>4</a:t>
             </a:r>
             <a:endParaRPr lang="ko-KR" altLang="en-US" dirty="0"/>
           </a:p>
@@ -16167,7 +16623,7 @@
     </p:spTree>
     <p:extLst>
       <p:ext uri="{BB962C8B-B14F-4D97-AF65-F5344CB8AC3E}">
-        <p14:creationId xmlns:p14="http://schemas.microsoft.com/office/powerpoint/2010/main" val="4284609772"/>
+        <p14:creationId xmlns:p14="http://schemas.microsoft.com/office/powerpoint/2010/main" val="1432007771"/>
       </p:ext>
     </p:extLst>
   </p:cSld>
